--- a/lesson4/Lesson4.pptx
+++ b/lesson4/Lesson4.pptx
@@ -200,7 +200,7 @@
           <inkml:channelProperty channel="F" name="resolution" value="0" units="1/dev"/>
         </inkml:channelProperties>
       </inkml:inkSource>
-      <inkml:timestamp xml:id="ts0" timeString="2025-05-02T20:38:05.068"/>
+      <inkml:timestamp xml:id="ts0" timeString="2025-05-02T20:37:52.447"/>
     </inkml:context>
     <inkml:brush xml:id="br0">
       <inkml:brushProperty name="width" value="0.035" units="cm"/>
@@ -208,7 +208,7 @@
       <inkml:brushProperty name="color" value="#E71224"/>
     </inkml:brush>
   </inkml:definitions>
-  <inkml:trace contextRef="#ctx0" brushRef="#br0">0 1 24575,'0'4'0,"0"7"0,0 0-8191</inkml:trace>
+  <inkml:trace contextRef="#ctx0" brushRef="#br0">0 48 24575,'20'-1'0,"-1"-1"0,37-9 0,-35 6 0,-1 1 0,29-1 0,32 5-50,-51 1-213,1-1 0,-1-1 0,1-2 0,42-9 0,-55 7-6563</inkml:trace>
 </inkml:ink>
 </file>
 
@@ -228,7 +228,7 @@
           <inkml:channelProperty channel="F" name="resolution" value="0" units="1/dev"/>
         </inkml:channelProperties>
       </inkml:inkSource>
-      <inkml:timestamp xml:id="ts0" timeString="2025-05-02T20:38:05.891"/>
+      <inkml:timestamp xml:id="ts0" timeString="2025-05-02T20:37:53.923"/>
     </inkml:context>
     <inkml:brush xml:id="br0">
       <inkml:brushProperty name="width" value="0.035" units="cm"/>
@@ -236,7 +236,7 @@
       <inkml:brushProperty name="color" value="#E71224"/>
     </inkml:brush>
   </inkml:definitions>
-  <inkml:trace contextRef="#ctx0" brushRef="#br0">0 388 24575,'4'1'0,"-1"0"0,0 0 0,0 0 0,0 0 0,-1 1 0,1-1 0,0 1 0,0 0 0,-1 0 0,1 0 0,2 4 0,21 12 0,-24-17 0,0 0 0,1 1 0,-1-1 0,0 0 0,1 0 0,-1-1 0,1 1 0,-1 0 0,1-1 0,0 0 0,-1 0 0,1 1 0,-1-1 0,1-1 0,0 1 0,-1 0 0,1-1 0,-1 1 0,1-1 0,-1 0 0,1 0 0,-1 0 0,0 0 0,1 0 0,-1 0 0,0-1 0,0 1 0,0-1 0,0 0 0,0 1 0,0-1 0,0 0 0,-1 0 0,1 0 0,-1 0 0,1-1 0,-1 1 0,0 0 0,0-1 0,0 1 0,0 0 0,0-1 0,0 1 0,0-6 0,2-12 0,0 0 0,-1 0 0,-1 0 0,-3-34 0,1 33 0,1 0 0,-1-9 0,-6-46 0,6 69 0,0 0 0,-1 0 0,0 0 0,0 0 0,0 1 0,-1-1 0,0 1 0,0 0 0,-1-1 0,0 1 0,0 1 0,-6-7 0,10 11 0,-1 0 0,0 0 0,0 0 0,1 1 0,-1-1 0,0 0 0,0 0 0,0 1 0,0-1 0,0 1 0,0-1 0,0 1 0,0-1 0,0 1 0,0 0 0,0-1 0,0 1 0,0 0 0,0 0 0,0 0 0,-1 0 0,1 0 0,0 0 0,0 0 0,0 0 0,0 1 0,-1-1 0,0 1 0,1 0 0,-1 1 0,1-1 0,-1 0 0,1 0 0,0 1 0,-1-1 0,1 1 0,0 0 0,0-1 0,0 1 0,0 0 0,1-1 0,-2 3 0,-1 6 0,0 0 0,1 0 0,0 0 0,-1 16 0,2-10 0,-1 7 0,2 0 0,0 0 0,5 31 0,-5-49 0,1 1 0,1 0 0,-1-1 0,1 1 0,0-1 0,1 1 0,-1-1 0,1 0 0,0 0 0,0 0 0,0 0 0,1 0 0,0-1 0,0 0 0,0 0 0,0 0 0,1 0 0,6 4 0,-6-5 0,0 0 0,1 0 0,-1 0 0,1-1 0,0 1 0,-1-2 0,1 1 0,0 0 0,0-1 0,0 0 0,0-1 0,0 1 0,1-1 0,-1-1 0,8 0 0,-9 0 0,-1-1 0,-1 0 0,1 0 0,0 0 0,0 0 0,-1 0 0,1-1 0,-1 1 0,0-1 0,1 0 0,-1 0 0,-1 0 0,1-1 0,0 1 0,-1-1 0,0 1 0,0-1 0,0 0 0,0 0 0,0 0 0,-1 0 0,2-8 0,7-23 0,-2 0 0,-2 0 0,-1 0 0,1-45 0,-7 100 0,0 3 0,1 0 0,1-1 0,1 1 0,0 0 0,2-1 0,1 0 0,0 1 0,11 24 0,-9-33 40,0 1 0,17 22 0,-22-35-114,0 1-1,0 0 1,0 0 0,0-1 0,1 1-1,-1-1 1,1 0 0,-1 0 0,1 0-1,0 0 1,0 0 0,0 0 0,0-1-1,0 0 1,1 1 0,-1-1 0,0 0-1,1-1 1,3 2 0,6-4-6752</inkml:trace>
+  <inkml:trace contextRef="#ctx0" brushRef="#br0">0 1 24575,'0'4'0,"0"6"0,0 6 0,5 1 0,1 1 0,0 2 0,3-2 0,0 0 0,-1 2 0,-2 2 0,-3 2 0,-1 1 0,-1 0 0,-1 2 0,-4-5 0,-7-6 0,-1-5-8191</inkml:trace>
 </inkml:ink>
 </file>
 
@@ -256,7 +256,7 @@
           <inkml:channelProperty channel="F" name="resolution" value="0" units="1/dev"/>
         </inkml:channelProperties>
       </inkml:inkSource>
-      <inkml:timestamp xml:id="ts0" timeString="2025-05-02T20:38:06.758"/>
+      <inkml:timestamp xml:id="ts0" timeString="2025-05-02T20:37:54.731"/>
     </inkml:context>
     <inkml:brush xml:id="br0">
       <inkml:brushProperty name="width" value="0.035" units="cm"/>
@@ -264,7 +264,7 @@
       <inkml:brushProperty name="color" value="#E71224"/>
     </inkml:brush>
   </inkml:definitions>
-  <inkml:trace contextRef="#ctx0" brushRef="#br0">0 1 24575,'2'31'0,"1"1"0,7 36 0,-4-35 0,16 105 0,5 21 0,-25-149 0,4 12 0,-3-38 0,-6-65 0,1 56 0,0 1 0,2 0 0,1 0 0,0 0 0,2 0 0,1 0 0,9-30 0,-10 46 0,0 1 0,1-1 0,0 0 0,0 1 0,1 0 0,0 0 0,0 1 0,1-1 0,6-6 0,-10 12 0,-1 0 0,1 0 0,0 0 0,-1 0 0,1 0 0,-1 0 0,1 0 0,0 1 0,0-1 0,0 1 0,-1-1 0,1 1 0,0 0 0,0-1 0,0 1 0,0 0 0,0 0 0,2 1 0,-1 0 0,0 0 0,-1 0 0,1 0 0,-1 1 0,0-1 0,1 1 0,-1-1 0,0 1 0,0 0 0,0 0 0,0 0 0,0 0 0,-1 0 0,1 0 0,0 1 0,1 3 0,1 3 0,0-1 0,-1 2 0,0-1 0,-1 0 0,0 1 0,0-1 0,-1 1 0,0-1 0,0 1 0,-2 10 0,1-4 0,1-1 0,5 30 0,-2-28 0,1 0 0,0 0 0,1 0 0,13 22 0,-18-35 0,1-2 0,0 1 0,0 0 0,0 0 0,1-1 0,-1 1 0,0-1 0,1 1 0,0-1 0,-1 0 0,1 0 0,0 0 0,4 1 0,-4-2 0,-1-1 0,0 1 0,1-1 0,-1 0 0,1 0 0,-1 0 0,0 0 0,1 0 0,-1 0 0,1-1 0,-1 1 0,0-1 0,1 1 0,-1-1 0,0 0 0,0 0 0,1 0 0,-1-1 0,0 1 0,0 0 0,2-3 0,2-1 0,-1 0 0,1 0 0,-1 0 0,-1-1 0,1 0 0,-1 0 0,0 0 0,0 0 0,-1-1 0,0 1 0,3-10 0,3-12 0,9-44 0,-11 40 0,-3 10 0,-1 0 0,0-45 0,-6 125 0,1-13 0,2 50 0,1-84 0,0 1 0,1-1 0,0 0 0,0 1 0,1-1 0,1-1 0,0 1 0,0 0 0,11 18 0,-12-25 0,0 0 0,0-1 0,0 1 0,1-1 0,-1 1 0,1-1 0,0 0 0,0 0 0,0-1 0,0 1 0,0-1 0,0 0 0,1 0 0,-1 0 0,1-1 0,6 2 0,-8-3 0,0 0 0,-1 1 0,1-1 0,0-1 0,0 1 0,-1 0 0,1-1 0,0 1 0,0-1 0,-1 0 0,1 0 0,-1 0 0,1 0 0,-1 0 0,1-1 0,-1 1 0,0-1 0,1 1 0,-1-1 0,0 0 0,0 0 0,0 0 0,0 0 0,-1-1 0,1 1 0,-1 0 0,1-1 0,1-3 0,4-10 0,-1 0 0,0 0 0,-1 0 0,0-1 0,-2 0 0,0 0 0,-1 0 0,0-28 0,-2 33 0,0 1 0,-1-1 0,-1 0 0,0 1 0,0 0 0,-1-1 0,-1 1 0,1 0 0,-2 0 0,0 1 0,0 0 0,-1-1 0,-12-15 0,16 24 0,0-1 0,1 1 0,-1 0 0,0 0 0,-1 0 0,1 0 0,0 1 0,-1-1 0,1 1 0,-1-1 0,1 1 0,-1 0 0,1 0 0,-1 0 0,0 0 0,0 0 0,0 1 0,1-1 0,-1 1 0,0 0 0,0 0 0,0 0 0,0 0 0,0 0 0,0 1 0,1-1 0,-1 1 0,0 0 0,0 0 0,1 0 0,-1 0 0,0 0 0,1 1 0,-1-1 0,1 1 0,-4 3 0,0-1 0,1 1 0,0 0 0,0 0 0,1 1 0,-1-1 0,1 1 0,0 0 0,1 0 0,-1 0 0,1 1 0,1-1 0,-1 1 0,1 0 0,-2 7 0,2 2 30,0 1 0,0-1 0,2 18 0,0-30-95,0-1 1,0 0-1,0 1 1,1-1-1,0 0 1,-1 0-1,1 1 0,0-1 1,0 0-1,1 0 1,-1 0-1,1 0 1,0 0-1,-1-1 1,1 1-1,0 0 0,0-1 1,1 1-1,-1-1 1,1 0-1,-1 0 1,4 2-1,10 3-6761</inkml:trace>
+  <inkml:trace contextRef="#ctx0" brushRef="#br0">1 43 24575,'0'29'0,"0"1"0,2-1 0,0 1 0,3-1 0,0 0 0,17 51 0,-5-33 0,-9-22 0,1-1 0,22 42 0,-19-128 0,-8 53 0,1 0 0,0 1 0,0 0 0,1 0 0,1 0 0,-1 1 0,1-1 0,0 2 0,10-8 0,-9 8 0,-1-1 0,0 1 0,0-1 0,0 0 0,-1 0 0,0-1 0,-1 0 0,0 0 0,0 0 0,6-16 0,-1-8 0,-2-1 0,-1 0 0,-2 0 0,2-54 0,-8 124 0,0 11 0,7 53 0,-4-84 0,0 0 0,2-1 0,0 1 0,1-1 0,0 0 0,2 0 0,10 19 0,-2-6-103,-12-22 6,1 1 0,0-1 0,0 0 0,0 0-1,1 0 1,0-1 0,0 0 0,0 1 0,1-2 0,0 1 0,0-1 0,13 8 0,-3-6-6729</inkml:trace>
 </inkml:ink>
 </file>
 
@@ -284,7 +284,7 @@
           <inkml:channelProperty channel="F" name="resolution" value="0" units="1/dev"/>
         </inkml:channelProperties>
       </inkml:inkSource>
-      <inkml:timestamp xml:id="ts0" timeString="2025-05-02T20:38:07.423"/>
+      <inkml:timestamp xml:id="ts0" timeString="2025-05-02T20:37:55.118"/>
     </inkml:context>
     <inkml:brush xml:id="br0">
       <inkml:brushProperty name="width" value="0.035" units="cm"/>
@@ -292,7 +292,7 @@
       <inkml:brushProperty name="color" value="#E71224"/>
     </inkml:brush>
   </inkml:definitions>
-  <inkml:trace contextRef="#ctx0" brushRef="#br0">1 1 24575,'0'37'0,"-1"0"0,2 0 0,1 0 0,13 64 0,-10-73 0,-1 0 0,1 37 0,-4-35 0,1-1 0,7 29 0,6 22 0,-12-57 0,1-1 0,0 1 0,2-1 0,1 0 0,1 0 0,17 36 0,-25-58 0,0 0 0,0 1 0,0-1 0,0 0 0,1 1 0,-1-1 0,0 0 0,0 1 0,0-1 0,0 0 0,0 0 0,0 1 0,1-1 0,-1 0 0,0 0 0,0 1 0,0-1 0,1 0 0,-1 0 0,0 1 0,0-1 0,1 0 0,-1 0 0,0 0 0,0 0 0,1 0 0,-1 1 0,0-1 0,1 0 0,-1 0 0,0 0 0,1 0 0,-1 0 0,0 0 0,1 0 0,-1 0 0,0 0 0,0 0 0,1 0 0,-1 0 0,0 0 0,1 0 0,-1 0 0,0-1 0,1 1 0,-1 0 0,0 0 0,6-19 0,-4-31 0,-2 48 0,-1-23 0,-2-1 0,-1 1 0,0-1 0,-2 1 0,-12-31 0,11 35 0,-4-20 0,2 1 0,2-2 0,1 1 0,2-1 0,3-58 0,0 89 0,2 0 0,-1 1 0,1-1 0,1 0 0,0 1 0,4-14 0,-5 21 0,1 0 0,-1 0 0,1 1 0,0-1 0,0 0 0,0 1 0,0-1 0,0 1 0,0 0 0,1 0 0,-1 0 0,1 0 0,-1 0 0,1 0 0,0 1 0,0-1 0,0 1 0,0 0 0,0 0 0,0 0 0,0 0 0,0 0 0,0 1 0,1-1 0,2 1 0,-3 0 0,0-1 0,0 1 0,1 0 0,-1 0 0,0 0 0,0 0 0,0 1 0,0-1 0,1 1 0,-1 0 0,0 0 0,0 0 0,0 0 0,-1 1 0,1-1 0,0 1 0,0-1 0,-1 1 0,1 0 0,4 5 0,-5-4 0,1 1 0,-1-1 0,0 1 0,0 0 0,-1 0 0,1 0 0,-1 0 0,0 0 0,0 0 0,0 1 0,0-1 0,-1 0 0,0 9 0,0-4 0,-1 1 0,0-1 0,0 0 0,-1 1 0,0-1 0,-1 0 0,0 0 0,-1 0 0,1-1 0,-2 1 0,1-1 0,-1 0 0,-11 14 0,-13-2 0,25-17 0,1-1 0,-1 0 0,0 1 0,1-1 0,-1 1 0,1 0 0,0 1 0,0-1 0,-5 6 0,8-9 2,0 1-1,0-1 1,0 1 0,0-1-1,0 1 1,0-1-1,0 0 1,0 1 0,0-1-1,0 1 1,1-1 0,-1 0-1,0 1 1,0-1-1,0 1 1,0-1 0,1 0-1,-1 1 1,0-1-1,0 0 1,1 1 0,-1-1-1,0 0 1,1 1-1,-1-1 1,0 0 0,1 0-1,-1 1 1,0-1-1,1 0 1,-1 0 0,1 0-1,-1 0 1,0 0-1,1 1 1,-1-1 0,1 0-1,18 3-1004,-18-2 580,18 0-6403</inkml:trace>
+  <inkml:trace contextRef="#ctx0" brushRef="#br0">52 339 24575,'2'-3'0,"-1"1"0,1-1 0,-1 1 0,1 0 0,0 0 0,0-1 0,0 1 0,0 0 0,0 1 0,1-1 0,-1 0 0,0 1 0,1-1 0,3-1 0,15-12 0,-15 7 0,0 0 0,-1 0 0,1 0 0,-2-1 0,1 1 0,-1-1 0,-1 0 0,0-1 0,0 1 0,-1 0 0,2-12 0,-2 0 0,0 0 0,-2-1 0,-4-42 0,4 62 0,0-1 0,-1 0 0,1 1 0,-1-1 0,0 1 0,1-1 0,-1 1 0,0-1 0,-1 1 0,1 0 0,0-1 0,-1 1 0,1 0 0,-3-3 0,3 4 0,0 0 0,-1 0 0,1 1 0,0-1 0,0 0 0,-1 1 0,1-1 0,-1 0 0,1 1 0,0 0 0,-1-1 0,1 1 0,-1 0 0,1 0 0,-1-1 0,1 1 0,-1 0 0,-2 1 0,0 0 0,0 0 0,0 0 0,0 1 0,0 0 0,0 0 0,0 0 0,1 0 0,-1 0 0,1 1 0,-1-1 0,1 1 0,0 0 0,0 0 0,0 0 0,-4 7 0,0 2 0,0 0 0,1 1 0,0 0 0,1 1 0,0-1 0,1 1 0,1 0 0,0 0 0,1 0 0,0 0 0,1 0 0,1 0 0,2 24 0,0-31 0,1 0 0,0 1 0,0-1 0,1 0 0,0 0 0,0-1 0,0 1 0,1-1 0,0 0 0,0 0 0,1-1 0,0 0 0,0 0 0,0 0 0,0 0 0,1-1 0,9 5 0,2-1 0,-1 0 0,2 0 0,-1-2 0,1 0 0,36 5 0,-51-10-195,1 0 0,0-1 0,0 0 0,0 0 0,0 0 0,8-2 0,3-4-6631</inkml:trace>
 </inkml:ink>
 </file>
 
@@ -312,7 +312,7 @@
           <inkml:channelProperty channel="F" name="resolution" value="0" units="1/dev"/>
         </inkml:channelProperties>
       </inkml:inkSource>
-      <inkml:timestamp xml:id="ts0" timeString="2025-05-02T20:38:07.718"/>
+      <inkml:timestamp xml:id="ts0" timeString="2025-05-02T20:37:55.754"/>
     </inkml:context>
     <inkml:brush xml:id="br0">
       <inkml:brushProperty name="width" value="0.035" units="cm"/>
@@ -320,7 +320,7 @@
       <inkml:brushProperty name="color" value="#E71224"/>
     </inkml:brush>
   </inkml:definitions>
-  <inkml:trace contextRef="#ctx0" brushRef="#br0">15 1 24575,'2'33'0,"2"1"0,1-1 0,12 43 0,-9-42 0,-1 1 0,5 66 0,-13-95 0,1 1 0,1-1 0,-1 0 0,1 1 0,0-1 0,0 1 0,1-1 0,0 0 0,0 0 0,5 9 0,-31-81 0,15 47-455,-1 1 0,-23-33 0,23 37-6371</inkml:trace>
+  <inkml:trace contextRef="#ctx0" brushRef="#br0">0 378 24575,'1'1'0,"-1"0"0,0 0 0,1 0 0,-1 0 0,0 0 0,1 0 0,0 0 0,-1 0 0,1 0 0,-1 0 0,1 0 0,0 0 0,0 0 0,-1-1 0,1 1 0,0 0 0,0 0 0,0-1 0,0 1 0,0-1 0,0 1 0,0-1 0,0 1 0,0-1 0,0 1 0,0-1 0,1 0 0,-1 0 0,0 0 0,0 0 0,0 0 0,0 0 0,0 0 0,0 0 0,1 0 0,-1 0 0,0 0 0,1-1 0,2 1 0,0-1 0,1 0 0,-1 1 0,0-1 0,-1-1 0,1 1 0,0 0 0,0-1 0,6-3 0,-5 0 0,-1 0 0,1 0 0,-1 0 0,0 0 0,-1-1 0,1 1 0,-1-1 0,0 0 0,0 0 0,3-10 0,11-69 0,-9 38 0,-4 30 0,-1 1 0,-1-1 0,0 0 0,-1 0 0,-1 0 0,-1 0 0,0 1 0,-4-19 0,5 34 0,0 1 0,0-1 0,0 1 0,0-1 0,0 1 0,-1-1 0,1 1 0,0-1 0,0 1 0,0-1 0,0 1 0,-1 0 0,1-1 0,0 1 0,0-1 0,-1 1 0,1-1 0,0 1 0,-1 0 0,1-1 0,0 1 0,-1 0 0,1-1 0,-1 1 0,1 0 0,-1 0 0,1-1 0,0 1 0,-1 0 0,0 0 0,-6 13 0,1 25 0,-7 47 0,8-62 0,-4 46 0,9-61 0,0 0 0,1 1 0,0-1 0,0 0 0,1 0 0,0 0 0,0 0 0,0 0 0,7 11 0,-5-10 0,0 0 0,2 0 0,-1-1 0,1 0 0,0 0 0,0-1 0,1 1 0,0-1 0,1-1 0,9 8 0,-14-12 0,0 0 0,1-1 0,-1 1 0,1-1 0,-1 0 0,1 1 0,0-1 0,0-1 0,-1 1 0,1-1 0,0 1 0,0-1 0,0 0 0,-1-1 0,1 1 0,0-1 0,0 1 0,-1-1 0,1 0 0,0 0 0,-1-1 0,1 1 0,-1-1 0,1 0 0,-1 0 0,0 0 0,0 0 0,0-1 0,4-3 0,0-1 0,1-1 0,-1 0 0,-1 0 0,1 0 0,-1-1 0,-1 0 0,0 0 0,0-1 0,-1 1 0,0-1 0,-1 0 0,4-14 0,-3 1 0,0 0 0,-1-1 0,-1 1 0,-2-32 0,-2 118 0,0-40 0,1 0 0,2 0 0,0 0 0,7 39 0,-7-56 0,0 0 0,1-1 0,0 1 0,1 0 0,-1-1 0,1 0 0,0 1 0,0-1 0,0 0 0,1 0 0,0-1 0,0 1 0,0-1 0,1 0 0,-1 0 0,1 0 0,0-1 0,0 0 0,0 0 0,1 0 0,-1 0 0,1-1 0,8 3 0,10 1-1365,-1-2-5461</inkml:trace>
 </inkml:ink>
 </file>
 
@@ -340,7 +340,7 @@
           <inkml:channelProperty channel="F" name="resolution" value="0" units="1/dev"/>
         </inkml:channelProperties>
       </inkml:inkSource>
-      <inkml:timestamp xml:id="ts0" timeString="2025-05-02T20:38:07.963"/>
+      <inkml:timestamp xml:id="ts0" timeString="2025-05-02T20:37:56.345"/>
     </inkml:context>
     <inkml:brush xml:id="br0">
       <inkml:brushProperty name="width" value="0.035" units="cm"/>
@@ -348,7 +348,7 @@
       <inkml:brushProperty name="color" value="#E71224"/>
     </inkml:brush>
   </inkml:definitions>
-  <inkml:trace contextRef="#ctx0" brushRef="#br0">0 60 24575,'1'-1'0,"0"-1"0,-1 1 0,1 0 0,-1 0 0,1 0 0,0 0 0,0 0 0,0 0 0,0 0 0,0 0 0,0 0 0,0 0 0,0 0 0,0 1 0,0-1 0,0 0 0,0 1 0,1-1 0,1 0 0,33-13 0,-26 11 0,14-4 0,1 1 0,0 2 0,1 1 0,-1 0 0,1 2 0,-1 1 0,31 4 0,18-1 0,-27 2-1365,-30 1-5461</inkml:trace>
+  <inkml:trace contextRef="#ctx0" brushRef="#br0">188 50 24575,'1'-2'0,"-1"0"0,-1 0 0,1 0 0,0 0 0,0 0 0,-1 0 0,1 0 0,-1 0 0,0 0 0,1 0 0,-1 0 0,0 1 0,0-1 0,0 0 0,0 1 0,-1-1 0,1 0 0,0 1 0,-1 0 0,1-1 0,-1 1 0,1 0 0,-1 0 0,0 0 0,1 0 0,-1 0 0,0 0 0,0 0 0,0 0 0,0 1 0,0-1 0,0 1 0,0-1 0,0 1 0,0 0 0,-3 0 0,1 0 0,0 0 0,0 0 0,-1 1 0,1-1 0,0 1 0,0 0 0,1 0 0,-1 1 0,0-1 0,0 1 0,1 0 0,-1 0 0,0 0 0,1 0 0,0 1 0,0-1 0,-5 5 0,-1 4 0,2 1 0,-1-1 0,1 1 0,1 1 0,0-1 0,1 1 0,-6 21 0,9-26 0,0 1 0,0-1 0,1 0 0,0 1 0,0-1 0,1 1 0,0 0 0,1-1 0,0 1 0,0-1 0,1 0 0,0 1 0,4 10 0,-4-16 0,0 0 0,-1 0 0,1-1 0,0 1 0,1 0 0,-1-1 0,0 0 0,1 1 0,-1-1 0,1 0 0,0 0 0,0 0 0,0-1 0,-1 1 0,2-1 0,-1 1 0,0-1 0,0 0 0,0 0 0,1-1 0,-1 1 0,0-1 0,1 1 0,-1-1 0,0 0 0,1 0 0,-1-1 0,4 0 0,-3 1 0,1-1 0,-1 0 0,0 0 0,1 0 0,-1-1 0,0 1 0,0-1 0,0 0 0,0 0 0,-1 0 0,1-1 0,0 0 0,-1 1 0,0-1 0,1 0 0,-1-1 0,-1 1 0,1 0 0,0-1 0,-1 0 0,3-3 0,3-15 0,0-1 0,-2 1 0,0-1 0,4-38 0,-10 76 0,0 0 0,1 0 0,0 0 0,2 0 0,0 0 0,0 0 0,8 19 0,-7-25 0,0-1 0,0 0 0,1 0 0,0 0 0,1 0 0,-1-1 0,1 0 0,1 0 0,0 0 0,0-1 0,0 0 0,0-1 0,12 7 0,9 12-1365,-19-10-5461</inkml:trace>
 </inkml:ink>
 </file>
 
@@ -368,7 +368,7 @@
           <inkml:channelProperty channel="F" name="resolution" value="0" units="1/dev"/>
         </inkml:channelProperties>
       </inkml:inkSource>
-      <inkml:timestamp xml:id="ts0" timeString="2025-05-02T20:38:08.256"/>
+      <inkml:timestamp xml:id="ts0" timeString="2025-05-02T20:37:57.058"/>
     </inkml:context>
     <inkml:brush xml:id="br0">
       <inkml:brushProperty name="width" value="0.035" units="cm"/>
@@ -376,7 +376,7 @@
       <inkml:brushProperty name="color" value="#E71224"/>
     </inkml:brush>
   </inkml:definitions>
-  <inkml:trace contextRef="#ctx0" brushRef="#br0">71 1 24575,'0'4'0,"0"7"0,0 5 0,0 5 0,0 3 0,0 2 0,0 1 0,0 1 0,0-1 0,-4 1 0,-2-1 0,-4 0 0,-1-1 0,2 1 0,2-1 0,-1-4 0,-1-1 0,2-5-8191</inkml:trace>
+  <inkml:trace contextRef="#ctx0" brushRef="#br0">132 1 24575,'-1'10'0,"0"0"0,-2-1 0,1 1 0,-1 0 0,0-1 0,-1 1 0,-8 13 0,-7 22 0,9-15 0,1 0 0,-5 39 0,3-15 0,-2 26 0,0-11 40,9-60-181,2 1 1,0 0-1,0-1 1,0 1-1,2 0 1,-1 0-1,1 0 1,0 0-1,3 12 1,2-6-6686</inkml:trace>
 </inkml:ink>
 </file>
 
@@ -396,7 +396,7 @@
           <inkml:channelProperty channel="F" name="resolution" value="0" units="1/dev"/>
         </inkml:channelProperties>
       </inkml:inkSource>
-      <inkml:timestamp xml:id="ts0" timeString="2025-05-02T20:38:09.294"/>
+      <inkml:timestamp xml:id="ts0" timeString="2025-05-02T20:37:57.338"/>
     </inkml:context>
     <inkml:brush xml:id="br0">
       <inkml:brushProperty name="width" value="0.035" units="cm"/>
@@ -404,7 +404,7 @@
       <inkml:brushProperty name="color" value="#E71224"/>
     </inkml:brush>
   </inkml:definitions>
-  <inkml:trace contextRef="#ctx0" brushRef="#br0">0 50 24575,'2'0'0,"0"1"0,-1 0 0,1-1 0,-1 1 0,1 0 0,-1 0 0,0 0 0,1 0 0,-1 0 0,0 0 0,0 1 0,0-1 0,0 0 0,0 1 0,0-1 0,0 1 0,1 2 0,15 31 0,-15-32 0,15 37 0,-1 0 0,-2 1 0,-2 0 0,-2 1 0,-2 1 0,-2-1 0,2 49 0,-10-182 0,3-127 0,1 208 0,0 0 0,0 0 0,1 0 0,0 1 0,1-1 0,0 1 0,0 0 0,1 0 0,0 0 0,1 1 0,12-16 0,-14 19 0,0 1 0,0 0 0,1 0 0,-1 0 0,1 0 0,0 0 0,0 1 0,0 0 0,0 0 0,1 0 0,-1 1 0,1 0 0,0 0 0,-1 0 0,1 1 0,0 0 0,0 0 0,0 0 0,0 1 0,0 0 0,8 1 0,-9 0 0,0 1 0,0 0 0,-1 0 0,1 0 0,0 1 0,-1-1 0,1 1 0,-1 0 0,0 1 0,0-1 0,0 1 0,0 0 0,-1 0 0,1 0 0,-1 0 0,0 0 0,-1 1 0,1 0 0,-1-1 0,0 1 0,0 0 0,0 0 0,2 9 0,2 9 0,-1 0 0,-1 1 0,2 46 0,-6-41-84,-1-23-7,0 0-1,1 0 1,0 0-1,0-1 1,1 1-1,-1 0 1,1 0-1,1 0 1,-1-1-1,1 1 1,0-1-1,0 1 0,4 7 1,6-2-6735</inkml:trace>
+  <inkml:trace contextRef="#ctx0" brushRef="#br0">0 1 24575,'2'10'0,"0"0"0,1 0 0,0 0 0,0 0 0,1 0 0,0-1 0,7 12 0,0 2 0,121 220 0,-107-216-1365,-11-18-5461</inkml:trace>
 </inkml:ink>
 </file>
 
@@ -424,7 +424,7 @@
           <inkml:channelProperty channel="F" name="resolution" value="0" units="1/dev"/>
         </inkml:channelProperties>
       </inkml:inkSource>
-      <inkml:timestamp xml:id="ts0" timeString="2025-05-02T20:38:09.710"/>
+      <inkml:timestamp xml:id="ts0" timeString="2025-05-02T20:37:57.755"/>
     </inkml:context>
     <inkml:brush xml:id="br0">
       <inkml:brushProperty name="width" value="0.035" units="cm"/>
@@ -432,7 +432,7 @@
       <inkml:brushProperty name="color" value="#E71224"/>
     </inkml:brush>
   </inkml:definitions>
-  <inkml:trace contextRef="#ctx0" brushRef="#br0">31 157 24575,'8'-1'0,"-1"1"0,1-1 0,-1-1 0,1 1 0,-1-1 0,0 0 0,0-1 0,0 0 0,0 0 0,0 0 0,-1-1 0,7-5 0,-10 7 0,0 0 0,-1 0 0,1 0 0,-1-1 0,1 1 0,-1-1 0,0 1 0,0-1 0,0 0 0,0 0 0,-1 0 0,1 0 0,-1 0 0,0 0 0,1 0 0,-2-1 0,1 1 0,0 0 0,-1-1 0,1 1 0,-1 0 0,0-1 0,0 1 0,0-1 0,-1 1 0,1 0 0,-1-1 0,-1-5 0,1 8 0,1-1 0,-1 0 0,1 1 0,-1-1 0,1 1 0,-1-1 0,0 1 0,0 0 0,0-1 0,0 1 0,0 0 0,0 0 0,0-1 0,0 1 0,0 0 0,0 0 0,-1 0 0,1 0 0,0 0 0,-1 1 0,1-1 0,-1 0 0,1 1 0,-1-1 0,1 1 0,-1-1 0,0 1 0,1 0 0,-1-1 0,1 1 0,-1 0 0,0 0 0,1 0 0,-1 1 0,0-1 0,1 0 0,-1 1 0,1-1 0,-1 1 0,1-1 0,-1 1 0,1 0 0,-1-1 0,1 1 0,-2 1 0,-2 1 0,-1 1 0,1 0 0,0 0 0,0 0 0,1 0 0,-1 1 0,1 0 0,0 0 0,0 0 0,-3 8 0,-1 3 0,0 0 0,2 0 0,0 1 0,1 0 0,1 0 0,0 1 0,1-1 0,1 1 0,1 0 0,1-1 0,0 1 0,1 0 0,6 33 0,-5-47 0,0 0 0,0 0 0,0 0 0,0 0 0,1-1 0,-1 1 0,1-1 0,0 0 0,0 0 0,0 0 0,1 0 0,-1 0 0,1-1 0,-1 1 0,1-1 0,0 0 0,0 0 0,0 0 0,0-1 0,0 0 0,0 1 0,0-1 0,1-1 0,-1 1 0,0-1 0,7 1 0,0 0 0,1-1 0,0 0 0,-1-1 0,1 0 0,-1 0 0,0-1 0,1-1 0,-1 0 0,13-5 0,-13 1-151,0 0-1,-1-1 0,0 1 0,0-2 1,-1 0-1,0 0 0,0-1 1,9-14-1,-8 11-6674</inkml:trace>
+  <inkml:trace contextRef="#ctx0" brushRef="#br0">57 109 24575,'-9'73'0,"5"-58"0,2 0 0,-1 1 0,2-1 0,0 1 0,2 24 0,0-36 0,0-1 0,0 1 0,0 0 0,0-1 0,0 1 0,1-1 0,-1 0 0,1 0 0,0 1 0,0-1 0,0 0 0,1-1 0,-1 1 0,1 0 0,-1-1 0,1 1 0,0-1 0,0 0 0,0 0 0,0 0 0,0 0 0,1 0 0,-1-1 0,0 0 0,1 1 0,-1-1 0,1 0 0,5 0 0,-4 0 0,1 1 0,-1-1 0,1-1 0,-1 1 0,0-1 0,1 0 0,-1 0 0,1-1 0,-1 0 0,1 1 0,-1-2 0,0 1 0,0-1 0,0 0 0,0 0 0,0 0 0,0-1 0,0 1 0,0-1 0,-1 0 0,0-1 0,1 1 0,-1-1 0,-1 0 0,1 0 0,0 0 0,-1 0 0,0-1 0,0 1 0,0-1 0,-1 0 0,0 0 0,0 0 0,0 0 0,0 0 0,-1-1 0,1 1 0,-2 0 0,1-1 0,0 1 0,-1-1 0,0-5 0,1-13 0,-1 0 0,-1 0 0,-1 0 0,-10-45 0,11 64 0,-1 1 0,1-1 0,-1 0 0,-1 1 0,1-1 0,0 1 0,-1-1 0,0 1 0,0 0 0,0 0 0,-1 1 0,1-1 0,-5-3 0,4 5 0,1 0 0,-1 1 0,1-1 0,-1 0 0,0 1 0,0 0 0,0 0 0,0 0 0,0 1 0,0-1 0,0 1 0,0 0 0,0 0 0,0 0 0,0 1 0,0-1 0,0 1 0,-7 2 0,3 0-41,0 0 0,0 0-1,1 1 1,-1 0-1,1 0 1,0 1 0,0-1-1,0 2 1,1-1 0,0 1-1,0 0 1,0 0-1,1 1 1,0-1 0,0 1-1,1 1 1,-1-1 0,2 0-1,-1 1 1,1 0-1,0 0 1,1 0 0,-1 0-1,2 0 1,-1 1 0,1-1-1,1 1 1,-1-1-1,1 0 1,1 1 0,0-1-1,3 14 1,2-5-6785</inkml:trace>
 </inkml:ink>
 </file>
 
@@ -452,7 +452,7 @@
           <inkml:channelProperty channel="F" name="resolution" value="0" units="1/dev"/>
         </inkml:channelProperties>
       </inkml:inkSource>
-      <inkml:timestamp xml:id="ts0" timeString="2025-05-02T20:38:09.974"/>
+      <inkml:timestamp xml:id="ts0" timeString="2025-05-02T20:37:58.327"/>
     </inkml:context>
     <inkml:brush xml:id="br0">
       <inkml:brushProperty name="width" value="0.035" units="cm"/>
@@ -460,7 +460,7 @@
       <inkml:brushProperty name="color" value="#E71224"/>
     </inkml:brush>
   </inkml:definitions>
-  <inkml:trace contextRef="#ctx0" brushRef="#br0">96 1 24575,'-2'33'0,"-1"0"0,-2 0 0,-14 52 0,-5 23 0,18-71-455,-3-1 0,-13 38 0,16-58-6371</inkml:trace>
+  <inkml:trace contextRef="#ctx0" brushRef="#br0">0 185 24575,'3'-15'0,"0"1"0,1 1 0,0-1 0,1 0 0,0 1 0,1 0 0,1 0 0,0 1 0,12-16 0,-17 25 0,0 0 0,0 1 0,0-1 0,1 1 0,-1-1 0,1 1 0,-1 0 0,1 0 0,0 0 0,0 0 0,0 1 0,0-1 0,0 1 0,0 0 0,0 0 0,1 0 0,-1 0 0,0 0 0,1 1 0,-1-1 0,7 1 0,-8 0 0,1 1 0,-1-1 0,1 1 0,-1-1 0,0 1 0,1 0 0,-1 0 0,0 0 0,1 0 0,-1 0 0,0 1 0,0-1 0,0 1 0,0-1 0,0 1 0,0 0 0,-1 0 0,1 0 0,-1 0 0,1 0 0,-1 0 0,1 0 0,-1 0 0,0 0 0,0 1 0,0-1 0,-1 0 0,1 1 0,0 3 0,4 28 0,-3 0 0,0 1 0,-7 61 0,1 1 0,3-57 0,-1-27 0,1-1 0,1 1 0,0-1 0,1 1 0,1 0 0,-1-1 0,5 13 0,-5-23 0,1 1 0,-1-1 0,1 1 0,0-1 0,0 0 0,0 0 0,0 0 0,0 0 0,0 0 0,0 0 0,1 0 0,-1-1 0,1 1 0,0-1 0,-1 0 0,1 0 0,0 0 0,-1 0 0,1 0 0,0-1 0,0 1 0,0-1 0,0 0 0,0 1 0,0-1 0,0-1 0,-1 1 0,1 0 0,0-1 0,0 1 0,0-1 0,3-2 0,4 1 0,-1-1 0,0 0 0,0 0 0,-1-1 0,1 0 0,-1-1 0,0 0 0,14-11 0,-10 3 0,0-2 0,-1 1 0,-1-2 0,0 1 0,-1-1 0,-1-1 0,-1 1 0,0-1 0,-1-1 0,-1 1 0,0-1 0,2-27 0,-10 78 0,2-1 0,1 1 0,1 0 0,6 33 0,-6-62-30,0-1 0,0 0-1,1 1 1,-1-1 0,1 0-1,0 0 1,0 0 0,0 0-1,0-1 1,0 1 0,0 0-1,1-1 1,0 0 0,-1 1-1,1-1 1,0 0-1,0 0 1,0-1 0,0 1-1,0-1 1,1 1 0,-1-1-1,0 0 1,1 0 0,-1-1-1,0 1 1,1-1 0,-1 1-1,1-1 1,-1 0 0,1-1-1,-1 1 1,1 0 0,-1-1-1,1 0 1,-1 0 0,0 0-1,1 0 1,-1 0 0,0-1-1,0 0 1,0 1 0,0-1-1,5-4 1,5-6-6796</inkml:trace>
 </inkml:ink>
 </file>
 
@@ -508,7 +508,7 @@
           <inkml:channelProperty channel="F" name="resolution" value="0" units="1/dev"/>
         </inkml:channelProperties>
       </inkml:inkSource>
-      <inkml:timestamp xml:id="ts0" timeString="2025-05-02T20:38:10.223"/>
+      <inkml:timestamp xml:id="ts0" timeString="2025-05-02T20:37:58.529"/>
     </inkml:context>
     <inkml:brush xml:id="br0">
       <inkml:brushProperty name="width" value="0.035" units="cm"/>
@@ -516,7 +516,7 @@
       <inkml:brushProperty name="color" value="#E71224"/>
     </inkml:brush>
   </inkml:definitions>
-  <inkml:trace contextRef="#ctx0" brushRef="#br0">0 1 24575,'1'7'0,"1"0"0,-1 0 0,1 0 0,0 0 0,0-1 0,1 1 0,0 0 0,0-1 0,1 0 0,5 8 0,46 57 0,-36-53 0,1 0 0,0-2 0,36 23 0,-33-24 0,-16-10-80,0-1 0,0 0-1,0 0 1,1-1 0,-1 0-1,1-1 1,0 1 0,0-2-1,0 1 1,0-1 0,0 0 0,0 0-1,0-1 1,0-1 0,1 1-1,7-2 1,2-4-6746</inkml:trace>
+  <inkml:trace contextRef="#ctx0" brushRef="#br0">0 1 24575,'0'4'0,"0"6"0,0 6 0,0 5 0,0 3 0,0 2 0,0 1 0,0 1 0,0 0 0,5-5 0,1-2 0,-1-4-8191</inkml:trace>
 </inkml:ink>
 </file>
 
@@ -536,7 +536,7 @@
           <inkml:channelProperty channel="F" name="resolution" value="0" units="1/dev"/>
         </inkml:channelProperties>
       </inkml:inkSource>
-      <inkml:timestamp xml:id="ts0" timeString="2025-05-02T20:38:10.547"/>
+      <inkml:timestamp xml:id="ts0" timeString="2025-05-02T20:37:58.776"/>
     </inkml:context>
     <inkml:brush xml:id="br0">
       <inkml:brushProperty name="width" value="0.035" units="cm"/>
@@ -544,7 +544,7 @@
       <inkml:brushProperty name="color" value="#E71224"/>
     </inkml:brush>
   </inkml:definitions>
-  <inkml:trace contextRef="#ctx0" brushRef="#br0">0 1 24575,'2'0'0,"-1"0"0,0 1 0,0-1 0,0 1 0,0-1 0,0 1 0,0-1 0,0 1 0,-1-1 0,1 1 0,0 0 0,0 0 0,0-1 0,-1 1 0,1 0 0,0 0 0,-1 0 0,1 0 0,0 0 0,-1 0 0,1 0 0,-1 0 0,0 0 0,1 0 0,-1 0 0,0 0 0,0 2 0,6 39 0,-4-31 0,51 259 0,-41-208 0,25 79 0,-17-70 0,-15-50-1365,-2-2-5461</inkml:trace>
+  <inkml:trace contextRef="#ctx0" brushRef="#br0">0 1 24575,'0'504'0,"5"-452"-1365,1-30-5461</inkml:trace>
 </inkml:ink>
 </file>
 
@@ -564,7 +564,7 @@
           <inkml:channelProperty channel="F" name="resolution" value="0" units="1/dev"/>
         </inkml:channelProperties>
       </inkml:inkSource>
-      <inkml:timestamp xml:id="ts0" timeString="2025-05-02T20:38:10.808"/>
+      <inkml:timestamp xml:id="ts0" timeString="2025-05-02T20:37:59.631"/>
     </inkml:context>
     <inkml:brush xml:id="br0">
       <inkml:brushProperty name="width" value="0.035" units="cm"/>
@@ -572,7 +572,7 @@
       <inkml:brushProperty name="color" value="#E71224"/>
     </inkml:brush>
   </inkml:definitions>
-  <inkml:trace contextRef="#ctx0" brushRef="#br0">0 108 24575,'1'-2'0,"-1"0"0,0 0 0,1 0 0,-1 0 0,1 1 0,0-1 0,0 0 0,-1 0 0,1 1 0,0-1 0,1 0 0,-1 1 0,0-1 0,0 1 0,1 0 0,-1-1 0,0 1 0,1 0 0,0 0 0,-1 0 0,1 0 0,-1 0 0,1 0 0,3-1 0,52-15 0,-41 14 0,179-40 0,-96 36-1365,-77 8-5461</inkml:trace>
+  <inkml:trace contextRef="#ctx0" brushRef="#br0">256 1 24575,'-2'7'0,"0"1"0,-1-1 0,0 0 0,-1 0 0,0 0 0,0 0 0,-6 8 0,8-13 0,-33 52 0,11-16 0,-1-1 0,-48 53 0,70-88 0,0 1 0,0-1 0,0 0 0,0 0 0,0 0 0,-1-1 0,1 1 0,-1-1 0,1 0 0,-7 2 0,10-3 0,-1 0 0,0 0 0,0 0 0,1 0 0,-1 0 0,0 0 0,0 0 0,0 0 0,1 0 0,-1 0 0,0 0 0,0 0 0,1 0 0,-1 0 0,0-1 0,1 1 0,-1 0 0,0-1 0,0 1 0,1-1 0,-1 1 0,1 0 0,-1-1 0,0 0 0,1 1 0,-1-1 0,1 1 0,-1-1 0,1 1 0,0-1 0,-1 0 0,1 1 0,0-1 0,-1 0 0,1 0 0,0 1 0,0-1 0,-1 0 0,1 0 0,0 1 0,0-1 0,0 0 0,0 0 0,0 1 0,0-1 0,0 0 0,1 0 0,-1 1 0,0-1 0,0 0 0,0 0 0,1 1 0,-1-1 0,0 0 0,1 1 0,0-2 0,0-1 0,0 1 0,0 0 0,0 0 0,1-1 0,-1 1 0,0 0 0,1 0 0,0 0 0,-1 0 0,1 0 0,0 1 0,0-1 0,0 1 0,0-1 0,0 1 0,1 0 0,-1-1 0,0 1 0,1 0 0,-1 0 0,0 1 0,1-1 0,-1 1 0,1-1 0,-1 1 0,1 0 0,0 0 0,-1 0 0,5 0 0,-3 0 0,1 1 0,-1-1 0,0 1 0,1 0 0,-1 0 0,1 0 0,-1 1 0,0-1 0,0 1 0,0 0 0,0 0 0,0 1 0,-1-1 0,1 1 0,0 0 0,3 3 0,8 15 0,-1 0 0,18 38 0,7 10 0,-35-64 0,-1-1 0,1 1 0,1-1 0,-1 1 0,1-1 0,-1-1 0,1 1 0,0-1 0,0 1 0,1-2 0,-1 1 0,1 0 0,6 1 0,-10-3 0,1 0 0,0 0 0,0-1 0,0 1 0,0 0 0,0-1 0,0 0 0,0 0 0,0 0 0,0 0 0,0-1 0,0 1 0,0-1 0,0 1 0,0-1 0,-1 0 0,1 0 0,0-1 0,0 1 0,-1 0 0,1-1 0,-1 0 0,1 1 0,-1-1 0,0 0 0,1 0 0,2-4 0,6-13 0,-1 0 0,-1-1 0,-1 0 0,0 0 0,-1-1 0,-2 0 0,0 0 0,-1-1 0,2-34 0,-3-35 0,-4 91 0,1 0 0,0 0 0,0 0 0,0 0 0,0 0 0,0 0 0,0 0 0,0 0 0,0 0 0,0 0 0,-1 0 0,1 0 0,0 0 0,0 0 0,0 0 0,0 0 0,0 0 0,0 0 0,0 0 0,0 0 0,0 0 0,-1 0 0,1 0 0,0 0 0,0 0 0,0 0 0,0 0 0,0 0 0,0 0 0,0 0 0,0 0 0,0 0 0,0 0 0,0-1 0,-1 1 0,1 0 0,0 0 0,0 0 0,0 0 0,0 0 0,0 0 0,0 0 0,0 0 0,0 0 0,0-1 0,0 1 0,0 0 0,0 0 0,0 0 0,0 0 0,0 0 0,0 0 0,0 0 0,0 0 0,0 0 0,0-1 0,0 1 0,0 0 0,0 0 0,-7 13 0,-4 16 0,7-18 0,-6 22 0,-11 57 0,20-80 0,0 0 0,0-1 0,1 1 0,0 0 0,0-1 0,1 1 0,1-1 0,0 1 0,0-1 0,7 19 0,-8-25 0,1-1 0,-1 1 0,1 0 0,0-1 0,-1 1 0,1-1 0,0 0 0,1 0 0,-1 0 0,0 0 0,1 0 0,-1 0 0,1 0 0,-1-1 0,1 1 0,0-1 0,-1 0 0,1 0 0,0 0 0,0 0 0,0 0 0,0-1 0,0 1 0,0-1 0,0 0 0,0 0 0,0 0 0,0 0 0,1 0 0,-1-1 0,3 0 0,0-1 0,1 0 0,-1 0 0,1 0 0,-1-1 0,1 0 0,-1 0 0,0-1 0,-1 1 0,1-1 0,-1-1 0,1 1 0,6-9 0,-3 1 0,-2 0 0,0-1 0,0 0 0,-2 0 0,1-1 0,-2 0 0,1 0 0,-2 0 0,0 0 0,-1-1 0,0 1 0,-1-1 0,-2-16 0,0 97 0,1 123 0,2-180-76,0 0 1,1 0-1,0-1 0,1 0 0,-1 1 0,2-1 0,-1 0 0,1-1 1,0 1-1,0-1 0,1 0 0,0 0 0,1-1 0,-1 0 1,1 0-1,1 0 0,9 5 0,-3-1-6750</inkml:trace>
 </inkml:ink>
 </file>
 
@@ -592,7 +592,7 @@
           <inkml:channelProperty channel="F" name="resolution" value="0" units="1/dev"/>
         </inkml:channelProperties>
       </inkml:inkSource>
-      <inkml:timestamp xml:id="ts0" timeString="2025-05-02T20:38:12.996"/>
+      <inkml:timestamp xml:id="ts0" timeString="2025-05-02T20:38:01.350"/>
     </inkml:context>
     <inkml:brush xml:id="br0">
       <inkml:brushProperty name="width" value="0.035" units="cm"/>
@@ -600,7 +600,7 @@
       <inkml:brushProperty name="color" value="#E71224"/>
     </inkml:brush>
   </inkml:definitions>
-  <inkml:trace contextRef="#ctx0" brushRef="#br0">46 1 24575,'0'10'0,"-2"0"0,1 0 0,-2 0 0,-5 16 0,-3 13 0,5-8 0,1-11 0,2-1 0,0 1 0,-1 33 0,5-45 0,0 0 0,0 0 0,0 0 0,1 0 0,1 0 0,-1 0 0,1 0 0,0-1 0,1 1 0,0-1 0,0 0 0,7 9 0,-4-7 0,0 1 0,1-1 0,0 0 0,0-1 0,1 1 0,0-2 0,1 1 0,0-1 0,0-1 0,0 0 0,1 0 0,-1-1 0,1-1 0,1 0 0,-1 0 0,1-1 0,-1 0 0,1-1 0,0 0 0,0-1 0,23-1 0,-31-1 0,0 0 0,-1 0 0,1 0 0,0 0 0,0-1 0,-1 1 0,1-1 0,-1 0 0,1 0 0,-1 0 0,0-1 0,0 1 0,0-1 0,0 0 0,0 0 0,0 0 0,-1 0 0,0 0 0,1 0 0,-1-1 0,0 1 0,-1-1 0,1 0 0,-1 1 0,1-1 0,-1 0 0,0 0 0,-1 0 0,1-5 0,2-10 0,-1 0 0,-1 0 0,-1 1 0,-5-36 0,2 29 0,-2 0 0,-1 0 0,-1 1 0,-1 0 0,-1 0 0,-16-30 0,24 52 0,1 1 0,-1 0 0,1-1 0,-1 1 0,0 0 0,1 0 0,-1 0 0,0 0 0,0 0 0,0 0 0,0 0 0,0 0 0,0 0 0,0 0 0,0 0 0,0 0 0,-1 1 0,1-1 0,0 1 0,0-1 0,-3 0 0,3 1 0,0 1 0,0-1 0,1 1 0,-1-1 0,0 1 0,0-1 0,0 1 0,1 0 0,-1-1 0,0 1 0,1 0 0,-1 0 0,1-1 0,-1 1 0,1 0 0,-1 0 0,1 0 0,-1 0 0,1 0 0,0 0 0,0 0 0,-1 1 0,-2 9 0,1 0 0,0 0 0,0 21 0,1 28 0,5 206 0,9-195 0,-8-52 0,-2 0 0,3 30 0,7 74 0,-7-82 0,2 59 0,-8-90 0,0-1 0,-1 0 0,0 1 0,0-1 0,-1 0 0,0 0 0,-1 0 0,0 0 0,0 0 0,-9 15 0,10-20 0,-1-1 0,0 1 0,0-1 0,-1 1 0,1-1 0,-1 0 0,1-1 0,-1 1 0,0-1 0,0 1 0,0-1 0,-1 0 0,1-1 0,0 1 0,-1-1 0,1 0 0,-1 0 0,1 0 0,-1 0 0,0-1 0,1 0 0,-1 0 0,-8-1 0,8 0 0,1 0 0,-1 0 0,0 0 0,0 0 0,0-1 0,0 0 0,1 0 0,-1 0 0,1-1 0,0 1 0,0-1 0,0 0 0,0-1 0,0 1 0,0 0 0,1-1 0,0 0 0,0 0 0,0 0 0,0 0 0,0-1 0,-3-7 0,-1-4 0,1 0 0,0-1 0,1 0 0,1 0 0,-3-22 0,6 34 2,1 0 1,0-1-1,0 1 0,0 0 0,0 0 0,1 0 0,0 0 0,0-1 1,0 1-1,1 0 0,-1 1 0,1-1 0,0 0 0,1 0 1,-1 1-1,1-1 0,0 1 0,0 0 0,7-8 0,4 0-46,1 0-1,0 0 0,1 1 0,20-10 0,16-12-1139,-39 23-5642</inkml:trace>
+  <inkml:trace contextRef="#ctx0" brushRef="#br0">0 1 24575,'8'1'0,"0"0"0,-1 1 0,1 0 0,-1 0 0,0 0 0,0 1 0,13 8 0,22 7 0,27 3 0,172 58 0,-62-19 0,-94-33 0,207 79 0,-229-87 0,0-3 0,101 13 0,-149-27 0,-9-1 0,0 0 0,0 0 0,0-1 0,0 1 0,12-2 0,-17 1 0,-1-1 0,1 1 0,-1 0 0,1 0 0,-1 0 0,0 0 0,1-1 0,-1 1 0,1 0 0,-1 0 0,1-1 0,-1 1 0,0 0 0,1-1 0,-1 1 0,1 0 0,-1-1 0,0 1 0,0-1 0,1 1 0,-1-1 0,0 1 0,0 0 0,1-1 0,-1 1 0,0-1 0,0 1 0,0-2 0,0 0 0,0 0 0,-1 1 0,1-1 0,-1 0 0,1 0 0,-1 0 0,0 0 0,1 1 0,-1-1 0,0 0 0,0 1 0,-2-3 0,-25-33 0,-1 2 0,-45-44 0,-72-48 0,249 187 0,-26-11 0,-54-36 0,1 1 0,-2 1 0,0 1 0,-1 1 0,-1 0 0,-1 2 0,30 35 0,-47-51 0,-1-1 0,1 1 0,0 0 0,-1-1 0,0 1 0,1 0 0,-1 0 0,0 0 0,-1 0 0,1 0 0,0 0 0,-1 0 0,0 1 0,0-1 0,0 0 0,0 0 0,0 0 0,-1 0 0,1 0 0,-1 0 0,0 0 0,0 0 0,0 0 0,0 0 0,0 0 0,-1 0 0,1 0 0,-1-1 0,0 1 0,0-1 0,0 1 0,0-1 0,0 0 0,0 0 0,-1 0 0,1 0 0,-4 2 0,-11 8 0,-1-2 0,0 0 0,0 0 0,-31 10 0,34-14 0,-2-1 0,-1-1 0,0 0 0,1-1 0,-2-1 0,1-1 0,0 0 0,-35-4 0,-45 3 0,77 4 120,20-4-158,1 0 0,-1 0 0,1 0 0,0 0 0,-1 0 0,1 0-1,-1 0 1,1 0 0,-1 0 0,1 0 0,-1 0 0,1 1 0,-1-1 0,1 0 0,0 0 0,-1 1 0,1-1 0,0 0 0,-1 0-1,1 1 1,0-1 0,-1 0 0,1 1 0,0-1 0,-1 1 0,1-1 0,0 0 0,0 1 0,0-1 0,-1 1 0,1-1 0,0 1-1,0-1 1,0 0 0,0 1 0,0-1 0,0 1 0,0 0 0</inkml:trace>
 </inkml:ink>
 </file>
 
@@ -620,7 +620,7 @@
           <inkml:channelProperty channel="F" name="resolution" value="0" units="1/dev"/>
         </inkml:channelProperties>
       </inkml:inkSource>
-      <inkml:timestamp xml:id="ts0" timeString="2025-05-02T20:38:13.339"/>
+      <inkml:timestamp xml:id="ts0" timeString="2025-05-02T20:38:04.835"/>
     </inkml:context>
     <inkml:brush xml:id="br0">
       <inkml:brushProperty name="width" value="0.035" units="cm"/>
@@ -628,7 +628,7 @@
       <inkml:brushProperty name="color" value="#E71224"/>
     </inkml:brush>
   </inkml:definitions>
-  <inkml:trace contextRef="#ctx0" brushRef="#br0">0 1 24575,'2'0'0,"-1"1"0,0-1 0,0 1 0,0-1 0,0 1 0,0 0 0,0-1 0,0 1 0,0 0 0,0 0 0,0 0 0,0 0 0,0-1 0,-1 1 0,1 1 0,0-1 0,-1 0 0,1 0 0,0 0 0,-1 0 0,0 0 0,1 0 0,-1 1 0,0-1 0,1 0 0,-1 0 0,0 3 0,5 39 0,-5-38 0,5 40 0,2 0 0,3-1 0,19 59 0,-9-35 0,2 9 0,-5-26 0,-3 1 0,-2 0 0,-2 1 0,5 103 0,-16-120 0,1-28 0,0-25 0,-1-35 0,-1 0 0,-11-60 0,-36-98-1365,43 188-5461</inkml:trace>
+  <inkml:trace contextRef="#ctx0" brushRef="#br0">0 1 24575,'0'4'0,"0"6"0,0 7 0,0 3 0,0 4 0,5-2 0,1-1 0,-1 1 0,0 1 0,-2 1 0,-1 1 0,-1 1 0,4-4 0,1-1 0,0-5-8191</inkml:trace>
 </inkml:ink>
 </file>
 
@@ -648,7 +648,7 @@
           <inkml:channelProperty channel="F" name="resolution" value="0" units="1/dev"/>
         </inkml:channelProperties>
       </inkml:inkSource>
-      <inkml:timestamp xml:id="ts0" timeString="2025-05-02T20:38:13.617"/>
+      <inkml:timestamp xml:id="ts0" timeString="2025-05-02T20:38:05.068"/>
     </inkml:context>
     <inkml:brush xml:id="br0">
       <inkml:brushProperty name="width" value="0.035" units="cm"/>
@@ -656,7 +656,7 @@
       <inkml:brushProperty name="color" value="#E71224"/>
     </inkml:brush>
   </inkml:definitions>
-  <inkml:trace contextRef="#ctx0" brushRef="#br0">51 28 24575,'5'-4'0,"0"1"0,0 0 0,1 0 0,-1 1 0,0-1 0,1 1 0,0 0 0,-1 1 0,1 0 0,0-1 0,0 2 0,0-1 0,0 1 0,8 0 0,-10 0 0,0 0 0,1 0 0,-1 0 0,0 1 0,0-1 0,0 1 0,1 0 0,-1 0 0,0 1 0,0-1 0,0 1 0,-1 0 0,1 0 0,0 0 0,-1 1 0,1-1 0,-1 1 0,0 0 0,0 0 0,4 4 0,-4-1 0,-1 0 0,0 0 0,0 0 0,0 0 0,0 0 0,-1 0 0,0 0 0,-1 1 0,1-1 0,-1 1 0,-1-1 0,1 0 0,-1 1 0,0-1 0,0 0 0,-1 0 0,0 0 0,0 0 0,0 0 0,-1 0 0,1 0 0,-8 9 0,5-7 0,-1 1 0,0-2 0,0 1 0,-1-1 0,0 0 0,0 0 0,0-1 0,-1 0 0,0 0 0,0-1 0,-1 0 0,0 0 0,1-1 0,-12 4 0,-71 22 0,88-27-1365</inkml:trace>
+  <inkml:trace contextRef="#ctx0" brushRef="#br0">0 1 24575,'0'4'0,"0"7"0,0 0-8191</inkml:trace>
 </inkml:ink>
 </file>
 
@@ -676,7 +676,7 @@
           <inkml:channelProperty channel="F" name="resolution" value="0" units="1/dev"/>
         </inkml:channelProperties>
       </inkml:inkSource>
-      <inkml:timestamp xml:id="ts0" timeString="2025-05-02T20:38:14.037"/>
+      <inkml:timestamp xml:id="ts0" timeString="2025-05-02T20:38:05.891"/>
     </inkml:context>
     <inkml:brush xml:id="br0">
       <inkml:brushProperty name="width" value="0.035" units="cm"/>
@@ -684,7 +684,7 @@
       <inkml:brushProperty name="color" value="#E71224"/>
     </inkml:brush>
   </inkml:definitions>
-  <inkml:trace contextRef="#ctx0" brushRef="#br0">0 271 24575,'0'14'0,"0"0"0,1 0 0,1-1 0,0 1 0,5 15 0,-6-25 0,0-1 0,0 1 0,0-1 0,1 0 0,0 1 0,0-1 0,0 0 0,0 0 0,0-1 0,0 1 0,1 0 0,0-1 0,-1 1 0,1-1 0,0 0 0,0 0 0,0 0 0,0 0 0,1-1 0,-1 1 0,0-1 0,1 0 0,-1 0 0,7 1 0,-4 0 0,1-1 0,-1-1 0,1 1 0,-1-1 0,1-1 0,-1 1 0,1-1 0,-1 0 0,1 0 0,-1-1 0,0 0 0,0 0 0,0-1 0,0 1 0,0-1 0,6-5 0,-5 3 0,0-1 0,-1 0 0,0 0 0,0-1 0,0 1 0,-1-2 0,0 1 0,0 0 0,0-1 0,5-14 0,-3 2 0,0-1 0,-2 0 0,0 0 0,-1 0 0,-1 0 0,-1 0 0,-1-1 0,-1 1 0,-3-24 0,3 41 0,-1 0 0,0 0 0,0 0 0,0 0 0,0 0 0,0 1 0,-1-1 0,0 0 0,0 1 0,0 0 0,0-1 0,0 1 0,0 0 0,-1 0 0,0 0 0,0 0 0,0 1 0,0-1 0,0 1 0,0 0 0,0-1 0,-1 1 0,1 1 0,-1-1 0,0 1 0,0-1 0,1 1 0,-1 0 0,0 0 0,-6 0 0,3 0 0,0 1 0,-1 0 0,1 0 0,0 1 0,0 0 0,0 0 0,0 0 0,0 1 0,0 0 0,0 1 0,0-1 0,0 1 0,1 1 0,0-1 0,0 1 0,-8 5 0,8-3 0,1 0 0,-1 1 0,1-1 0,1 1 0,-1 0 0,1 0 0,0 1 0,1-1 0,-1 1 0,2 0 0,-1 0 0,1 0 0,0 0 0,-1 13 0,1 3 0,0 1 0,2-1 0,4 41 0,-3-59-47,0-1 0,0 0 0,1 0 0,0 0 0,-1 0 0,2 0 0,-1-1 0,1 1 0,-1 0-1,1-1 1,0 0 0,1 0 0,-1 0 0,1 0 0,0 0 0,0-1 0,0 1 0,0-1 0,1 0 0,-1-1 0,1 1 0,0-1-1,-1 0 1,1 0 0,0 0 0,0-1 0,1 1 0,8 0 0,6 1-6779</inkml:trace>
+  <inkml:trace contextRef="#ctx0" brushRef="#br0">0 388 24575,'4'1'0,"-1"0"0,0 0 0,0 0 0,0 0 0,-1 1 0,1-1 0,0 1 0,0 0 0,-1 0 0,1 0 0,2 4 0,21 12 0,-24-17 0,0 0 0,1 1 0,-1-1 0,0 0 0,1 0 0,-1-1 0,1 1 0,-1 0 0,1-1 0,0 0 0,-1 0 0,1 1 0,-1-1 0,1-1 0,0 1 0,-1 0 0,1-1 0,-1 1 0,1-1 0,-1 0 0,1 0 0,-1 0 0,0 0 0,1 0 0,-1 0 0,0-1 0,0 1 0,0-1 0,0 0 0,0 1 0,0-1 0,0 0 0,-1 0 0,1 0 0,-1 0 0,1-1 0,-1 1 0,0 0 0,0-1 0,0 1 0,0 0 0,0-1 0,0 1 0,0-6 0,2-12 0,0 0 0,-1 0 0,-1 0 0,-3-34 0,1 33 0,1 0 0,-1-9 0,-6-46 0,6 69 0,0 0 0,-1 0 0,0 0 0,0 0 0,0 1 0,-1-1 0,0 1 0,0 0 0,-1-1 0,0 1 0,0 1 0,-6-7 0,10 11 0,-1 0 0,0 0 0,0 0 0,1 1 0,-1-1 0,0 0 0,0 0 0,0 1 0,0-1 0,0 1 0,0-1 0,0 1 0,0-1 0,0 1 0,0 0 0,0-1 0,0 1 0,0 0 0,0 0 0,0 0 0,-1 0 0,1 0 0,0 0 0,0 0 0,0 0 0,0 1 0,-1-1 0,0 1 0,1 0 0,-1 1 0,1-1 0,-1 0 0,1 0 0,0 1 0,-1-1 0,1 1 0,0 0 0,0-1 0,0 1 0,0 0 0,1-1 0,-2 3 0,-1 6 0,0 0 0,1 0 0,0 0 0,-1 16 0,2-10 0,-1 7 0,2 0 0,0 0 0,5 31 0,-5-49 0,1 1 0,1 0 0,-1-1 0,1 1 0,0-1 0,1 1 0,-1-1 0,1 0 0,0 0 0,0 0 0,0 0 0,1 0 0,0-1 0,0 0 0,0 0 0,0 0 0,1 0 0,6 4 0,-6-5 0,0 0 0,1 0 0,-1 0 0,1-1 0,0 1 0,-1-2 0,1 1 0,0 0 0,0-1 0,0 0 0,0-1 0,0 1 0,1-1 0,-1-1 0,8 0 0,-9 0 0,-1-1 0,-1 0 0,1 0 0,0 0 0,0 0 0,-1 0 0,1-1 0,-1 1 0,0-1 0,1 0 0,-1 0 0,-1 0 0,1-1 0,0 1 0,-1-1 0,0 1 0,0-1 0,0 0 0,0 0 0,0 0 0,-1 0 0,2-8 0,7-23 0,-2 0 0,-2 0 0,-1 0 0,1-45 0,-7 100 0,0 3 0,1 0 0,1-1 0,1 1 0,0 0 0,2-1 0,1 0 0,0 1 0,11 24 0,-9-33 40,0 1 0,17 22 0,-22-35-114,0 1-1,0 0 1,0 0 0,0-1 0,1 1-1,-1-1 1,1 0 0,-1 0 0,1 0-1,0 0 1,0 0 0,0 0 0,0-1-1,0 0 1,1 1 0,-1-1 0,0 0-1,1-1 1,3 2 0,6-4-6752</inkml:trace>
 </inkml:ink>
 </file>
 
@@ -704,7 +704,7 @@
           <inkml:channelProperty channel="F" name="resolution" value="0" units="1/dev"/>
         </inkml:channelProperties>
       </inkml:inkSource>
-      <inkml:timestamp xml:id="ts0" timeString="2025-05-02T20:38:14.317"/>
+      <inkml:timestamp xml:id="ts0" timeString="2025-05-02T20:38:06.758"/>
     </inkml:context>
     <inkml:brush xml:id="br0">
       <inkml:brushProperty name="width" value="0.035" units="cm"/>
@@ -712,7 +712,7 @@
       <inkml:brushProperty name="color" value="#E71224"/>
     </inkml:brush>
   </inkml:definitions>
-  <inkml:trace contextRef="#ctx0" brushRef="#br0">1 1 24575,'-1'85'0,"3"95"0,11-108 0,-9-52 0,0 0 0,1 28 0,-5-32-227,1 1-1,1-1 1,0 1-1,1-1 1,10 29-1,-10-37-6598</inkml:trace>
+  <inkml:trace contextRef="#ctx0" brushRef="#br0">0 1 24575,'2'31'0,"1"1"0,7 36 0,-4-35 0,16 105 0,5 21 0,-25-149 0,4 12 0,-3-38 0,-6-65 0,1 56 0,0 1 0,2 0 0,1 0 0,0 0 0,2 0 0,1 0 0,9-30 0,-10 46 0,0 1 0,1-1 0,0 0 0,0 1 0,1 0 0,0 0 0,0 1 0,1-1 0,6-6 0,-10 12 0,-1 0 0,1 0 0,0 0 0,-1 0 0,1 0 0,-1 0 0,1 0 0,0 1 0,0-1 0,0 1 0,-1-1 0,1 1 0,0 0 0,0-1 0,0 1 0,0 0 0,0 0 0,2 1 0,-1 0 0,0 0 0,-1 0 0,1 0 0,-1 1 0,0-1 0,1 1 0,-1-1 0,0 1 0,0 0 0,0 0 0,0 0 0,0 0 0,-1 0 0,1 0 0,0 1 0,1 3 0,1 3 0,0-1 0,-1 2 0,0-1 0,-1 0 0,0 1 0,0-1 0,-1 1 0,0-1 0,0 1 0,-2 10 0,1-4 0,1-1 0,5 30 0,-2-28 0,1 0 0,0 0 0,1 0 0,13 22 0,-18-35 0,1-2 0,0 1 0,0 0 0,0 0 0,1-1 0,-1 1 0,0-1 0,1 1 0,0-1 0,-1 0 0,1 0 0,0 0 0,4 1 0,-4-2 0,-1-1 0,0 1 0,1-1 0,-1 0 0,1 0 0,-1 0 0,0 0 0,1 0 0,-1 0 0,1-1 0,-1 1 0,0-1 0,1 1 0,-1-1 0,0 0 0,0 0 0,1 0 0,-1-1 0,0 1 0,0 0 0,2-3 0,2-1 0,-1 0 0,1 0 0,-1 0 0,-1-1 0,1 0 0,-1 0 0,0 0 0,0 0 0,-1-1 0,0 1 0,3-10 0,3-12 0,9-44 0,-11 40 0,-3 10 0,-1 0 0,0-45 0,-6 125 0,1-13 0,2 50 0,1-84 0,0 1 0,1-1 0,0 0 0,0 1 0,1-1 0,1-1 0,0 1 0,0 0 0,11 18 0,-12-25 0,0 0 0,0-1 0,0 1 0,1-1 0,-1 1 0,1-1 0,0 0 0,0 0 0,0-1 0,0 1 0,0-1 0,0 0 0,1 0 0,-1 0 0,1-1 0,6 2 0,-8-3 0,0 0 0,-1 1 0,1-1 0,0-1 0,0 1 0,-1 0 0,1-1 0,0 1 0,0-1 0,-1 0 0,1 0 0,-1 0 0,1 0 0,-1 0 0,1-1 0,-1 1 0,0-1 0,1 1 0,-1-1 0,0 0 0,0 0 0,0 0 0,0 0 0,-1-1 0,1 1 0,-1 0 0,1-1 0,1-3 0,4-10 0,-1 0 0,0 0 0,-1 0 0,0-1 0,-2 0 0,0 0 0,-1 0 0,0-28 0,-2 33 0,0 1 0,-1-1 0,-1 0 0,0 1 0,0 0 0,-1-1 0,-1 1 0,1 0 0,-2 0 0,0 1 0,0 0 0,-1-1 0,-12-15 0,16 24 0,0-1 0,1 1 0,-1 0 0,0 0 0,-1 0 0,1 0 0,0 1 0,-1-1 0,1 1 0,-1-1 0,1 1 0,-1 0 0,1 0 0,-1 0 0,0 0 0,0 0 0,0 1 0,1-1 0,-1 1 0,0 0 0,0 0 0,0 0 0,0 0 0,0 0 0,0 1 0,1-1 0,-1 1 0,0 0 0,0 0 0,1 0 0,-1 0 0,0 0 0,1 1 0,-1-1 0,1 1 0,-4 3 0,0-1 0,1 1 0,0 0 0,0 0 0,1 1 0,-1-1 0,1 1 0,0 0 0,1 0 0,-1 0 0,1 1 0,1-1 0,-1 1 0,1 0 0,-2 7 0,2 2 30,0 1 0,0-1 0,2 18 0,0-30-95,0-1 1,0 0-1,0 1 1,1-1-1,0 0 1,-1 0-1,1 1 0,0-1 1,0 0-1,1 0 1,-1 0-1,1 0 1,0 0-1,-1-1 1,1 1-1,0 0 0,0-1 1,1 1-1,-1-1 1,1 0-1,-1 0 1,4 2-1,10 3-6761</inkml:trace>
 </inkml:ink>
 </file>
 
@@ -732,7 +732,7 @@
           <inkml:channelProperty channel="F" name="resolution" value="0" units="1/dev"/>
         </inkml:channelProperties>
       </inkml:inkSource>
-      <inkml:timestamp xml:id="ts0" timeString="2025-05-02T20:38:14.705"/>
+      <inkml:timestamp xml:id="ts0" timeString="2025-05-02T20:38:07.423"/>
     </inkml:context>
     <inkml:brush xml:id="br0">
       <inkml:brushProperty name="width" value="0.035" units="cm"/>
@@ -740,7 +740,7 @@
       <inkml:brushProperty name="color" value="#E71224"/>
     </inkml:brush>
   </inkml:definitions>
-  <inkml:trace contextRef="#ctx0" brushRef="#br0">276 1 24575,'-5'2'0,"0"0"0,0 1 0,0-1 0,0 1 0,1 0 0,-1 1 0,1-1 0,0 1 0,0 0 0,0 0 0,-6 8 0,-1-1 0,-14 12 0,-2-2 0,-35 22 0,-7 5 0,68-47 0,-1 0 0,1 0 0,0 0 0,-1 0 0,1 0 0,0 0 0,0 0 0,-1 0 0,1 0 0,0 0 0,0 1 0,0-1 0,1 0 0,-1 1 0,0-1 0,0 1 0,1-1 0,-1 1 0,1-1 0,-1 1 0,1-1 0,0 1 0,0 0 0,0-1 0,0 1 0,0 0 0,0-1 0,0 1 0,0-1 0,0 1 0,1 0 0,-1-1 0,1 1 0,-1-1 0,1 1 0,0-1 0,-1 0 0,1 1 0,0-1 0,0 1 0,0-1 0,0 0 0,0 0 0,0 0 0,1 0 0,-1 0 0,0 0 0,1 0 0,-1 0 0,3 1 0,10 7 0,1-1 0,0 0 0,0-1 0,16 5 0,-17-7 0,71 26 0,-41-16 0,57 27 0,-70-21-1365,-20-10-5461</inkml:trace>
+  <inkml:trace contextRef="#ctx0" brushRef="#br0">1 1 24575,'0'37'0,"-1"0"0,2 0 0,1 0 0,13 64 0,-10-73 0,-1 0 0,1 37 0,-4-35 0,1-1 0,7 29 0,6 22 0,-12-57 0,1-1 0,0 1 0,2-1 0,1 0 0,1 0 0,17 36 0,-25-58 0,0 0 0,0 1 0,0-1 0,0 0 0,1 1 0,-1-1 0,0 0 0,0 1 0,0-1 0,0 0 0,0 0 0,0 1 0,1-1 0,-1 0 0,0 0 0,0 1 0,0-1 0,1 0 0,-1 0 0,0 1 0,0-1 0,1 0 0,-1 0 0,0 0 0,0 0 0,1 0 0,-1 1 0,0-1 0,1 0 0,-1 0 0,0 0 0,1 0 0,-1 0 0,0 0 0,1 0 0,-1 0 0,0 0 0,0 0 0,1 0 0,-1 0 0,0 0 0,1 0 0,-1 0 0,0-1 0,1 1 0,-1 0 0,0 0 0,6-19 0,-4-31 0,-2 48 0,-1-23 0,-2-1 0,-1 1 0,0-1 0,-2 1 0,-12-31 0,11 35 0,-4-20 0,2 1 0,2-2 0,1 1 0,2-1 0,3-58 0,0 89 0,2 0 0,-1 1 0,1-1 0,1 0 0,0 1 0,4-14 0,-5 21 0,1 0 0,-1 0 0,1 1 0,0-1 0,0 0 0,0 1 0,0-1 0,0 1 0,0 0 0,1 0 0,-1 0 0,1 0 0,-1 0 0,1 0 0,0 1 0,0-1 0,0 1 0,0 0 0,0 0 0,0 0 0,0 0 0,0 0 0,0 1 0,1-1 0,2 1 0,-3 0 0,0-1 0,0 1 0,1 0 0,-1 0 0,0 0 0,0 0 0,0 1 0,0-1 0,1 1 0,-1 0 0,0 0 0,0 0 0,0 0 0,-1 1 0,1-1 0,0 1 0,0-1 0,-1 1 0,1 0 0,4 5 0,-5-4 0,1 1 0,-1-1 0,0 1 0,0 0 0,-1 0 0,1 0 0,-1 0 0,0 0 0,0 0 0,0 1 0,0-1 0,-1 0 0,0 9 0,0-4 0,-1 1 0,0-1 0,0 0 0,-1 1 0,0-1 0,-1 0 0,0 0 0,-1 0 0,1-1 0,-2 1 0,1-1 0,-1 0 0,-11 14 0,-13-2 0,25-17 0,1-1 0,-1 0 0,0 1 0,1-1 0,-1 1 0,1 0 0,0 1 0,0-1 0,-5 6 0,8-9 2,0 1-1,0-1 1,0 1 0,0-1-1,0 1 1,0-1-1,0 0 1,0 1 0,0-1-1,0 1 1,1-1 0,-1 0-1,0 1 1,0-1-1,0 1 1,0-1 0,1 0-1,-1 1 1,0-1-1,0 0 1,1 1 0,-1-1-1,0 0 1,1 1-1,-1-1 1,0 0 0,1 0-1,-1 1 1,0-1-1,1 0 1,-1 0 0,1 0-1,-1 0 1,0 0-1,1 1 1,-1-1 0,1 0-1,18 3-1004,-18-2 580,18 0-6403</inkml:trace>
 </inkml:ink>
 </file>
 
@@ -760,7 +760,7 @@
           <inkml:channelProperty channel="F" name="resolution" value="0" units="1/dev"/>
         </inkml:channelProperties>
       </inkml:inkSource>
-      <inkml:timestamp xml:id="ts0" timeString="2025-05-02T20:38:42.037"/>
+      <inkml:timestamp xml:id="ts0" timeString="2025-05-02T20:38:07.718"/>
     </inkml:context>
     <inkml:brush xml:id="br0">
       <inkml:brushProperty name="width" value="0.035" units="cm"/>
@@ -768,7 +768,7 @@
       <inkml:brushProperty name="color" value="#E71224"/>
     </inkml:brush>
   </inkml:definitions>
-  <inkml:trace contextRef="#ctx0" brushRef="#br0">0 167 24575,'2'4'0,"-1"0"0,1 0 0,0 0 0,0 0 0,0-1 0,1 1 0,-1 0 0,1-1 0,5 6 0,6 9 0,169 257 0,-71-109 0,-43-69 0,-68-94 0,1 0 0,0 0 0,0 0 0,0-1 0,0 1 0,1-1 0,-1 1 0,0-1 0,1 0 0,0 0 0,0 0 0,-1 0 0,1 0 0,0-1 0,6 3 0,-7-5 0,0 1 0,0 0 0,0-1 0,0 1 0,0-1 0,-1 0 0,1 1 0,0-1 0,0 0 0,-1 0 0,1 0 0,-1-1 0,1 1 0,-1 0 0,1 0 0,-1-1 0,0 1 0,1-1 0,-1 1 0,0-1 0,0 0 0,0 1 0,0-1 0,-1 0 0,1 0 0,0 0 0,-1 0 0,1-3 0,6-17 0,0 0 0,3-29 0,-2 13 0,-2 11 0,1 0 0,1 0 0,2 1 0,0 0 0,2 1 0,1 0 0,0 1 0,2 0 0,1 1 0,35-39 0,127-150 24,-105 120-1413,-63 79-5437</inkml:trace>
+  <inkml:trace contextRef="#ctx0" brushRef="#br0">15 1 24575,'2'33'0,"2"1"0,1-1 0,12 43 0,-9-42 0,-1 1 0,5 66 0,-13-95 0,1 1 0,1-1 0,-1 0 0,1 1 0,0-1 0,0 1 0,1-1 0,0 0 0,0 0 0,5 9 0,-31-81 0,15 47-455,-1 1 0,-23-33 0,23 37-6371</inkml:trace>
 </inkml:ink>
 </file>
 
@@ -816,7 +816,7 @@
           <inkml:channelProperty channel="F" name="resolution" value="0" units="1/dev"/>
         </inkml:channelProperties>
       </inkml:inkSource>
-      <inkml:timestamp xml:id="ts0" timeString="2025-05-02T20:38:28.251"/>
+      <inkml:timestamp xml:id="ts0" timeString="2025-05-02T20:38:07.963"/>
     </inkml:context>
     <inkml:brush xml:id="br0">
       <inkml:brushProperty name="width" value="0.035" units="cm"/>
@@ -824,7 +824,7 @@
       <inkml:brushProperty name="color" value="#E71224"/>
     </inkml:brush>
   </inkml:definitions>
-  <inkml:trace contextRef="#ctx0" brushRef="#br0">2 1 24575,'-1'94'0,"3"105"0,11-111 0,-8-55 0,4 58 0,-10 14-1365,1-83-5461</inkml:trace>
+  <inkml:trace contextRef="#ctx0" brushRef="#br0">0 60 24575,'1'-1'0,"0"-1"0,-1 1 0,1 0 0,-1 0 0,1 0 0,0 0 0,0 0 0,0 0 0,0 0 0,0 0 0,0 0 0,0 0 0,0 0 0,0 1 0,0-1 0,0 0 0,0 1 0,1-1 0,1 0 0,33-13 0,-26 11 0,14-4 0,1 1 0,0 2 0,1 1 0,-1 0 0,1 2 0,-1 1 0,31 4 0,18-1 0,-27 2-1365,-30 1-5461</inkml:trace>
 </inkml:ink>
 </file>
 
@@ -844,7 +844,7 @@
           <inkml:channelProperty channel="F" name="resolution" value="0" units="1/dev"/>
         </inkml:channelProperties>
       </inkml:inkSource>
-      <inkml:timestamp xml:id="ts0" timeString="2025-05-02T20:38:28.575"/>
+      <inkml:timestamp xml:id="ts0" timeString="2025-05-02T20:38:08.256"/>
     </inkml:context>
     <inkml:brush xml:id="br0">
       <inkml:brushProperty name="width" value="0.035" units="cm"/>
@@ -852,7 +852,7 @@
       <inkml:brushProperty name="color" value="#E71224"/>
     </inkml:brush>
   </inkml:definitions>
-  <inkml:trace contextRef="#ctx0" brushRef="#br0">0 53 24575,'32'0'0,"-1"-1"0,0-2 0,43-9 0,-44 7 0,-1 2 0,1 1 0,50 2 0,34-1 0,-6-23-1365,-87 22-5461</inkml:trace>
+  <inkml:trace contextRef="#ctx0" brushRef="#br0">71 1 24575,'0'4'0,"0"7"0,0 5 0,0 5 0,0 3 0,0 2 0,0 1 0,0 1 0,0-1 0,-4 1 0,-2-1 0,-4 0 0,-1-1 0,2 1 0,2-1 0,-1-4 0,-1-1 0,2-5-8191</inkml:trace>
 </inkml:ink>
 </file>
 
@@ -872,7 +872,7 @@
           <inkml:channelProperty channel="F" name="resolution" value="0" units="1/dev"/>
         </inkml:channelProperties>
       </inkml:inkSource>
-      <inkml:timestamp xml:id="ts0" timeString="2025-05-02T20:38:29.861"/>
+      <inkml:timestamp xml:id="ts0" timeString="2025-05-02T20:38:09.294"/>
     </inkml:context>
     <inkml:brush xml:id="br0">
       <inkml:brushProperty name="width" value="0.035" units="cm"/>
@@ -880,7 +880,7 @@
       <inkml:brushProperty name="color" value="#E71224"/>
     </inkml:brush>
   </inkml:definitions>
-  <inkml:trace contextRef="#ctx0" brushRef="#br0">1 1 24575,'0'35'0,"1"0"0,1 0 0,12 56 0,48 138 0,-53-198 120,-9-30-191,0 0 1,0 0-1,1 0 0,-1 1 0,0-1 1,1 0-1,-1 0 0,1 0 1,-1 0-1,1 0 0,0 0 0,-1 0 1,1 0-1,0 0 0,0 0 1,0 0-1,0 0 0,0-1 0,0 1 1,1 0-1</inkml:trace>
+  <inkml:trace contextRef="#ctx0" brushRef="#br0">0 50 24575,'2'0'0,"0"1"0,-1 0 0,1-1 0,-1 1 0,1 0 0,-1 0 0,0 0 0,1 0 0,-1 0 0,0 0 0,0 1 0,0-1 0,0 0 0,0 1 0,0-1 0,0 1 0,1 2 0,15 31 0,-15-32 0,15 37 0,-1 0 0,-2 1 0,-2 0 0,-2 1 0,-2 1 0,-2-1 0,2 49 0,-10-182 0,3-127 0,1 208 0,0 0 0,0 0 0,1 0 0,0 1 0,1-1 0,0 1 0,0 0 0,1 0 0,0 0 0,1 1 0,12-16 0,-14 19 0,0 1 0,0 0 0,1 0 0,-1 0 0,1 0 0,0 0 0,0 1 0,0 0 0,0 0 0,1 0 0,-1 1 0,1 0 0,0 0 0,-1 0 0,1 1 0,0 0 0,0 0 0,0 0 0,0 1 0,0 0 0,8 1 0,-9 0 0,0 1 0,0 0 0,-1 0 0,1 0 0,0 1 0,-1-1 0,1 1 0,-1 0 0,0 1 0,0-1 0,0 1 0,0 0 0,-1 0 0,1 0 0,-1 0 0,0 0 0,-1 1 0,1 0 0,-1-1 0,0 1 0,0 0 0,0 0 0,2 9 0,2 9 0,-1 0 0,-1 1 0,2 46 0,-6-41-84,-1-23-7,0 0-1,1 0 1,0 0-1,0-1 1,1 1-1,-1 0 1,1 0-1,1 0 1,-1-1-1,1 1 1,0-1-1,0 1 0,4 7 1,6-2-6735</inkml:trace>
 </inkml:ink>
 </file>
 
@@ -900,7 +900,7 @@
           <inkml:channelProperty channel="F" name="resolution" value="0" units="1/dev"/>
         </inkml:channelProperties>
       </inkml:inkSource>
-      <inkml:timestamp xml:id="ts0" timeString="2025-05-02T20:38:30.094"/>
+      <inkml:timestamp xml:id="ts0" timeString="2025-05-02T20:38:09.710"/>
     </inkml:context>
     <inkml:brush xml:id="br0">
       <inkml:brushProperty name="width" value="0.035" units="cm"/>
@@ -908,7 +908,7 @@
       <inkml:brushProperty name="color" value="#E71224"/>
     </inkml:brush>
   </inkml:definitions>
-  <inkml:trace contextRef="#ctx0" brushRef="#br0">0 1 24575,'0'0'-8191</inkml:trace>
+  <inkml:trace contextRef="#ctx0" brushRef="#br0">31 157 24575,'8'-1'0,"-1"1"0,1-1 0,-1-1 0,1 1 0,-1-1 0,0 0 0,0-1 0,0 0 0,0 0 0,0 0 0,-1-1 0,7-5 0,-10 7 0,0 0 0,-1 0 0,1 0 0,-1-1 0,1 1 0,-1-1 0,0 1 0,0-1 0,0 0 0,0 0 0,-1 0 0,1 0 0,-1 0 0,0 0 0,1 0 0,-2-1 0,1 1 0,0 0 0,-1-1 0,1 1 0,-1 0 0,0-1 0,0 1 0,0-1 0,-1 1 0,1 0 0,-1-1 0,-1-5 0,1 8 0,1-1 0,-1 0 0,1 1 0,-1-1 0,1 1 0,-1-1 0,0 1 0,0 0 0,0-1 0,0 1 0,0 0 0,0 0 0,0-1 0,0 1 0,0 0 0,0 0 0,-1 0 0,1 0 0,0 0 0,-1 1 0,1-1 0,-1 0 0,1 1 0,-1-1 0,1 1 0,-1-1 0,0 1 0,1 0 0,-1-1 0,1 1 0,-1 0 0,0 0 0,1 0 0,-1 1 0,0-1 0,1 0 0,-1 1 0,1-1 0,-1 1 0,1-1 0,-1 1 0,1 0 0,-1-1 0,1 1 0,-2 1 0,-2 1 0,-1 1 0,1 0 0,0 0 0,0 0 0,1 0 0,-1 1 0,1 0 0,0 0 0,0 0 0,-3 8 0,-1 3 0,0 0 0,2 0 0,0 1 0,1 0 0,1 0 0,0 1 0,1-1 0,1 1 0,1 0 0,1-1 0,0 1 0,1 0 0,6 33 0,-5-47 0,0 0 0,0 0 0,0 0 0,0 0 0,1-1 0,-1 1 0,1-1 0,0 0 0,0 0 0,0 0 0,1 0 0,-1 0 0,1-1 0,-1 1 0,1-1 0,0 0 0,0 0 0,0 0 0,0-1 0,0 0 0,0 1 0,0-1 0,1-1 0,-1 1 0,0-1 0,7 1 0,0 0 0,1-1 0,0 0 0,-1-1 0,1 0 0,-1 0 0,0-1 0,1-1 0,-1 0 0,13-5 0,-13 1-151,0 0-1,-1-1 0,0 1 0,0-2 1,-1 0-1,0 0 0,0-1 1,9-14-1,-8 11-6674</inkml:trace>
 </inkml:ink>
 </file>
 
@@ -928,7 +928,7 @@
           <inkml:channelProperty channel="F" name="resolution" value="0" units="1/dev"/>
         </inkml:channelProperties>
       </inkml:inkSource>
-      <inkml:timestamp xml:id="ts0" timeString="2025-05-02T20:38:30.853"/>
+      <inkml:timestamp xml:id="ts0" timeString="2025-05-02T20:38:09.974"/>
     </inkml:context>
     <inkml:brush xml:id="br0">
       <inkml:brushProperty name="width" value="0.035" units="cm"/>
@@ -936,7 +936,7 @@
       <inkml:brushProperty name="color" value="#E71224"/>
     </inkml:brush>
   </inkml:definitions>
-  <inkml:trace contextRef="#ctx0" brushRef="#br0">0 1 24575,'2'0'0,"-1"1"0,0-1 0,0 1 0,0-1 0,0 1 0,0-1 0,1 1 0,-1 0 0,0 0 0,-1 0 0,1-1 0,0 1 0,0 0 0,0 0 0,0 0 0,-1 0 0,1 0 0,-1 1 0,1-1 0,0 0 0,-1 0 0,0 0 0,1 0 0,-1 1 0,0-1 0,0 0 0,1 3 0,4 39 0,-5-38 0,0 134 0,1 17 0,1-136 0,2 1 0,0-1 0,1 0 0,10 26 0,-15-45 0,0-1 0,0 1 0,0-1 0,0 1 0,0-1 0,1 1 0,-1-1 0,0 1 0,0-1 0,1 1 0,-1-1 0,0 1 0,1-1 0,-1 1 0,0-1 0,1 0 0,-1 1 0,1-1 0,-1 0 0,1 1 0,-1-1 0,0 0 0,1 0 0,-1 1 0,1-1 0,-1 0 0,2 0 0,4-11 0,-4-25 0,-40-92 0,38 127 0,0 0 0,-1 0 0,1 0 0,0 0 0,0 0 0,-1 0 0,1 0 0,0 0 0,0 0 0,0 0 0,0 0 0,1 0 0,-1 0 0,0 0 0,0 0 0,1 0 0,-1 0 0,0 0 0,1 0 0,-1 0 0,1 0 0,-1 0 0,1 0 0,0 1 0,-1-1 0,1 0 0,0 0 0,-1 1 0,1-1 0,0 0 0,0 1 0,0-1 0,0 1 0,-1-1 0,1 1 0,0-1 0,0 1 0,0 0 0,0-1 0,0 1 0,2 0 0,5-1 0,0 1 0,0 1 0,0-1 0,15 4 0,16 0 0,-35-5 0,0 0 0,0-1 0,0 1 0,0-1 0,0 1 0,-1-1 0,1 0 0,-1-1 0,1 1 0,-1-1 0,0 1 0,0-1 0,0 0 0,0 0 0,-1 0 0,1-1 0,-1 1 0,0-1 0,0 1 0,0-1 0,0 0 0,0 0 0,-1 1 0,0-1 0,1-7 0,3-7 0,-2 0 0,0-1 0,-1 1 0,-1-23 0,-2 90 0,-1-6 0,6 73 0,-3-105 0,1 1 0,0 0 0,1-1 0,0 1 0,1-1 0,0 0 0,1 0 0,0 0 0,0-1 0,2 1 0,9 12 0,14 0-1365,-14-16-5461</inkml:trace>
+  <inkml:trace contextRef="#ctx0" brushRef="#br0">96 1 24575,'-2'33'0,"-1"0"0,-2 0 0,-14 52 0,-5 23 0,18-71-455,-3-1 0,-13 38 0,16-58-6371</inkml:trace>
 </inkml:ink>
 </file>
 
@@ -956,7 +956,7 @@
           <inkml:channelProperty channel="F" name="resolution" value="0" units="1/dev"/>
         </inkml:channelProperties>
       </inkml:inkSource>
-      <inkml:timestamp xml:id="ts0" timeString="2025-05-02T20:38:31.117"/>
+      <inkml:timestamp xml:id="ts0" timeString="2025-05-02T20:38:10.223"/>
     </inkml:context>
     <inkml:brush xml:id="br0">
       <inkml:brushProperty name="width" value="0.035" units="cm"/>
@@ -964,7 +964,7 @@
       <inkml:brushProperty name="color" value="#E71224"/>
     </inkml:brush>
   </inkml:definitions>
-  <inkml:trace contextRef="#ctx0" brushRef="#br0">2 1 24575,'-2'129'0,"5"139"0,7-225-1365,-5-26-5461</inkml:trace>
+  <inkml:trace contextRef="#ctx0" brushRef="#br0">0 1 24575,'1'7'0,"1"0"0,-1 0 0,1 0 0,0 0 0,0-1 0,1 1 0,0 0 0,0-1 0,1 0 0,5 8 0,46 57 0,-36-53 0,1 0 0,0-2 0,36 23 0,-33-24 0,-16-10-80,0-1 0,0 0-1,0 0 1,1-1 0,-1 0-1,1-1 1,0 1 0,0-2-1,0 1 1,0-1 0,0 0 0,0 0-1,0-1 1,0-1 0,1 1-1,7-2 1,2-4-6746</inkml:trace>
 </inkml:ink>
 </file>
 
@@ -984,7 +984,7 @@
           <inkml:channelProperty channel="F" name="resolution" value="0" units="1/dev"/>
         </inkml:channelProperties>
       </inkml:inkSource>
-      <inkml:timestamp xml:id="ts0" timeString="2025-05-02T20:38:31.349"/>
+      <inkml:timestamp xml:id="ts0" timeString="2025-05-02T20:38:10.547"/>
     </inkml:context>
     <inkml:brush xml:id="br0">
       <inkml:brushProperty name="width" value="0.035" units="cm"/>
@@ -992,7 +992,7 @@
       <inkml:brushProperty name="color" value="#E71224"/>
     </inkml:brush>
   </inkml:definitions>
-  <inkml:trace contextRef="#ctx0" brushRef="#br0">0 1 24575,'5'0'0,"5"0"0,6 0 0,5 0 0,3 0 0,2 0 0,1 0 0,1 0 0,0 0 0,-1 0 0,0 0 0,0 0 0,0 0 0,-1 0 0,1 0 0,-5 0-8191</inkml:trace>
+  <inkml:trace contextRef="#ctx0" brushRef="#br0">0 1 24575,'2'0'0,"-1"0"0,0 1 0,0-1 0,0 1 0,0-1 0,0 1 0,0-1 0,0 1 0,-1-1 0,1 1 0,0 0 0,0 0 0,0-1 0,-1 1 0,1 0 0,0 0 0,-1 0 0,1 0 0,0 0 0,-1 0 0,1 0 0,-1 0 0,0 0 0,1 0 0,-1 0 0,0 0 0,0 2 0,6 39 0,-4-31 0,51 259 0,-41-208 0,25 79 0,-17-70 0,-15-50-1365,-2-2-5461</inkml:trace>
 </inkml:ink>
 </file>
 
@@ -1012,7 +1012,7 @@
           <inkml:channelProperty channel="F" name="resolution" value="0" units="1/dev"/>
         </inkml:channelProperties>
       </inkml:inkSource>
-      <inkml:timestamp xml:id="ts0" timeString="2025-05-02T20:38:31.783"/>
+      <inkml:timestamp xml:id="ts0" timeString="2025-05-02T20:38:10.808"/>
     </inkml:context>
     <inkml:brush xml:id="br0">
       <inkml:brushProperty name="width" value="0.035" units="cm"/>
@@ -1020,7 +1020,7 @@
       <inkml:brushProperty name="color" value="#E71224"/>
     </inkml:brush>
   </inkml:definitions>
-  <inkml:trace contextRef="#ctx0" brushRef="#br0">57 218 24575,'57'20'0,"-52"-20"0,1 1 0,0-1 0,0-1 0,-1 1 0,1-1 0,0 0 0,0 0 0,-1-1 0,1 1 0,-1-1 0,0 0 0,1-1 0,-1 0 0,0 1 0,0-2 0,-1 1 0,1 0 0,0-1 0,-1 0 0,0 0 0,0 0 0,-1-1 0,5-6 0,-4 6 0,0 0 0,0-1 0,-1 1 0,0-1 0,0 0 0,-1 0 0,1 0 0,-1 0 0,-1-1 0,1 1 0,-1-1 0,0 1 0,0-1 0,-1 1 0,0-1 0,0 1 0,-1-1 0,1 1 0,-2-1 0,-2-10 0,3 15 0,0 0 0,0-1 0,0 1 0,0 0 0,-1 0 0,1 1 0,-1-1 0,1 0 0,-1 0 0,0 1 0,1-1 0,-1 1 0,0-1 0,0 1 0,0 0 0,0 0 0,-1 0 0,1 0 0,-3-1 0,0 1 0,0 0 0,0 0 0,0 0 0,0 1 0,0 0 0,0 0 0,0 0 0,-9 2 0,5 0 0,1 0 0,1 0 0,-1 0 0,0 1 0,0 0 0,1 1 0,0 0 0,0 0 0,0 0 0,0 1 0,-7 7 0,5 0 0,0 0 0,1 1 0,0 0 0,1 1 0,0-1 0,1 1 0,1 1 0,0-1 0,1 1 0,1 0 0,0 0 0,1 0 0,1 0 0,0 0 0,1 1 0,1-1 0,0 0 0,5 24 0,-4-33 0,1-1 0,-1 0 0,1 0 0,0 0 0,0 0 0,1 0 0,-1-1 0,1 0 0,0 1 0,0-2 0,1 1 0,-1 0 0,1-1 0,0 0 0,0 0 0,0 0 0,0 0 0,0-1 0,8 2 0,5 3 0,1-1 0,0-1 0,0-1 0,29 3 0,-43-7 6,0 0 0,0 0-1,0 0 1,0 0 0,-1-1-1,1 1 1,0-1 0,0-1 0,-1 1-1,1-1 1,0 1 0,-1-1-1,0-1 1,1 1 0,-1 0 0,0-1-1,0 0 1,-1 0 0,1 0-1,6-7 1,-3 0-192,-1 1 1,0-1-1,0 0 0,-1-1 1,0 1-1,0-1 1,4-19-1,-4 12-6640</inkml:trace>
+  <inkml:trace contextRef="#ctx0" brushRef="#br0">0 108 24575,'1'-2'0,"-1"0"0,0 0 0,1 0 0,-1 0 0,1 1 0,0-1 0,0 0 0,-1 0 0,1 1 0,0-1 0,1 0 0,-1 1 0,0-1 0,0 1 0,1 0 0,-1-1 0,0 1 0,1 0 0,0 0 0,-1 0 0,1 0 0,-1 0 0,1 0 0,3-1 0,52-15 0,-41 14 0,179-40 0,-96 36-1365,-77 8-5461</inkml:trace>
 </inkml:ink>
 </file>
 
@@ -1040,7 +1040,7 @@
           <inkml:channelProperty channel="F" name="resolution" value="0" units="1/dev"/>
         </inkml:channelProperties>
       </inkml:inkSource>
-      <inkml:timestamp xml:id="ts0" timeString="2025-05-02T20:38:32.374"/>
+      <inkml:timestamp xml:id="ts0" timeString="2025-05-02T20:38:12.996"/>
     </inkml:context>
     <inkml:brush xml:id="br0">
       <inkml:brushProperty name="width" value="0.035" units="cm"/>
@@ -1048,7 +1048,7 @@
       <inkml:brushProperty name="color" value="#E71224"/>
     </inkml:brush>
   </inkml:definitions>
-  <inkml:trace contextRef="#ctx0" brushRef="#br0">24 85 24575,'1'10'0,"1"0"0,-1 0 0,2 0 0,5 16 0,3 13 0,36 144 0,-17-75 0,50 163 0,-56-202 0,-74-143 0,35 43 0,-19-37 0,-43-130 0,68 169 0,3 14 0,2-1 0,0 0 0,1 0 0,-2-20 0,-6-40 0,7 56 0,0-1 0,2 1 0,0-1 0,2-23 0,0 39 0,1-1 0,-1 1 0,1 0 0,1 0 0,-1-1 0,1 1 0,0 0 0,0 0 0,0 1 0,1-1 0,0 0 0,0 1 0,0-1 0,0 1 0,1 0 0,0 0 0,-1 1 0,2-1 0,-1 1 0,8-5 0,-9 5 0,1 1 0,0 0 0,-1 0 0,1 0 0,0 0 0,0 1 0,1 0 0,-1-1 0,0 2 0,0-1 0,1 0 0,-1 1 0,0 0 0,1 0 0,-1 0 0,0 0 0,1 1 0,-1 0 0,0 0 0,0 0 0,0 0 0,0 1 0,0-1 0,0 1 0,0 0 0,0 1 0,0-1 0,3 3 0,-2 0 0,0 0 0,0 1 0,0-1 0,-1 1 0,0 0 0,0 0 0,0 0 0,-1 1 0,0-1 0,0 1 0,-1 0 0,0 0 0,0 0 0,0 0 0,-1 0 0,0 8 0,1 4 24,-2-1 0,0 0 0,-2 0 0,-3 23 0,4-36-44,-1-1 0,1 1 0,-1 0 0,1 0-1,-2-1 1,1 1 0,0-1 0,-1 1 0,-3 3 0,4-6-38,1 0-1,-1-1 1,1 1 0,-1-1-1,0 0 1,0 1-1,0-1 1,0 0 0,0 0-1,0 0 1,0-1 0,0 1-1,0 0 1,0-1 0,0 1-1,0-1 1,-1 0-1,1 0 1,0 0 0,0 0-1,-4 0 1,-8-4-6768</inkml:trace>
+  <inkml:trace contextRef="#ctx0" brushRef="#br0">46 1 24575,'0'10'0,"-2"0"0,1 0 0,-2 0 0,-5 16 0,-3 13 0,5-8 0,1-11 0,2-1 0,0 1 0,-1 33 0,5-45 0,0 0 0,0 0 0,0 0 0,1 0 0,1 0 0,-1 0 0,1 0 0,0-1 0,1 1 0,0-1 0,0 0 0,7 9 0,-4-7 0,0 1 0,1-1 0,0 0 0,0-1 0,1 1 0,0-2 0,1 1 0,0-1 0,0-1 0,0 0 0,1 0 0,-1-1 0,1-1 0,1 0 0,-1 0 0,1-1 0,-1 0 0,1-1 0,0 0 0,0-1 0,23-1 0,-31-1 0,0 0 0,-1 0 0,1 0 0,0 0 0,0-1 0,-1 1 0,1-1 0,-1 0 0,1 0 0,-1 0 0,0-1 0,0 1 0,0-1 0,0 0 0,0 0 0,0 0 0,-1 0 0,0 0 0,1 0 0,-1-1 0,0 1 0,-1-1 0,1 0 0,-1 1 0,1-1 0,-1 0 0,0 0 0,-1 0 0,1-5 0,2-10 0,-1 0 0,-1 0 0,-1 1 0,-5-36 0,2 29 0,-2 0 0,-1 0 0,-1 1 0,-1 0 0,-1 0 0,-16-30 0,24 52 0,1 1 0,-1 0 0,1-1 0,-1 1 0,0 0 0,1 0 0,-1 0 0,0 0 0,0 0 0,0 0 0,0 0 0,0 0 0,0 0 0,0 0 0,0 0 0,0 0 0,-1 1 0,1-1 0,0 1 0,0-1 0,-3 0 0,3 1 0,0 1 0,0-1 0,1 1 0,-1-1 0,0 1 0,0-1 0,0 1 0,1 0 0,-1-1 0,0 1 0,1 0 0,-1 0 0,1-1 0,-1 1 0,1 0 0,-1 0 0,1 0 0,-1 0 0,1 0 0,0 0 0,0 0 0,-1 1 0,-2 9 0,1 0 0,0 0 0,0 21 0,1 28 0,5 206 0,9-195 0,-8-52 0,-2 0 0,3 30 0,7 74 0,-7-82 0,2 59 0,-8-90 0,0-1 0,-1 0 0,0 1 0,0-1 0,-1 0 0,0 0 0,-1 0 0,0 0 0,0 0 0,-9 15 0,10-20 0,-1-1 0,0 1 0,0-1 0,-1 1 0,1-1 0,-1 0 0,1-1 0,-1 1 0,0-1 0,0 1 0,0-1 0,-1 0 0,1-1 0,0 1 0,-1-1 0,1 0 0,-1 0 0,1 0 0,-1 0 0,0-1 0,1 0 0,-1 0 0,-8-1 0,8 0 0,1 0 0,-1 0 0,0 0 0,0 0 0,0-1 0,0 0 0,1 0 0,-1 0 0,1-1 0,0 1 0,0-1 0,0 0 0,0-1 0,0 1 0,0 0 0,1-1 0,0 0 0,0 0 0,0 0 0,0 0 0,0-1 0,-3-7 0,-1-4 0,1 0 0,0-1 0,1 0 0,1 0 0,-3-22 0,6 34 2,1 0 1,0-1-1,0 1 0,0 0 0,0 0 0,1 0 0,0 0 0,0-1 1,0 1-1,1 0 0,-1 1 0,1-1 0,0 0 0,1 0 1,-1 1-1,1-1 0,0 1 0,0 0 0,7-8 0,4 0-46,1 0-1,0 0 0,1 1 0,20-10 0,16-12-1139,-39 23-5642</inkml:trace>
 </inkml:ink>
 </file>
 
@@ -1068,7 +1068,7 @@
           <inkml:channelProperty channel="F" name="resolution" value="0" units="1/dev"/>
         </inkml:channelProperties>
       </inkml:inkSource>
-      <inkml:timestamp xml:id="ts0" timeString="2025-05-02T20:38:33.070"/>
+      <inkml:timestamp xml:id="ts0" timeString="2025-05-02T20:38:13.339"/>
     </inkml:context>
     <inkml:brush xml:id="br0">
       <inkml:brushProperty name="width" value="0.035" units="cm"/>
@@ -1076,7 +1076,7 @@
       <inkml:brushProperty name="color" value="#E71224"/>
     </inkml:brush>
   </inkml:definitions>
-  <inkml:trace contextRef="#ctx0" brushRef="#br0">241 212 24575,'2'4'0,"-1"1"0,1-1 0,-1 1 0,1-1 0,1 0 0,-1 1 0,0-1 0,1 0 0,0-1 0,0 1 0,0 0 0,5 3 0,-7-7 0,-1 0 0,1 0 0,0 0 0,-1 0 0,1 0 0,0-1 0,-1 1 0,1 0 0,0 0 0,-1-1 0,1 1 0,-1 0 0,1-1 0,-1 1 0,1-1 0,-1 1 0,1 0 0,-1-1 0,1 1 0,-1-1 0,1 0 0,-1 1 0,0-1 0,1 1 0,-1-1 0,0 1 0,0-1 0,1 0 0,-1 1 0,0-1 0,0 0 0,0 1 0,0-1 0,0 0 0,0 1 0,0-1 0,0-1 0,4-29 0,-4 29 0,1-9 0,-1-1 0,0 1 0,-1-1 0,0 1 0,-1 0 0,0 0 0,-1 0 0,0 0 0,-1 0 0,0 0 0,-9-14 0,10 20 0,0-1 0,-1 2 0,0-1 0,0 0 0,0 1 0,-1 0 0,1 0 0,-1 0 0,0 0 0,0 1 0,0 0 0,0 0 0,-1 0 0,0 1 0,1 0 0,-1 0 0,0 0 0,0 0 0,0 1 0,0 0 0,0 1 0,0-1 0,-8 2 0,10-1 0,-1 0 0,1 0 0,-1 1 0,1 0 0,-1 0 0,1 1 0,0-1 0,0 1 0,-1 0 0,1 0 0,0 0 0,1 0 0,-1 1 0,0-1 0,-5 6 0,4-2 0,0 0 0,0 0 0,1 0 0,-1 1 0,2 0 0,-1-1 0,1 1 0,-5 12 0,3-2 0,1 1 0,0-1 0,2 1 0,0 0 0,0 0 0,2 0 0,2 23 0,-2-38 0,0 1 0,1 0 0,0 0 0,0 0 0,0-1 0,0 1 0,1-1 0,-1 1 0,1-1 0,0 1 0,0-1 0,0 0 0,1 0 0,-1 0 0,1 0 0,-1 0 0,1-1 0,0 1 0,0-1 0,0 1 0,0-1 0,1 0 0,-1-1 0,1 1 0,-1 0 0,1-1 0,3 1 0,2 0 0,0 0 0,0-1 0,1 0 0,-1 0 0,0-1 0,0-1 0,0 1 0,1-1 0,-1-1 0,13-4 0,-17 5 0,0-2 0,0 1 0,0-1 0,0 0 0,0 0 0,-1 0 0,1 0 0,-1-1 0,0 0 0,0 0 0,0 0 0,-1 0 0,0-1 0,1 1 0,-2-1 0,1 0 0,0 0 0,-1 0 0,0 0 0,0-1 0,-1 1 0,1 0 0,-1-1 0,1-8 0,1-9 0,-1 0 0,-1 0 0,-2 0 0,-3-36 0,4 58 0,0-1 0,0 0 0,-1 1 0,1-1 0,0 0 0,-1 1 0,1-1 0,-1 0 0,1 1 0,-1-1 0,0 1 0,0-1 0,1 1 0,-1-1 0,0 1 0,0 0 0,-2-2 0,-4 7 0,1 16 0,4 4 0,1 0 0,1 0 0,2 0 0,0 0 0,10 44 0,42 116 0,-53-181 0,15 39-61,2-2 0,23 39 0,-18-37-1121,-15-27-5644</inkml:trace>
+  <inkml:trace contextRef="#ctx0" brushRef="#br0">0 1 24575,'2'0'0,"-1"1"0,0-1 0,0 1 0,0-1 0,0 1 0,0 0 0,0-1 0,0 1 0,0 0 0,0 0 0,0 0 0,0 0 0,0-1 0,-1 1 0,1 1 0,0-1 0,-1 0 0,1 0 0,0 0 0,-1 0 0,0 0 0,1 0 0,-1 1 0,0-1 0,1 0 0,-1 0 0,0 3 0,5 39 0,-5-38 0,5 40 0,2 0 0,3-1 0,19 59 0,-9-35 0,2 9 0,-5-26 0,-3 1 0,-2 0 0,-2 1 0,5 103 0,-16-120 0,1-28 0,0-25 0,-1-35 0,-1 0 0,-11-60 0,-36-98-1365,43 188-5461</inkml:trace>
 </inkml:ink>
 </file>
 
@@ -1124,7 +1124,7 @@
           <inkml:channelProperty channel="F" name="resolution" value="0" units="1/dev"/>
         </inkml:channelProperties>
       </inkml:inkSource>
-      <inkml:timestamp xml:id="ts0" timeString="2025-05-02T20:38:33.424"/>
+      <inkml:timestamp xml:id="ts0" timeString="2025-05-02T20:38:13.617"/>
     </inkml:context>
     <inkml:brush xml:id="br0">
       <inkml:brushProperty name="width" value="0.035" units="cm"/>
@@ -1132,7 +1132,7 @@
       <inkml:brushProperty name="color" value="#E71224"/>
     </inkml:brush>
   </inkml:definitions>
-  <inkml:trace contextRef="#ctx0" brushRef="#br0">0 131 24575,'1'-6'0,"0"0"0,0 0 0,0 0 0,1 0 0,0 0 0,0 0 0,0 0 0,1 1 0,-1-1 0,1 1 0,1 0 0,-1 0 0,1 0 0,0 0 0,0 1 0,0-1 0,1 1 0,0 0 0,-1 1 0,1-1 0,1 1 0,9-5 0,-12 6 0,0 1 0,0-1 0,1 1 0,-1 0 0,1 0 0,-1 0 0,1 0 0,-1 1 0,1-1 0,-1 1 0,1 0 0,0 0 0,-1 0 0,1 1 0,-1-1 0,1 1 0,-1 0 0,1 0 0,-1 0 0,1 0 0,-1 1 0,0 0 0,0-1 0,0 1 0,0 0 0,0 0 0,0 1 0,0-1 0,-1 1 0,1-1 0,-1 1 0,0 0 0,0 0 0,0 0 0,0 0 0,0 0 0,0 0 0,-1 0 0,2 5 0,1 6 0,0 1 0,-1 0 0,-1 0 0,0 1 0,-1-1 0,-1 0 0,0 0 0,-1 1 0,0-1 0,-2 0 0,1 0 0,-9 24 0,7-31 17,-1 0 0,0 0 1,0-1-1,-1 0 0,0 0 0,-8 7 0,13-12-63,0 0-1,-1-1 1,1 1-1,-1-1 1,1 1 0,-1-1-1,0 0 1,1 0-1,-1 0 1,0 0 0,0 0-1,0 0 1,0 0-1,0 0 1,0-1-1,0 1 1,0-1 0,0 0-1,0 1 1,0-1-1,0 0 1,0 0 0,0 0-1,0-1 1,0 1-1,0 0 1,0-1 0,0 1-1,0-1 1,0 0-1,-3-1 1,-4-7-6780</inkml:trace>
+  <inkml:trace contextRef="#ctx0" brushRef="#br0">51 28 24575,'5'-4'0,"0"1"0,0 0 0,1 0 0,-1 1 0,0-1 0,1 1 0,0 0 0,-1 1 0,1 0 0,0-1 0,0 2 0,0-1 0,0 1 0,8 0 0,-10 0 0,0 0 0,1 0 0,-1 0 0,0 1 0,0-1 0,0 1 0,1 0 0,-1 0 0,0 1 0,0-1 0,0 1 0,-1 0 0,1 0 0,0 0 0,-1 1 0,1-1 0,-1 1 0,0 0 0,0 0 0,4 4 0,-4-1 0,-1 0 0,0 0 0,0 0 0,0 0 0,0 0 0,-1 0 0,0 0 0,-1 1 0,1-1 0,-1 1 0,-1-1 0,1 0 0,-1 1 0,0-1 0,0 0 0,-1 0 0,0 0 0,0 0 0,0 0 0,-1 0 0,1 0 0,-8 9 0,5-7 0,-1 1 0,0-2 0,0 1 0,-1-1 0,0 0 0,0 0 0,0-1 0,-1 0 0,0 0 0,0-1 0,-1 0 0,0 0 0,1-1 0,-12 4 0,-71 22 0,88-27-1365</inkml:trace>
 </inkml:ink>
 </file>
 
@@ -1152,7 +1152,7 @@
           <inkml:channelProperty channel="F" name="resolution" value="0" units="1/dev"/>
         </inkml:channelProperties>
       </inkml:inkSource>
-      <inkml:timestamp xml:id="ts0" timeString="2025-05-02T20:38:33.823"/>
+      <inkml:timestamp xml:id="ts0" timeString="2025-05-02T20:38:14.037"/>
     </inkml:context>
     <inkml:brush xml:id="br0">
       <inkml:brushProperty name="width" value="0.035" units="cm"/>
@@ -1160,7 +1160,7 @@
       <inkml:brushProperty name="color" value="#E71224"/>
     </inkml:brush>
   </inkml:definitions>
-  <inkml:trace contextRef="#ctx0" brushRef="#br0">29 237 24575,'8'-2'0,"-1"-1"0,0 0 0,0 0 0,0 0 0,-1-1 0,1 0 0,8-6 0,-12 7 0,3-1 0,0-1 0,-1 0 0,0 0 0,0 0 0,-1-1 0,1 1 0,-1-1 0,0 0 0,-1 0 0,1-1 0,-1 1 0,-1-1 0,1 0 0,-1 1 0,0-1 0,-1 0 0,1 0 0,-1-1 0,-1 1 0,1 0 0,-1 0 0,-1 0 0,1 0 0,-4-14 0,4 20 0,-1-1 0,1 0 0,-1 1 0,1-1 0,-1 1 0,0-1 0,0 1 0,1-1 0,-1 1 0,0 0 0,0-1 0,0 1 0,-1 0 0,1 0 0,0 0 0,0 0 0,-1 0 0,1 0 0,-1 0 0,1 0 0,0 0 0,-1 1 0,0-1 0,1 1 0,-1-1 0,1 1 0,-1 0 0,0-1 0,1 1 0,-1 0 0,0 0 0,1 0 0,-1 0 0,0 0 0,1 1 0,-1-1 0,1 0 0,-1 1 0,0-1 0,1 1 0,-1 0 0,1-1 0,-1 1 0,-1 1 0,-2 2 0,0-1 0,0 1 0,0 0 0,0 0 0,1 0 0,-1 1 0,1 0 0,0 0 0,1 0 0,-6 9 0,0 5 0,2 0 0,0 1 0,1-1 0,-4 23 0,8-33 0,1 1 0,0-1 0,0 1 0,1-1 0,0 1 0,0-1 0,1 0 0,0 1 0,1-1 0,0 0 0,4 10 0,-2-13 0,-1-1 0,1 0 0,0 0 0,0-1 0,1 1 0,0-1 0,-1 0 0,1 0 0,1 0 0,-1-1 0,0 0 0,1 0 0,0 0 0,0-1 0,0 0 0,0 0 0,0 0 0,0-1 0,0 0 0,0 0 0,1 0 0,8-1 0,-6 1 0,1-1 0,0 0 0,-1 0 0,1-1 0,-1 0 0,1-1 0,-1 0 0,1-1 0,-1 0 0,0 0 0,0-1 0,-1 0 0,1-1 0,9-5 0,-9 1-195,0 0 0,-1-1 0,0 0 0,0 0 0,-1 0 0,11-23 0,-10 18-6631</inkml:trace>
+  <inkml:trace contextRef="#ctx0" brushRef="#br0">0 271 24575,'0'14'0,"0"0"0,1 0 0,1-1 0,0 1 0,5 15 0,-6-25 0,0-1 0,0 1 0,0-1 0,1 0 0,0 1 0,0-1 0,0 0 0,0 0 0,0-1 0,0 1 0,1 0 0,0-1 0,-1 1 0,1-1 0,0 0 0,0 0 0,0 0 0,0 0 0,1-1 0,-1 1 0,0-1 0,1 0 0,-1 0 0,7 1 0,-4 0 0,1-1 0,-1-1 0,1 1 0,-1-1 0,1-1 0,-1 1 0,1-1 0,-1 0 0,1 0 0,-1-1 0,0 0 0,0 0 0,0-1 0,0 1 0,0-1 0,6-5 0,-5 3 0,0-1 0,-1 0 0,0 0 0,0-1 0,0 1 0,-1-2 0,0 1 0,0 0 0,0-1 0,5-14 0,-3 2 0,0-1 0,-2 0 0,0 0 0,-1 0 0,-1 0 0,-1 0 0,-1-1 0,-1 1 0,-3-24 0,3 41 0,-1 0 0,0 0 0,0 0 0,0 0 0,0 0 0,0 1 0,-1-1 0,0 0 0,0 1 0,0 0 0,0-1 0,0 1 0,0 0 0,-1 0 0,0 0 0,0 0 0,0 1 0,0-1 0,0 1 0,0 0 0,0-1 0,-1 1 0,1 1 0,-1-1 0,0 1 0,0-1 0,1 1 0,-1 0 0,0 0 0,-6 0 0,3 0 0,0 1 0,-1 0 0,1 0 0,0 1 0,0 0 0,0 0 0,0 0 0,0 1 0,0 0 0,0 1 0,0-1 0,0 1 0,1 1 0,0-1 0,0 1 0,-8 5 0,8-3 0,1 0 0,-1 1 0,1-1 0,1 1 0,-1 0 0,1 0 0,0 1 0,1-1 0,-1 1 0,2 0 0,-1 0 0,1 0 0,0 0 0,-1 13 0,1 3 0,0 1 0,2-1 0,4 41 0,-3-59-47,0-1 0,0 0 0,1 0 0,0 0 0,-1 0 0,2 0 0,-1-1 0,1 1 0,-1 0-1,1-1 1,0 0 0,1 0 0,-1 0 0,1 0 0,0 0 0,0-1 0,0 1 0,0-1 0,1 0 0,-1-1 0,1 1 0,0-1-1,-1 0 1,1 0 0,0 0 0,0-1 0,1 1 0,8 0 0,6 1-6779</inkml:trace>
 </inkml:ink>
 </file>
 
@@ -1180,7 +1180,7 @@
           <inkml:channelProperty channel="F" name="resolution" value="0" units="1/dev"/>
         </inkml:channelProperties>
       </inkml:inkSource>
-      <inkml:timestamp xml:id="ts0" timeString="2025-05-02T20:38:34.272"/>
+      <inkml:timestamp xml:id="ts0" timeString="2025-05-02T20:38:14.317"/>
     </inkml:context>
     <inkml:brush xml:id="br0">
       <inkml:brushProperty name="width" value="0.035" units="cm"/>
@@ -1188,7 +1188,7 @@
       <inkml:brushProperty name="color" value="#E71224"/>
     </inkml:brush>
   </inkml:definitions>
-  <inkml:trace contextRef="#ctx0" brushRef="#br0">2 1 24575,'-1'94'0,"3"103"0,-1-193 0,-1 0 0,1 0 0,0 0 0,0 0 0,0-1 0,1 1 0,-1 0 0,1-1 0,0 1 0,0-1 0,0 1 0,0-1 0,1 0 0,-1 0 0,1 0 0,0 0 0,0-1 0,0 1 0,0-1 0,1 0 0,-1 0 0,4 2 0,-4-3 0,0 0 0,-1 0 0,1 0 0,0 0 0,0-1 0,0 1 0,0-1 0,0 0 0,0 0 0,-1 0 0,1 0 0,0-1 0,0 1 0,0-1 0,0 0 0,0 0 0,-1 0 0,1 0 0,0 0 0,-1 0 0,1-1 0,-1 1 0,1-1 0,-1 0 0,0 0 0,0 0 0,0 0 0,0 0 0,0 0 0,2-4 0,3-3 0,-1-1 0,0-1 0,-1 1 0,0-1 0,-1 1 0,0-1 0,-1-1 0,0 1 0,2-16 0,-2-3 0,-1 1 0,-3-43 0,2 105 0,-2-13 0,2 0 0,0 0 0,1 0 0,1 0 0,1-1 0,8 27 0,-6-32 0,-6-10 0,1 0 0,0-1 0,1 1 0,-1 0 0,1-1 0,-1 0 0,1 1 0,0-1 0,0 0 0,1 0 0,-1 0 0,1 0 0,-1 0 0,5 3 0,-6-6 2,-1 0-1,0 0 1,1 0-1,-1 0 1,1 0 0,-1 0-1,0 0 1,1 0-1,-1 0 1,1 0-1,-1 0 1,1 0 0,-1-1-1,0 1 1,1 0-1,-1 0 1,0 0-1,1-1 1,-1 1-1,1 0 1,-1 0 0,0-1-1,0 1 1,1 0-1,-1-1 1,0 1-1,1 0 1,-1-1-1,0 1 1,0 0 0,0-1-1,0 1 1,1-1-1,-1 1 1,0 0-1,0-1 1,0 1-1,0-1 1,0 1 0,0-1-1,0 1 1,0 0-1,0-1 1,0-19-1436,-4 0-5392</inkml:trace>
+  <inkml:trace contextRef="#ctx0" brushRef="#br0">1 1 24575,'-1'85'0,"3"95"0,11-108 0,-9-52 0,0 0 0,1 28 0,-5-32-227,1 1-1,1-1 1,0 1-1,1-1 1,10 29-1,-10-37-6598</inkml:trace>
 </inkml:ink>
 </file>
 
@@ -1208,7 +1208,7 @@
           <inkml:channelProperty channel="F" name="resolution" value="0" units="1/dev"/>
         </inkml:channelProperties>
       </inkml:inkSource>
-      <inkml:timestamp xml:id="ts0" timeString="2025-05-02T20:38:34.475"/>
+      <inkml:timestamp xml:id="ts0" timeString="2025-05-02T20:38:14.705"/>
     </inkml:context>
     <inkml:brush xml:id="br0">
       <inkml:brushProperty name="width" value="0.035" units="cm"/>
@@ -1216,7 +1216,7 @@
       <inkml:brushProperty name="color" value="#E71224"/>
     </inkml:brush>
   </inkml:definitions>
-  <inkml:trace contextRef="#ctx0" brushRef="#br0">0 58 24575,'1'-3'0,"-1"1"0,1-1 0,-1 1 0,1-1 0,0 1 0,0 0 0,0-1 0,0 1 0,0 0 0,1 0 0,-1-1 0,0 1 0,1 0 0,0 1 0,0-1 0,-1 0 0,1 0 0,0 1 0,0-1 0,0 1 0,1 0 0,-1-1 0,0 1 0,1 0 0,-1 0 0,0 1 0,1-1 0,-1 0 0,1 1 0,-1-1 0,1 1 0,2 0 0,15-2 0,1 0 0,-1 2 0,22 1 0,-19 0 0,-1 1 0,1 1 0,37 9 0,-4 0 0,-15-1-1365,-25-5-5461</inkml:trace>
+  <inkml:trace contextRef="#ctx0" brushRef="#br0">276 1 24575,'-5'2'0,"0"0"0,0 1 0,0-1 0,0 1 0,1 0 0,-1 1 0,1-1 0,0 1 0,0 0 0,0 0 0,-6 8 0,-1-1 0,-14 12 0,-2-2 0,-35 22 0,-7 5 0,68-47 0,-1 0 0,1 0 0,0 0 0,-1 0 0,1 0 0,0 0 0,0 0 0,-1 0 0,1 0 0,0 0 0,0 1 0,0-1 0,1 0 0,-1 1 0,0-1 0,0 1 0,1-1 0,-1 1 0,1-1 0,-1 1 0,1-1 0,0 1 0,0 0 0,0-1 0,0 1 0,0 0 0,0-1 0,0 1 0,0-1 0,0 1 0,1 0 0,-1-1 0,1 1 0,-1-1 0,1 1 0,0-1 0,-1 0 0,1 1 0,0-1 0,0 1 0,0-1 0,0 0 0,0 0 0,0 0 0,1 0 0,-1 0 0,0 0 0,1 0 0,-1 0 0,3 1 0,10 7 0,1-1 0,0 0 0,0-1 0,16 5 0,-17-7 0,71 26 0,-41-16 0,57 27 0,-70-21-1365,-20-10-5461</inkml:trace>
 </inkml:ink>
 </file>
 
@@ -1236,7 +1236,7 @@
           <inkml:channelProperty channel="F" name="resolution" value="0" units="1/dev"/>
         </inkml:channelProperties>
       </inkml:inkSource>
-      <inkml:timestamp xml:id="ts0" timeString="2025-05-02T20:38:34.909"/>
+      <inkml:timestamp xml:id="ts0" timeString="2025-05-02T20:38:42.037"/>
     </inkml:context>
     <inkml:brush xml:id="br0">
       <inkml:brushProperty name="width" value="0.035" units="cm"/>
@@ -1244,7 +1244,7 @@
       <inkml:brushProperty name="color" value="#E71224"/>
     </inkml:brush>
   </inkml:definitions>
-  <inkml:trace contextRef="#ctx0" brushRef="#br0">185 1 24575,'5'21'0,"0"-11"0,0-12 0,-4 1 0,-1 1 0,0-1 0,0 0 0,0 1 0,0-1 0,-1 1 0,1-1 0,0 0 0,0 1 0,0-1 0,0 1 0,-1-1 0,1 1 0,0-1 0,0 0 0,-1 1 0,1-1 0,-1 1 0,1-1 0,0 1 0,-1 0 0,1-1 0,-1 1 0,1-1 0,-1 1 0,1 0 0,-1-1 0,1 1 0,-1 0 0,1 0 0,-1-1 0,0 1 0,1 0 0,-1 0 0,1 0 0,-1 0 0,-1 0 0,-24-7 0,20 7 0,1 0 0,0 1 0,0-1 0,0 1 0,0 0 0,0 1 0,0-1 0,0 1 0,0 0 0,1 1 0,-1-1 0,1 1 0,-1-1 0,1 1 0,0 1 0,0-1 0,0 1 0,1-1 0,-1 1 0,1 0 0,0 0 0,0 1 0,0-1 0,0 0 0,-2 7 0,-3 6 0,0 0 0,1 0 0,1 1 0,1 0 0,-6 33 0,10-46 0,1 0 0,-1 0 0,1-1 0,0 1 0,0 0 0,0 0 0,1 0 0,0 0 0,0 0 0,0-1 0,0 1 0,1 0 0,0-1 0,0 1 0,0-1 0,0 0 0,6 7 0,-4-6 0,1 0 0,0 0 0,0-1 0,1 0 0,-1 0 0,1 0 0,0 0 0,0-1 0,0 0 0,1-1 0,8 3 0,6 1 0,-1-2 0,1-1 0,1 0 0,-1-1 0,0-2 0,1 0 0,22-4 0,-39 4-85,1-1 0,0-1-1,0 1 1,-1-1 0,1 0-1,-1 0 1,1 0 0,-1-1-1,0 0 1,0 0 0,0 0-1,0-1 1,-1 0 0,1 0-1,3-5 1,2-4-6741</inkml:trace>
+  <inkml:trace contextRef="#ctx0" brushRef="#br0">0 167 24575,'2'4'0,"-1"0"0,1 0 0,0 0 0,0 0 0,0-1 0,1 1 0,-1 0 0,1-1 0,5 6 0,6 9 0,169 257 0,-71-109 0,-43-69 0,-68-94 0,1 0 0,0 0 0,0 0 0,0-1 0,0 1 0,1-1 0,-1 1 0,0-1 0,1 0 0,0 0 0,0 0 0,-1 0 0,1 0 0,0-1 0,6 3 0,-7-5 0,0 1 0,0 0 0,0-1 0,0 1 0,0-1 0,-1 0 0,1 1 0,0-1 0,0 0 0,-1 0 0,1 0 0,-1-1 0,1 1 0,-1 0 0,1 0 0,-1-1 0,0 1 0,1-1 0,-1 1 0,0-1 0,0 0 0,0 1 0,0-1 0,-1 0 0,1 0 0,0 0 0,-1 0 0,1-3 0,6-17 0,0 0 0,3-29 0,-2 13 0,-2 11 0,1 0 0,1 0 0,2 1 0,0 0 0,2 1 0,1 0 0,0 1 0,2 0 0,1 1 0,35-39 0,127-150 24,-105 120-1413,-63 79-5437</inkml:trace>
 </inkml:ink>
 </file>
 
@@ -1264,7 +1264,7 @@
           <inkml:channelProperty channel="F" name="resolution" value="0" units="1/dev"/>
         </inkml:channelProperties>
       </inkml:inkSource>
-      <inkml:timestamp xml:id="ts0" timeString="2025-05-02T20:38:35.777"/>
+      <inkml:timestamp xml:id="ts0" timeString="2025-05-02T20:38:28.251"/>
     </inkml:context>
     <inkml:brush xml:id="br0">
       <inkml:brushProperty name="width" value="0.035" units="cm"/>
@@ -1272,7 +1272,7 @@
       <inkml:brushProperty name="color" value="#E71224"/>
     </inkml:brush>
   </inkml:definitions>
-  <inkml:trace contextRef="#ctx0" brushRef="#br0">48 243 24575,'-20'-56'0,"18"43"0,-1-1 0,2 1 0,0-1 0,1 1 0,0-1 0,3-20 0,-2 30 0,0 1 0,-1-1 0,1 1 0,1 0 0,-1-1 0,0 1 0,1 0 0,0 0 0,0 0 0,0 0 0,0 0 0,0 0 0,0 1 0,1-1 0,-1 1 0,1 0 0,0-1 0,0 1 0,0 0 0,0 1 0,0-1 0,0 0 0,0 1 0,1 0 0,-1 0 0,0 0 0,1 0 0,-1 0 0,7 0 0,-3 0 0,0 1 0,0-1 0,0 1 0,0 1 0,0-1 0,0 1 0,0 0 0,0 1 0,0 0 0,-1 0 0,1 0 0,0 1 0,-1 0 0,0 0 0,0 1 0,0 0 0,0 0 0,0 0 0,-1 1 0,0-1 0,0 1 0,0 1 0,0-1 0,-1 1 0,0-1 0,0 1 0,-1 1 0,1-1 0,4 13 0,0 3 0,-1-1 0,-1 2 0,-1-1 0,-1 1 0,0-1 0,-2 1 0,-1 0 0,-2 37 0,1-18 0,1-15 0,-1 0 0,-5 30 0,4-51 0,0 1 0,0-1 0,-1 0 0,0 0 0,0 0 0,0 0 0,-1 0 0,0 0 0,0 0 0,-1-1 0,1 0 0,-1 0 0,0 0 0,-6 6 0,4-8 0,1 1 0,-1-1 0,0-1 0,0 1 0,-1-1 0,1 0 0,0 0 0,-1 0 0,1-1 0,-1 0 0,1-1 0,-10 0 0,0 1 0,1-2 0,-1 0 0,1-1 0,-19-4 0,29 4 0,1 0 0,-1 1 0,1-2 0,0 1 0,-1 0 0,1-1 0,0 0 0,1 0 0,-1 0 0,0 0 0,1 0 0,0-1 0,0 0 0,0 0 0,0 0 0,0 0 0,1 0 0,0 0 0,0 0 0,0-1 0,0 1 0,1-1 0,0 0 0,0 1 0,0-1 0,0 0 0,1 0 0,0 0 0,0 0 0,0 1 0,0-1 0,1 0 0,0 0 0,0 1 0,0-1 0,1 0 0,-1 1 0,1-1 0,0 1 0,1 0 0,-1 0 0,1 0 0,2-4 0,7-3-28,0 0-1,0 1 1,0 0 0,1 1-1,1 1 1,0 0-1,0 1 1,0 0 0,1 2-1,21-7 1,4-3-1025,-17 6-5773</inkml:trace>
+  <inkml:trace contextRef="#ctx0" brushRef="#br0">2 1 24575,'-1'94'0,"3"105"0,11-111 0,-8-55 0,4 58 0,-10 14-1365,1-83-5461</inkml:trace>
 </inkml:ink>
 </file>
 
@@ -1292,7 +1292,7 @@
           <inkml:channelProperty channel="F" name="resolution" value="0" units="1/dev"/>
         </inkml:channelProperties>
       </inkml:inkSource>
-      <inkml:timestamp xml:id="ts0" timeString="2025-05-02T20:38:36.270"/>
+      <inkml:timestamp xml:id="ts0" timeString="2025-05-02T20:38:28.575"/>
     </inkml:context>
     <inkml:brush xml:id="br0">
       <inkml:brushProperty name="width" value="0.035" units="cm"/>
@@ -1300,7 +1300,7 @@
       <inkml:brushProperty name="color" value="#E71224"/>
     </inkml:brush>
   </inkml:definitions>
-  <inkml:trace contextRef="#ctx0" brushRef="#br0">82 1 24575,'1'36'0,"-2"0"0,-2 1 0,-9 49 0,-43 125 0,53-207 0,-1-10 0,0-27 0,2-43 0,0 23 0,0 34 0,0-1 0,1 0 0,2 0 0,0 0 0,1 1 0,10-38 0,-13 56 0,1-1 0,-1 0 0,1 0 0,0 1 0,-1-1 0,1 0 0,0 1 0,0-1 0,0 1 0,0-1 0,0 1 0,0-1 0,1 1 0,-1 0 0,0 0 0,1-1 0,-1 1 0,1 0 0,-1 0 0,1 1 0,0-1 0,2-1 0,-2 2 0,-1 0 0,1 1 0,0-1 0,-1 0 0,1 1 0,0-1 0,-1 1 0,1 0 0,-1-1 0,1 1 0,-1 0 0,0 0 0,1 0 0,-1 0 0,0 0 0,0 0 0,1 1 0,-1-1 0,1 2 0,5 6 0,-1 1 0,0-1 0,0 1 0,-1 0 0,7 20 0,-3 1 0,1-1 0,1 0 0,2 0 0,1-1 0,2-1 0,0 0 0,24 28 0,-11-34-1365,-13-16-5461</inkml:trace>
+  <inkml:trace contextRef="#ctx0" brushRef="#br0">0 53 24575,'32'0'0,"-1"-1"0,0-2 0,43-9 0,-44 7 0,-1 2 0,1 1 0,50 2 0,34-1 0,-6-23-1365,-87 22-5461</inkml:trace>
 </inkml:ink>
 </file>
 
@@ -1320,7 +1320,7 @@
           <inkml:channelProperty channel="F" name="resolution" value="0" units="1/dev"/>
         </inkml:channelProperties>
       </inkml:inkSource>
-      <inkml:timestamp xml:id="ts0" timeString="2025-05-02T20:38:36.787"/>
+      <inkml:timestamp xml:id="ts0" timeString="2025-05-02T20:38:29.861"/>
     </inkml:context>
     <inkml:brush xml:id="br0">
       <inkml:brushProperty name="width" value="0.035" units="cm"/>
@@ -1328,7 +1328,7 @@
       <inkml:brushProperty name="color" value="#E71224"/>
     </inkml:brush>
   </inkml:definitions>
-  <inkml:trace contextRef="#ctx0" brushRef="#br0">0 296 24575,'1'1'0,"0"0"0,-1 1 0,1-1 0,0 0 0,-1 0 0,1 1 0,0-1 0,0 0 0,0 0 0,0 0 0,0 0 0,0 0 0,0 0 0,0-1 0,1 1 0,-1 0 0,0 0 0,1-1 0,-1 1 0,0-1 0,1 1 0,-1-1 0,0 0 0,1 1 0,-1-1 0,1 0 0,1 0 0,40 3 0,-36-3 0,0-1 0,0 0 0,-1-1 0,1 1 0,-1-1 0,0-1 0,1 1 0,-1-1 0,0 0 0,0-1 0,-1 1 0,1-1 0,-1 0 0,0 0 0,0-1 0,0 0 0,0 0 0,-1 0 0,0 0 0,0-1 0,5-9 0,-3 5 0,-1-1 0,0 1 0,-1-1 0,0 0 0,-1 0 0,0-1 0,-1 1 0,0-1 0,0 1 0,-2-1 0,0-18 0,0 25 0,-1 1 0,0 0 0,0 0 0,-1 0 0,1 0 0,-1 0 0,0 0 0,0 1 0,0-1 0,-1 0 0,1 1 0,-1 0 0,0-1 0,1 1 0,-2 0 0,1 1 0,0-1 0,0 0 0,-1 1 0,0 0 0,1 0 0,-1 0 0,0 0 0,0 1 0,0-1 0,0 1 0,0 0 0,0 0 0,-1 1 0,1-1 0,0 1 0,0 0 0,-1 0 0,1 0 0,-6 2 0,6-2 0,0 0 0,-1 0 0,1 1 0,0 0 0,0 0 0,0 0 0,0 0 0,0 1 0,1-1 0,-1 1 0,0 0 0,1 0 0,-1 1 0,1-1 0,0 1 0,-1 0 0,1-1 0,1 1 0,-1 1 0,0-1 0,1 0 0,-1 1 0,1-1 0,0 1 0,0-1 0,1 1 0,-1 0 0,1 0 0,0 0 0,0 0 0,0 0 0,0 0 0,1 0 0,-1 1 0,1-1 0,0 0 0,1 5 0,0-3 0,1 1 0,0-1 0,0 0 0,0 0 0,1 0 0,0 0 0,0 0 0,1 0 0,-1-1 0,1 1 0,0-1 0,1 0 0,-1 0 0,1-1 0,0 1 0,0-1 0,0 0 0,1-1 0,7 5 0,14 6 0,0-1 0,1-2 0,32 9 0,3 2 0,-51-16-136,0 0-1,-1 1 1,0 1-1,0 0 1,-1 0-1,0 1 1,-1 0-1,0 1 0,11 15 1,-10-12-6690</inkml:trace>
+  <inkml:trace contextRef="#ctx0" brushRef="#br0">1 1 24575,'0'35'0,"1"0"0,1 0 0,12 56 0,48 138 0,-53-198 120,-9-30-191,0 0 1,0 0-1,1 0 0,-1 1 0,0-1 1,1 0-1,-1 0 0,1 0 1,-1 0-1,1 0 0,0 0 0,-1 0 1,1 0-1,0 0 0,0 0 1,0 0-1,0 0 0,0-1 0,0 1 1,1 0-1</inkml:trace>
 </inkml:ink>
 </file>
 
@@ -1348,7 +1348,7 @@
           <inkml:channelProperty channel="F" name="resolution" value="0" units="1/dev"/>
         </inkml:channelProperties>
       </inkml:inkSource>
-      <inkml:timestamp xml:id="ts0" timeString="2025-05-02T20:38:37.904"/>
+      <inkml:timestamp xml:id="ts0" timeString="2025-05-02T20:38:30.094"/>
     </inkml:context>
     <inkml:brush xml:id="br0">
       <inkml:brushProperty name="width" value="0.035" units="cm"/>
@@ -1356,7 +1356,7 @@
       <inkml:brushProperty name="color" value="#E71224"/>
     </inkml:brush>
   </inkml:definitions>
-  <inkml:trace contextRef="#ctx0" brushRef="#br0">2 695 24575,'2'-5'0,"-1"0"0,0 1 0,1-1 0,0 1 0,0-1 0,0 1 0,1 0 0,4-7 0,6-11 0,46-93 0,-36 74 0,-2-1 0,-2-1 0,-2 0 0,21-80 0,-26 76 0,-8 38 0,-1 0 0,-1 0 0,0 0 0,0-1 0,0 1 0,-1-1 0,-1 1 0,0-1 0,0 1 0,-1-1 0,0 1 0,-3-13 0,3 20 0,0-1 0,-1 1 0,1-1 0,-1 1 0,0 0 0,0 0 0,0 0 0,0 0 0,0 0 0,0 0 0,0 0 0,-1 1 0,1-1 0,-1 1 0,1 0 0,-1 0 0,1 0 0,-1 0 0,0 0 0,1 0 0,-1 1 0,0-1 0,0 1 0,0 0 0,1 0 0,-1 0 0,0 0 0,0 0 0,0 1 0,1-1 0,-5 2 0,1-1 0,0 1 0,0 0 0,0 0 0,0 0 0,0 0 0,0 1 0,1 0 0,0 0 0,-1 1 0,1 0 0,0-1 0,1 2 0,-7 6 0,2 2 0,1 1 0,0 0 0,1 0 0,1 1 0,0 0 0,1 0 0,-5 29 0,4-10 0,2-1 0,0 57 0,4-73 0,0-1 0,1 0 0,1 1 0,1-1 0,1 0 0,0 0 0,1 0 0,0-1 0,1 1 0,1-1 0,1-1 0,0 1 0,0-2 0,18 22 0,-11-16 0,0 0 0,2-2 0,0 0 0,1 0 0,1-2 0,0 0 0,1-1 0,1-1 0,0-1 0,40 16 0,-57-26 0,0-1 0,0 1 0,0-1 0,0-1 0,0 1 0,0 0 0,0-1 0,0 0 0,0 0 0,1 0 0,-1-1 0,0 1 0,0-1 0,0 0 0,0 0 0,0 0 0,-1-1 0,1 0 0,0 1 0,0-1 0,3-3 0,-4 2 0,0-1 0,0 1 0,0-1 0,0 0 0,0 0 0,-1 0 0,0 0 0,1-1 0,-2 1 0,1-1 0,0 1 0,-1-1 0,0 0 0,0 1 0,-1-1 0,1 0 0,-1-8 0,0 5 0,0 0 0,-1 0 0,1 0 0,-2 0 0,1 0 0,-1 0 0,0 0 0,-1 1 0,0-1 0,0 1 0,-1 0 0,0 0 0,0 0 0,0 0 0,-1 0 0,0 1 0,0 0 0,-1 0 0,0 1 0,0-1 0,0 1 0,-1 0 0,1 1 0,-1 0 0,0 0 0,-1 0 0,1 1 0,-1 0 0,1 1 0,-1-1 0,0 1 0,0 1 0,0 0 0,0 0 0,0 0 0,0 1 0,0 0 0,0 1 0,0 0 0,0 0 0,0 0 0,0 1 0,0 1 0,-8 3 0,14-6-27,0 1 1,0 0-1,0 0 0,0 0 0,0 0 1,0 0-1,1 0 0,-1 1 0,1-1 1,-1 1-1,0-1 0,1 1 0,0-1 0,-1 1 1,1 0-1,0 0 0,0-1 0,0 1 1,0 0-1,1 0 0,-1 0 0,0 0 1,1 0-1,-1 0 0,1 1 0,0-1 0,0 0 1,0 0-1,0 0 0,0 0 0,0 0 1,0 0-1,1 0 0,-1 0 0,1 1 1,-1-1-1,1 0 0,0-1 0,0 1 0,0 0 1,0 0-1,0 0 0,0 0 0,1-1 1,-1 1-1,1-1 0,-1 1 0,1-1 0,-1 1 1,4 1-1,12 4-6799</inkml:trace>
+  <inkml:trace contextRef="#ctx0" brushRef="#br0">0 1 24575,'0'0'-8191</inkml:trace>
 </inkml:ink>
 </file>
 
@@ -1376,7 +1376,7 @@
           <inkml:channelProperty channel="F" name="resolution" value="0" units="1/dev"/>
         </inkml:channelProperties>
       </inkml:inkSource>
-      <inkml:timestamp xml:id="ts0" timeString="2025-05-02T20:38:38.181"/>
+      <inkml:timestamp xml:id="ts0" timeString="2025-05-02T20:38:30.853"/>
     </inkml:context>
     <inkml:brush xml:id="br0">
       <inkml:brushProperty name="width" value="0.035" units="cm"/>
@@ -1384,7 +1384,7 @@
       <inkml:brushProperty name="color" value="#E71224"/>
     </inkml:brush>
   </inkml:definitions>
-  <inkml:trace contextRef="#ctx0" brushRef="#br0">102 1 24575,'1'30'0,"-3"0"0,0 0 0,-11 48 0,0-21 0,3-7 0,-3-1 0,-25 65 0,32-102-1365,1-5-5461</inkml:trace>
+  <inkml:trace contextRef="#ctx0" brushRef="#br0">0 1 24575,'2'0'0,"-1"1"0,0-1 0,0 1 0,0-1 0,0 1 0,0-1 0,1 1 0,-1 0 0,0 0 0,-1 0 0,1-1 0,0 1 0,0 0 0,0 0 0,0 0 0,-1 0 0,1 0 0,-1 1 0,1-1 0,0 0 0,-1 0 0,0 0 0,1 0 0,-1 1 0,0-1 0,0 0 0,1 3 0,4 39 0,-5-38 0,0 134 0,1 17 0,1-136 0,2 1 0,0-1 0,1 0 0,10 26 0,-15-45 0,0-1 0,0 1 0,0-1 0,0 1 0,0-1 0,1 1 0,-1-1 0,0 1 0,0-1 0,1 1 0,-1-1 0,0 1 0,1-1 0,-1 1 0,0-1 0,1 0 0,-1 1 0,1-1 0,-1 0 0,1 1 0,-1-1 0,0 0 0,1 0 0,-1 1 0,1-1 0,-1 0 0,2 0 0,4-11 0,-4-25 0,-40-92 0,38 127 0,0 0 0,-1 0 0,1 0 0,0 0 0,0 0 0,-1 0 0,1 0 0,0 0 0,0 0 0,0 0 0,0 0 0,1 0 0,-1 0 0,0 0 0,0 0 0,1 0 0,-1 0 0,0 0 0,1 0 0,-1 0 0,1 0 0,-1 0 0,1 0 0,0 1 0,-1-1 0,1 0 0,0 0 0,-1 1 0,1-1 0,0 0 0,0 1 0,0-1 0,0 1 0,-1-1 0,1 1 0,0-1 0,0 1 0,0 0 0,0-1 0,0 1 0,2 0 0,5-1 0,0 1 0,0 1 0,0-1 0,15 4 0,16 0 0,-35-5 0,0 0 0,0-1 0,0 1 0,0-1 0,0 1 0,-1-1 0,1 0 0,-1-1 0,1 1 0,-1-1 0,0 1 0,0-1 0,0 0 0,0 0 0,-1 0 0,1-1 0,-1 1 0,0-1 0,0 1 0,0-1 0,0 0 0,0 0 0,-1 1 0,0-1 0,1-7 0,3-7 0,-2 0 0,0-1 0,-1 1 0,-1-23 0,-2 90 0,-1-6 0,6 73 0,-3-105 0,1 1 0,0 0 0,1-1 0,0 1 0,1-1 0,0 0 0,1 0 0,0 0 0,0-1 0,2 1 0,9 12 0,14 0-1365,-14-16-5461</inkml:trace>
 </inkml:ink>
 </file>
 
@@ -1432,7 +1432,7 @@
           <inkml:channelProperty channel="F" name="resolution" value="0" units="1/dev"/>
         </inkml:channelProperties>
       </inkml:inkSource>
-      <inkml:timestamp xml:id="ts0" timeString="2025-05-02T20:38:38.785"/>
+      <inkml:timestamp xml:id="ts0" timeString="2025-05-02T20:38:31.117"/>
     </inkml:context>
     <inkml:brush xml:id="br0">
       <inkml:brushProperty name="width" value="0.035" units="cm"/>
@@ -1440,7 +1440,7 @@
       <inkml:brushProperty name="color" value="#E71224"/>
     </inkml:brush>
   </inkml:definitions>
-  <inkml:trace contextRef="#ctx0" brushRef="#br0">0 29 24575,'3'0'0,"-1"1"0,1 0 0,-1 0 0,0 0 0,0 0 0,1 0 0,-1 0 0,0 0 0,0 1 0,0-1 0,0 1 0,-1 0 0,1-1 0,0 1 0,-1 0 0,1 0 0,1 3 0,27 43 0,-23-35 0,12 15 0,2 0 0,1-2 0,0 0 0,2-1 0,1-2 0,1 0 0,54 35 0,-60-45 0,0 0 0,1-2 0,38 16 0,-54-25 0,0 0 0,0 0 0,0 0 0,0-1 0,1 0 0,-1 0 0,0 0 0,0-1 0,1 0 0,-1 0 0,0 0 0,1 0 0,-1-1 0,0 0 0,0 0 0,0-1 0,1 1 0,-1-1 0,-1 0 0,1 0 0,0-1 0,0 0 0,4-3 0,-4 1 0,-1-1 0,1 0 0,-2 1 0,1-1 0,0-1 0,-1 1 0,0 0 0,-1-1 0,1 0 0,-1 0 0,-1 1 0,2-10 0,1-9 0,-2 0 0,0-27 0,-5 13 0,-2 24 0,4 15 0,1 0 0,-1 0 0,1 0 0,0 0 0,-1 0 0,1 0 0,0 0 0,-1 0 0,1 0 0,0 1 0,-1-1 0,1 0 0,0 0 0,-1 0 0,1 0 0,0 1 0,-1-1 0,1 0 0,0 0 0,0 1 0,-1-1 0,1 0 0,0 0 0,0 1 0,0-1 0,-1 0 0,1 1 0,0-1 0,0 0 0,0 1 0,0-1 0,0 0 0,0 1 0,-1-1 0,1 0 0,0 1 0,0-1 0,0 0 0,0 1 0,-2 7 0,-1-1 0,1 0 0,0 1 0,1-1 0,-1 1 0,2 0 0,-1 0 0,1-1 0,0 1 0,0 0 0,1 0 0,0-1 0,1 1 0,0-1 0,3 9 0,-3-11 0,0-1 0,0 1 0,0-1 0,0 0 0,1 1 0,0-1 0,0-1 0,0 1 0,1 0 0,-1-1 0,1 1 0,0-1 0,0 0 0,0 0 0,0-1 0,0 1 0,1-1 0,-1 0 0,1 0 0,-1-1 0,1 1 0,0-1 0,0 0 0,7 1 0,-6-2 0,-1 1 0,1-1 0,0 0 0,0 0 0,0 0 0,0-1 0,-1 0 0,1 0 0,0-1 0,-1 0 0,1 1 0,-1-2 0,1 1 0,7-5 0,-10 3 0,1 1 0,-1 0 0,1-1 0,-1 0 0,0 0 0,-1 0 0,1 0 0,-1 0 0,1 0 0,-1-1 0,0 1 0,-1-1 0,1 0 0,-1 0 0,0 1 0,0-1 0,0-9 0,1-4 0,-1 0 0,-1 0 0,0 0 0,-1 0 0,-1 0 0,-1 0 0,-7-25 0,8 37 0,0 0 0,0 1 0,0-1 0,-1 1 0,0 0 0,0 0 0,-1 0 0,1 0 0,-1 0 0,0 1 0,0 0 0,-1 0 0,1 0 0,-1 0 0,0 1 0,0-1 0,0 1 0,0 0 0,-1 1 0,1 0 0,-1 0 0,0 0 0,1 0 0,-1 1 0,0 0 0,-6-1 0,4 1 0,1 1 0,-1-1 0,1 1 0,-1 1 0,0-1 0,1 1 0,0 1 0,-1-1 0,-12 5 0,17-4 0,0 0 0,0-1 0,0 1 0,0 0 0,1 1 0,-1-1 0,0 0 0,1 1 0,0-1 0,0 1 0,0 0 0,0 0 0,0 0 0,0 0 0,1 0 0,-1 0 0,1 0 0,0 0 0,0 1 0,0-1 0,0 1 0,1-1 0,-1 5 0,-1 16-1365,2-1-5461</inkml:trace>
+  <inkml:trace contextRef="#ctx0" brushRef="#br0">2 1 24575,'-2'129'0,"5"139"0,7-225-1365,-5-26-5461</inkml:trace>
 </inkml:ink>
 </file>
 
@@ -1460,7 +1460,7 @@
           <inkml:channelProperty channel="F" name="resolution" value="0" units="1/dev"/>
         </inkml:channelProperties>
       </inkml:inkSource>
-      <inkml:timestamp xml:id="ts0" timeString="2025-05-02T20:38:39.263"/>
+      <inkml:timestamp xml:id="ts0" timeString="2025-05-02T20:38:31.349"/>
     </inkml:context>
     <inkml:brush xml:id="br0">
       <inkml:brushProperty name="width" value="0.035" units="cm"/>
@@ -1468,7 +1468,7 @@
       <inkml:brushProperty name="color" value="#E71224"/>
     </inkml:brush>
   </inkml:definitions>
-  <inkml:trace contextRef="#ctx0" brushRef="#br0">2 271 24575,'0'-41'0,"-2"15"0,2-1 0,5-30 0,-5 50 0,1 0 0,1 1 0,-1-1 0,1 1 0,1-1 0,-1 1 0,1 0 0,0 0 0,0 0 0,1 0 0,0 1 0,0-1 0,7-7 0,-8 11 0,-1-1 0,1 1 0,0 0 0,0 0 0,0 0 0,0 0 0,0 0 0,0 1 0,1-1 0,-1 1 0,1 0 0,-1 0 0,1 0 0,-1 1 0,1-1 0,-1 1 0,1 0 0,-1 0 0,6 0 0,-4 1 0,0 1 0,0-1 0,1 1 0,-1 0 0,0 1 0,0-1 0,-1 1 0,1 0 0,0 0 0,-1 0 0,6 6 0,0 1 0,0 1 0,-1-1 0,-1 1 0,0 1 0,0 0 0,-1 0 0,-1 0 0,10 27 0,2 18 0,-4 1 0,12 93 0,-14-69 0,-7-52 0,-1 1 0,-1 0 0,-2 60 0,-2-89 0,1 1 0,0-1 0,-1 1 0,1-1 0,-1 1 0,1-1 0,-1 1 0,0-1 0,0 0 0,-1 1 0,1-1 0,0 0 0,-1 0 0,1 0 0,-1 0 0,0 0 0,1 0 0,-1-1 0,0 1 0,0 0 0,0-1 0,0 0 0,-1 1 0,1-1 0,0 0 0,-1 0 0,1 0 0,0 0 0,-1-1 0,1 1 0,-1-1 0,1 0 0,-1 1 0,1-1 0,-1 0 0,0 0 0,1-1 0,-6 0 0,2 0 0,-1 0 0,0-1 0,0 0 0,0 0 0,1 0 0,-1-1 0,1 0 0,0-1 0,0 1 0,0-1 0,0 0 0,1 0 0,-8-8 0,8 5 0,-1-1 0,1 0 0,1 0 0,-1-1 0,1 1 0,1-1 0,0 1 0,0-1 0,0 0 0,1-1 0,-1-15 0,1 0 0,1 0 0,1 0 0,5-29 0,-4 44-170,1 1-1,0 0 0,0 0 1,1 0-1,0 0 0,0 1 1,6-11-1,0 6-6655</inkml:trace>
+  <inkml:trace contextRef="#ctx0" brushRef="#br0">0 1 24575,'5'0'0,"5"0"0,6 0 0,5 0 0,3 0 0,2 0 0,1 0 0,1 0 0,0 0 0,-1 0 0,0 0 0,0 0 0,0 0 0,-1 0 0,1 0 0,-5 0-8191</inkml:trace>
 </inkml:ink>
 </file>
 
@@ -1488,7 +1488,7 @@
           <inkml:channelProperty channel="F" name="resolution" value="0" units="1/dev"/>
         </inkml:channelProperties>
       </inkml:inkSource>
-      <inkml:timestamp xml:id="ts0" timeString="2025-05-02T20:38:39.875"/>
+      <inkml:timestamp xml:id="ts0" timeString="2025-05-02T20:38:31.783"/>
     </inkml:context>
     <inkml:brush xml:id="br0">
       <inkml:brushProperty name="width" value="0.035" units="cm"/>
@@ -1496,7 +1496,7 @@
       <inkml:brushProperty name="color" value="#E71224"/>
     </inkml:brush>
   </inkml:definitions>
-  <inkml:trace contextRef="#ctx0" brushRef="#br0">2 1 24575,'0'39'0,"-1"-17"0,0 0 0,2 0 0,1 0 0,0-1 0,9 33 0,-10-48 0,1-1 0,0 0 0,1 0 0,-1-1 0,1 1 0,0 0 0,0-1 0,0 0 0,1 1 0,-1-1 0,1-1 0,0 1 0,0 0 0,1-1 0,-1 0 0,1 0 0,-1 0 0,1-1 0,0 0 0,0 0 0,0 0 0,0 0 0,1-1 0,-1 0 0,0 0 0,1 0 0,7 0 0,-8-1 0,6 1 0,0 0 0,0 0 0,0-2 0,0 1 0,13-3 0,-22 2 0,1 0 0,0 1 0,-1-1 0,1 0 0,-1-1 0,0 1 0,1 0 0,-1 0 0,0-1 0,0 0 0,0 1 0,0-1 0,0 0 0,0 0 0,0 0 0,0 0 0,-1 0 0,1-1 0,-1 1 0,0 0 0,0-1 0,0 1 0,0-1 0,0 1 0,0-1 0,0-4 0,2-19 0,-1-1 0,-1 1 0,-5-44 0,1 16 0,3 96 0,0-11 0,1-1 0,1 1 0,1-1 0,2 0 0,9 33 0,10 7 0,56 176 0,-64-189 0,-7-29 0,-1 1 0,0 0 0,-3 1 0,0 0 0,-2 0 0,-1 54 0,-2-81 0,-1 0 0,1-1 0,-1 1 0,0 0 0,1-1 0,-1 1 0,0 0 0,-1-1 0,1 1 0,0-1 0,-1 1 0,1-1 0,-1 0 0,0 0 0,0 0 0,0 0 0,0 0 0,0 0 0,0 0 0,-1-1 0,1 1 0,0-1 0,-1 1 0,1-1 0,-1 0 0,0 0 0,1 0 0,-1-1 0,0 1 0,0 0 0,1-1 0,-1 0 0,0 0 0,0 0 0,0 0 0,1 0 0,-1 0 0,-4-2 0,-5 1 0,1-2 0,0 1 0,0-1 0,1 0 0,-1-1 0,1-1 0,-1 0 0,-12-8 0,8 2 0,1 0 0,1-1 0,0-1 0,1 0 0,0 0 0,1-1 0,1-1 0,0 0 0,1 0 0,0-1 0,-7-20 0,9 17 0,0-1 0,1 0 0,0-1 0,2 1 0,1-1 0,0 0 0,2 0 0,0 0 0,3-26 0,-1 40 0,0-1 0,0 1 0,0-1 0,1 1 0,1 0 0,-1 0 0,1 0 0,0 0 0,0 1 0,1-1 0,0 1 0,0 0 0,1 0 0,0 0 0,0 0 0,0 1 0,1 0 0,-1 0 0,1 0 0,0 1 0,1 0 0,-1 0 0,1 1 0,0 0 0,0 0 0,0 0 0,13-3 0,-1 0-1365,-4-2-5461</inkml:trace>
+  <inkml:trace contextRef="#ctx0" brushRef="#br0">57 218 24575,'57'20'0,"-52"-20"0,1 1 0,0-1 0,0-1 0,-1 1 0,1-1 0,0 0 0,0 0 0,-1-1 0,1 1 0,-1-1 0,0 0 0,1-1 0,-1 0 0,0 1 0,0-2 0,-1 1 0,1 0 0,0-1 0,-1 0 0,0 0 0,0 0 0,-1-1 0,5-6 0,-4 6 0,0 0 0,0-1 0,-1 1 0,0-1 0,0 0 0,-1 0 0,1 0 0,-1 0 0,-1-1 0,1 1 0,-1-1 0,0 1 0,0-1 0,-1 1 0,0-1 0,0 1 0,-1-1 0,1 1 0,-2-1 0,-2-10 0,3 15 0,0 0 0,0-1 0,0 1 0,0 0 0,-1 0 0,1 1 0,-1-1 0,1 0 0,-1 0 0,0 1 0,1-1 0,-1 1 0,0-1 0,0 1 0,0 0 0,0 0 0,-1 0 0,1 0 0,-3-1 0,0 1 0,0 0 0,0 0 0,0 0 0,0 1 0,0 0 0,0 0 0,0 0 0,-9 2 0,5 0 0,1 0 0,1 0 0,-1 0 0,0 1 0,0 0 0,1 1 0,0 0 0,0 0 0,0 0 0,0 1 0,-7 7 0,5 0 0,0 0 0,1 1 0,0 0 0,1 1 0,0-1 0,1 1 0,1 1 0,0-1 0,1 1 0,1 0 0,0 0 0,1 0 0,1 0 0,0 0 0,1 1 0,1-1 0,0 0 0,5 24 0,-4-33 0,1-1 0,-1 0 0,1 0 0,0 0 0,0 0 0,1 0 0,-1-1 0,1 0 0,0 1 0,0-2 0,1 1 0,-1 0 0,1-1 0,0 0 0,0 0 0,0 0 0,0 0 0,0-1 0,8 2 0,5 3 0,1-1 0,0-1 0,0-1 0,29 3 0,-43-7 6,0 0 0,0 0-1,0 0 1,0 0 0,-1-1-1,1 1 1,0-1 0,0-1 0,-1 1-1,1-1 1,0 1 0,-1-1-1,0-1 1,1 1 0,-1 0 0,0-1-1,0 0 1,-1 0 0,1 0-1,6-7 1,-3 0-192,-1 1 1,0-1-1,0 0 0,-1-1 1,0 1-1,0-1 1,4-19-1,-4 12-6640</inkml:trace>
 </inkml:ink>
 </file>
 
@@ -1516,7 +1516,7 @@
           <inkml:channelProperty channel="F" name="resolution" value="0" units="1/dev"/>
         </inkml:channelProperties>
       </inkml:inkSource>
-      <inkml:timestamp xml:id="ts0" timeString="2025-05-02T20:39:04.649"/>
+      <inkml:timestamp xml:id="ts0" timeString="2025-05-02T20:38:32.374"/>
     </inkml:context>
     <inkml:brush xml:id="br0">
       <inkml:brushProperty name="width" value="0.035" units="cm"/>
@@ -1524,7 +1524,7 @@
       <inkml:brushProperty name="color" value="#E71224"/>
     </inkml:brush>
   </inkml:definitions>
-  <inkml:trace contextRef="#ctx0" brushRef="#br0">81 217 24575,'0'531'0,"-1"-514"0,0-1 0,-2 1 0,-4 18 0,-6 39 0,11-53 0,-1 1 0,0-1 0,-2-1 0,-1 1 0,0 0 0,-13 26 0,19-47 0,0 0 0,0 0 0,0 0 0,0-1 0,0 1 0,0 0 0,0 0 0,0 0 0,0 0 0,0 0 0,0 0 0,0 0 0,0-1 0,0 1 0,0 0 0,0 0 0,0 0 0,0 0 0,0 0 0,0 0 0,0 0 0,0-1 0,-1 1 0,1 0 0,0 0 0,0 0 0,0 0 0,0 0 0,0 0 0,0 0 0,0 0 0,0 0 0,0 0 0,-1 0 0,1 0 0,0 0 0,0 0 0,0 0 0,0 0 0,0 0 0,0 0 0,0 0 0,-1 0 0,1 0 0,0 0 0,0 0 0,0 0 0,0 0 0,0 0 0,0 0 0,0 0 0,-1 0 0,1 0 0,0 0 0,0 0 0,0 0 0,0 0 0,0 0 0,0 0 0,0 0 0,0 0 0,0 0 0,-1 1 0,1-1 0,0 0 0,-3-19 0,0-21 0,4-816 0,0 840 0,0 1 0,1 0 0,1 1 0,0-1 0,1 0 0,1 1 0,0 0 0,8-16 0,-13 30 0,0-1 0,0 0 0,1 0 0,-1 0 0,0 1 0,1-1 0,-1 0 0,1 1 0,-1-1 0,1 0 0,-1 1 0,1-1 0,-1 0 0,1 1 0,0-1 0,-1 1 0,1-1 0,0 1 0,-1 0 0,1-1 0,0 1 0,0 0 0,-1-1 0,1 1 0,0 0 0,0 0 0,0 0 0,0-1 0,1 2 0,-1 0 0,0-1 0,0 1 0,0 0 0,0-1 0,0 1 0,0 0 0,0 0 0,0 0 0,-1 0 0,1 0 0,0 0 0,0 0 0,-1 0 0,1 0 0,0 2 0,19 54 0,-19-52 0,7 30 0,5 62 0,-2-10 0,0-2 0,4 26 0,-7-55 0,-4 1 0,-5 111 0,0-141 0,3-120 0,-4-110 0,-11 115 0,7 56 0,-3-59 0,11 53 0,-1 28 0,-1-1 0,1 0 0,-1 1 0,-1-1 0,0 1 0,-1-1 0,0 1 0,-5-16 0,7 26 0,0 0 0,0 0 0,0-1 0,0 1 0,0 0 0,0 0 0,0 0 0,0 0 0,0-1 0,0 1 0,0 0 0,0 0 0,0 0 0,0 0 0,-1 0 0,1-1 0,0 1 0,0 0 0,0 0 0,0 0 0,0 0 0,0 0 0,-1 0 0,1-1 0,0 1 0,0 0 0,0 0 0,0 0 0,0 0 0,-1 0 0,1 0 0,0 0 0,0 0 0,0 0 0,0 0 0,-1 0 0,1 0 0,0 0 0,0 0 0,0 0 0,-1 0 0,1 0 0,0 0 0,0 0 0,0 0 0,0 0 0,-1 0 0,1 0 0,0 0 0,0 1 0,-5 10 0,1 17 0,1 14 0,2 0 0,1 0 0,3-1 0,13 77 0,-11-90 28,-1 0 0,-2 0 1,-1 42-1,-1-44-324,0 1 1,2-1-1,1 0 0,7 31 1,-5-39-6531</inkml:trace>
+  <inkml:trace contextRef="#ctx0" brushRef="#br0">24 85 24575,'1'10'0,"1"0"0,-1 0 0,2 0 0,5 16 0,3 13 0,36 144 0,-17-75 0,50 163 0,-56-202 0,-74-143 0,35 43 0,-19-37 0,-43-130 0,68 169 0,3 14 0,2-1 0,0 0 0,1 0 0,-2-20 0,-6-40 0,7 56 0,0-1 0,2 1 0,0-1 0,2-23 0,0 39 0,1-1 0,-1 1 0,1 0 0,1 0 0,-1-1 0,1 1 0,0 0 0,0 0 0,0 1 0,1-1 0,0 0 0,0 1 0,0-1 0,0 1 0,1 0 0,0 0 0,-1 1 0,2-1 0,-1 1 0,8-5 0,-9 5 0,1 1 0,0 0 0,-1 0 0,1 0 0,0 0 0,0 1 0,1 0 0,-1-1 0,0 2 0,0-1 0,1 0 0,-1 1 0,0 0 0,1 0 0,-1 0 0,0 0 0,1 1 0,-1 0 0,0 0 0,0 0 0,0 0 0,0 1 0,0-1 0,0 1 0,0 0 0,0 1 0,0-1 0,3 3 0,-2 0 0,0 0 0,0 1 0,0-1 0,-1 1 0,0 0 0,0 0 0,0 0 0,-1 1 0,0-1 0,0 1 0,-1 0 0,0 0 0,0 0 0,0 0 0,-1 0 0,0 8 0,1 4 24,-2-1 0,0 0 0,-2 0 0,-3 23 0,4-36-44,-1-1 0,1 1 0,-1 0 0,1 0-1,-2-1 1,1 1 0,0-1 0,-1 1 0,-3 3 0,4-6-38,1 0-1,-1-1 1,1 1 0,-1-1-1,0 0 1,0 1-1,0-1 1,0 0 0,0 0-1,0 0 1,0-1 0,0 1-1,0 0 1,0-1 0,0 1-1,0-1 1,-1 0-1,1 0 1,0 0 0,0 0-1,-4 0 1,-8-4-6768</inkml:trace>
 </inkml:ink>
 </file>
 
@@ -1544,7 +1544,7 @@
           <inkml:channelProperty channel="F" name="resolution" value="0" units="1/dev"/>
         </inkml:channelProperties>
       </inkml:inkSource>
-      <inkml:timestamp xml:id="ts0" timeString="2025-05-02T20:39:06.166"/>
+      <inkml:timestamp xml:id="ts0" timeString="2025-05-02T20:38:33.070"/>
     </inkml:context>
     <inkml:brush xml:id="br0">
       <inkml:brushProperty name="width" value="0.035" units="cm"/>
@@ -1552,7 +1552,7 @@
       <inkml:brushProperty name="color" value="#E71224"/>
     </inkml:brush>
   </inkml:definitions>
-  <inkml:trace contextRef="#ctx0" brushRef="#br0">255 241 24575,'11'-1'0,"0"-1"0,-1 0 0,1 0 0,15-6 0,10-2 0,55-13 0,59-10 0,-35 8 0,-86 17 0,1 1 0,0 2 0,56-4 0,-47 7 0,60-11 0,-25 2 0,85-15 0,-144 24 0,63-10 0,-71 10 0,-1 1 0,1-1 0,-1 0 0,1-1 0,-1 1 0,0-1 0,0-1 0,8-5 0,-14 9 0,0-1 0,0 1 0,-1-1 0,1 0 0,0 1 0,-1 0 0,1-1 0,0 1 0,-1-1 0,1 1 0,-1-1 0,1 1 0,-1 0 0,1-1 0,-1 1 0,1 0 0,-1-1 0,1 1 0,-1 0 0,0 0 0,1 0 0,-1 0 0,1-1 0,-1 1 0,0 0 0,1 0 0,-1 0 0,1 0 0,-1 0 0,0 0 0,1 1 0,-1-1 0,0 0 0,-28-3 0,-717 3 0,345 2 0,354 1 0,45-3 0,0 0 0,1 0 0,-1 0 0,0 0 0,0 1 0,1-1 0,-1 1 0,1-1 0,-1 1 0,0-1 0,1 1 0,-1 0 0,1 0 0,0 0 0,-1 0 0,1 0 0,0 0 0,-1 0 0,1 0 0,0 1 0,0-1 0,0 0 0,0 1 0,-1 2 0,2-3 0,0 0 0,1 0 0,-1 0 0,1 1 0,-1-1 0,1 0 0,0 0 0,-1 0 0,1 0 0,0 0 0,0 0 0,0 0 0,-1 0 0,1-1 0,0 1 0,0 0 0,1 0 0,-1-1 0,0 1 0,0-1 0,0 1 0,0-1 0,0 1 0,1-1 0,-1 0 0,0 1 0,0-1 0,1 0 0,-1 0 0,2 0 0,44 5 0,-44-5 0,10 1 0,21 1 0,-1 1 0,37 8 0,-30-5 0,0-1 0,0-2 0,54-3 0,-50-1 0,-1 2 0,69 10 0,-76-5 0,57 0 0,-62-5 0,0 1 0,53 10 0,-49-6 0,1-2 0,0-1 0,71-4 0,-51 0 0,-1080 1 0,1017 0 0,4-1 0,-1 1 0,1 0 0,0 0 0,-1 0 0,1 0 0,-1 1 0,1-1 0,0 1 0,0 0 0,-1 0 0,1 0 0,0 1 0,-5 2 0,7-4 0,1 1 0,0-1 0,0 0 0,0 1 0,0-1 0,0 0 0,0 1 0,0-1 0,0 0 0,0 1 0,0-1 0,1 0 0,-1 1 0,0-1 0,0 0 0,0 0 0,0 1 0,0-1 0,1 0 0,-1 1 0,0-1 0,0 0 0,0 0 0,1 1 0,-1-1 0,0 0 0,0 0 0,1 0 0,-1 1 0,0-1 0,0 0 0,1 0 0,-1 0 0,0 0 0,1 0 0,-1 0 0,0 1 0,1-1 0,-1 0 0,0 0 0,1 0 0,-1 0 0,0 0 0,1 0 0,-1 0 0,0 0 0,1-1 0,18 5 0,65 2 0,127-6 0,-76-3 0,-34 5 0,114-5 0,-213 3 0,0 0 0,-1 0 0,1 0 0,-1 0 0,1 0 0,-1-1 0,1 1 0,-1-1 0,1 1 0,-1-1 0,1 1 0,-1-1 0,0 0 0,1 0 0,-1 0 0,0 1 0,1-1 0,0-2 0,-2 2 0,-1 1 0,1-1 0,-1 0 0,1 0 0,-1 1 0,1-1 0,-1 0 0,1 1 0,-1-1 0,1 0 0,-1 1 0,0-1 0,0 1 0,1-1 0,-1 1 0,0 0 0,0-1 0,1 1 0,-1 0 0,0-1 0,0 1 0,0 0 0,0 0 0,0 0 0,1 0 0,-1 0 0,0 0 0,0 0 0,0 0 0,0 0 0,-1 0 0,-83-6 0,-126 7 0,77 2 0,102-2 0,-56 11 0,56-6 0,-54 2 0,55-9 0,1 2 0,0 2 0,-49 9 0,49-7 0,-1-1 0,0-1 0,-58-3 0,81-1 0,551 2 0,-248-2 0,-285 1 0,1-1 0,0 0 0,-1-1 0,1 0 0,-1 0 0,0-1 0,18-7 0,-28 10 0,0-1 0,0 1 0,0 0 0,0 0 0,0-1 0,1 1 0,-1 0 0,0 0 0,0-1 0,0 1 0,0 0 0,0 0 0,0-1 0,0 1 0,0 0 0,0 0 0,0-1 0,0 1 0,0 0 0,0 0 0,0-1 0,0 1 0,0 0 0,-1 0 0,1-1 0,0 1 0,0 0 0,0 0 0,0-1 0,0 1 0,-1 0 0,1 0 0,0 0 0,0-1 0,0 1 0,-1 0 0,1 0 0,0 0 0,0 0 0,0 0 0,-1-1 0,1 1 0,0 0 0,0 0 0,-1 0 0,1 0 0,0 0 0,0 0 0,-1 0 0,1 0 0,0 0 0,-1 0 0,-15-7 0,-15 0 0,0 1 0,-1 2 0,0 1 0,1 1 0,-1 2 0,-38 4 0,-18-1 0,-336-3 0,1037 0 0,-607 0 0,-3 0 0,1 1 0,-1-1 0,0 0 0,0-1 0,1 1 0,-1 0 0,0-1 0,0 0 0,1 1 0,-1-1 0,0-1 0,0 1 0,0 0 0,3-3 0,-5 4 0,-1-1 0,0 1 0,0 0 0,0-1 0,0 1 0,0 0 0,0-1 0,0 1 0,0 0 0,0-1 0,0 1 0,0 0 0,-1 0 0,1-1 0,0 1 0,0 0 0,0-1 0,0 1 0,0 0 0,-1-1 0,1 1 0,0 0 0,0 0 0,0-1 0,-1 1 0,1 0 0,0 0 0,0 0 0,-1-1 0,1 1 0,0 0 0,-1 0 0,1 0 0,0 0 0,0-1 0,-1 1 0,1 0 0,0 0 0,-1 0 0,1 0 0,0 0 0,-1 0 0,1 0 0,0 0 0,-1 0 0,1 0 0,-1 0 0,-18-4 0,-57-1 0,-125 5 0,75 3 0,85-4 0,26 0 0,-1 0 0,1 1 0,0 1 0,-1 0 0,1 1 0,-25 7 0,39-9-2,1 0-1,-1 0 1,1 1-1,0-1 1,-1 0-1,1 0 1,-1 0-1,1 0 1,0 0-1,-1 0 1,1 1-1,0-1 1,-1 0-1,1 0 1,-1 1-1,1-1 1,0 0-1,0 0 1,-1 1-1,1-1 1,0 0-1,0 1 1,-1-1-1,1 0 1,0 1-1,0-1 1,0 1-1,-1-1 1,1 0-1,0 1 1,0-1-1,0 1 1,0-1-1,0 1 1,12 9 198,29 3-1349,-40-12 832,19 3-6505</inkml:trace>
+  <inkml:trace contextRef="#ctx0" brushRef="#br0">241 212 24575,'2'4'0,"-1"1"0,1-1 0,-1 1 0,1-1 0,1 0 0,-1 1 0,0-1 0,1 0 0,0-1 0,0 1 0,0 0 0,5 3 0,-7-7 0,-1 0 0,1 0 0,0 0 0,-1 0 0,1 0 0,0-1 0,-1 1 0,1 0 0,0 0 0,-1-1 0,1 1 0,-1 0 0,1-1 0,-1 1 0,1-1 0,-1 1 0,1 0 0,-1-1 0,1 1 0,-1-1 0,1 0 0,-1 1 0,0-1 0,1 1 0,-1-1 0,0 1 0,0-1 0,1 0 0,-1 1 0,0-1 0,0 0 0,0 1 0,0-1 0,0 0 0,0 1 0,0-1 0,0-1 0,4-29 0,-4 29 0,1-9 0,-1-1 0,0 1 0,-1-1 0,0 1 0,-1 0 0,0 0 0,-1 0 0,0 0 0,-1 0 0,0 0 0,-9-14 0,10 20 0,0-1 0,-1 2 0,0-1 0,0 0 0,0 1 0,-1 0 0,1 0 0,-1 0 0,0 0 0,0 1 0,0 0 0,0 0 0,-1 0 0,0 1 0,1 0 0,-1 0 0,0 0 0,0 0 0,0 1 0,0 0 0,0 1 0,0-1 0,-8 2 0,10-1 0,-1 0 0,1 0 0,-1 1 0,1 0 0,-1 0 0,1 1 0,0-1 0,0 1 0,-1 0 0,1 0 0,0 0 0,1 0 0,-1 1 0,0-1 0,-5 6 0,4-2 0,0 0 0,0 0 0,1 0 0,-1 1 0,2 0 0,-1-1 0,1 1 0,-5 12 0,3-2 0,1 1 0,0-1 0,2 1 0,0 0 0,0 0 0,2 0 0,2 23 0,-2-38 0,0 1 0,1 0 0,0 0 0,0 0 0,0-1 0,0 1 0,1-1 0,-1 1 0,1-1 0,0 1 0,0-1 0,0 0 0,1 0 0,-1 0 0,1 0 0,-1 0 0,1-1 0,0 1 0,0-1 0,0 1 0,0-1 0,1 0 0,-1-1 0,1 1 0,-1 0 0,1-1 0,3 1 0,2 0 0,0 0 0,0-1 0,1 0 0,-1 0 0,0-1 0,0-1 0,0 1 0,1-1 0,-1-1 0,13-4 0,-17 5 0,0-2 0,0 1 0,0-1 0,0 0 0,0 0 0,-1 0 0,1 0 0,-1-1 0,0 0 0,0 0 0,0 0 0,-1 0 0,0-1 0,1 1 0,-2-1 0,1 0 0,0 0 0,-1 0 0,0 0 0,0-1 0,-1 1 0,1 0 0,-1-1 0,1-8 0,1-9 0,-1 0 0,-1 0 0,-2 0 0,-3-36 0,4 58 0,0-1 0,0 0 0,-1 1 0,1-1 0,0 0 0,-1 1 0,1-1 0,-1 0 0,1 1 0,-1-1 0,0 1 0,0-1 0,1 1 0,-1-1 0,0 1 0,0 0 0,-2-2 0,-4 7 0,1 16 0,4 4 0,1 0 0,1 0 0,2 0 0,0 0 0,10 44 0,42 116 0,-53-181 0,15 39-61,2-2 0,23 39 0,-18-37-1121,-15-27-5644</inkml:trace>
 </inkml:ink>
 </file>
 
@@ -1572,7 +1572,7 @@
           <inkml:channelProperty channel="F" name="resolution" value="0" units="1/dev"/>
         </inkml:channelProperties>
       </inkml:inkSource>
-      <inkml:timestamp xml:id="ts0" timeString="2025-05-02T20:39:06.942"/>
+      <inkml:timestamp xml:id="ts0" timeString="2025-05-02T20:38:33.424"/>
     </inkml:context>
     <inkml:brush xml:id="br0">
       <inkml:brushProperty name="width" value="0.035" units="cm"/>
@@ -1580,7 +1580,119 @@
       <inkml:brushProperty name="color" value="#E71224"/>
     </inkml:brush>
   </inkml:definitions>
-  <inkml:trace contextRef="#ctx0" brushRef="#br0">0 1 24575,'1'42'0,"1"1"0,11 57 0,-4-33 0,-4 2 0,-6 122 0,-2-66 0,3 298 0,1-411-16,1 0 0,-1-1 0,2 1-1,0 0 1,0-1 0,1 0 0,8 18 0,2 3-1220,-8-15-5590</inkml:trace>
+  <inkml:trace contextRef="#ctx0" brushRef="#br0">0 131 24575,'1'-6'0,"0"0"0,0 0 0,0 0 0,1 0 0,0 0 0,0 0 0,0 0 0,1 1 0,-1-1 0,1 1 0,1 0 0,-1 0 0,1 0 0,0 0 0,0 1 0,0-1 0,1 1 0,0 0 0,-1 1 0,1-1 0,1 1 0,9-5 0,-12 6 0,0 1 0,0-1 0,1 1 0,-1 0 0,1 0 0,-1 0 0,1 0 0,-1 1 0,1-1 0,-1 1 0,1 0 0,0 0 0,-1 0 0,1 1 0,-1-1 0,1 1 0,-1 0 0,1 0 0,-1 0 0,1 0 0,-1 1 0,0 0 0,0-1 0,0 1 0,0 0 0,0 0 0,0 1 0,0-1 0,-1 1 0,1-1 0,-1 1 0,0 0 0,0 0 0,0 0 0,0 0 0,0 0 0,0 0 0,-1 0 0,2 5 0,1 6 0,0 1 0,-1 0 0,-1 0 0,0 1 0,-1-1 0,-1 0 0,0 0 0,-1 1 0,0-1 0,-2 0 0,1 0 0,-9 24 0,7-31 17,-1 0 0,0 0 1,0-1-1,-1 0 0,0 0 0,-8 7 0,13-12-63,0 0-1,-1-1 1,1 1-1,-1-1 1,1 1 0,-1-1-1,0 0 1,1 0-1,-1 0 1,0 0 0,0 0-1,0 0 1,0 0-1,0 0 1,0-1-1,0 1 1,0-1 0,0 0-1,0 1 1,0-1-1,0 0 1,0 0 0,0 0-1,0-1 1,0 1-1,0 0 1,0-1 0,0 1-1,0-1 1,0 0-1,-3-1 1,-4-7-6780</inkml:trace>
+</inkml:ink>
+</file>
+
+<file path=ppt/ink/ink146.xml><?xml version="1.0" encoding="utf-8"?>
+<inkml:ink xmlns:inkml="http://www.w3.org/2003/InkML">
+  <inkml:definitions>
+    <inkml:context xml:id="ctx0">
+      <inkml:inkSource xml:id="inkSrc0">
+        <inkml:traceFormat>
+          <inkml:channel name="X" type="integer" min="-2.14748E9" max="2.14748E9" units="cm"/>
+          <inkml:channel name="Y" type="integer" min="-2.14748E9" max="2.14748E9" units="cm"/>
+          <inkml:channel name="F" type="integer" max="32767" units="dev"/>
+        </inkml:traceFormat>
+        <inkml:channelProperties>
+          <inkml:channelProperty channel="X" name="resolution" value="1000" units="1/cm"/>
+          <inkml:channelProperty channel="Y" name="resolution" value="1000" units="1/cm"/>
+          <inkml:channelProperty channel="F" name="resolution" value="0" units="1/dev"/>
+        </inkml:channelProperties>
+      </inkml:inkSource>
+      <inkml:timestamp xml:id="ts0" timeString="2025-05-02T20:38:33.823"/>
+    </inkml:context>
+    <inkml:brush xml:id="br0">
+      <inkml:brushProperty name="width" value="0.035" units="cm"/>
+      <inkml:brushProperty name="height" value="0.035" units="cm"/>
+      <inkml:brushProperty name="color" value="#E71224"/>
+    </inkml:brush>
+  </inkml:definitions>
+  <inkml:trace contextRef="#ctx0" brushRef="#br0">29 237 24575,'8'-2'0,"-1"-1"0,0 0 0,0 0 0,0 0 0,-1-1 0,1 0 0,8-6 0,-12 7 0,3-1 0,0-1 0,-1 0 0,0 0 0,0 0 0,-1-1 0,1 1 0,-1-1 0,0 0 0,-1 0 0,1-1 0,-1 1 0,-1-1 0,1 0 0,-1 1 0,0-1 0,-1 0 0,1 0 0,-1-1 0,-1 1 0,1 0 0,-1 0 0,-1 0 0,1 0 0,-4-14 0,4 20 0,-1-1 0,1 0 0,-1 1 0,1-1 0,-1 1 0,0-1 0,0 1 0,1-1 0,-1 1 0,0 0 0,0-1 0,0 1 0,-1 0 0,1 0 0,0 0 0,0 0 0,-1 0 0,1 0 0,-1 0 0,1 0 0,0 0 0,-1 1 0,0-1 0,1 1 0,-1-1 0,1 1 0,-1 0 0,0-1 0,1 1 0,-1 0 0,0 0 0,1 0 0,-1 0 0,0 0 0,1 1 0,-1-1 0,1 0 0,-1 1 0,0-1 0,1 1 0,-1 0 0,1-1 0,-1 1 0,-1 1 0,-2 2 0,0-1 0,0 1 0,0 0 0,0 0 0,1 0 0,-1 1 0,1 0 0,0 0 0,1 0 0,-6 9 0,0 5 0,2 0 0,0 1 0,1-1 0,-4 23 0,8-33 0,1 1 0,0-1 0,0 1 0,1-1 0,0 1 0,0-1 0,1 0 0,0 1 0,1-1 0,0 0 0,4 10 0,-2-13 0,-1-1 0,1 0 0,0 0 0,0-1 0,1 1 0,0-1 0,-1 0 0,1 0 0,1 0 0,-1-1 0,0 0 0,1 0 0,0 0 0,0-1 0,0 0 0,0 0 0,0 0 0,0-1 0,0 0 0,0 0 0,1 0 0,8-1 0,-6 1 0,1-1 0,0 0 0,-1 0 0,1-1 0,-1 0 0,1-1 0,-1 0 0,1-1 0,-1 0 0,0 0 0,0-1 0,-1 0 0,1-1 0,9-5 0,-9 1-195,0 0 0,-1-1 0,0 0 0,0 0 0,-1 0 0,11-23 0,-10 18-6631</inkml:trace>
+</inkml:ink>
+</file>
+
+<file path=ppt/ink/ink147.xml><?xml version="1.0" encoding="utf-8"?>
+<inkml:ink xmlns:inkml="http://www.w3.org/2003/InkML">
+  <inkml:definitions>
+    <inkml:context xml:id="ctx0">
+      <inkml:inkSource xml:id="inkSrc0">
+        <inkml:traceFormat>
+          <inkml:channel name="X" type="integer" min="-2.14748E9" max="2.14748E9" units="cm"/>
+          <inkml:channel name="Y" type="integer" min="-2.14748E9" max="2.14748E9" units="cm"/>
+          <inkml:channel name="F" type="integer" max="32767" units="dev"/>
+        </inkml:traceFormat>
+        <inkml:channelProperties>
+          <inkml:channelProperty channel="X" name="resolution" value="1000" units="1/cm"/>
+          <inkml:channelProperty channel="Y" name="resolution" value="1000" units="1/cm"/>
+          <inkml:channelProperty channel="F" name="resolution" value="0" units="1/dev"/>
+        </inkml:channelProperties>
+      </inkml:inkSource>
+      <inkml:timestamp xml:id="ts0" timeString="2025-05-02T20:38:34.272"/>
+    </inkml:context>
+    <inkml:brush xml:id="br0">
+      <inkml:brushProperty name="width" value="0.035" units="cm"/>
+      <inkml:brushProperty name="height" value="0.035" units="cm"/>
+      <inkml:brushProperty name="color" value="#E71224"/>
+    </inkml:brush>
+  </inkml:definitions>
+  <inkml:trace contextRef="#ctx0" brushRef="#br0">2 1 24575,'-1'94'0,"3"103"0,-1-193 0,-1 0 0,1 0 0,0 0 0,0 0 0,0-1 0,1 1 0,-1 0 0,1-1 0,0 1 0,0-1 0,0 1 0,0-1 0,1 0 0,-1 0 0,1 0 0,0 0 0,0-1 0,0 1 0,0-1 0,1 0 0,-1 0 0,4 2 0,-4-3 0,0 0 0,-1 0 0,1 0 0,0 0 0,0-1 0,0 1 0,0-1 0,0 0 0,0 0 0,-1 0 0,1 0 0,0-1 0,0 1 0,0-1 0,0 0 0,0 0 0,-1 0 0,1 0 0,0 0 0,-1 0 0,1-1 0,-1 1 0,1-1 0,-1 0 0,0 0 0,0 0 0,0 0 0,0 0 0,0 0 0,2-4 0,3-3 0,-1-1 0,0-1 0,-1 1 0,0-1 0,-1 1 0,0-1 0,-1-1 0,0 1 0,2-16 0,-2-3 0,-1 1 0,-3-43 0,2 105 0,-2-13 0,2 0 0,0 0 0,1 0 0,1 0 0,1-1 0,8 27 0,-6-32 0,-6-10 0,1 0 0,0-1 0,1 1 0,-1 0 0,1-1 0,-1 0 0,1 1 0,0-1 0,0 0 0,1 0 0,-1 0 0,1 0 0,-1 0 0,5 3 0,-6-6 2,-1 0-1,0 0 1,1 0-1,-1 0 1,1 0 0,-1 0-1,0 0 1,1 0-1,-1 0 1,1 0-1,-1 0 1,1 0 0,-1-1-1,0 1 1,1 0-1,-1 0 1,0 0-1,1-1 1,-1 1-1,1 0 1,-1 0 0,0-1-1,0 1 1,1 0-1,-1-1 1,0 1-1,1 0 1,-1-1-1,0 1 1,0 0 0,0-1-1,0 1 1,1-1-1,-1 1 1,0 0-1,0-1 1,0 1-1,0-1 1,0 1 0,0-1-1,0 1 1,0 0-1,0-1 1,0-19-1436,-4 0-5392</inkml:trace>
+</inkml:ink>
+</file>
+
+<file path=ppt/ink/ink148.xml><?xml version="1.0" encoding="utf-8"?>
+<inkml:ink xmlns:inkml="http://www.w3.org/2003/InkML">
+  <inkml:definitions>
+    <inkml:context xml:id="ctx0">
+      <inkml:inkSource xml:id="inkSrc0">
+        <inkml:traceFormat>
+          <inkml:channel name="X" type="integer" min="-2.14748E9" max="2.14748E9" units="cm"/>
+          <inkml:channel name="Y" type="integer" min="-2.14748E9" max="2.14748E9" units="cm"/>
+          <inkml:channel name="F" type="integer" max="32767" units="dev"/>
+        </inkml:traceFormat>
+        <inkml:channelProperties>
+          <inkml:channelProperty channel="X" name="resolution" value="1000" units="1/cm"/>
+          <inkml:channelProperty channel="Y" name="resolution" value="1000" units="1/cm"/>
+          <inkml:channelProperty channel="F" name="resolution" value="0" units="1/dev"/>
+        </inkml:channelProperties>
+      </inkml:inkSource>
+      <inkml:timestamp xml:id="ts0" timeString="2025-05-02T20:38:34.475"/>
+    </inkml:context>
+    <inkml:brush xml:id="br0">
+      <inkml:brushProperty name="width" value="0.035" units="cm"/>
+      <inkml:brushProperty name="height" value="0.035" units="cm"/>
+      <inkml:brushProperty name="color" value="#E71224"/>
+    </inkml:brush>
+  </inkml:definitions>
+  <inkml:trace contextRef="#ctx0" brushRef="#br0">0 58 24575,'1'-3'0,"-1"1"0,1-1 0,-1 1 0,1-1 0,0 1 0,0 0 0,0-1 0,0 1 0,0 0 0,1 0 0,-1-1 0,0 1 0,1 0 0,0 1 0,0-1 0,-1 0 0,1 0 0,0 1 0,0-1 0,0 1 0,1 0 0,-1-1 0,0 1 0,1 0 0,-1 0 0,0 1 0,1-1 0,-1 0 0,1 1 0,-1-1 0,1 1 0,2 0 0,15-2 0,1 0 0,-1 2 0,22 1 0,-19 0 0,-1 1 0,1 1 0,37 9 0,-4 0 0,-15-1-1365,-25-5-5461</inkml:trace>
+</inkml:ink>
+</file>
+
+<file path=ppt/ink/ink149.xml><?xml version="1.0" encoding="utf-8"?>
+<inkml:ink xmlns:inkml="http://www.w3.org/2003/InkML">
+  <inkml:definitions>
+    <inkml:context xml:id="ctx0">
+      <inkml:inkSource xml:id="inkSrc0">
+        <inkml:traceFormat>
+          <inkml:channel name="X" type="integer" min="-2.14748E9" max="2.14748E9" units="cm"/>
+          <inkml:channel name="Y" type="integer" min="-2.14748E9" max="2.14748E9" units="cm"/>
+          <inkml:channel name="F" type="integer" max="32767" units="dev"/>
+        </inkml:traceFormat>
+        <inkml:channelProperties>
+          <inkml:channelProperty channel="X" name="resolution" value="1000" units="1/cm"/>
+          <inkml:channelProperty channel="Y" name="resolution" value="1000" units="1/cm"/>
+          <inkml:channelProperty channel="F" name="resolution" value="0" units="1/dev"/>
+        </inkml:channelProperties>
+      </inkml:inkSource>
+      <inkml:timestamp xml:id="ts0" timeString="2025-05-02T20:38:34.909"/>
+    </inkml:context>
+    <inkml:brush xml:id="br0">
+      <inkml:brushProperty name="width" value="0.035" units="cm"/>
+      <inkml:brushProperty name="height" value="0.035" units="cm"/>
+      <inkml:brushProperty name="color" value="#E71224"/>
+    </inkml:brush>
+  </inkml:definitions>
+  <inkml:trace contextRef="#ctx0" brushRef="#br0">185 1 24575,'5'21'0,"0"-11"0,0-12 0,-4 1 0,-1 1 0,0-1 0,0 0 0,0 1 0,0-1 0,-1 1 0,1-1 0,0 0 0,0 1 0,0-1 0,0 1 0,-1-1 0,1 1 0,0-1 0,0 0 0,-1 1 0,1-1 0,-1 1 0,1-1 0,0 1 0,-1 0 0,1-1 0,-1 1 0,1-1 0,-1 1 0,1 0 0,-1-1 0,1 1 0,-1 0 0,1 0 0,-1-1 0,0 1 0,1 0 0,-1 0 0,1 0 0,-1 0 0,-1 0 0,-24-7 0,20 7 0,1 0 0,0 1 0,0-1 0,0 1 0,0 0 0,0 1 0,0-1 0,0 1 0,0 0 0,1 1 0,-1-1 0,1 1 0,-1-1 0,1 1 0,0 1 0,0-1 0,0 1 0,1-1 0,-1 1 0,1 0 0,0 0 0,0 1 0,0-1 0,0 0 0,-2 7 0,-3 6 0,0 0 0,1 0 0,1 1 0,1 0 0,-6 33 0,10-46 0,1 0 0,-1 0 0,1-1 0,0 1 0,0 0 0,0 0 0,1 0 0,0 0 0,0 0 0,0-1 0,0 1 0,1 0 0,0-1 0,0 1 0,0-1 0,0 0 0,6 7 0,-4-6 0,1 0 0,0 0 0,0-1 0,1 0 0,-1 0 0,1 0 0,0 0 0,0-1 0,0 0 0,1-1 0,8 3 0,6 1 0,-1-2 0,1-1 0,1 0 0,-1-1 0,0-2 0,1 0 0,22-4 0,-39 4-85,1-1 0,0-1-1,0 1 1,-1-1 0,1 0-1,-1 0 1,1 0 0,-1-1-1,0 0 1,0 0 0,0 0-1,0-1 1,-1 0 0,1 0-1,3-5 1,2-4-6741</inkml:trace>
 </inkml:ink>
 </file>
 
@@ -1612,6 +1724,286 @@
 </inkml:ink>
 </file>
 
+<file path=ppt/ink/ink150.xml><?xml version="1.0" encoding="utf-8"?>
+<inkml:ink xmlns:inkml="http://www.w3.org/2003/InkML">
+  <inkml:definitions>
+    <inkml:context xml:id="ctx0">
+      <inkml:inkSource xml:id="inkSrc0">
+        <inkml:traceFormat>
+          <inkml:channel name="X" type="integer" min="-2.14748E9" max="2.14748E9" units="cm"/>
+          <inkml:channel name="Y" type="integer" min="-2.14748E9" max="2.14748E9" units="cm"/>
+          <inkml:channel name="F" type="integer" max="32767" units="dev"/>
+        </inkml:traceFormat>
+        <inkml:channelProperties>
+          <inkml:channelProperty channel="X" name="resolution" value="1000" units="1/cm"/>
+          <inkml:channelProperty channel="Y" name="resolution" value="1000" units="1/cm"/>
+          <inkml:channelProperty channel="F" name="resolution" value="0" units="1/dev"/>
+        </inkml:channelProperties>
+      </inkml:inkSource>
+      <inkml:timestamp xml:id="ts0" timeString="2025-05-02T20:38:35.777"/>
+    </inkml:context>
+    <inkml:brush xml:id="br0">
+      <inkml:brushProperty name="width" value="0.035" units="cm"/>
+      <inkml:brushProperty name="height" value="0.035" units="cm"/>
+      <inkml:brushProperty name="color" value="#E71224"/>
+    </inkml:brush>
+  </inkml:definitions>
+  <inkml:trace contextRef="#ctx0" brushRef="#br0">48 243 24575,'-20'-56'0,"18"43"0,-1-1 0,2 1 0,0-1 0,1 1 0,0-1 0,3-20 0,-2 30 0,0 1 0,-1-1 0,1 1 0,1 0 0,-1-1 0,0 1 0,1 0 0,0 0 0,0 0 0,0 0 0,0 0 0,0 0 0,0 1 0,1-1 0,-1 1 0,1 0 0,0-1 0,0 1 0,0 0 0,0 1 0,0-1 0,0 0 0,0 1 0,1 0 0,-1 0 0,0 0 0,1 0 0,-1 0 0,7 0 0,-3 0 0,0 1 0,0-1 0,0 1 0,0 1 0,0-1 0,0 1 0,0 0 0,0 1 0,0 0 0,-1 0 0,1 0 0,0 1 0,-1 0 0,0 0 0,0 1 0,0 0 0,0 0 0,0 0 0,-1 1 0,0-1 0,0 1 0,0 1 0,0-1 0,-1 1 0,0-1 0,0 1 0,-1 1 0,1-1 0,4 13 0,0 3 0,-1-1 0,-1 2 0,-1-1 0,-1 1 0,0-1 0,-2 1 0,-1 0 0,-2 37 0,1-18 0,1-15 0,-1 0 0,-5 30 0,4-51 0,0 1 0,0-1 0,-1 0 0,0 0 0,0 0 0,0 0 0,-1 0 0,0 0 0,0 0 0,-1-1 0,1 0 0,-1 0 0,0 0 0,-6 6 0,4-8 0,1 1 0,-1-1 0,0-1 0,0 1 0,-1-1 0,1 0 0,0 0 0,-1 0 0,1-1 0,-1 0 0,1-1 0,-10 0 0,0 1 0,1-2 0,-1 0 0,1-1 0,-19-4 0,29 4 0,1 0 0,-1 1 0,1-2 0,0 1 0,-1 0 0,1-1 0,0 0 0,1 0 0,-1 0 0,0 0 0,1 0 0,0-1 0,0 0 0,0 0 0,0 0 0,0 0 0,1 0 0,0 0 0,0 0 0,0-1 0,0 1 0,1-1 0,0 0 0,0 1 0,0-1 0,0 0 0,1 0 0,0 0 0,0 0 0,0 1 0,0-1 0,1 0 0,0 0 0,0 1 0,0-1 0,1 0 0,-1 1 0,1-1 0,0 1 0,1 0 0,-1 0 0,1 0 0,2-4 0,7-3-28,0 0-1,0 1 1,0 0 0,1 1-1,1 1 1,0 0-1,0 1 1,0 0 0,1 2-1,21-7 1,4-3-1025,-17 6-5773</inkml:trace>
+</inkml:ink>
+</file>
+
+<file path=ppt/ink/ink151.xml><?xml version="1.0" encoding="utf-8"?>
+<inkml:ink xmlns:inkml="http://www.w3.org/2003/InkML">
+  <inkml:definitions>
+    <inkml:context xml:id="ctx0">
+      <inkml:inkSource xml:id="inkSrc0">
+        <inkml:traceFormat>
+          <inkml:channel name="X" type="integer" min="-2.14748E9" max="2.14748E9" units="cm"/>
+          <inkml:channel name="Y" type="integer" min="-2.14748E9" max="2.14748E9" units="cm"/>
+          <inkml:channel name="F" type="integer" max="32767" units="dev"/>
+        </inkml:traceFormat>
+        <inkml:channelProperties>
+          <inkml:channelProperty channel="X" name="resolution" value="1000" units="1/cm"/>
+          <inkml:channelProperty channel="Y" name="resolution" value="1000" units="1/cm"/>
+          <inkml:channelProperty channel="F" name="resolution" value="0" units="1/dev"/>
+        </inkml:channelProperties>
+      </inkml:inkSource>
+      <inkml:timestamp xml:id="ts0" timeString="2025-05-02T20:38:36.270"/>
+    </inkml:context>
+    <inkml:brush xml:id="br0">
+      <inkml:brushProperty name="width" value="0.035" units="cm"/>
+      <inkml:brushProperty name="height" value="0.035" units="cm"/>
+      <inkml:brushProperty name="color" value="#E71224"/>
+    </inkml:brush>
+  </inkml:definitions>
+  <inkml:trace contextRef="#ctx0" brushRef="#br0">82 1 24575,'1'36'0,"-2"0"0,-2 1 0,-9 49 0,-43 125 0,53-207 0,-1-10 0,0-27 0,2-43 0,0 23 0,0 34 0,0-1 0,1 0 0,2 0 0,0 0 0,1 1 0,10-38 0,-13 56 0,1-1 0,-1 0 0,1 0 0,0 1 0,-1-1 0,1 0 0,0 1 0,0-1 0,0 1 0,0-1 0,0 1 0,0-1 0,1 1 0,-1 0 0,0 0 0,1-1 0,-1 1 0,1 0 0,-1 0 0,1 1 0,0-1 0,2-1 0,-2 2 0,-1 0 0,1 1 0,0-1 0,-1 0 0,1 1 0,0-1 0,-1 1 0,1 0 0,-1-1 0,1 1 0,-1 0 0,0 0 0,1 0 0,-1 0 0,0 0 0,0 0 0,1 1 0,-1-1 0,1 2 0,5 6 0,-1 1 0,0-1 0,0 1 0,-1 0 0,7 20 0,-3 1 0,1-1 0,1 0 0,2 0 0,1-1 0,2-1 0,0 0 0,24 28 0,-11-34-1365,-13-16-5461</inkml:trace>
+</inkml:ink>
+</file>
+
+<file path=ppt/ink/ink152.xml><?xml version="1.0" encoding="utf-8"?>
+<inkml:ink xmlns:inkml="http://www.w3.org/2003/InkML">
+  <inkml:definitions>
+    <inkml:context xml:id="ctx0">
+      <inkml:inkSource xml:id="inkSrc0">
+        <inkml:traceFormat>
+          <inkml:channel name="X" type="integer" min="-2.14748E9" max="2.14748E9" units="cm"/>
+          <inkml:channel name="Y" type="integer" min="-2.14748E9" max="2.14748E9" units="cm"/>
+          <inkml:channel name="F" type="integer" max="32767" units="dev"/>
+        </inkml:traceFormat>
+        <inkml:channelProperties>
+          <inkml:channelProperty channel="X" name="resolution" value="1000" units="1/cm"/>
+          <inkml:channelProperty channel="Y" name="resolution" value="1000" units="1/cm"/>
+          <inkml:channelProperty channel="F" name="resolution" value="0" units="1/dev"/>
+        </inkml:channelProperties>
+      </inkml:inkSource>
+      <inkml:timestamp xml:id="ts0" timeString="2025-05-02T20:38:36.787"/>
+    </inkml:context>
+    <inkml:brush xml:id="br0">
+      <inkml:brushProperty name="width" value="0.035" units="cm"/>
+      <inkml:brushProperty name="height" value="0.035" units="cm"/>
+      <inkml:brushProperty name="color" value="#E71224"/>
+    </inkml:brush>
+  </inkml:definitions>
+  <inkml:trace contextRef="#ctx0" brushRef="#br0">0 296 24575,'1'1'0,"0"0"0,-1 1 0,1-1 0,0 0 0,-1 0 0,1 1 0,0-1 0,0 0 0,0 0 0,0 0 0,0 0 0,0 0 0,0 0 0,0-1 0,1 1 0,-1 0 0,0 0 0,1-1 0,-1 1 0,0-1 0,1 1 0,-1-1 0,0 0 0,1 1 0,-1-1 0,1 0 0,1 0 0,40 3 0,-36-3 0,0-1 0,0 0 0,-1-1 0,1 1 0,-1-1 0,0-1 0,1 1 0,-1-1 0,0 0 0,0-1 0,-1 1 0,1-1 0,-1 0 0,0 0 0,0-1 0,0 0 0,0 0 0,-1 0 0,0 0 0,0-1 0,5-9 0,-3 5 0,-1-1 0,0 1 0,-1-1 0,0 0 0,-1 0 0,0-1 0,-1 1 0,0-1 0,0 1 0,-2-1 0,0-18 0,0 25 0,-1 1 0,0 0 0,0 0 0,-1 0 0,1 0 0,-1 0 0,0 0 0,0 1 0,0-1 0,-1 0 0,1 1 0,-1 0 0,0-1 0,1 1 0,-2 0 0,1 1 0,0-1 0,0 0 0,-1 1 0,0 0 0,1 0 0,-1 0 0,0 0 0,0 1 0,0-1 0,0 1 0,0 0 0,0 0 0,-1 1 0,1-1 0,0 1 0,0 0 0,-1 0 0,1 0 0,-6 2 0,6-2 0,0 0 0,-1 0 0,1 1 0,0 0 0,0 0 0,0 0 0,0 0 0,0 1 0,1-1 0,-1 1 0,0 0 0,1 0 0,-1 1 0,1-1 0,0 1 0,-1 0 0,1-1 0,1 1 0,-1 1 0,0-1 0,1 0 0,-1 1 0,1-1 0,0 1 0,0-1 0,1 1 0,-1 0 0,1 0 0,0 0 0,0 0 0,0 0 0,0 0 0,1 0 0,-1 1 0,1-1 0,0 0 0,1 5 0,0-3 0,1 1 0,0-1 0,0 0 0,0 0 0,1 0 0,0 0 0,0 0 0,1 0 0,-1-1 0,1 1 0,0-1 0,1 0 0,-1 0 0,1-1 0,0 1 0,0-1 0,0 0 0,1-1 0,7 5 0,14 6 0,0-1 0,1-2 0,32 9 0,3 2 0,-51-16-136,0 0-1,-1 1 1,0 1-1,0 0 1,-1 0-1,0 1 1,-1 0-1,0 1 0,11 15 1,-10-12-6690</inkml:trace>
+</inkml:ink>
+</file>
+
+<file path=ppt/ink/ink153.xml><?xml version="1.0" encoding="utf-8"?>
+<inkml:ink xmlns:inkml="http://www.w3.org/2003/InkML">
+  <inkml:definitions>
+    <inkml:context xml:id="ctx0">
+      <inkml:inkSource xml:id="inkSrc0">
+        <inkml:traceFormat>
+          <inkml:channel name="X" type="integer" min="-2.14748E9" max="2.14748E9" units="cm"/>
+          <inkml:channel name="Y" type="integer" min="-2.14748E9" max="2.14748E9" units="cm"/>
+          <inkml:channel name="F" type="integer" max="32767" units="dev"/>
+        </inkml:traceFormat>
+        <inkml:channelProperties>
+          <inkml:channelProperty channel="X" name="resolution" value="1000" units="1/cm"/>
+          <inkml:channelProperty channel="Y" name="resolution" value="1000" units="1/cm"/>
+          <inkml:channelProperty channel="F" name="resolution" value="0" units="1/dev"/>
+        </inkml:channelProperties>
+      </inkml:inkSource>
+      <inkml:timestamp xml:id="ts0" timeString="2025-05-02T20:38:37.904"/>
+    </inkml:context>
+    <inkml:brush xml:id="br0">
+      <inkml:brushProperty name="width" value="0.035" units="cm"/>
+      <inkml:brushProperty name="height" value="0.035" units="cm"/>
+      <inkml:brushProperty name="color" value="#E71224"/>
+    </inkml:brush>
+  </inkml:definitions>
+  <inkml:trace contextRef="#ctx0" brushRef="#br0">2 695 24575,'2'-5'0,"-1"0"0,0 1 0,1-1 0,0 1 0,0-1 0,0 1 0,1 0 0,4-7 0,6-11 0,46-93 0,-36 74 0,-2-1 0,-2-1 0,-2 0 0,21-80 0,-26 76 0,-8 38 0,-1 0 0,-1 0 0,0 0 0,0-1 0,0 1 0,-1-1 0,-1 1 0,0-1 0,0 1 0,-1-1 0,0 1 0,-3-13 0,3 20 0,0-1 0,-1 1 0,1-1 0,-1 1 0,0 0 0,0 0 0,0 0 0,0 0 0,0 0 0,0 0 0,0 0 0,-1 1 0,1-1 0,-1 1 0,1 0 0,-1 0 0,1 0 0,-1 0 0,0 0 0,1 0 0,-1 1 0,0-1 0,0 1 0,0 0 0,1 0 0,-1 0 0,0 0 0,0 0 0,0 1 0,1-1 0,-5 2 0,1-1 0,0 1 0,0 0 0,0 0 0,0 0 0,0 0 0,0 1 0,1 0 0,0 0 0,-1 1 0,1 0 0,0-1 0,1 2 0,-7 6 0,2 2 0,1 1 0,0 0 0,1 0 0,1 1 0,0 0 0,1 0 0,-5 29 0,4-10 0,2-1 0,0 57 0,4-73 0,0-1 0,1 0 0,1 1 0,1-1 0,1 0 0,0 0 0,1 0 0,0-1 0,1 1 0,1-1 0,1-1 0,0 1 0,0-2 0,18 22 0,-11-16 0,0 0 0,2-2 0,0 0 0,1 0 0,1-2 0,0 0 0,1-1 0,1-1 0,0-1 0,40 16 0,-57-26 0,0-1 0,0 1 0,0-1 0,0-1 0,0 1 0,0 0 0,0-1 0,0 0 0,0 0 0,1 0 0,-1-1 0,0 1 0,0-1 0,0 0 0,0 0 0,0 0 0,-1-1 0,1 0 0,0 1 0,0-1 0,3-3 0,-4 2 0,0-1 0,0 1 0,0-1 0,0 0 0,0 0 0,-1 0 0,0 0 0,1-1 0,-2 1 0,1-1 0,0 1 0,-1-1 0,0 0 0,0 1 0,-1-1 0,1 0 0,-1-8 0,0 5 0,0 0 0,-1 0 0,1 0 0,-2 0 0,1 0 0,-1 0 0,0 0 0,-1 1 0,0-1 0,0 1 0,-1 0 0,0 0 0,0 0 0,0 0 0,-1 0 0,0 1 0,0 0 0,-1 0 0,0 1 0,0-1 0,0 1 0,-1 0 0,1 1 0,-1 0 0,0 0 0,-1 0 0,1 1 0,-1 0 0,1 1 0,-1-1 0,0 1 0,0 1 0,0 0 0,0 0 0,0 0 0,0 1 0,0 0 0,0 1 0,0 0 0,0 0 0,0 0 0,0 1 0,0 1 0,-8 3 0,14-6-27,0 1 1,0 0-1,0 0 0,0 0 0,0 0 1,0 0-1,1 0 0,-1 1 0,1-1 1,-1 1-1,0-1 0,1 1 0,0-1 0,-1 1 1,1 0-1,0 0 0,0-1 0,0 1 1,0 0-1,1 0 0,-1 0 0,0 0 1,1 0-1,-1 0 0,1 1 0,0-1 0,0 0 1,0 0-1,0 0 0,0 0 0,0 0 1,0 0-1,1 0 0,-1 0 0,1 1 1,-1-1-1,1 0 0,0-1 0,0 1 0,0 0 1,0 0-1,0 0 0,0 0 0,1-1 1,-1 1-1,1-1 0,-1 1 0,1-1 0,-1 1 1,4 1-1,12 4-6799</inkml:trace>
+</inkml:ink>
+</file>
+
+<file path=ppt/ink/ink154.xml><?xml version="1.0" encoding="utf-8"?>
+<inkml:ink xmlns:inkml="http://www.w3.org/2003/InkML">
+  <inkml:definitions>
+    <inkml:context xml:id="ctx0">
+      <inkml:inkSource xml:id="inkSrc0">
+        <inkml:traceFormat>
+          <inkml:channel name="X" type="integer" min="-2.14748E9" max="2.14748E9" units="cm"/>
+          <inkml:channel name="Y" type="integer" min="-2.14748E9" max="2.14748E9" units="cm"/>
+          <inkml:channel name="F" type="integer" max="32767" units="dev"/>
+        </inkml:traceFormat>
+        <inkml:channelProperties>
+          <inkml:channelProperty channel="X" name="resolution" value="1000" units="1/cm"/>
+          <inkml:channelProperty channel="Y" name="resolution" value="1000" units="1/cm"/>
+          <inkml:channelProperty channel="F" name="resolution" value="0" units="1/dev"/>
+        </inkml:channelProperties>
+      </inkml:inkSource>
+      <inkml:timestamp xml:id="ts0" timeString="2025-05-02T20:38:38.181"/>
+    </inkml:context>
+    <inkml:brush xml:id="br0">
+      <inkml:brushProperty name="width" value="0.035" units="cm"/>
+      <inkml:brushProperty name="height" value="0.035" units="cm"/>
+      <inkml:brushProperty name="color" value="#E71224"/>
+    </inkml:brush>
+  </inkml:definitions>
+  <inkml:trace contextRef="#ctx0" brushRef="#br0">102 1 24575,'1'30'0,"-3"0"0,0 0 0,-11 48 0,0-21 0,3-7 0,-3-1 0,-25 65 0,32-102-1365,1-5-5461</inkml:trace>
+</inkml:ink>
+</file>
+
+<file path=ppt/ink/ink155.xml><?xml version="1.0" encoding="utf-8"?>
+<inkml:ink xmlns:inkml="http://www.w3.org/2003/InkML">
+  <inkml:definitions>
+    <inkml:context xml:id="ctx0">
+      <inkml:inkSource xml:id="inkSrc0">
+        <inkml:traceFormat>
+          <inkml:channel name="X" type="integer" min="-2.14748E9" max="2.14748E9" units="cm"/>
+          <inkml:channel name="Y" type="integer" min="-2.14748E9" max="2.14748E9" units="cm"/>
+          <inkml:channel name="F" type="integer" max="32767" units="dev"/>
+        </inkml:traceFormat>
+        <inkml:channelProperties>
+          <inkml:channelProperty channel="X" name="resolution" value="1000" units="1/cm"/>
+          <inkml:channelProperty channel="Y" name="resolution" value="1000" units="1/cm"/>
+          <inkml:channelProperty channel="F" name="resolution" value="0" units="1/dev"/>
+        </inkml:channelProperties>
+      </inkml:inkSource>
+      <inkml:timestamp xml:id="ts0" timeString="2025-05-02T20:38:38.785"/>
+    </inkml:context>
+    <inkml:brush xml:id="br0">
+      <inkml:brushProperty name="width" value="0.035" units="cm"/>
+      <inkml:brushProperty name="height" value="0.035" units="cm"/>
+      <inkml:brushProperty name="color" value="#E71224"/>
+    </inkml:brush>
+  </inkml:definitions>
+  <inkml:trace contextRef="#ctx0" brushRef="#br0">0 29 24575,'3'0'0,"-1"1"0,1 0 0,-1 0 0,0 0 0,0 0 0,1 0 0,-1 0 0,0 0 0,0 1 0,0-1 0,0 1 0,-1 0 0,1-1 0,0 1 0,-1 0 0,1 0 0,1 3 0,27 43 0,-23-35 0,12 15 0,2 0 0,1-2 0,0 0 0,2-1 0,1-2 0,1 0 0,54 35 0,-60-45 0,0 0 0,1-2 0,38 16 0,-54-25 0,0 0 0,0 0 0,0 0 0,0-1 0,1 0 0,-1 0 0,0 0 0,0-1 0,1 0 0,-1 0 0,0 0 0,1 0 0,-1-1 0,0 0 0,0 0 0,0-1 0,1 1 0,-1-1 0,-1 0 0,1 0 0,0-1 0,0 0 0,4-3 0,-4 1 0,-1-1 0,1 0 0,-2 1 0,1-1 0,0-1 0,-1 1 0,0 0 0,-1-1 0,1 0 0,-1 0 0,-1 1 0,2-10 0,1-9 0,-2 0 0,0-27 0,-5 13 0,-2 24 0,4 15 0,1 0 0,-1 0 0,1 0 0,0 0 0,-1 0 0,1 0 0,0 0 0,-1 0 0,1 0 0,0 1 0,-1-1 0,1 0 0,0 0 0,-1 0 0,1 0 0,0 1 0,-1-1 0,1 0 0,0 0 0,0 1 0,-1-1 0,1 0 0,0 0 0,0 1 0,0-1 0,-1 0 0,1 1 0,0-1 0,0 0 0,0 1 0,0-1 0,0 0 0,0 1 0,-1-1 0,1 0 0,0 1 0,0-1 0,0 0 0,0 1 0,-2 7 0,-1-1 0,1 0 0,0 1 0,1-1 0,-1 1 0,2 0 0,-1 0 0,1-1 0,0 1 0,0 0 0,1 0 0,0-1 0,1 1 0,0-1 0,3 9 0,-3-11 0,0-1 0,0 1 0,0-1 0,0 0 0,1 1 0,0-1 0,0-1 0,0 1 0,1 0 0,-1-1 0,1 1 0,0-1 0,0 0 0,0 0 0,0-1 0,0 1 0,1-1 0,-1 0 0,1 0 0,-1-1 0,1 1 0,0-1 0,0 0 0,7 1 0,-6-2 0,-1 1 0,1-1 0,0 0 0,0 0 0,0 0 0,0-1 0,-1 0 0,1 0 0,0-1 0,-1 0 0,1 1 0,-1-2 0,1 1 0,7-5 0,-10 3 0,1 1 0,-1 0 0,1-1 0,-1 0 0,0 0 0,-1 0 0,1 0 0,-1 0 0,1 0 0,-1-1 0,0 1 0,-1-1 0,1 0 0,-1 0 0,0 1 0,0-1 0,0-9 0,1-4 0,-1 0 0,-1 0 0,0 0 0,-1 0 0,-1 0 0,-1 0 0,-7-25 0,8 37 0,0 0 0,0 1 0,0-1 0,-1 1 0,0 0 0,0 0 0,-1 0 0,1 0 0,-1 0 0,0 1 0,0 0 0,-1 0 0,1 0 0,-1 0 0,0 1 0,0-1 0,0 1 0,0 0 0,-1 1 0,1 0 0,-1 0 0,0 0 0,1 0 0,-1 1 0,0 0 0,-6-1 0,4 1 0,1 1 0,-1-1 0,1 1 0,-1 1 0,0-1 0,1 1 0,0 1 0,-1-1 0,-12 5 0,17-4 0,0 0 0,0-1 0,0 1 0,0 0 0,1 1 0,-1-1 0,0 0 0,1 1 0,0-1 0,0 1 0,0 0 0,0 0 0,0 0 0,0 0 0,1 0 0,-1 0 0,1 0 0,0 0 0,0 1 0,0-1 0,0 1 0,1-1 0,-1 5 0,-1 16-1365,2-1-5461</inkml:trace>
+</inkml:ink>
+</file>
+
+<file path=ppt/ink/ink156.xml><?xml version="1.0" encoding="utf-8"?>
+<inkml:ink xmlns:inkml="http://www.w3.org/2003/InkML">
+  <inkml:definitions>
+    <inkml:context xml:id="ctx0">
+      <inkml:inkSource xml:id="inkSrc0">
+        <inkml:traceFormat>
+          <inkml:channel name="X" type="integer" min="-2.14748E9" max="2.14748E9" units="cm"/>
+          <inkml:channel name="Y" type="integer" min="-2.14748E9" max="2.14748E9" units="cm"/>
+          <inkml:channel name="F" type="integer" max="32767" units="dev"/>
+        </inkml:traceFormat>
+        <inkml:channelProperties>
+          <inkml:channelProperty channel="X" name="resolution" value="1000" units="1/cm"/>
+          <inkml:channelProperty channel="Y" name="resolution" value="1000" units="1/cm"/>
+          <inkml:channelProperty channel="F" name="resolution" value="0" units="1/dev"/>
+        </inkml:channelProperties>
+      </inkml:inkSource>
+      <inkml:timestamp xml:id="ts0" timeString="2025-05-02T20:38:39.263"/>
+    </inkml:context>
+    <inkml:brush xml:id="br0">
+      <inkml:brushProperty name="width" value="0.035" units="cm"/>
+      <inkml:brushProperty name="height" value="0.035" units="cm"/>
+      <inkml:brushProperty name="color" value="#E71224"/>
+    </inkml:brush>
+  </inkml:definitions>
+  <inkml:trace contextRef="#ctx0" brushRef="#br0">2 271 24575,'0'-41'0,"-2"15"0,2-1 0,5-30 0,-5 50 0,1 0 0,1 1 0,-1-1 0,1 1 0,1-1 0,-1 1 0,1 0 0,0 0 0,0 0 0,1 0 0,0 1 0,0-1 0,7-7 0,-8 11 0,-1-1 0,1 1 0,0 0 0,0 0 0,0 0 0,0 0 0,0 0 0,0 1 0,1-1 0,-1 1 0,1 0 0,-1 0 0,1 0 0,-1 1 0,1-1 0,-1 1 0,1 0 0,-1 0 0,6 0 0,-4 1 0,0 1 0,0-1 0,1 1 0,-1 0 0,0 1 0,0-1 0,-1 1 0,1 0 0,0 0 0,-1 0 0,6 6 0,0 1 0,0 1 0,-1-1 0,-1 1 0,0 1 0,0 0 0,-1 0 0,-1 0 0,10 27 0,2 18 0,-4 1 0,12 93 0,-14-69 0,-7-52 0,-1 1 0,-1 0 0,-2 60 0,-2-89 0,1 1 0,0-1 0,-1 1 0,1-1 0,-1 1 0,1-1 0,-1 1 0,0-1 0,0 0 0,-1 1 0,1-1 0,0 0 0,-1 0 0,1 0 0,-1 0 0,0 0 0,1 0 0,-1-1 0,0 1 0,0 0 0,0-1 0,0 0 0,-1 1 0,1-1 0,0 0 0,-1 0 0,1 0 0,0 0 0,-1-1 0,1 1 0,-1-1 0,1 0 0,-1 1 0,1-1 0,-1 0 0,0 0 0,1-1 0,-6 0 0,2 0 0,-1 0 0,0-1 0,0 0 0,0 0 0,1 0 0,-1-1 0,1 0 0,0-1 0,0 1 0,0-1 0,0 0 0,1 0 0,-8-8 0,8 5 0,-1-1 0,1 0 0,1 0 0,-1-1 0,1 1 0,1-1 0,0 1 0,0-1 0,0 0 0,1-1 0,-1-15 0,1 0 0,1 0 0,1 0 0,5-29 0,-4 44-170,1 1-1,0 0 0,0 0 1,1 0-1,0 0 0,0 1 1,6-11-1,0 6-6655</inkml:trace>
+</inkml:ink>
+</file>
+
+<file path=ppt/ink/ink157.xml><?xml version="1.0" encoding="utf-8"?>
+<inkml:ink xmlns:inkml="http://www.w3.org/2003/InkML">
+  <inkml:definitions>
+    <inkml:context xml:id="ctx0">
+      <inkml:inkSource xml:id="inkSrc0">
+        <inkml:traceFormat>
+          <inkml:channel name="X" type="integer" min="-2.14748E9" max="2.14748E9" units="cm"/>
+          <inkml:channel name="Y" type="integer" min="-2.14748E9" max="2.14748E9" units="cm"/>
+          <inkml:channel name="F" type="integer" max="32767" units="dev"/>
+        </inkml:traceFormat>
+        <inkml:channelProperties>
+          <inkml:channelProperty channel="X" name="resolution" value="1000" units="1/cm"/>
+          <inkml:channelProperty channel="Y" name="resolution" value="1000" units="1/cm"/>
+          <inkml:channelProperty channel="F" name="resolution" value="0" units="1/dev"/>
+        </inkml:channelProperties>
+      </inkml:inkSource>
+      <inkml:timestamp xml:id="ts0" timeString="2025-05-02T20:38:39.875"/>
+    </inkml:context>
+    <inkml:brush xml:id="br0">
+      <inkml:brushProperty name="width" value="0.035" units="cm"/>
+      <inkml:brushProperty name="height" value="0.035" units="cm"/>
+      <inkml:brushProperty name="color" value="#E71224"/>
+    </inkml:brush>
+  </inkml:definitions>
+  <inkml:trace contextRef="#ctx0" brushRef="#br0">2 1 24575,'0'39'0,"-1"-17"0,0 0 0,2 0 0,1 0 0,0-1 0,9 33 0,-10-48 0,1-1 0,0 0 0,1 0 0,-1-1 0,1 1 0,0 0 0,0-1 0,0 0 0,1 1 0,-1-1 0,1-1 0,0 1 0,0 0 0,1-1 0,-1 0 0,1 0 0,-1 0 0,1-1 0,0 0 0,0 0 0,0 0 0,0 0 0,1-1 0,-1 0 0,0 0 0,1 0 0,7 0 0,-8-1 0,6 1 0,0 0 0,0 0 0,0-2 0,0 1 0,13-3 0,-22 2 0,1 0 0,0 1 0,-1-1 0,1 0 0,-1-1 0,0 1 0,1 0 0,-1 0 0,0-1 0,0 0 0,0 1 0,0-1 0,0 0 0,0 0 0,0 0 0,0 0 0,-1 0 0,1-1 0,-1 1 0,0 0 0,0-1 0,0 1 0,0-1 0,0 1 0,0-1 0,0-4 0,2-19 0,-1-1 0,-1 1 0,-5-44 0,1 16 0,3 96 0,0-11 0,1-1 0,1 1 0,1-1 0,2 0 0,9 33 0,10 7 0,56 176 0,-64-189 0,-7-29 0,-1 1 0,0 0 0,-3 1 0,0 0 0,-2 0 0,-1 54 0,-2-81 0,-1 0 0,1-1 0,-1 1 0,0 0 0,1-1 0,-1 1 0,0 0 0,-1-1 0,1 1 0,0-1 0,-1 1 0,1-1 0,-1 0 0,0 0 0,0 0 0,0 0 0,0 0 0,0 0 0,0 0 0,-1-1 0,1 1 0,0-1 0,-1 1 0,1-1 0,-1 0 0,0 0 0,1 0 0,-1-1 0,0 1 0,0 0 0,1-1 0,-1 0 0,0 0 0,0 0 0,0 0 0,1 0 0,-1 0 0,-4-2 0,-5 1 0,1-2 0,0 1 0,0-1 0,1 0 0,-1-1 0,1-1 0,-1 0 0,-12-8 0,8 2 0,1 0 0,1-1 0,0-1 0,1 0 0,0 0 0,1-1 0,1-1 0,0 0 0,1 0 0,0-1 0,-7-20 0,9 17 0,0-1 0,1 0 0,0-1 0,2 1 0,1-1 0,0 0 0,2 0 0,0 0 0,3-26 0,-1 40 0,0-1 0,0 1 0,0-1 0,1 1 0,1 0 0,-1 0 0,1 0 0,0 0 0,0 1 0,1-1 0,0 1 0,0 0 0,1 0 0,0 0 0,0 0 0,0 1 0,1 0 0,-1 0 0,1 0 0,0 1 0,1 0 0,-1 0 0,1 1 0,0 0 0,0 0 0,0 0 0,13-3 0,-1 0-1365,-4-2-5461</inkml:trace>
+</inkml:ink>
+</file>
+
+<file path=ppt/ink/ink158.xml><?xml version="1.0" encoding="utf-8"?>
+<inkml:ink xmlns:inkml="http://www.w3.org/2003/InkML">
+  <inkml:definitions>
+    <inkml:context xml:id="ctx0">
+      <inkml:inkSource xml:id="inkSrc0">
+        <inkml:traceFormat>
+          <inkml:channel name="X" type="integer" min="-2.14748E9" max="2.14748E9" units="cm"/>
+          <inkml:channel name="Y" type="integer" min="-2.14748E9" max="2.14748E9" units="cm"/>
+          <inkml:channel name="F" type="integer" max="32767" units="dev"/>
+        </inkml:traceFormat>
+        <inkml:channelProperties>
+          <inkml:channelProperty channel="X" name="resolution" value="1000" units="1/cm"/>
+          <inkml:channelProperty channel="Y" name="resolution" value="1000" units="1/cm"/>
+          <inkml:channelProperty channel="F" name="resolution" value="0" units="1/dev"/>
+        </inkml:channelProperties>
+      </inkml:inkSource>
+      <inkml:timestamp xml:id="ts0" timeString="2025-05-02T20:39:04.649"/>
+    </inkml:context>
+    <inkml:brush xml:id="br0">
+      <inkml:brushProperty name="width" value="0.035" units="cm"/>
+      <inkml:brushProperty name="height" value="0.035" units="cm"/>
+      <inkml:brushProperty name="color" value="#E71224"/>
+    </inkml:brush>
+  </inkml:definitions>
+  <inkml:trace contextRef="#ctx0" brushRef="#br0">81 217 24575,'0'531'0,"-1"-514"0,0-1 0,-2 1 0,-4 18 0,-6 39 0,11-53 0,-1 1 0,0-1 0,-2-1 0,-1 1 0,0 0 0,-13 26 0,19-47 0,0 0 0,0 0 0,0 0 0,0-1 0,0 1 0,0 0 0,0 0 0,0 0 0,0 0 0,0 0 0,0 0 0,0 0 0,0-1 0,0 1 0,0 0 0,0 0 0,0 0 0,0 0 0,0 0 0,0 0 0,0 0 0,0-1 0,-1 1 0,1 0 0,0 0 0,0 0 0,0 0 0,0 0 0,0 0 0,0 0 0,0 0 0,0 0 0,0 0 0,-1 0 0,1 0 0,0 0 0,0 0 0,0 0 0,0 0 0,0 0 0,0 0 0,0 0 0,-1 0 0,1 0 0,0 0 0,0 0 0,0 0 0,0 0 0,0 0 0,0 0 0,0 0 0,-1 0 0,1 0 0,0 0 0,0 0 0,0 0 0,0 0 0,0 0 0,0 0 0,0 0 0,0 0 0,0 0 0,-1 1 0,1-1 0,0 0 0,-3-19 0,0-21 0,4-816 0,0 840 0,0 1 0,1 0 0,1 1 0,0-1 0,1 0 0,1 1 0,0 0 0,8-16 0,-13 30 0,0-1 0,0 0 0,1 0 0,-1 0 0,0 1 0,1-1 0,-1 0 0,1 1 0,-1-1 0,1 0 0,-1 1 0,1-1 0,-1 0 0,1 1 0,0-1 0,-1 1 0,1-1 0,0 1 0,-1 0 0,1-1 0,0 1 0,0 0 0,-1-1 0,1 1 0,0 0 0,0 0 0,0 0 0,0-1 0,1 2 0,-1 0 0,0-1 0,0 1 0,0 0 0,0-1 0,0 1 0,0 0 0,0 0 0,0 0 0,-1 0 0,1 0 0,0 0 0,0 0 0,-1 0 0,1 0 0,0 2 0,19 54 0,-19-52 0,7 30 0,5 62 0,-2-10 0,0-2 0,4 26 0,-7-55 0,-4 1 0,-5 111 0,0-141 0,3-120 0,-4-110 0,-11 115 0,7 56 0,-3-59 0,11 53 0,-1 28 0,-1-1 0,1 0 0,-1 1 0,-1-1 0,0 1 0,-1-1 0,0 1 0,-5-16 0,7 26 0,0 0 0,0 0 0,0-1 0,0 1 0,0 0 0,0 0 0,0 0 0,0 0 0,0-1 0,0 1 0,0 0 0,0 0 0,0 0 0,0 0 0,-1 0 0,1-1 0,0 1 0,0 0 0,0 0 0,0 0 0,0 0 0,0 0 0,-1 0 0,1-1 0,0 1 0,0 0 0,0 0 0,0 0 0,0 0 0,-1 0 0,1 0 0,0 0 0,0 0 0,0 0 0,0 0 0,-1 0 0,1 0 0,0 0 0,0 0 0,0 0 0,-1 0 0,1 0 0,0 0 0,0 0 0,0 0 0,0 0 0,-1 0 0,1 0 0,0 0 0,0 1 0,-5 10 0,1 17 0,1 14 0,2 0 0,1 0 0,3-1 0,13 77 0,-11-90 28,-1 0 0,-2 0 1,-1 42-1,-1-44-324,0 1 1,2-1-1,1 0 0,7 31 1,-5-39-6531</inkml:trace>
+</inkml:ink>
+</file>
+
+<file path=ppt/ink/ink159.xml><?xml version="1.0" encoding="utf-8"?>
+<inkml:ink xmlns:inkml="http://www.w3.org/2003/InkML">
+  <inkml:definitions>
+    <inkml:context xml:id="ctx0">
+      <inkml:inkSource xml:id="inkSrc0">
+        <inkml:traceFormat>
+          <inkml:channel name="X" type="integer" min="-2.14748E9" max="2.14748E9" units="cm"/>
+          <inkml:channel name="Y" type="integer" min="-2.14748E9" max="2.14748E9" units="cm"/>
+          <inkml:channel name="F" type="integer" max="32767" units="dev"/>
+        </inkml:traceFormat>
+        <inkml:channelProperties>
+          <inkml:channelProperty channel="X" name="resolution" value="1000" units="1/cm"/>
+          <inkml:channelProperty channel="Y" name="resolution" value="1000" units="1/cm"/>
+          <inkml:channelProperty channel="F" name="resolution" value="0" units="1/dev"/>
+        </inkml:channelProperties>
+      </inkml:inkSource>
+      <inkml:timestamp xml:id="ts0" timeString="2025-05-02T20:39:06.166"/>
+    </inkml:context>
+    <inkml:brush xml:id="br0">
+      <inkml:brushProperty name="width" value="0.035" units="cm"/>
+      <inkml:brushProperty name="height" value="0.035" units="cm"/>
+      <inkml:brushProperty name="color" value="#E71224"/>
+    </inkml:brush>
+  </inkml:definitions>
+  <inkml:trace contextRef="#ctx0" brushRef="#br0">255 241 24575,'11'-1'0,"0"-1"0,-1 0 0,1 0 0,15-6 0,10-2 0,55-13 0,59-10 0,-35 8 0,-86 17 0,1 1 0,0 2 0,56-4 0,-47 7 0,60-11 0,-25 2 0,85-15 0,-144 24 0,63-10 0,-71 10 0,-1 1 0,1-1 0,-1 0 0,1-1 0,-1 1 0,0-1 0,0-1 0,8-5 0,-14 9 0,0-1 0,0 1 0,-1-1 0,1 0 0,0 1 0,-1 0 0,1-1 0,0 1 0,-1-1 0,1 1 0,-1-1 0,1 1 0,-1 0 0,1-1 0,-1 1 0,1 0 0,-1-1 0,1 1 0,-1 0 0,0 0 0,1 0 0,-1 0 0,1-1 0,-1 1 0,0 0 0,1 0 0,-1 0 0,1 0 0,-1 0 0,0 0 0,1 1 0,-1-1 0,0 0 0,-28-3 0,-717 3 0,345 2 0,354 1 0,45-3 0,0 0 0,1 0 0,-1 0 0,0 0 0,0 1 0,1-1 0,-1 1 0,1-1 0,-1 1 0,0-1 0,1 1 0,-1 0 0,1 0 0,0 0 0,-1 0 0,1 0 0,0 0 0,-1 0 0,1 0 0,0 1 0,0-1 0,0 0 0,0 1 0,-1 2 0,2-3 0,0 0 0,1 0 0,-1 0 0,1 1 0,-1-1 0,1 0 0,0 0 0,-1 0 0,1 0 0,0 0 0,0 0 0,0 0 0,-1 0 0,1-1 0,0 1 0,0 0 0,1 0 0,-1-1 0,0 1 0,0-1 0,0 1 0,0-1 0,0 1 0,1-1 0,-1 0 0,0 1 0,0-1 0,1 0 0,-1 0 0,2 0 0,44 5 0,-44-5 0,10 1 0,21 1 0,-1 1 0,37 8 0,-30-5 0,0-1 0,0-2 0,54-3 0,-50-1 0,-1 2 0,69 10 0,-76-5 0,57 0 0,-62-5 0,0 1 0,53 10 0,-49-6 0,1-2 0,0-1 0,71-4 0,-51 0 0,-1080 1 0,1017 0 0,4-1 0,-1 1 0,1 0 0,0 0 0,-1 0 0,1 0 0,-1 1 0,1-1 0,0 1 0,0 0 0,-1 0 0,1 0 0,0 1 0,-5 2 0,7-4 0,1 1 0,0-1 0,0 0 0,0 1 0,0-1 0,0 0 0,0 1 0,0-1 0,0 0 0,0 1 0,0-1 0,1 0 0,-1 1 0,0-1 0,0 0 0,0 0 0,0 1 0,0-1 0,1 0 0,-1 1 0,0-1 0,0 0 0,0 0 0,1 1 0,-1-1 0,0 0 0,0 0 0,1 0 0,-1 1 0,0-1 0,0 0 0,1 0 0,-1 0 0,0 0 0,1 0 0,-1 0 0,0 1 0,1-1 0,-1 0 0,0 0 0,1 0 0,-1 0 0,0 0 0,1 0 0,-1 0 0,0 0 0,1-1 0,18 5 0,65 2 0,127-6 0,-76-3 0,-34 5 0,114-5 0,-213 3 0,0 0 0,-1 0 0,1 0 0,-1 0 0,1 0 0,-1-1 0,1 1 0,-1-1 0,1 1 0,-1-1 0,1 1 0,-1-1 0,0 0 0,1 0 0,-1 0 0,0 1 0,1-1 0,0-2 0,-2 2 0,-1 1 0,1-1 0,-1 0 0,1 0 0,-1 1 0,1-1 0,-1 0 0,1 1 0,-1-1 0,1 0 0,-1 1 0,0-1 0,0 1 0,1-1 0,-1 1 0,0 0 0,0-1 0,1 1 0,-1 0 0,0-1 0,0 1 0,0 0 0,0 0 0,0 0 0,1 0 0,-1 0 0,0 0 0,0 0 0,0 0 0,0 0 0,-1 0 0,-83-6 0,-126 7 0,77 2 0,102-2 0,-56 11 0,56-6 0,-54 2 0,55-9 0,1 2 0,0 2 0,-49 9 0,49-7 0,-1-1 0,0-1 0,-58-3 0,81-1 0,551 2 0,-248-2 0,-285 1 0,1-1 0,0 0 0,-1-1 0,1 0 0,-1 0 0,0-1 0,18-7 0,-28 10 0,0-1 0,0 1 0,0 0 0,0 0 0,0-1 0,1 1 0,-1 0 0,0 0 0,0-1 0,0 1 0,0 0 0,0 0 0,0-1 0,0 1 0,0 0 0,0 0 0,0-1 0,0 1 0,0 0 0,0 0 0,0-1 0,0 1 0,0 0 0,-1 0 0,1-1 0,0 1 0,0 0 0,0 0 0,0-1 0,0 1 0,-1 0 0,1 0 0,0 0 0,0-1 0,0 1 0,-1 0 0,1 0 0,0 0 0,0 0 0,0 0 0,-1-1 0,1 1 0,0 0 0,0 0 0,-1 0 0,1 0 0,0 0 0,0 0 0,-1 0 0,1 0 0,0 0 0,-1 0 0,-15-7 0,-15 0 0,0 1 0,-1 2 0,0 1 0,1 1 0,-1 2 0,-38 4 0,-18-1 0,-336-3 0,1037 0 0,-607 0 0,-3 0 0,1 1 0,-1-1 0,0 0 0,0-1 0,1 1 0,-1 0 0,0-1 0,0 0 0,1 1 0,-1-1 0,0-1 0,0 1 0,0 0 0,3-3 0,-5 4 0,-1-1 0,0 1 0,0 0 0,0-1 0,0 1 0,0 0 0,0-1 0,0 1 0,0 0 0,0-1 0,0 1 0,0 0 0,-1 0 0,1-1 0,0 1 0,0 0 0,0-1 0,0 1 0,0 0 0,-1-1 0,1 1 0,0 0 0,0 0 0,0-1 0,-1 1 0,1 0 0,0 0 0,0 0 0,-1-1 0,1 1 0,0 0 0,-1 0 0,1 0 0,0 0 0,0-1 0,-1 1 0,1 0 0,0 0 0,-1 0 0,1 0 0,0 0 0,-1 0 0,1 0 0,0 0 0,-1 0 0,1 0 0,-1 0 0,-18-4 0,-57-1 0,-125 5 0,75 3 0,85-4 0,26 0 0,-1 0 0,1 1 0,0 1 0,-1 0 0,1 1 0,-25 7 0,39-9-2,1 0-1,-1 0 1,1 1-1,0-1 1,-1 0-1,1 0 1,-1 0-1,1 0 1,0 0-1,-1 0 1,1 1-1,0-1 1,-1 0-1,1 0 1,-1 1-1,1-1 1,0 0-1,0 0 1,-1 1-1,1-1 1,0 0-1,0 1 1,-1-1-1,1 0 1,0 1-1,0-1 1,0 1-1,-1-1 1,1 0-1,0 1 1,0-1-1,0 1 1,0-1-1,0 1 1,12 9 198,29 3-1349,-40-12 832,19 3-6505</inkml:trace>
+</inkml:ink>
+</file>
+
 <file path=ppt/ink/ink16.xml><?xml version="1.0" encoding="utf-8"?>
 <inkml:ink xmlns:inkml="http://www.w3.org/2003/InkML">
   <inkml:definitions>
@@ -1637,6 +2029,34 @@
     </inkml:brush>
   </inkml:definitions>
   <inkml:trace contextRef="#ctx0" brushRef="#br0">169 0 24575,'-1'8'0,"0"-1"0,0 0 0,-1 1 0,0-1 0,0 0 0,-1 0 0,0 0 0,0-1 0,-1 1 0,1-1 0,-2 0 0,1 0 0,-10 10 0,5-6 0,0 0 0,-1-1 0,0-1 0,0 1 0,-1-2 0,-23 13 0,33-19 0,0 0 0,0-1 0,0 1 0,0 0 0,-1-1 0,1 0 0,0 1 0,0-1 0,-1 0 0,1 1 0,0-1 0,-1 0 0,1 0 0,0 0 0,-1 0 0,1 0 0,0 0 0,-1-1 0,1 1 0,-2-1 0,4 1 0,0 0 0,0-1 0,0 1 0,0 0 0,0 0 0,0 0 0,0 0 0,0 0 0,0 0 0,0 0 0,0 0 0,0 1 0,0-1 0,-1 0 0,1 0 0,0 1 0,0-1 0,0 1 0,0-1 0,0 1 0,0-1 0,-1 1 0,1-1 0,0 1 0,0 1 0,14 7 0,0 2 0,-1 0 0,-1 1 0,0 0 0,22 28 0,-18-21 0,0 0 0,23 17 0,-34-31 0,0 0 0,0-1 0,1 0 0,0 0 0,0-1 0,0 1 0,1-2 0,-1 1 0,0-1 0,1 0 0,8 1 0,2-3-1365,-4-3-5461</inkml:trace>
+</inkml:ink>
+</file>
+
+<file path=ppt/ink/ink160.xml><?xml version="1.0" encoding="utf-8"?>
+<inkml:ink xmlns:inkml="http://www.w3.org/2003/InkML">
+  <inkml:definitions>
+    <inkml:context xml:id="ctx0">
+      <inkml:inkSource xml:id="inkSrc0">
+        <inkml:traceFormat>
+          <inkml:channel name="X" type="integer" min="-2.14748E9" max="2.14748E9" units="cm"/>
+          <inkml:channel name="Y" type="integer" min="-2.14748E9" max="2.14748E9" units="cm"/>
+          <inkml:channel name="F" type="integer" max="32767" units="dev"/>
+        </inkml:traceFormat>
+        <inkml:channelProperties>
+          <inkml:channelProperty channel="X" name="resolution" value="1000" units="1/cm"/>
+          <inkml:channelProperty channel="Y" name="resolution" value="1000" units="1/cm"/>
+          <inkml:channelProperty channel="F" name="resolution" value="0" units="1/dev"/>
+        </inkml:channelProperties>
+      </inkml:inkSource>
+      <inkml:timestamp xml:id="ts0" timeString="2025-05-02T20:39:06.942"/>
+    </inkml:context>
+    <inkml:brush xml:id="br0">
+      <inkml:brushProperty name="width" value="0.035" units="cm"/>
+      <inkml:brushProperty name="height" value="0.035" units="cm"/>
+      <inkml:brushProperty name="color" value="#E71224"/>
+    </inkml:brush>
+  </inkml:definitions>
+  <inkml:trace contextRef="#ctx0" brushRef="#br0">0 1 24575,'1'42'0,"1"1"0,11 57 0,-4-33 0,-4 2 0,-6 122 0,-2-66 0,3 298 0,1-411-16,1 0 0,-1-1 0,2 1-1,0 0 1,0-1 0,1 0 0,8 18 0,2 3-1220,-8-15-5590</inkml:trace>
 </inkml:ink>
 </file>
 
@@ -2440,34 +2860,6 @@
           <inkml:channelProperty channel="F" name="resolution" value="0" units="1/dev"/>
         </inkml:channelProperties>
       </inkml:inkSource>
-      <inkml:timestamp xml:id="ts0" timeString="2025-05-02T20:31:53.883"/>
-    </inkml:context>
-    <inkml:brush xml:id="br0">
-      <inkml:brushProperty name="width" value="0.035" units="cm"/>
-      <inkml:brushProperty name="height" value="0.035" units="cm"/>
-      <inkml:brushProperty name="color" value="#E71224"/>
-    </inkml:brush>
-  </inkml:definitions>
-  <inkml:trace contextRef="#ctx0" brushRef="#br0">1 0 24575,'19'1'0,"1"0"0,0 1 0,0 1 0,-1 1 0,1 1 0,-1 1 0,0 0 0,-1 1 0,0 1 0,28 17 0,89 52 0,139 85 0,-140-77 0,155 109 0,-88-27 0,-176-146 0,76 60 0,-3 5 0,94 108 0,-70-43 0,115 124 0,-190-225 0,43 61 0,29 32 0,112 103 0,-207-220 0,32 46 0,-3-5 0,-15-17 0,-3 1 0,46 86 0,-11 14 0,-49-101 0,2-1 0,36 55 0,-35-67 0,-2-3 0,28 34 0,-49-68 0,-1 1 0,0 0 0,1-1 0,-1 1 0,1 0 0,-1-1 0,1 1 0,-1-1 0,1 1 0,-1-1 0,1 1 0,-1-1 0,1 1 0,0-1 0,-1 1 0,1-1 0,0 0 0,-1 1 0,1-1 0,0 0 0,0 0 0,-1 0 0,1 0 0,0 1 0,-1-1 0,3 0 0,-1-18 0,-13-36 0,10 50 0,-44-135 0,11 39 0,7 10 0,-4 2 0,-4 0 0,-47-81 0,55 110 0,23 58 0,2 9 0,1 12 0,7 9 0,1 0 0,1-1 0,2 0 0,1 0 0,27 50 0,-3-4 0,-6-11 0,-2 1 0,-4 2 0,21 90 0,-33-118 0,-9-31 0,0-1 0,0 1 0,0-1 0,-1 1 0,0 0 0,0 0 0,-1 12 0,0-19 0,0 1 0,0-1 0,0 0 0,0 1 0,0-1 0,0 0 0,0 1 0,-1-1 0,1 1 0,0-1 0,0 0 0,0 1 0,0-1 0,-1 0 0,1 0 0,0 1 0,0-1 0,-1 0 0,1 1 0,0-1 0,-1 0 0,1 0 0,0 0 0,0 1 0,-1-1 0,1 0 0,-1 0 0,1 0 0,0 0 0,-1 1 0,1-1 0,0 0 0,-1 0 0,1 0 0,-1 0 0,1 0 0,0 0 0,-1 0 0,1 0 0,0 0 0,-1-1 0,-22-9 0,-15-22 0,-178-149 0,101 98 0,14 12 0,98 68-151,1 1-1,-1 0 0,-1 0 0,1 0 1,0 0-1,0 0 0,-1 1 1,-6-2-1,-3 2-6674</inkml:trace>
-</inkml:ink>
-</file>
-
-<file path=ppt/ink/ink43.xml><?xml version="1.0" encoding="utf-8"?>
-<inkml:ink xmlns:inkml="http://www.w3.org/2003/InkML">
-  <inkml:definitions>
-    <inkml:context xml:id="ctx0">
-      <inkml:inkSource xml:id="inkSrc0">
-        <inkml:traceFormat>
-          <inkml:channel name="X" type="integer" min="-2.14748E9" max="2.14748E9" units="cm"/>
-          <inkml:channel name="Y" type="integer" min="-2.14748E9" max="2.14748E9" units="cm"/>
-          <inkml:channel name="F" type="integer" max="32767" units="dev"/>
-        </inkml:traceFormat>
-        <inkml:channelProperties>
-          <inkml:channelProperty channel="X" name="resolution" value="1000" units="1/cm"/>
-          <inkml:channelProperty channel="Y" name="resolution" value="1000" units="1/cm"/>
-          <inkml:channelProperty channel="F" name="resolution" value="0" units="1/dev"/>
-        </inkml:channelProperties>
-      </inkml:inkSource>
       <inkml:timestamp xml:id="ts0" timeString="2025-05-02T20:32:46.282"/>
     </inkml:context>
     <inkml:brush xml:id="br0">
@@ -2480,7 +2872,7 @@
 </inkml:ink>
 </file>
 
-<file path=ppt/ink/ink44.xml><?xml version="1.0" encoding="utf-8"?>
+<file path=ppt/ink/ink43.xml><?xml version="1.0" encoding="utf-8"?>
 <inkml:ink xmlns:inkml="http://www.w3.org/2003/InkML">
   <inkml:definitions>
     <inkml:context xml:id="ctx0">
@@ -2508,7 +2900,7 @@
 </inkml:ink>
 </file>
 
-<file path=ppt/ink/ink45.xml><?xml version="1.0" encoding="utf-8"?>
+<file path=ppt/ink/ink44.xml><?xml version="1.0" encoding="utf-8"?>
 <inkml:ink xmlns:inkml="http://www.w3.org/2003/InkML">
   <inkml:definitions>
     <inkml:context xml:id="ctx0">
@@ -2536,7 +2928,7 @@
 </inkml:ink>
 </file>
 
-<file path=ppt/ink/ink46.xml><?xml version="1.0" encoding="utf-8"?>
+<file path=ppt/ink/ink45.xml><?xml version="1.0" encoding="utf-8"?>
 <inkml:ink xmlns:inkml="http://www.w3.org/2003/InkML">
   <inkml:definitions>
     <inkml:context xml:id="ctx0">
@@ -2564,7 +2956,7 @@
 </inkml:ink>
 </file>
 
-<file path=ppt/ink/ink47.xml><?xml version="1.0" encoding="utf-8"?>
+<file path=ppt/ink/ink46.xml><?xml version="1.0" encoding="utf-8"?>
 <inkml:ink xmlns:inkml="http://www.w3.org/2003/InkML">
   <inkml:definitions>
     <inkml:context xml:id="ctx0">
@@ -2592,7 +2984,7 @@
 </inkml:ink>
 </file>
 
-<file path=ppt/ink/ink48.xml><?xml version="1.0" encoding="utf-8"?>
+<file path=ppt/ink/ink47.xml><?xml version="1.0" encoding="utf-8"?>
 <inkml:ink xmlns:inkml="http://www.w3.org/2003/InkML">
   <inkml:definitions>
     <inkml:context xml:id="ctx0">
@@ -2620,7 +3012,7 @@
 </inkml:ink>
 </file>
 
-<file path=ppt/ink/ink49.xml><?xml version="1.0" encoding="utf-8"?>
+<file path=ppt/ink/ink48.xml><?xml version="1.0" encoding="utf-8"?>
 <inkml:ink xmlns:inkml="http://www.w3.org/2003/InkML">
   <inkml:definitions>
     <inkml:context xml:id="ctx0">
@@ -2645,6 +3037,34 @@
     </inkml:brush>
   </inkml:definitions>
   <inkml:trace contextRef="#ctx0" brushRef="#br0">0 1 24575,'6'0'0,"7"0"0,8 0 0,5 0 0,5 0 0,2 0 0,2 0 0,0 0 0,1 0 0,-1 0 0,0 0 0,-1 0 0,1 0 0,-1 0 0,-6 0-8191</inkml:trace>
+</inkml:ink>
+</file>
+
+<file path=ppt/ink/ink49.xml><?xml version="1.0" encoding="utf-8"?>
+<inkml:ink xmlns:inkml="http://www.w3.org/2003/InkML">
+  <inkml:definitions>
+    <inkml:context xml:id="ctx0">
+      <inkml:inkSource xml:id="inkSrc0">
+        <inkml:traceFormat>
+          <inkml:channel name="X" type="integer" min="-2.14748E9" max="2.14748E9" units="cm"/>
+          <inkml:channel name="Y" type="integer" min="-2.14748E9" max="2.14748E9" units="cm"/>
+          <inkml:channel name="F" type="integer" max="32767" units="dev"/>
+        </inkml:traceFormat>
+        <inkml:channelProperties>
+          <inkml:channelProperty channel="X" name="resolution" value="1000" units="1/cm"/>
+          <inkml:channelProperty channel="Y" name="resolution" value="1000" units="1/cm"/>
+          <inkml:channelProperty channel="F" name="resolution" value="0" units="1/dev"/>
+        </inkml:channelProperties>
+      </inkml:inkSource>
+      <inkml:timestamp xml:id="ts0" timeString="2025-05-02T20:32:50.732"/>
+    </inkml:context>
+    <inkml:brush xml:id="br0">
+      <inkml:brushProperty name="width" value="0.035" units="cm"/>
+      <inkml:brushProperty name="height" value="0.035" units="cm"/>
+      <inkml:brushProperty name="color" value="#E71224"/>
+    </inkml:brush>
+  </inkml:definitions>
+  <inkml:trace contextRef="#ctx0" brushRef="#br0">74 140 24575,'23'1'0,"-5"-1"0,0 0 0,0-1 0,-1 0 0,18-5 0,-31 6 0,0-1 0,-1 0 0,0 0 0,1 0 0,-1-1 0,0 1 0,1-1 0,-1 0 0,0 0 0,0 0 0,0 0 0,-1 0 0,1-1 0,0 1 0,-1-1 0,0 0 0,1 0 0,-1 0 0,0 0 0,-1 0 0,1 0 0,0-1 0,-1 1 0,0 0 0,1-6 0,-1 7 0,-1 1 0,1-1 0,-1 0 0,0 0 0,0 0 0,0 0 0,0 0 0,0 0 0,-1 0 0,1 0 0,0 1 0,-1-1 0,0 0 0,1 0 0,-1 0 0,0 1 0,0-1 0,0 0 0,0 1 0,0-1 0,0 1 0,-2-2 0,0 0 0,0 1 0,0 0 0,0 0 0,-1 0 0,1 0 0,-1 0 0,1 1 0,-1-1 0,0 1 0,-5-1 0,-2 0 0,1 1 0,-1 0 0,0 0 0,0 1 0,1 0 0,-1 1 0,-13 3 0,18-2 0,0 0 0,0 0 0,0 1 0,1-1 0,-1 2 0,1-1 0,0 0 0,0 1 0,0 0 0,0 0 0,0 1 0,1-1 0,0 1 0,0 0 0,0 0 0,1 0 0,0 1 0,0-1 0,0 1 0,0 0 0,1 0 0,-3 12 0,1 0 0,0 0 0,1 0 0,1 0 0,1 0 0,1 0 0,3 33 0,-2-46 0,0 0 0,0 0 0,0 0 0,0 0 0,1 0 0,0 0 0,0-1 0,1 1 0,-1-1 0,1 1 0,0-1 0,0 0 0,0 0 0,1 0 0,4 4 0,0-2 0,-1-1 0,1 1 0,1-1 0,-1-1 0,1 1 0,-1-1 0,17 4 0,-4-2 0,0-2 0,0 0 0,1-1 0,-1-1 0,1-1 0,33-3 0,-44 0-170,1 0-1,-1 0 0,0-1 1,0 0-1,0-1 0,0 0 1,16-9-1,-9 1-6655</inkml:trace>
 </inkml:ink>
 </file>
 
@@ -2692,34 +3112,6 @@
           <inkml:channelProperty channel="F" name="resolution" value="0" units="1/dev"/>
         </inkml:channelProperties>
       </inkml:inkSource>
-      <inkml:timestamp xml:id="ts0" timeString="2025-05-02T20:32:50.732"/>
-    </inkml:context>
-    <inkml:brush xml:id="br0">
-      <inkml:brushProperty name="width" value="0.035" units="cm"/>
-      <inkml:brushProperty name="height" value="0.035" units="cm"/>
-      <inkml:brushProperty name="color" value="#E71224"/>
-    </inkml:brush>
-  </inkml:definitions>
-  <inkml:trace contextRef="#ctx0" brushRef="#br0">74 140 24575,'23'1'0,"-5"-1"0,0 0 0,0-1 0,-1 0 0,18-5 0,-31 6 0,0-1 0,-1 0 0,0 0 0,1 0 0,-1-1 0,0 1 0,1-1 0,-1 0 0,0 0 0,0 0 0,0 0 0,-1 0 0,1-1 0,0 1 0,-1-1 0,0 0 0,1 0 0,-1 0 0,0 0 0,-1 0 0,1 0 0,0-1 0,-1 1 0,0 0 0,1-6 0,-1 7 0,-1 1 0,1-1 0,-1 0 0,0 0 0,0 0 0,0 0 0,0 0 0,0 0 0,-1 0 0,1 0 0,0 1 0,-1-1 0,0 0 0,1 0 0,-1 0 0,0 1 0,0-1 0,0 0 0,0 1 0,0-1 0,0 1 0,-2-2 0,0 0 0,0 1 0,0 0 0,0 0 0,-1 0 0,1 0 0,-1 0 0,1 1 0,-1-1 0,0 1 0,-5-1 0,-2 0 0,1 1 0,-1 0 0,0 0 0,0 1 0,1 0 0,-1 1 0,-13 3 0,18-2 0,0 0 0,0 0 0,0 1 0,1-1 0,-1 2 0,1-1 0,0 0 0,0 1 0,0 0 0,0 0 0,0 1 0,1-1 0,0 1 0,0 0 0,0 0 0,1 0 0,0 1 0,0-1 0,0 1 0,0 0 0,1 0 0,-3 12 0,1 0 0,0 0 0,1 0 0,1 0 0,1 0 0,1 0 0,3 33 0,-2-46 0,0 0 0,0 0 0,0 0 0,0 0 0,1 0 0,0 0 0,0-1 0,1 1 0,-1-1 0,1 1 0,0-1 0,0 0 0,0 0 0,1 0 0,4 4 0,0-2 0,-1-1 0,1 1 0,1-1 0,-1-1 0,1 1 0,-1-1 0,17 4 0,-4-2 0,0-2 0,0 0 0,1-1 0,-1-1 0,1-1 0,33-3 0,-44 0-170,1 0-1,-1 0 0,0-1 1,0 0-1,0-1 0,0 0 1,16-9-1,-9 1-6655</inkml:trace>
-</inkml:ink>
-</file>
-
-<file path=ppt/ink/ink51.xml><?xml version="1.0" encoding="utf-8"?>
-<inkml:ink xmlns:inkml="http://www.w3.org/2003/InkML">
-  <inkml:definitions>
-    <inkml:context xml:id="ctx0">
-      <inkml:inkSource xml:id="inkSrc0">
-        <inkml:traceFormat>
-          <inkml:channel name="X" type="integer" min="-2.14748E9" max="2.14748E9" units="cm"/>
-          <inkml:channel name="Y" type="integer" min="-2.14748E9" max="2.14748E9" units="cm"/>
-          <inkml:channel name="F" type="integer" max="32767" units="dev"/>
-        </inkml:traceFormat>
-        <inkml:channelProperties>
-          <inkml:channelProperty channel="X" name="resolution" value="1000" units="1/cm"/>
-          <inkml:channelProperty channel="Y" name="resolution" value="1000" units="1/cm"/>
-          <inkml:channelProperty channel="F" name="resolution" value="0" units="1/dev"/>
-        </inkml:channelProperties>
-      </inkml:inkSource>
       <inkml:timestamp xml:id="ts0" timeString="2025-05-02T20:32:51.164"/>
     </inkml:context>
     <inkml:brush xml:id="br0">
@@ -2732,7 +3124,7 @@
 </inkml:ink>
 </file>
 
-<file path=ppt/ink/ink52.xml><?xml version="1.0" encoding="utf-8"?>
+<file path=ppt/ink/ink51.xml><?xml version="1.0" encoding="utf-8"?>
 <inkml:ink xmlns:inkml="http://www.w3.org/2003/InkML">
   <inkml:definitions>
     <inkml:context xml:id="ctx0">
@@ -2760,7 +3152,7 @@
 </inkml:ink>
 </file>
 
-<file path=ppt/ink/ink53.xml><?xml version="1.0" encoding="utf-8"?>
+<file path=ppt/ink/ink52.xml><?xml version="1.0" encoding="utf-8"?>
 <inkml:ink xmlns:inkml="http://www.w3.org/2003/InkML">
   <inkml:definitions>
     <inkml:context xml:id="ctx0">
@@ -2788,7 +3180,7 @@
 </inkml:ink>
 </file>
 
-<file path=ppt/ink/ink54.xml><?xml version="1.0" encoding="utf-8"?>
+<file path=ppt/ink/ink53.xml><?xml version="1.0" encoding="utf-8"?>
 <inkml:ink xmlns:inkml="http://www.w3.org/2003/InkML">
   <inkml:definitions>
     <inkml:context xml:id="ctx0">
@@ -2816,7 +3208,7 @@
 </inkml:ink>
 </file>
 
-<file path=ppt/ink/ink55.xml><?xml version="1.0" encoding="utf-8"?>
+<file path=ppt/ink/ink54.xml><?xml version="1.0" encoding="utf-8"?>
 <inkml:ink xmlns:inkml="http://www.w3.org/2003/InkML">
   <inkml:definitions>
     <inkml:context xml:id="ctx0">
@@ -2844,7 +3236,7 @@
 </inkml:ink>
 </file>
 
-<file path=ppt/ink/ink56.xml><?xml version="1.0" encoding="utf-8"?>
+<file path=ppt/ink/ink55.xml><?xml version="1.0" encoding="utf-8"?>
 <inkml:ink xmlns:inkml="http://www.w3.org/2003/InkML">
   <inkml:definitions>
     <inkml:context xml:id="ctx0">
@@ -2872,7 +3264,7 @@
 </inkml:ink>
 </file>
 
-<file path=ppt/ink/ink57.xml><?xml version="1.0" encoding="utf-8"?>
+<file path=ppt/ink/ink56.xml><?xml version="1.0" encoding="utf-8"?>
 <inkml:ink xmlns:inkml="http://www.w3.org/2003/InkML">
   <inkml:definitions>
     <inkml:context xml:id="ctx0">
@@ -2900,7 +3292,7 @@
 </inkml:ink>
 </file>
 
-<file path=ppt/ink/ink58.xml><?xml version="1.0" encoding="utf-8"?>
+<file path=ppt/ink/ink57.xml><?xml version="1.0" encoding="utf-8"?>
 <inkml:ink xmlns:inkml="http://www.w3.org/2003/InkML">
   <inkml:definitions>
     <inkml:context xml:id="ctx0">
@@ -2928,6 +3320,34 @@
 </inkml:ink>
 </file>
 
+<file path=ppt/ink/ink58.xml><?xml version="1.0" encoding="utf-8"?>
+<inkml:ink xmlns:inkml="http://www.w3.org/2003/InkML">
+  <inkml:definitions>
+    <inkml:context xml:id="ctx0">
+      <inkml:inkSource xml:id="inkSrc0">
+        <inkml:traceFormat>
+          <inkml:channel name="X" type="integer" min="-2.14748E9" max="2.14748E9" units="cm"/>
+          <inkml:channel name="Y" type="integer" min="-2.14748E9" max="2.14748E9" units="cm"/>
+          <inkml:channel name="F" type="integer" max="32767" units="dev"/>
+        </inkml:traceFormat>
+        <inkml:channelProperties>
+          <inkml:channelProperty channel="X" name="resolution" value="1000" units="1/cm"/>
+          <inkml:channelProperty channel="Y" name="resolution" value="1000" units="1/cm"/>
+          <inkml:channelProperty channel="F" name="resolution" value="0" units="1/dev"/>
+        </inkml:channelProperties>
+      </inkml:inkSource>
+      <inkml:timestamp xml:id="ts0" timeString="2025-05-09T19:05:46.222"/>
+    </inkml:context>
+    <inkml:brush xml:id="br0">
+      <inkml:brushProperty name="width" value="0.035" units="cm"/>
+      <inkml:brushProperty name="height" value="0.035" units="cm"/>
+      <inkml:brushProperty name="color" value="#E71224"/>
+    </inkml:brush>
+  </inkml:definitions>
+  <inkml:trace contextRef="#ctx0" brushRef="#br0">497 334 24575,'1'-84'0,"-3"-92"0,2 173 0,0 0 0,-1-1 0,1 1 0,-1 0 0,0 0 0,0 0 0,0 0 0,0 0 0,0 0 0,-1 0 0,1 0 0,-1 1 0,0-1 0,0 0 0,0 1 0,0 0 0,0-1 0,-1 1 0,-4-4 0,2 4 0,1 0 0,-1 0 0,1 0 0,-1 1 0,1 0 0,-1 0 0,0 0 0,1 0 0,-1 1 0,0 0 0,0 0 0,-5 0 0,-4 2 0,0 0 0,0 1 0,0 1 0,0 0 0,0 1 0,1 0 0,0 1 0,-13 8 0,1 3 0,0 2 0,1 0 0,1 2 0,0 0 0,2 2 0,1 1 0,1 0 0,-30 50 0,43-63 0,1 0 0,1 0 0,0 1 0,1 0 0,0-1 0,0 1 0,1 0 0,1 1 0,0-1 0,1 0 0,0 0 0,2 13 0,-1-15 0,1 0 0,0 0 0,0 0 0,1-1 0,0 1 0,1-1 0,0 0 0,0 0 0,1 0 0,0 0 0,1-1 0,-1 0 0,2 0 0,13 13 0,16 6 0,1-2 0,1-1 0,46 21 0,-66-36 0,80 33 0,-64-30 0,43 24 0,97 50 0,-171-84 0,1-1 0,-1 1 0,0-1 0,0 1 0,-1 0 0,1 0 0,0 0 0,-1 1 0,1-1 0,-1 1 0,0-1 0,0 1 0,0 0 0,0 0 0,2 4 0,-3-4 0,0-1 0,-1 1 0,1-1 0,-1 1 0,0-1 0,1 1 0,-1-1 0,0 1 0,-1-1 0,1 1 0,0-1 0,-1 1 0,0-1 0,1 1 0,-1-1 0,-2 4 0,-1 1 0,0-1 0,0 1 0,-1-1 0,0 0 0,0-1 0,0 1 0,-1-1 0,0 0 0,0 0 0,0 0 0,-1-1 0,-7 4 0,-16 6 0,-1-1 0,0-2 0,-1-1 0,0-1 0,0-2 0,-53 5 0,38-14 120,45 2-179,0 0-1,1-1 1,-1 1-1,0-1 1,1 1 0,-1-1-1,0 0 1,1 1-1,-1-1 1,1 0 0,0 0-1,-1 0 1,1 0-1,0-1 1,-1 1 0,1 0-1,0-1 1,0 1-1,0 0 1,0-1 0,0 1-1,0-1 1,1 1-1,-2-4 1,1-8-6767</inkml:trace>
+</inkml:ink>
+</file>
+
 <file path=ppt/ink/ink59.xml><?xml version="1.0" encoding="utf-8"?>
 <inkml:ink xmlns:inkml="http://www.w3.org/2003/InkML">
   <inkml:definitions>
@@ -2944,7 +3364,7 @@
           <inkml:channelProperty channel="F" name="resolution" value="0" units="1/dev"/>
         </inkml:channelProperties>
       </inkml:inkSource>
-      <inkml:timestamp xml:id="ts0" timeString="2025-04-18T16:57:00.134"/>
+      <inkml:timestamp xml:id="ts0" timeString="2025-05-09T19:05:46.701"/>
     </inkml:context>
     <inkml:brush xml:id="br0">
       <inkml:brushProperty name="width" value="0.035" units="cm"/>
@@ -2952,7 +3372,7 @@
       <inkml:brushProperty name="color" value="#E71224"/>
     </inkml:brush>
   </inkml:definitions>
-  <inkml:trace contextRef="#ctx0" brushRef="#br0">1 0 24575,'0'0'-8191</inkml:trace>
+  <inkml:trace contextRef="#ctx0" brushRef="#br0">1 289 24575,'16'-2'0,"-1"0"0,1-2 0,-1 1 0,0-2 0,0 0 0,0-1 0,0 0 0,-1-1 0,18-12 0,-22 13 0,0-1 0,-1-1 0,0 0 0,-1 0 0,1 0 0,-1-1 0,-1-1 0,0 1 0,0-1 0,-1 0 0,0-1 0,-1 1 0,0-1 0,3-12 0,-8 21 0,1 0 0,-1 0 0,0 0 0,0 1 0,0-1 0,0 0 0,0 0 0,-1 0 0,1 0 0,0 0 0,-1 1 0,0-1 0,1 0 0,-1 0 0,0 1 0,0-1 0,0 0 0,0 1 0,0-1 0,-2-1 0,-1-1 0,1 1 0,-1 0 0,0 0 0,0 0 0,0 1 0,0-1 0,-1 1 0,-4-2 0,1 1 0,-1 0 0,1 1 0,-1-1 0,1 2 0,-1-1 0,0 1 0,0 1 0,-16 0 0,21 1 0,0 0 0,0 0 0,0 0 0,1 1 0,-1-1 0,0 1 0,1 0 0,0 0 0,-1 0 0,1 0 0,0 1 0,0-1 0,0 1 0,0 0 0,-3 5 0,1-1 0,0 0 0,1 0 0,0 1 0,1 0 0,-1-1 0,2 1 0,-3 9 0,-1 9 0,2 1 0,1 0 0,0 44 0,3-65 0,0 1 0,0-1 0,1 1 0,0 0 0,0-1 0,1 1 0,-1-1 0,1 0 0,1 0 0,-1 1 0,1-2 0,0 1 0,1 0 0,-1 0 0,1-1 0,0 0 0,8 8 0,-5-8 0,-1 0 0,1 0 0,1-1 0,-1 0 0,1 0 0,-1 0 0,1-1 0,0 0 0,1-1 0,-1 0 0,0 0 0,1-1 0,11 1 0,6 0 30,-1-1 0,0-1 0,27-3 0,-45 2-129,1 0 0,-1-1 0,1 0 0,-1 0 0,0-1 0,0 0 0,0 0 0,-1 0 0,1-1 0,-1 0 0,1 0 0,-1-1 0,0 0 0,8-9 0,-2-2-6727</inkml:trace>
 </inkml:ink>
 </file>
 
@@ -3000,7 +3420,7 @@
           <inkml:channelProperty channel="F" name="resolution" value="0" units="1/dev"/>
         </inkml:channelProperties>
       </inkml:inkSource>
-      <inkml:timestamp xml:id="ts0" timeString="2025-05-02T20:37:36.420"/>
+      <inkml:timestamp xml:id="ts0" timeString="2025-05-09T19:05:47.089"/>
     </inkml:context>
     <inkml:brush xml:id="br0">
       <inkml:brushProperty name="width" value="0.035" units="cm"/>
@@ -3008,7 +3428,7 @@
       <inkml:brushProperty name="color" value="#E71224"/>
     </inkml:brush>
   </inkml:definitions>
-  <inkml:trace contextRef="#ctx0" brushRef="#br0">0 593 24575,'56'-5'0,"0"-1"0,-1-3 0,0-3 0,96-33 0,33-7 0,54-4 0,106-23 0,-53 21 0,-220 37 0,-36 11 0,44-9 0,-6-3 0,-14 4 0,-59 17 0,1 1 0,-1 0 0,1-1 0,-1 1 0,1 0 0,-1 0 0,1 0 0,-1-1 0,1 1 0,-1 0 0,1 0 0,-1 0 0,1 0 0,0 0 0,-1 0 0,1 0 0,-1 0 0,1 0 0,-1 0 0,1 0 0,-1 0 0,1 1 0,-1-1 0,1 0 0,-1 0 0,1 1 0,-1-1 0,1 0 0,-1 0 0,1 1 0,-1-1 0,0 0 0,1 1 0,-1-1 0,0 1 0,1-1 0,-1 1 0,0-1 0,1 1 0,-13 21 0,-29 21 0,29-32 0,-16 15 0,-1-2 0,-1 0 0,-33 18 0,48-34 0,8-4 0,0-1 0,1 1 0,-1 1 0,1-1 0,0 1 0,-8 8 0,14-13 0,0 0 0,0-1 0,0 1 0,0 0 0,0 0 0,0 0 0,0 0 0,0 0 0,0 0 0,1 0 0,-1 0 0,0 0 0,0 0 0,0 0 0,0 0 0,0 0 0,0 0 0,0 0 0,0 0 0,0 0 0,1 0 0,-1 0 0,0 0 0,0 0 0,0 0 0,0 0 0,0 0 0,0 1 0,0-1 0,0 0 0,0 0 0,0 0 0,0 0 0,1 0 0,-1 0 0,0 0 0,0 0 0,0 0 0,0 0 0,0 0 0,0 0 0,0 0 0,0 1 0,0-1 0,0 0 0,0 0 0,0 0 0,0 0 0,0 0 0,0 0 0,0 0 0,0 0 0,0 0 0,0 1 0,0-1 0,0 0 0,0 0 0,0 0 0,0 0 0,0 0 0,0 0 0,0 0 0,0 0 0,0 0 0,0 0 0,0 1 0,14-5 0,15-7 0,22-18 0,71-51 0,-99 62 0,0-1 0,-2-1 0,0 0 0,36-48 0,-55 65 0,1-1 0,0 0 0,-1 0 0,0 0 0,0 0 0,0 0 0,0 0 0,-1 0 0,0-1 0,0 1 0,0-1 0,0 1 0,-1-1 0,1 1 0,-1-1 0,0 1 0,-2-9 0,1 10 0,0-1 0,-1 1 0,1 0 0,-1 0 0,0-1 0,0 2 0,0-1 0,-1 0 0,1 0 0,-1 1 0,1-1 0,-1 1 0,0 0 0,0 0 0,0 0 0,0 0 0,0 0 0,-1 1 0,1-1 0,0 1 0,-1 0 0,-6-1 0,-21-4 0,-1 1 0,0 2 0,0 2 0,0 1 0,-39 4 0,-23 0 0,81-4-116,4 0-134,-1 0 0,1 0 1,-1-1-1,-13-3 0,7-2-6576</inkml:trace>
+  <inkml:trace contextRef="#ctx0" brushRef="#br0">3 63 24575,'-2'105'0,"4"116"0,0-205 0,1 0 0,0 0 0,0 0 0,2-1 0,0 1 0,8 16 0,-13-31 0,1-1 0,-1 1 0,0-1 0,0 1 0,0-1 0,1 1 0,-1 0 0,0-1 0,0 1 0,1-1 0,-1 0 0,1 1 0,-1-1 0,0 1 0,1-1 0,-1 1 0,1-1 0,-1 0 0,1 1 0,-1-1 0,1 0 0,-1 0 0,1 1 0,-1-1 0,1 0 0,-1 0 0,1 0 0,0 0 0,-1 0 0,1 0 0,-1 0 0,1 0 0,0 0 0,8-17 0,-2-31 0,-2 1 0,2 1 0,1 0 0,3 0 0,2 1 0,30-72 0,-40 110-76,0-1 1,1 1-1,0 0 0,0 0 0,1 1 0,0-1 0,0 1 0,1 0 1,-1 0-1,1 1 0,1 0 0,-1 0 0,1 0 0,-1 1 1,1 0-1,1 0 0,8-3 0,10-2-6750</inkml:trace>
 </inkml:ink>
 </file>
 
@@ -3028,7 +3448,7 @@
           <inkml:channelProperty channel="F" name="resolution" value="0" units="1/dev"/>
         </inkml:channelProperties>
       </inkml:inkSource>
-      <inkml:timestamp xml:id="ts0" timeString="2025-05-02T20:37:37.922"/>
+      <inkml:timestamp xml:id="ts0" timeString="2025-05-09T19:05:47.491"/>
     </inkml:context>
     <inkml:brush xml:id="br0">
       <inkml:brushProperty name="width" value="0.035" units="cm"/>
@@ -3036,7 +3456,7 @@
       <inkml:brushProperty name="color" value="#E71224"/>
     </inkml:brush>
   </inkml:definitions>
-  <inkml:trace contextRef="#ctx0" brushRef="#br0">0 30 24575,'2'16'0,"1"0"0,1-1 0,0 1 0,0 0 0,2-1 0,11 24 0,-4-9 0,5 12 0,-3 0 0,-1 0 0,-2 1 0,7 52 0,-17-66 0,-1-17 0,-2-29 0,0-4 0,-2 0 0,-7-29 0,5 28 0,1-1 0,-1-27 0,4 25 0,0 1 0,0-1 0,7-46 0,-5 65 0,0-1 0,1 0 0,0 0 0,0 0 0,1 1 0,0-1 0,0 1 0,0 0 0,1 0 0,0 0 0,0 1 0,1-1 0,-1 1 0,10-8 0,-6 7 0,-1 0 0,2 1 0,-1 0 0,0 1 0,1 0 0,0 0 0,0 1 0,0 0 0,0 1 0,1-1 0,-1 2 0,20-2 0,-25 3 0,0 0 0,0 0 0,0 1 0,0-1 0,0 1 0,0 0 0,1 0 0,-2 0 0,1 1 0,0-1 0,0 1 0,0 0 0,-1 0 0,1 0 0,-1 1 0,0-1 0,1 1 0,-1 0 0,0 0 0,-1 0 0,1 0 0,0 0 0,-1 0 0,0 1 0,0 0 0,0-1 0,0 1 0,0 0 0,-1 0 0,0 0 0,2 6 0,0 10 23,-2-1 0,0 0-1,0 0 1,-5 34 0,2-35-270,1-1 1,0 1-1,2 0 1,0-1-1,5 30 1,0-31-6580</inkml:trace>
+  <inkml:trace contextRef="#ctx0" brushRef="#br0">0 80 24575,'2'14'0,"0"0"0,0-1 0,2 1 0,-1 0 0,2-1 0,8 18 0,9 30 0,-19-49 0,18 58 0,-19-66 0,-1 1 0,1-1 0,1 1 0,-1-1 0,1 0 0,-1 0 0,1 0 0,0 0 0,1-1 0,-1 1 0,7 4 0,-9-7 0,1 0 0,-1-1 0,0 1 0,1-1 0,0 1 0,-1-1 0,1 0 0,-1 0 0,1 0 0,-1 0 0,1 0 0,0 0 0,-1 0 0,1 0 0,-1 0 0,1-1 0,0 1 0,-1-1 0,1 1 0,-1-1 0,0 0 0,1 1 0,-1-1 0,1 0 0,-1 0 0,0 0 0,0 0 0,1 0 0,-1 0 0,0 0 0,0-1 0,0 1 0,0 0 0,-1-1 0,1 1 0,0 0 0,0-3 0,3-3 0,0 0 0,0 0 0,-1-1 0,0 0 0,4-15 0,-4-1 0,1 0 0,2 1 0,0 0 0,2 0 0,0 0 0,1 1 0,25-40 0,14-5-1365,-32 49-5461</inkml:trace>
 </inkml:ink>
 </file>
 
@@ -3056,7 +3476,7 @@
           <inkml:channelProperty channel="F" name="resolution" value="0" units="1/dev"/>
         </inkml:channelProperties>
       </inkml:inkSource>
-      <inkml:timestamp xml:id="ts0" timeString="2025-05-02T20:37:38.422"/>
+      <inkml:timestamp xml:id="ts0" timeString="2025-05-09T19:05:48.314"/>
     </inkml:context>
     <inkml:brush xml:id="br0">
       <inkml:brushProperty name="width" value="0.035" units="cm"/>
@@ -3064,7 +3484,7 @@
       <inkml:brushProperty name="color" value="#E71224"/>
     </inkml:brush>
   </inkml:definitions>
-  <inkml:trace contextRef="#ctx0" brushRef="#br0">6 239 24575,'1'-2'0,"-1"0"0,1 0 0,-1 0 0,1 0 0,0 0 0,0 0 0,0 0 0,0 0 0,0 0 0,0 1 0,0-1 0,1 0 0,-1 1 0,1-1 0,-1 1 0,1 0 0,1-2 0,37-24 0,-18 13 0,14-11 0,-30 22 0,0 0 0,0-1 0,0 0 0,0 0 0,-1 0 0,0-1 0,0 1 0,0-1 0,-1 0 0,1-1 0,-1 1 0,0-1 0,-1 0 0,1 0 0,-1 0 0,-1 0 0,3-7 0,-4 12 0,-1-1 0,0 1 0,1 0 0,-1-1 0,0 1 0,0 0 0,0-1 0,0 1 0,0-1 0,0 1 0,-1 0 0,1-1 0,0 1 0,-1 0 0,1-1 0,-1 1 0,1 0 0,-1 0 0,0-1 0,1 1 0,-1 0 0,0 0 0,0 0 0,0 0 0,-1-2 0,-1 2 0,1 0 0,-1-1 0,1 1 0,-1 0 0,1 0 0,-1 0 0,0 1 0,1-1 0,-1 1 0,0-1 0,0 1 0,-3 0 0,-1 0 0,-1 1 0,1-1 0,-1 2 0,1-1 0,0 1 0,-1 0 0,1 0 0,-13 7 0,13-5 0,1 1 0,0-1 0,1 2 0,-1-1 0,1 0 0,0 1 0,0 0 0,1 0 0,-1 1 0,2-1 0,-1 1 0,1 0 0,0 0 0,0 0 0,-3 12 0,4-7 0,0-1 0,0 1 0,1 0 0,1 0 0,0 0 0,1 0 0,0-1 0,1 1 0,4 17 0,-3-21 0,0 0 0,0 0 0,1-1 0,0 1 0,1-1 0,0 0 0,0 0 0,0 0 0,1-1 0,0 0 0,0 0 0,1 0 0,-1-1 0,1 0 0,1 0 0,-1-1 0,1 0 0,-1 0 0,1 0 0,0-1 0,0-1 0,1 1 0,15 1 0,-13-1 0,1-1 0,-1-1 0,1 0 0,-1-1 0,1 0 0,-1-1 0,1 0 0,-1-1 0,1 0 0,-1-1 0,0 0 0,0 0 0,0-2 0,-1 1 0,1-1 0,-1-1 0,12-8 0,-7 2-1365,-1 1-5461</inkml:trace>
+  <inkml:trace contextRef="#ctx0" brushRef="#br0">1 365 24575,'0'-1'0,"1"-1"0,-1 1 0,1 0 0,-1 0 0,1-1 0,0 1 0,-1 0 0,1 0 0,0 0 0,0 0 0,0 0 0,0 0 0,0 0 0,0 0 0,0 0 0,0 1 0,0-1 0,1 0 0,-1 1 0,2-2 0,37-14 0,-19 8 0,2-3 0,-1-1 0,0-1 0,27-22 0,-43 31 0,-1-1 0,1 0 0,-1-1 0,0 1 0,-1-1 0,1 0 0,-1 0 0,0-1 0,-1 1 0,1-1 0,-1 0 0,-1 0 0,1 0 0,-1 0 0,-1 0 0,2-9 0,-2 9 0,0 0 0,-1 1 0,0-1 0,0 0 0,0 0 0,-1 0 0,0 0 0,-1 0 0,1 0 0,-1 0 0,-5-11 0,5 15 0,0 0 0,-1 0 0,1 0 0,-1 1 0,1-1 0,-1 1 0,0 0 0,0-1 0,0 1 0,0 0 0,0 1 0,0-1 0,0 0 0,-1 1 0,1 0 0,-1 0 0,1 0 0,-1 0 0,1 0 0,-1 1 0,0 0 0,1 0 0,-1 0 0,-4 0 0,2 1 0,1-1 0,-1 1 0,1 0 0,0 0 0,-1 0 0,1 1 0,0 0 0,0 0 0,0 0 0,0 1 0,0-1 0,1 1 0,-1 1 0,1-1 0,0 0 0,0 1 0,0 0 0,0 0 0,1 0 0,-1 0 0,1 1 0,0-1 0,1 1 0,-1 0 0,-2 7 0,-4 11 0,1 1 0,2 0 0,0 0 0,-3 33 0,4-26 0,3-21 0,0 0 0,1-1 0,1 1 0,-1 0 0,2 0 0,-1-1 0,1 1 0,1 0 0,4 15 0,-4-20 0,0 0 0,0-1 0,1 1 0,-1-1 0,1 0 0,0 1 0,1-1 0,-1-1 0,1 1 0,-1 0 0,1-1 0,0 0 0,0 0 0,1 0 0,-1 0 0,1-1 0,-1 0 0,1 0 0,0 0 0,5 1 0,12 2 0,-1-1 0,1 0 0,0-2 0,0-1 0,0 0 0,0-2 0,23-3 0,-40 3-59,0 0 0,-1-1-1,1 1 1,0-1-1,-1 0 1,1 0 0,-1 0-1,1 0 1,-1-1 0,0 0-1,0 0 1,0 0 0,-1 0-1,1-1 1,-1 0-1,0 1 1,0-1 0,0 0-1,0 0 1,-1-1 0,1 1-1,2-9 1,2-9-6767</inkml:trace>
 </inkml:ink>
 </file>
 
@@ -3084,7 +3504,7 @@
           <inkml:channelProperty channel="F" name="resolution" value="0" units="1/dev"/>
         </inkml:channelProperties>
       </inkml:inkSource>
-      <inkml:timestamp xml:id="ts0" timeString="2025-05-02T20:37:38.700"/>
+      <inkml:timestamp xml:id="ts0" timeString="2025-05-09T19:05:48.748"/>
     </inkml:context>
     <inkml:brush xml:id="br0">
       <inkml:brushProperty name="width" value="0.035" units="cm"/>
@@ -3092,7 +3512,7 @@
       <inkml:brushProperty name="color" value="#E71224"/>
     </inkml:brush>
   </inkml:definitions>
-  <inkml:trace contextRef="#ctx0" brushRef="#br0">165 1 24575,'-1'30'0,"-2"1"0,-1-1 0,-1 1 0,-2-1 0,-13 37 0,3-19 0,-3 0 0,-35 61 0,33-78-1365,11-20-5461</inkml:trace>
+  <inkml:trace contextRef="#ctx0" brushRef="#br0">37 0 24575,'-1'11'0,"0"0"0,-1-1 0,0 1 0,-6 18 0,-7 29 0,10 12 0,2-1 0,9 88 0,-4-132 0,2 0 0,1 0 0,1 0 0,1 0 0,13 31 0,-13-45 0,-1-11 0,0-25 0,-3-37 0,-3 62 0,0-18 0,0-25 0,1-1 0,11-68 0,-9 97 0,1 0 0,0 0 0,2 0 0,-1 1 0,2 0 0,0 0 0,0 1 0,2 0 0,-1 0 0,2 1 0,10-12 0,-19 23-7,13-15 49,1 1 1,32-24 0,-45 37-100,1 0 0,0 0-1,0 0 1,0 0 0,0 0 0,0 0 0,0 1 0,1-1 0,-1 1-1,0 0 1,1 0 0,-1 0 0,1 1 0,-1-1 0,1 1 0,0 0-1,-1 0 1,1 0 0,-1 0 0,1 1 0,-1-1 0,1 1-1,-1 0 1,1 0 0,4 2 0,5 9-6769</inkml:trace>
 </inkml:ink>
 </file>
 
@@ -3112,7 +3532,7 @@
           <inkml:channelProperty channel="F" name="resolution" value="0" units="1/dev"/>
         </inkml:channelProperties>
       </inkml:inkSource>
-      <inkml:timestamp xml:id="ts0" timeString="2025-05-02T20:37:38.992"/>
+      <inkml:timestamp xml:id="ts0" timeString="2025-05-09T19:05:49.677"/>
     </inkml:context>
     <inkml:brush xml:id="br0">
       <inkml:brushProperty name="width" value="0.035" units="cm"/>
@@ -3120,7 +3540,7 @@
       <inkml:brushProperty name="color" value="#E71224"/>
     </inkml:brush>
   </inkml:definitions>
-  <inkml:trace contextRef="#ctx0" brushRef="#br0">0 1 24575,'5'0'0,"0"0"0,0 1 0,0 0 0,0 0 0,0 1 0,-1-1 0,1 1 0,0 0 0,-1 0 0,1 0 0,-1 1 0,0 0 0,0 0 0,0 0 0,0 0 0,-1 0 0,7 8 0,3 6 0,0 1 0,20 37 0,4 4 0,-37-59 0,14 21 0,2-2 0,0 1 0,2-2 0,0 0 0,23 17 0,-31-28-273,0 0 0,1-1 0,-1 0 0,16 6 0,-5-5-6553</inkml:trace>
+  <inkml:trace contextRef="#ctx0" brushRef="#br0">35 0 24575,'-2'48'0,"-13"70"0,8-69 0,-2 64 0,8-50 0,3 1 0,17 102 0,-14-139 0,0 0 0,2 0 0,1-1 0,1 0 0,1 0 0,1-1 0,25 39 0,-34-60 0,1 0 0,0-1 0,0 1 0,0-1 0,0 0 0,1 0 0,0 0 0,-1 0 0,1-1 0,0 1 0,0-1 0,0 0 0,1-1 0,-1 1 0,0 0 0,1-1 0,-1 0 0,1 0 0,-1-1 0,1 1 0,-1-1 0,1 0 0,0 0 0,-1-1 0,1 1 0,-1-1 0,8-2 0,-4 1 0,-1-1 0,0 0 0,1 0 0,-1-1 0,0 0 0,0 0 0,-1 0 0,0-1 0,1 0 0,-1-1 0,-1 1 0,1-1 0,-1 0 0,0 0 0,4-8 0,6-14 0,-1 0 0,-2-1 0,-1-1 0,-1 0 0,-1 0 0,-2-1 0,5-42 0,0-6 0,-4 30 0,4-84 0,-13 96 0,2 0 0,2 1 0,12-63 0,-12 89 0,4-19 0,-4 30 0,-1 18 0,-4 505 0,3-500 0,1-1 0,0 0 0,2 0 0,8 27 0,-9-39 0,0 0 0,1 0 0,1 0 0,-1-1 0,2 0 0,-1 0 0,2 0 0,-1 0 0,1-1 0,12 12 0,1-7-1365,0-5-5461</inkml:trace>
 </inkml:ink>
 </file>
 
@@ -3140,7 +3560,7 @@
           <inkml:channelProperty channel="F" name="resolution" value="0" units="1/dev"/>
         </inkml:channelProperties>
       </inkml:inkSource>
-      <inkml:timestamp xml:id="ts0" timeString="2025-05-02T20:37:39.364"/>
+      <inkml:timestamp xml:id="ts0" timeString="2025-05-09T19:05:50.035"/>
     </inkml:context>
     <inkml:brush xml:id="br0">
       <inkml:brushProperty name="width" value="0.035" units="cm"/>
@@ -3148,7 +3568,7 @@
       <inkml:brushProperty name="color" value="#E71224"/>
     </inkml:brush>
   </inkml:definitions>
-  <inkml:trace contextRef="#ctx0" brushRef="#br0">0 1 24575,'3'26'0,"0"1"0,2 0 0,0-1 0,2 0 0,15 36 0,4 19 0,-3 4 0,18 136 0,-26-158-1365,-10-45-5461</inkml:trace>
+  <inkml:trace contextRef="#ctx0" brushRef="#br0">0 0 24575,'0'718'-1365,"0"-690"-5461</inkml:trace>
 </inkml:ink>
 </file>
 
@@ -3168,7 +3588,7 @@
           <inkml:channelProperty channel="F" name="resolution" value="0" units="1/dev"/>
         </inkml:channelProperties>
       </inkml:inkSource>
-      <inkml:timestamp xml:id="ts0" timeString="2025-05-02T20:37:39.675"/>
+      <inkml:timestamp xml:id="ts0" timeString="2025-05-09T19:05:50.299"/>
     </inkml:context>
     <inkml:brush xml:id="br0">
       <inkml:brushProperty name="width" value="0.035" units="cm"/>
@@ -3176,7 +3596,7 @@
       <inkml:brushProperty name="color" value="#E71224"/>
     </inkml:brush>
   </inkml:definitions>
-  <inkml:trace contextRef="#ctx0" brushRef="#br0">0 81 24575,'1'-1'0,"-1"-1"0,0 1 0,1 0 0,-1 0 0,1 0 0,-1 0 0,1 0 0,-1 1 0,1-1 0,0 0 0,-1 0 0,1 0 0,0 0 0,0 1 0,0-1 0,0 0 0,-1 1 0,1-1 0,0 1 0,0-1 0,0 1 0,0-1 0,0 1 0,1 0 0,-1-1 0,0 1 0,2 0 0,37-6 0,-28 4 0,40-7 0,-22 3 0,1 1 0,45-2 0,-60 6 33,0 0-1,-1-2 0,19-4 0,21-4-1526,-35 9-5332</inkml:trace>
+  <inkml:trace contextRef="#ctx0" brushRef="#br0">1 20 24575,'5'0'0,"8"0"0,7 0 0,5 0 0,5 0 0,2 0 0,1 0 0,1 0 0,-5-6 0,-14-1 0,-9 0-8191</inkml:trace>
 </inkml:ink>
 </file>
 
@@ -3196,7 +3616,7 @@
           <inkml:channelProperty channel="F" name="resolution" value="0" units="1/dev"/>
         </inkml:channelProperties>
       </inkml:inkSource>
-      <inkml:timestamp xml:id="ts0" timeString="2025-05-02T20:37:41.035"/>
+      <inkml:timestamp xml:id="ts0" timeString="2025-05-09T19:05:50.592"/>
     </inkml:context>
     <inkml:brush xml:id="br0">
       <inkml:brushProperty name="width" value="0.035" units="cm"/>
@@ -3204,7 +3624,7 @@
       <inkml:brushProperty name="color" value="#E71224"/>
     </inkml:brush>
   </inkml:definitions>
-  <inkml:trace contextRef="#ctx0" brushRef="#br0">57 1 24575,'-2'0'0,"0"0"0,0 1 0,0 0 0,0-1 0,0 1 0,0 0 0,0 0 0,0 0 0,0 0 0,1 0 0,-1 1 0,0-1 0,1 0 0,-1 1 0,0-1 0,1 1 0,0 0 0,-1 0 0,1-1 0,0 1 0,0 0 0,0 0 0,0 0 0,1 0 0,-1 0 0,0 0 0,0 2 0,-2 7 0,1 0 0,-1 0 0,0 19 0,2-22 0,-2 38 0,3 53 0,1-87 0,0-1 0,0 1 0,2 0 0,-1-1 0,1 1 0,1-1 0,0 0 0,0 0 0,12 20 0,-13-27 0,1-1 0,-1 0 0,0 1 0,1-1 0,0 0 0,0-1 0,0 1 0,0-1 0,0 1 0,0-1 0,1 0 0,-1-1 0,1 1 0,-1-1 0,1 0 0,0 0 0,-1-1 0,1 1 0,0-1 0,0 0 0,-1 0 0,1 0 0,6-2 0,-5 1 0,0 0 0,-1 0 0,1 0 0,-1-1 0,0 0 0,1 0 0,-1 0 0,0-1 0,0 1 0,0-1 0,-1-1 0,1 1 0,-1-1 0,1 1 0,-1-1 0,0 0 0,-1-1 0,1 1 0,3-6 0,3-16 0,0-1 0,-2 0 0,-1 0 0,-2-1 0,0 0 0,-2 0 0,0 0 0,-3-41 0,-1 55 0,2 36 0,2 41 0,7-1 0,-3 0 0,-2 88 0,-4-131 0,1 0 0,1 0 0,5 20 0,-4-18 0,0 0 0,1 25 0,-4-9 0,-3 270 0,1-300 0,0-1 0,-1 1 0,0-1 0,0 1 0,0-1 0,-1 0 0,0 0 0,0 0 0,0-1 0,-1 1 0,0-1 0,0 1 0,0-1 0,-1-1 0,1 1 0,-1 0 0,0-1 0,-1 0 0,1-1 0,-1 1 0,1-1 0,-1 0 0,0 0 0,-1-1 0,-8 3 0,7-2 0,0-1 0,0 0 0,0-1 0,0 0 0,0 0 0,0-1 0,0 0 0,0 0 0,0-1 0,0 0 0,0 0 0,0-1 0,0 0 0,0-1 0,0 1 0,1-2 0,0 1 0,-1-1 0,1 0 0,-10-8 0,12 7 0,-1 0 0,1-1 0,1 0 0,-1 0 0,1 0 0,0-1 0,0 1 0,1-1 0,0 0 0,0 0 0,1 0 0,0-1 0,0 1 0,-2-13 0,1-10 0,2 0 0,2-43 0,1 29 0,-2 37 4,1-1 0,0 0 0,0 0 1,1 0-1,-1 1 0,2-1 0,-1 1 0,1 0 0,1-1 0,-1 1 0,1 1 0,0-1 0,1 0 0,-1 1 0,1 0 0,11-10 1,4-1-125,1 1 0,0 1 0,40-22 0,-15 10-835,-30 17-5871</inkml:trace>
+  <inkml:trace contextRef="#ctx0" brushRef="#br0">0 197 24575,'1'-7'0,"0"1"0,0-1 0,0 1 0,1-1 0,0 1 0,0 0 0,1 0 0,0 0 0,0 0 0,0 0 0,1 0 0,0 1 0,0 0 0,0 0 0,0 0 0,1 0 0,0 1 0,0 0 0,0 0 0,1 0 0,-1 0 0,9-3 0,8-5 0,0 2 0,0 0 0,1 2 0,42-10 0,-36 13-177,1 1 0,-1 2-1,48 2 1,-60 0-479,11 0-6170</inkml:trace>
 </inkml:ink>
 </file>
 
@@ -3224,7 +3644,7 @@
           <inkml:channelProperty channel="F" name="resolution" value="0" units="1/dev"/>
         </inkml:channelProperties>
       </inkml:inkSource>
-      <inkml:timestamp xml:id="ts0" timeString="2025-05-02T20:37:41.363"/>
+      <inkml:timestamp xml:id="ts0" timeString="2025-05-09T19:05:51.258"/>
     </inkml:context>
     <inkml:brush xml:id="br0">
       <inkml:brushProperty name="width" value="0.035" units="cm"/>
@@ -3232,7 +3652,7 @@
       <inkml:brushProperty name="color" value="#E71224"/>
     </inkml:brush>
   </inkml:definitions>
-  <inkml:trace contextRef="#ctx0" brushRef="#br0">0 1 24575,'2'40'0,"1"-1"0,2 1 0,19 73 0,50 116 0,-32-107 0,-24-66 0,-2 0 0,14 96 0,-22-111 0,-5-33 0,-6-28 0,-3-8-455,-1 1 0,-20-49 0,19 60-6371</inkml:trace>
+  <inkml:trace contextRef="#ctx0" brushRef="#br0">1 1 24575,'0'0'-8191</inkml:trace>
 </inkml:ink>
 </file>
 
@@ -3252,7 +3672,7 @@
           <inkml:channelProperty channel="F" name="resolution" value="0" units="1/dev"/>
         </inkml:channelProperties>
       </inkml:inkSource>
-      <inkml:timestamp xml:id="ts0" timeString="2025-05-02T20:37:41.656"/>
+      <inkml:timestamp xml:id="ts0" timeString="2025-05-09T19:05:51.741"/>
     </inkml:context>
     <inkml:brush xml:id="br0">
       <inkml:brushProperty name="width" value="0.035" units="cm"/>
@@ -3260,7 +3680,7 @@
       <inkml:brushProperty name="color" value="#E71224"/>
     </inkml:brush>
   </inkml:definitions>
-  <inkml:trace contextRef="#ctx0" brushRef="#br0">0 85 24575,'1'-3'0,"0"0"0,0 0 0,0 1 0,0-1 0,1 1 0,-1-1 0,1 1 0,-1 0 0,1-1 0,0 1 0,0 0 0,0 0 0,0 0 0,0 0 0,0 1 0,1-1 0,-1 1 0,3-2 0,48-24 0,-42 24 0,1 0 0,-1 0 0,1 1 0,-1 1 0,1-1 0,0 2 0,-1 0 0,23 3 0,-30-3 0,0 1 0,0-1 0,-1 1 0,1 0 0,0 1 0,-1-1 0,1 1 0,-1-1 0,1 1 0,-1 0 0,0 0 0,0 1 0,0-1 0,0 1 0,0-1 0,-1 1 0,1 0 0,-1 0 0,1 0 0,-1 0 0,0 1 0,0-1 0,-1 0 0,1 1 0,-1 0 0,0-1 0,0 1 0,0 0 0,1 7 0,-1 3 0,0 1 0,-1 0 0,-1-1 0,-1 1 0,0 0 0,0-1 0,-2 0 0,0 1 0,0-1 0,-1-1 0,-1 1 0,-1-1 0,1 0 0,-2 0 0,0-1 0,0 0 0,-2-1 0,1 1 0,-1-2 0,-1 1 0,-13 9 0,19-16-195,-1-1 0,1-1 0,-1 1 0,0-1 0,0 0 0,-9 2 0,5-2-6631</inkml:trace>
+  <inkml:trace contextRef="#ctx0" brushRef="#br0">363 1 24575,'-2'0'0,"-1"1"0,1 0 0,0 0 0,0 0 0,0 1 0,1-1 0,-1 0 0,0 1 0,0-1 0,1 1 0,-1 0 0,1 0 0,-1-1 0,1 1 0,0 0 0,0 0 0,-2 4 0,-17 38 0,6 6 0,2 1 0,2 1 0,2 0 0,3 0 0,2 0 0,2 0 0,8 68 0,-1-83 0,2 0 0,1-1 0,2 0 0,1 0 0,29 57 0,23 68 0,-61-153 0,0 1 0,-1-1 0,-1 1 0,1-1 0,-1 1 0,-1 0 0,0-1 0,-1 17 0,0-22 0,0 0 0,1-1 0,-1 1 0,-1 0 0,1 0 0,0 0 0,-1 0 0,1-1 0,-1 1 0,0-1 0,1 1 0,-1-1 0,-1 0 0,1 0 0,0 0 0,0 0 0,-1 0 0,1 0 0,-1-1 0,0 1 0,1-1 0,-1 1 0,0-1 0,0 0 0,0 0 0,0-1 0,-6 2 0,-5 0 0,-1-1 0,1 0 0,-1-1 0,1-1 0,-1 0 0,1-1 0,-1-1 0,1 0 0,0-1 0,0 0 0,0-1 0,-15-8 0,17 7 0,1 0 0,0 0 0,0-1 0,0-1 0,1 1 0,1-2 0,-1 0 0,1 0 0,1 0 0,-1-1 0,2 0 0,-1-1 0,2 0 0,-8-15 0,10 17 8,1-1-1,0 0 1,1 0-1,0 0 1,1 0-1,0 0 1,0 0-1,1-1 1,0 1-1,1 0 1,0 0-1,1 0 1,0 0-1,1 0 1,7-18-1,-4 13-156,1 1 1,0 0-1,2 0 1,-1 1-1,2 0 1,0 0-1,0 1 1,1 0-1,18-14 1,-13 13-6678</inkml:trace>
 </inkml:ink>
 </file>
 
@@ -3308,7 +3728,7 @@
           <inkml:channelProperty channel="F" name="resolution" value="0" units="1/dev"/>
         </inkml:channelProperties>
       </inkml:inkSource>
-      <inkml:timestamp xml:id="ts0" timeString="2025-05-02T20:37:42.079"/>
+      <inkml:timestamp xml:id="ts0" timeString="2025-05-09T19:05:51.990"/>
     </inkml:context>
     <inkml:brush xml:id="br0">
       <inkml:brushProperty name="width" value="0.035" units="cm"/>
@@ -3316,7 +3736,7 @@
       <inkml:brushProperty name="color" value="#E71224"/>
     </inkml:brush>
   </inkml:definitions>
-  <inkml:trace contextRef="#ctx0" brushRef="#br0">3 113 24575,'-1'44'0,"0"-24"0,0 0 0,2 0 0,0 0 0,1-1 0,5 24 0,-6-39 0,1 0 0,-1 1 0,1-1 0,0 0 0,0 0 0,0 0 0,0 0 0,1-1 0,-1 1 0,1-1 0,0 1 0,0-1 0,1 0 0,-1 0 0,1 0 0,-1-1 0,1 1 0,0-1 0,0 0 0,0 0 0,0 0 0,0-1 0,1 1 0,-1-1 0,0 0 0,1 0 0,-1 0 0,6-1 0,-5 1 0,0-1 0,0 0 0,0-1 0,0 1 0,0-1 0,0 0 0,0 0 0,0-1 0,0 1 0,0-1 0,-1 0 0,1-1 0,-1 1 0,1-1 0,-1 0 0,0 0 0,0 0 0,0 0 0,-1-1 0,1 1 0,-1-1 0,0 0 0,0 0 0,0-1 0,0 1 0,-1 0 0,1-1 0,-1 0 0,-1 1 0,3-10 0,0 1 0,0-1 0,-2 1 0,1 0 0,-2-1 0,0 0 0,0 1 0,-2-1 0,1 1 0,-2-1 0,-5-23 0,5 29 0,-1 1 0,0 0 0,0 0 0,-1 0 0,0 0 0,0 1 0,-1-1 0,0 1 0,0 0 0,0 0 0,-1 1 0,0 0 0,0 0 0,0 0 0,-8-4 0,11 7 0,0 0 0,0 1 0,0-1 0,0 1 0,-1 0 0,1 0 0,0 0 0,0 1 0,-1-1 0,1 1 0,0 0 0,-1 0 0,1 0 0,-1 0 0,1 0 0,0 1 0,-1-1 0,1 1 0,0 0 0,0 0 0,0 0 0,0 1 0,0-1 0,0 1 0,0 0 0,0 0 0,0 0 0,1 0 0,-1 0 0,1 0 0,-1 1 0,1-1 0,0 1 0,0-1 0,0 1 0,0 0 0,-1 5 0,0-4 11,1 0 0,0 1 0,0 0 0,0 0 0,1-1 0,-1 1-1,1 0 1,0 0 0,1 0 0,-1 9 0,1-12-73,0 1 0,0-1 0,1 1 0,-1-1 1,1 1-1,-1-1 0,1 0 0,0 1 0,0-1 0,0 0 0,0 0 0,0 1 1,1-1-1,-1 0 0,0 0 0,1 0 0,0-1 0,-1 1 0,1 0 0,0-1 1,0 1-1,0-1 0,3 2 0,12 4-6764</inkml:trace>
+  <inkml:trace contextRef="#ctx0" brushRef="#br0">0 0 24575,'6'0'0,"1"0"-8191</inkml:trace>
 </inkml:ink>
 </file>
 
@@ -3336,7 +3756,7 @@
           <inkml:channelProperty channel="F" name="resolution" value="0" units="1/dev"/>
         </inkml:channelProperties>
       </inkml:inkSource>
-      <inkml:timestamp xml:id="ts0" timeString="2025-05-02T20:37:42.359"/>
+      <inkml:timestamp xml:id="ts0" timeString="2025-05-09T19:05:52.610"/>
     </inkml:context>
     <inkml:brush xml:id="br0">
       <inkml:brushProperty name="width" value="0.035" units="cm"/>
@@ -3344,7 +3764,7 @@
       <inkml:brushProperty name="color" value="#E71224"/>
     </inkml:brush>
   </inkml:definitions>
-  <inkml:trace contextRef="#ctx0" brushRef="#br0">31 1 24575,'1'31'0,"-3"0"0,0 0 0,-10 44 0,4-27 0,3 0 0,2 1 0,6 88 0,0-32 0,-3-87-1365,-1-7-5461</inkml:trace>
+  <inkml:trace contextRef="#ctx0" brushRef="#br0">249 161 24575,'1'0'0,"0"0"0,-1 0 0,1 0 0,0 0 0,0 0 0,-1-1 0,1 1 0,0 0 0,-1 0 0,1-1 0,0 1 0,-1 0 0,1-1 0,0 1 0,-1-1 0,1 1 0,-1-1 0,1 1 0,-1-1 0,1 1 0,-1-1 0,1 1 0,-1-1 0,0 0 0,1 1 0,-1-1 0,1-1 0,2-26 0,-12-25 0,8 50 0,0-1 0,0 0 0,-1 1 0,0-1 0,1 0 0,-1 1 0,0 0 0,-1 0 0,1-1 0,-1 1 0,1 1 0,-1-1 0,0 0 0,0 1 0,0-1 0,0 1 0,-1 0 0,1 0 0,-1 0 0,1 1 0,-1-1 0,1 1 0,-1 0 0,0 0 0,0 0 0,0 0 0,0 1 0,1-1 0,-1 1 0,0 0 0,0 0 0,0 1 0,0-1 0,0 1 0,0 0 0,1 0 0,-1 0 0,0 0 0,1 1 0,-1-1 0,0 1 0,1 0 0,0 0 0,0 1 0,-1-1 0,1 1 0,1-1 0,-1 1 0,0 0 0,-3 4 0,-5 11 0,0 0 0,1 0 0,1 1 0,1 0 0,0 0 0,1 1 0,-6 32 0,-3 6 0,15-56 0,0 1 0,0-1 0,1 0 0,-1 1 0,1-1 0,-1 0 0,1 1 0,0-1 0,-1 1 0,1-1 0,1 0 0,-1 1 0,0-1 0,1 1 0,-1-1 0,1 0 0,-1 1 0,1-1 0,0 0 0,0 0 0,0 1 0,1-1 0,-1 0 0,0 0 0,3 3 0,0-3 0,0 1 0,0-1 0,1 0 0,-1 0 0,0 0 0,1-1 0,-1 0 0,1 1 0,0-2 0,-1 1 0,1 0 0,8-1 0,-4 1 0,-1-1 0,1 0 0,-1 0 0,1-1 0,-1 0 0,1 0 0,-1-1 0,0-1 0,0 1 0,9-5 0,-12 5 0,-1-1 0,1 0 0,-1-1 0,0 1 0,0-1 0,-1 1 0,1-1 0,-1-1 0,0 1 0,0 0 0,0-1 0,0 1 0,-1-1 0,0 0 0,0 0 0,0 0 0,2-9 0,4-54 0,-8 59 0,0 0 0,1-1 0,0 1 0,0 0 0,1 0 0,1 0 0,-1 0 0,1 1 0,5-10 0,-4 17 0,-1 11 0,0 10 0,-3-16 0,1 18 0,0-1 0,2 1 0,1-1 0,11 38 0,-14-54 0,1 0 0,0 0 0,1 0 0,-1 0 0,1-1 0,0 1 0,0-1 0,1 0 0,-1 0 0,1 0 0,0 0 0,0-1 0,0 0 0,0 1 0,1-1 0,-1-1 0,1 1 0,0-1 0,0 0 0,0 0 0,0 0 0,0-1 0,0 1 0,0-1 0,7 0 0,18 1-1365,-3-2-5461</inkml:trace>
 </inkml:ink>
 </file>
 
@@ -3364,7 +3784,7 @@
           <inkml:channelProperty channel="F" name="resolution" value="0" units="1/dev"/>
         </inkml:channelProperties>
       </inkml:inkSource>
-      <inkml:timestamp xml:id="ts0" timeString="2025-05-02T20:37:42.822"/>
+      <inkml:timestamp xml:id="ts0" timeString="2025-05-09T19:05:52.938"/>
     </inkml:context>
     <inkml:brush xml:id="br0">
       <inkml:brushProperty name="width" value="0.035" units="cm"/>
@@ -3372,7 +3792,7 @@
       <inkml:brushProperty name="color" value="#E71224"/>
     </inkml:brush>
   </inkml:definitions>
-  <inkml:trace contextRef="#ctx0" brushRef="#br0">255 1 24575,'-2'5'0,"0"0"0,0 0 0,-1 0 0,0-1 0,0 1 0,0-1 0,0 1 0,-1-1 0,0 0 0,0 0 0,0-1 0,-5 4 0,-2 4 0,-9 7 0,-40 28 0,44-35 0,1 0 0,0 1 0,1 0 0,0 2 0,-20 23 0,33-35 0,0-1 0,0 0 0,0 0 0,1 0 0,-1 1 0,0-1 0,0 0 0,1 1 0,-1-1 0,1 1 0,0-1 0,-1 1 0,1-1 0,0 1 0,0-1 0,0 1 0,0-1 0,0 1 0,0-1 0,0 1 0,0-1 0,1 1 0,-1-1 0,0 1 0,1-1 0,0 0 0,-1 1 0,1-1 0,0 0 0,-1 1 0,1-1 0,0 0 0,0 0 0,0 0 0,0 0 0,0 0 0,1 0 0,-1 0 0,0 0 0,0 0 0,3 1 0,8 4 0,-1-1 0,1 0 0,0-1 0,18 4 0,10 5 0,-22-4-170,-1 0-1,0 2 0,0 0 1,-1 0-1,-1 2 0,0 0 1,21 23-1,-26-23-6655</inkml:trace>
+  <inkml:trace contextRef="#ctx0" brushRef="#br0">0 31 24575,'1'19'0,"0"0"0,1 0 0,1 0 0,1 0 0,0 0 0,2 0 0,0-1 0,1 0 0,0 0 0,17 25 0,18 43 0,-33-65 0,-1-1 0,2-1 0,1 1 0,0-2 0,2 0 0,0 0 0,25 25 0,-38-42 0,1 0 0,-1-1 0,1 1 0,0-1 0,-1 1 0,1-1 0,0 1 0,0-1 0,-1 1 0,1-1 0,0 0 0,0 1 0,0-1 0,0 0 0,-1 0 0,1 0 0,0 1 0,0-1 0,0 0 0,0 0 0,0 0 0,0 0 0,-1-1 0,1 1 0,0 0 0,0 0 0,0-1 0,0 1 0,-1 0 0,1-1 0,0 1 0,0 0 0,-1-1 0,1 1 0,0-1 0,0 0 0,-1 1 0,1-1 0,-1 1 0,1-1 0,-1 0 0,1 0 0,-1 1 0,1-1 0,-1 0 0,1 0 0,-1 1 0,0-1 0,0 0 0,1 0 0,-1 0 0,0 0 0,0-1 0,12-61 0,-10 44 0,7-39 0,3-76 0,-7 56 0,-3 66 20,-1 0 0,2 0 0,-1 0 0,2 0 0,5-14 0,-7 21-126,1 0 0,-1 0 0,1 0 0,0 0 0,0 1 0,0-1-1,1 1 1,0 0 0,0 0 0,0 0 0,0 0 0,0 1 0,7-5 0,8 0-6720</inkml:trace>
 </inkml:ink>
 </file>
 
@@ -3392,7 +3812,7 @@
           <inkml:channelProperty channel="F" name="resolution" value="0" units="1/dev"/>
         </inkml:channelProperties>
       </inkml:inkSource>
-      <inkml:timestamp xml:id="ts0" timeString="2025-05-02T20:37:46.402"/>
+      <inkml:timestamp xml:id="ts0" timeString="2025-05-09T19:05:53.525"/>
     </inkml:context>
     <inkml:brush xml:id="br0">
       <inkml:brushProperty name="width" value="0.035" units="cm"/>
@@ -3400,7 +3820,7 @@
       <inkml:brushProperty name="color" value="#E71224"/>
     </inkml:brush>
   </inkml:definitions>
-  <inkml:trace contextRef="#ctx0" brushRef="#br0">0 262 24575,'51'-1'0,"6"0"0,0 3 0,97 14 0,-48-4 0,-72-9 0,48 9 0,-52-7 0,46 3 0,-46-6 0,45 9 0,-46-7 0,0 0 0,1-2 0,49-3 0,35 3 0,-42 10 0,-53-7 0,0-1 0,30 1 0,-19-4 0,1 1 0,50 11 0,-67-10 0,0 0 0,0-1 0,0 0 0,0-1 0,27-2 0,-41 1 0,0 0 0,0 0 0,1 0 0,-1 0 0,0 0 0,0 0 0,0-1 0,1 1 0,-1 0 0,0 0 0,0 0 0,0 0 0,1 0 0,-1 0 0,0-1 0,0 1 0,0 0 0,0 0 0,0 0 0,1-1 0,-1 1 0,0 0 0,0 0 0,0 0 0,0-1 0,0 1 0,0 0 0,0 0 0,0 0 0,0-1 0,0 1 0,0 0 0,0 0 0,0-1 0,0 1 0,0 0 0,0 0 0,0 0 0,0-1 0,0 1 0,0 0 0,0 0 0,-8-15 0,-12-10 0,20 25 0,-173-172 0,73 97 0,-10-8 0,110 83 0,-1-1 0,1 1 0,-1 0 0,1 0 0,-1-1 0,1 1 0,-1 0 0,1-1 0,-1 1 0,1-1 0,0 1 0,-1 0 0,1-1 0,0 1 0,-1-1 0,1 1 0,0-1 0,0 1 0,-1-1 0,1 1 0,0-1 0,0 0 0,0 1 0,0-1 0,0 1 0,0-1 0,0 1 0,0-1 0,0 0 0,0 0 0,16 0 0,26 11 0,219 115 0,-255-122 0,47 25 0,62 45 0,-101-62 0,0-1 0,-1 2 0,0-1 0,-1 2 0,-1 0 0,0 0 0,0 1 0,-2 0 0,11 20 0,-19-32 0,0 0 0,0 0 0,0 0 0,0 0 0,-1 0 0,1 0 0,-1 0 0,1 0 0,-1 0 0,0 0 0,1 0 0,-1 1 0,0-1 0,-1 0 0,1 0 0,0 0 0,-1 0 0,1 0 0,-1 0 0,1 0 0,-1 0 0,0 0 0,0 0 0,-1 3 0,-1-3 0,0 1 0,0 0 0,1-1 0,-2 0 0,1 0 0,0 0 0,0 0 0,-1 0 0,1 0 0,0-1 0,-1 0 0,-6 2 0,-10 1 0,-1-1 0,1-1 0,-39-1 0,-13-3 0,-96 2 0,146 4-1365,5 2-5461</inkml:trace>
+  <inkml:trace contextRef="#ctx0" brushRef="#br0">189 165 24575,'0'1'0,"0"0"0,0 0 0,0-1 0,0 1 0,0 0 0,0 0 0,0-1 0,0 1 0,0 0 0,1 0 0,-1-1 0,0 1 0,1 0 0,-1 0 0,0-1 0,1 1 0,-1 0 0,1-1 0,-1 1 0,1-1 0,-1 1 0,1-1 0,0 1 0,-1-1 0,1 1 0,-1-1 0,1 1 0,1 0 0,25-3 0,-20 0 0,0-1 0,-1 1 0,1-2 0,0 1 0,7-6 0,-10 6 0,-1 0 0,1-1 0,-1 1 0,0-1 0,0 0 0,0 1 0,-1-1 0,1-1 0,-1 1 0,0 0 0,0 0 0,0-1 0,-1 1 0,0-1 0,0 0 0,0 1 0,0-1 0,-1 0 0,1-6 0,-1 8 0,-1 0 0,1 0 0,-1 0 0,1 0 0,-1 0 0,0 0 0,0 0 0,0 0 0,0 1 0,-1-1 0,1 0 0,-1 1 0,0-1 0,0 1 0,0-1 0,0 1 0,0 0 0,0 0 0,0 0 0,-1 0 0,1 0 0,-1 0 0,0 1 0,1-1 0,-1 1 0,0 0 0,0 0 0,0 0 0,0 0 0,-3 0 0,-2 0 0,1 0 0,-1 1 0,1 0 0,0 0 0,-1 1 0,1 0 0,-1 0 0,1 1 0,0 0 0,0 0 0,0 1 0,0 0 0,0 0 0,1 0 0,-1 1 0,1 0 0,0 0 0,-9 9 0,5-5 0,1 1 0,0 0 0,1 1 0,-1 0 0,2 0 0,-1 1 0,2 0 0,-1 0 0,2 1 0,-6 12 0,7-12 0,0-1 0,0 0 0,0 0 0,1 1 0,1-1 0,0 1 0,0 14 0,2-23 0,0 0 0,0 1 0,1-1 0,0 0 0,0 0 0,0 1 0,0-1 0,0 0 0,1 0 0,-1 0 0,1 0 0,0-1 0,0 1 0,0 0 0,0-1 0,0 1 0,1-1 0,-1 0 0,1 0 0,-1 0 0,1 0 0,0 0 0,0 0 0,0-1 0,0 1 0,6 1 0,-2 0 0,1 0 0,-1-1 0,1 0 0,0 0 0,-1 0 0,1-1 0,0-1 0,0 1 0,0-1 0,0 0 0,0-1 0,0 0 0,0 0 0,0-1 0,-1 0 0,1 0 0,0-1 0,-1 0 0,0 0 0,0-1 0,0 0 0,0 0 0,0 0 0,-1-1 0,0 0 0,0-1 0,0 1 0,-1-1 0,0 0 0,0 0 0,0-1 0,-1 1 0,7-14 0,-5 4 0,-4 11 0,0 0 0,0 0 0,1 0 0,-1 1 0,1-1 0,7-8 0,-10 13 0,1-1 0,-1 1 0,1-1 0,0 1 0,-1-1 0,1 1 0,0 0 0,-1-1 0,1 1 0,0 0 0,-1-1 0,1 1 0,0 0 0,0 0 0,0 0 0,-1 0 0,1 0 0,0 0 0,0 0 0,-1 0 0,2 0 0,0 1 0,0-1 0,-1 1 0,1 0 0,0 0 0,-1 0 0,1 0 0,-1 0 0,1 0 0,-1 1 0,0-1 0,1 0 0,1 3 0,3 4-105,0-1 0,1 0 0,0 0 0,1-1 0,0 0 0,0 0 0,0-1 0,0 0 0,1 0 0,0-1 0,0 0 0,12 3 0,6-1-6721</inkml:trace>
 </inkml:ink>
 </file>
 
@@ -3420,7 +3840,7 @@
           <inkml:channelProperty channel="F" name="resolution" value="0" units="1/dev"/>
         </inkml:channelProperties>
       </inkml:inkSource>
-      <inkml:timestamp xml:id="ts0" timeString="2025-05-02T20:37:47.359"/>
+      <inkml:timestamp xml:id="ts0" timeString="2025-04-18T16:57:00.134"/>
     </inkml:context>
     <inkml:brush xml:id="br0">
       <inkml:brushProperty name="width" value="0.035" units="cm"/>
@@ -3428,7 +3848,7 @@
       <inkml:brushProperty name="color" value="#E71224"/>
     </inkml:brush>
   </inkml:definitions>
-  <inkml:trace contextRef="#ctx0" brushRef="#br0">33 1 24575,'1'30'0,"-3"0"0,0 0 0,-11 48 0,6-39 0,2 1 0,2 0 0,2 0 0,1 1 0,6 41 0,20 41-1365,-25-113-5461</inkml:trace>
+  <inkml:trace contextRef="#ctx0" brushRef="#br0">1 0 24575,'0'0'-8191</inkml:trace>
 </inkml:ink>
 </file>
 
@@ -3448,7 +3868,7 @@
           <inkml:channelProperty channel="F" name="resolution" value="0" units="1/dev"/>
         </inkml:channelProperties>
       </inkml:inkSource>
-      <inkml:timestamp xml:id="ts0" timeString="2025-05-02T20:37:47.868"/>
+      <inkml:timestamp xml:id="ts0" timeString="2025-05-02T20:37:36.420"/>
     </inkml:context>
     <inkml:brush xml:id="br0">
       <inkml:brushProperty name="width" value="0.035" units="cm"/>
@@ -3456,7 +3876,7 @@
       <inkml:brushProperty name="color" value="#E71224"/>
     </inkml:brush>
   </inkml:definitions>
-  <inkml:trace contextRef="#ctx0" brushRef="#br0">0 41 24575,'1'-2'0,"-1"1"0,1 0 0,-1 0 0,1 0 0,-1 0 0,1 0 0,0 0 0,0 0 0,-1 0 0,1 0 0,0 0 0,0 0 0,0 0 0,0 0 0,0 1 0,0-1 0,0 0 0,0 1 0,0-1 0,1 1 0,-1-1 0,0 1 0,0-1 0,0 1 0,1 0 0,-1 0 0,2 0 0,41-6 0,-39 6 0,183 1 0,25-3 0,-178-5 0,-29 6 0,0-1 0,0 1 0,1 0 0,-1 0 0,1 1 0,12 1 0,-17-1 0,0 1 0,0-1 0,-1 1 0,1 0 0,0 0 0,0 0 0,0 0 0,-1 0 0,1 0 0,0 1 0,-1-1 0,1 1 0,-1-1 0,0 1 0,1-1 0,-1 1 0,0 0 0,0-1 0,0 1 0,0 0 0,0 0 0,0 0 0,-1 0 0,1 0 0,-1 0 0,1 3 0,9 81 0,0-4 0,27 145 0,-26-166 120,-10-56-255,0 0 0,0 0 0,1-1 0,0 1 0,0-1 0,0 1 0,0-1 0,1 0 0,-1 0 0,4 4 0,1-4-6691</inkml:trace>
+  <inkml:trace contextRef="#ctx0" brushRef="#br0">0 593 24575,'56'-5'0,"0"-1"0,-1-3 0,0-3 0,96-33 0,33-7 0,54-4 0,106-23 0,-53 21 0,-220 37 0,-36 11 0,44-9 0,-6-3 0,-14 4 0,-59 17 0,1 1 0,-1 0 0,1-1 0,-1 1 0,1 0 0,-1 0 0,1 0 0,-1-1 0,1 1 0,-1 0 0,1 0 0,-1 0 0,1 0 0,0 0 0,-1 0 0,1 0 0,-1 0 0,1 0 0,-1 0 0,1 0 0,-1 0 0,1 1 0,-1-1 0,1 0 0,-1 0 0,1 1 0,-1-1 0,1 0 0,-1 0 0,1 1 0,-1-1 0,0 0 0,1 1 0,-1-1 0,0 1 0,1-1 0,-1 1 0,0-1 0,1 1 0,-13 21 0,-29 21 0,29-32 0,-16 15 0,-1-2 0,-1 0 0,-33 18 0,48-34 0,8-4 0,0-1 0,1 1 0,-1 1 0,1-1 0,0 1 0,-8 8 0,14-13 0,0 0 0,0-1 0,0 1 0,0 0 0,0 0 0,0 0 0,0 0 0,0 0 0,0 0 0,1 0 0,-1 0 0,0 0 0,0 0 0,0 0 0,0 0 0,0 0 0,0 0 0,0 0 0,0 0 0,0 0 0,1 0 0,-1 0 0,0 0 0,0 0 0,0 0 0,0 0 0,0 0 0,0 1 0,0-1 0,0 0 0,0 0 0,0 0 0,0 0 0,1 0 0,-1 0 0,0 0 0,0 0 0,0 0 0,0 0 0,0 0 0,0 0 0,0 0 0,0 1 0,0-1 0,0 0 0,0 0 0,0 0 0,0 0 0,0 0 0,0 0 0,0 0 0,0 0 0,0 0 0,0 1 0,0-1 0,0 0 0,0 0 0,0 0 0,0 0 0,0 0 0,0 0 0,0 0 0,0 0 0,0 0 0,0 0 0,0 1 0,14-5 0,15-7 0,22-18 0,71-51 0,-99 62 0,0-1 0,-2-1 0,0 0 0,36-48 0,-55 65 0,1-1 0,0 0 0,-1 0 0,0 0 0,0 0 0,0 0 0,0 0 0,-1 0 0,0-1 0,0 1 0,0-1 0,0 1 0,-1-1 0,1 1 0,-1-1 0,0 1 0,-2-9 0,1 10 0,0-1 0,-1 1 0,1 0 0,-1 0 0,0-1 0,0 2 0,0-1 0,-1 0 0,1 0 0,-1 1 0,1-1 0,-1 1 0,0 0 0,0 0 0,0 0 0,0 0 0,0 0 0,-1 1 0,1-1 0,0 1 0,-1 0 0,-6-1 0,-21-4 0,-1 1 0,0 2 0,0 2 0,0 1 0,-39 4 0,-23 0 0,81-4-116,4 0-134,-1 0 0,1 0 1,-1-1-1,-13-3 0,7-2-6576</inkml:trace>
 </inkml:ink>
 </file>
 
@@ -3476,7 +3896,7 @@
           <inkml:channelProperty channel="F" name="resolution" value="0" units="1/dev"/>
         </inkml:channelProperties>
       </inkml:inkSource>
-      <inkml:timestamp xml:id="ts0" timeString="2025-05-02T20:37:48.115"/>
+      <inkml:timestamp xml:id="ts0" timeString="2025-05-02T20:37:37.922"/>
     </inkml:context>
     <inkml:brush xml:id="br0">
       <inkml:brushProperty name="width" value="0.035" units="cm"/>
@@ -3484,7 +3904,7 @@
       <inkml:brushProperty name="color" value="#E71224"/>
     </inkml:brush>
   </inkml:definitions>
-  <inkml:trace contextRef="#ctx0" brushRef="#br0">0 1 24575,'0'4'0,"0"7"0,5 0 0,1 4 0,4-1 0,1 1 0,2-1 0,0-3-8191</inkml:trace>
+  <inkml:trace contextRef="#ctx0" brushRef="#br0">0 30 24575,'2'16'0,"1"0"0,1-1 0,0 1 0,0 0 0,2-1 0,11 24 0,-4-9 0,5 12 0,-3 0 0,-1 0 0,-2 1 0,7 52 0,-17-66 0,-1-17 0,-2-29 0,0-4 0,-2 0 0,-7-29 0,5 28 0,1-1 0,-1-27 0,4 25 0,0 1 0,0-1 0,7-46 0,-5 65 0,0-1 0,1 0 0,0 0 0,0 0 0,1 1 0,0-1 0,0 1 0,0 0 0,1 0 0,0 0 0,0 1 0,1-1 0,-1 1 0,10-8 0,-6 7 0,-1 0 0,2 1 0,-1 0 0,0 1 0,1 0 0,0 0 0,0 1 0,0 0 0,0 1 0,1-1 0,-1 2 0,20-2 0,-25 3 0,0 0 0,0 0 0,0 1 0,0-1 0,0 1 0,0 0 0,1 0 0,-2 0 0,1 1 0,0-1 0,0 1 0,0 0 0,-1 0 0,1 0 0,-1 1 0,0-1 0,1 1 0,-1 0 0,0 0 0,-1 0 0,1 0 0,0 0 0,-1 0 0,0 1 0,0 0 0,0-1 0,0 1 0,0 0 0,-1 0 0,0 0 0,2 6 0,0 10 23,-2-1 0,0 0-1,0 0 1,-5 34 0,2-35-270,1-1 1,0 1-1,2 0 1,0-1-1,5 30 1,0-31-6580</inkml:trace>
 </inkml:ink>
 </file>
 
@@ -3504,7 +3924,7 @@
           <inkml:channelProperty channel="F" name="resolution" value="0" units="1/dev"/>
         </inkml:channelProperties>
       </inkml:inkSource>
-      <inkml:timestamp xml:id="ts0" timeString="2025-05-02T20:37:48.411"/>
+      <inkml:timestamp xml:id="ts0" timeString="2025-05-02T20:37:38.422"/>
     </inkml:context>
     <inkml:brush xml:id="br0">
       <inkml:brushProperty name="width" value="0.035" units="cm"/>
@@ -3512,7 +3932,7 @@
       <inkml:brushProperty name="color" value="#E71224"/>
     </inkml:brush>
   </inkml:definitions>
-  <inkml:trace contextRef="#ctx0" brushRef="#br0">52 1 24575,'2'0'0,"-1"1"0,0-1 0,0 1 0,0-1 0,0 1 0,0 0 0,0-1 0,0 1 0,0 0 0,0 0 0,0 0 0,0 0 0,0 0 0,0 0 0,-1 0 0,1 0 0,0 0 0,-1 0 0,1 0 0,-1 0 0,0 0 0,1 1 0,-1-1 0,0 0 0,1 0 0,-1 1 0,0 1 0,5 40 0,-5-38 0,4 83 0,-8 119 0,0-182 11,-2-1 1,0 0-1,-1-1 0,-17 38 0,-3 9-1432,23-59-5405</inkml:trace>
+  <inkml:trace contextRef="#ctx0" brushRef="#br0">6 239 24575,'1'-2'0,"-1"0"0,1 0 0,-1 0 0,1 0 0,0 0 0,0 0 0,0 0 0,0 0 0,0 0 0,0 1 0,0-1 0,1 0 0,-1 1 0,1-1 0,-1 1 0,1 0 0,1-2 0,37-24 0,-18 13 0,14-11 0,-30 22 0,0 0 0,0-1 0,0 0 0,0 0 0,-1 0 0,0-1 0,0 1 0,0-1 0,-1 0 0,1-1 0,-1 1 0,0-1 0,-1 0 0,1 0 0,-1 0 0,-1 0 0,3-7 0,-4 12 0,-1-1 0,0 1 0,1 0 0,-1-1 0,0 1 0,0 0 0,0-1 0,0 1 0,0-1 0,0 1 0,-1 0 0,1-1 0,0 1 0,-1 0 0,1-1 0,-1 1 0,1 0 0,-1 0 0,0-1 0,1 1 0,-1 0 0,0 0 0,0 0 0,0 0 0,-1-2 0,-1 2 0,1 0 0,-1-1 0,1 1 0,-1 0 0,1 0 0,-1 0 0,0 1 0,1-1 0,-1 1 0,0-1 0,0 1 0,-3 0 0,-1 0 0,-1 1 0,1-1 0,-1 2 0,1-1 0,0 1 0,-1 0 0,1 0 0,-13 7 0,13-5 0,1 1 0,0-1 0,1 2 0,-1-1 0,1 0 0,0 1 0,0 0 0,1 0 0,-1 1 0,2-1 0,-1 1 0,1 0 0,0 0 0,0 0 0,-3 12 0,4-7 0,0-1 0,0 1 0,1 0 0,1 0 0,0 0 0,1 0 0,0-1 0,1 1 0,4 17 0,-3-21 0,0 0 0,0 0 0,1-1 0,0 1 0,1-1 0,0 0 0,0 0 0,0 0 0,1-1 0,0 0 0,0 0 0,1 0 0,-1-1 0,1 0 0,1 0 0,-1-1 0,1 0 0,-1 0 0,1 0 0,0-1 0,0-1 0,1 1 0,15 1 0,-13-1 0,1-1 0,-1-1 0,1 0 0,-1-1 0,1 0 0,-1-1 0,1 0 0,-1-1 0,1 0 0,-1-1 0,0 0 0,0 0 0,0-2 0,-1 1 0,1-1 0,-1-1 0,12-8 0,-7 2-1365,-1 1-5461</inkml:trace>
 </inkml:ink>
 </file>
 
@@ -3532,7 +3952,7 @@
           <inkml:channelProperty channel="F" name="resolution" value="0" units="1/dev"/>
         </inkml:channelProperties>
       </inkml:inkSource>
-      <inkml:timestamp xml:id="ts0" timeString="2025-05-02T20:37:48.704"/>
+      <inkml:timestamp xml:id="ts0" timeString="2025-05-02T20:37:38.700"/>
     </inkml:context>
     <inkml:brush xml:id="br0">
       <inkml:brushProperty name="width" value="0.035" units="cm"/>
@@ -3540,7 +3960,7 @@
       <inkml:brushProperty name="color" value="#E71224"/>
     </inkml:brush>
   </inkml:definitions>
-  <inkml:trace contextRef="#ctx0" brushRef="#br0">0 1 24575,'2'0'0,"-1"1"0,0 0 0,1-1 0,-1 1 0,0 0 0,0 0 0,0 0 0,0 0 0,1 0 0,-2 0 0,1 0 0,0 0 0,0 0 0,0 1 0,0-1 0,-1 0 0,1 0 0,-1 1 0,1-1 0,-1 1 0,1 1 0,12 39 0,-10-33 0,9 34 0,8 28 0,3-2 0,2 0 0,44 81 0,-64-141-227,0-1-1,1 1 1,1-1-1,-1-1 1,11 10-1,-5-6-6598</inkml:trace>
+  <inkml:trace contextRef="#ctx0" brushRef="#br0">165 1 24575,'-1'30'0,"-2"1"0,-1-1 0,-1 1 0,-2-1 0,-13 37 0,3-19 0,-3 0 0,-35 61 0,33-78-1365,11-20-5461</inkml:trace>
 </inkml:ink>
 </file>
 
@@ -3560,7 +3980,7 @@
           <inkml:channelProperty channel="F" name="resolution" value="0" units="1/dev"/>
         </inkml:channelProperties>
       </inkml:inkSource>
-      <inkml:timestamp xml:id="ts0" timeString="2025-05-02T20:37:49.168"/>
+      <inkml:timestamp xml:id="ts0" timeString="2025-05-02T20:37:38.992"/>
     </inkml:context>
     <inkml:brush xml:id="br0">
       <inkml:brushProperty name="width" value="0.035" units="cm"/>
@@ -3568,7 +3988,7 @@
       <inkml:brushProperty name="color" value="#E71224"/>
     </inkml:brush>
   </inkml:definitions>
-  <inkml:trace contextRef="#ctx0" brushRef="#br0">78 1 24575,'-2'111'0,"5"123"0,-1-224 0,0 1 0,1-1 0,0 0 0,0 0 0,1-1 0,0 1 0,1-1 0,0 0 0,1 0 0,0 0 0,8 8 0,-12-14 0,1 0 0,0 0 0,0 0 0,0-1 0,0 1 0,0-1 0,1 0 0,-1 0 0,1 0 0,-1-1 0,1 1 0,0-1 0,6 2 0,-7-3 0,0 0 0,0 0 0,0 0 0,0 0 0,0-1 0,0 1 0,0-1 0,-1 0 0,1 0 0,0 0 0,0 0 0,-1 0 0,1-1 0,-1 1 0,1-1 0,-1 0 0,1 0 0,-1 0 0,0 0 0,3-4 0,-1 2 0,0-1 0,0 1 0,0-1 0,-1-1 0,0 1 0,0 0 0,0-1 0,-1 1 0,1-1 0,-2 0 0,1 0 0,0 0 0,-1 0 0,0 0 0,-1 0 0,1 0 0,-1 0 0,-1-1 0,1 1 0,-1 0 0,0 0 0,0 0 0,0 0 0,-1 0 0,0 0 0,0 1 0,-1-1 0,0 1 0,0-1 0,0 1 0,0 0 0,-1 0 0,0 0 0,0 1 0,0-1 0,-1 1 0,1 0 0,-1 0 0,0 1 0,0-1 0,-1 1 0,1 0 0,-1 1 0,1-1 0,-1 1 0,0 0 0,0 0 0,0 1 0,0 0 0,-7-1 0,6 2 0,0-1 0,-1 1 0,1 1 0,0-1 0,-1 1 0,1 0 0,0 1 0,0 0 0,0 0 0,0 0 0,0 1 0,0 0 0,1 1 0,-7 3 0,10-4 0,-1 0 0,1 0 0,0-1 0,-1 2 0,1-1 0,1 0 0,-1 1 0,1-1 0,-1 1 0,1 0 0,0 0 0,0 0 0,1 0 0,-1 0 0,1 0 0,0 0 0,0 0 0,0 1 0,1-1 0,-1 0 0,1 1 0,0-1 0,0 1 0,1-1 0,0 6 0,0-7-45,0 0-1,0 0 1,0 0-1,0 0 1,0 0-1,1-1 1,0 1-1,-1 0 1,1 0-1,0-1 1,0 0-1,0 1 1,1-1-1,-1 0 1,0 0-1,1 0 1,0 0-1,-1 0 1,1-1-1,0 1 1,0-1-1,0 0 1,0 0-1,0 0 0,0 0 1,0 0-1,0-1 1,0 1-1,6-1 1,12 2-6781</inkml:trace>
+  <inkml:trace contextRef="#ctx0" brushRef="#br0">0 1 24575,'5'0'0,"0"0"0,0 1 0,0 0 0,0 0 0,0 1 0,-1-1 0,1 1 0,0 0 0,-1 0 0,1 0 0,-1 1 0,0 0 0,0 0 0,0 0 0,0 0 0,-1 0 0,7 8 0,3 6 0,0 1 0,20 37 0,4 4 0,-37-59 0,14 21 0,2-2 0,0 1 0,2-2 0,0 0 0,23 17 0,-31-28-273,0 0 0,1-1 0,-1 0 0,16 6 0,-5-5-6553</inkml:trace>
 </inkml:ink>
 </file>
 
@@ -3616,7 +4036,7 @@
           <inkml:channelProperty channel="F" name="resolution" value="0" units="1/dev"/>
         </inkml:channelProperties>
       </inkml:inkSource>
-      <inkml:timestamp xml:id="ts0" timeString="2025-05-02T20:37:49.461"/>
+      <inkml:timestamp xml:id="ts0" timeString="2025-05-02T20:37:39.364"/>
     </inkml:context>
     <inkml:brush xml:id="br0">
       <inkml:brushProperty name="width" value="0.035" units="cm"/>
@@ -3624,7 +4044,7 @@
       <inkml:brushProperty name="color" value="#E71224"/>
     </inkml:brush>
   </inkml:definitions>
-  <inkml:trace contextRef="#ctx0" brushRef="#br0">2 1 24575,'0'51'0,"-1"-12"0,1 1 0,3 0 0,11 67 0,25 119 0,-27-155 51,-7-46-523,-1 0 0,1 29 0,-5-43-6354</inkml:trace>
+  <inkml:trace contextRef="#ctx0" brushRef="#br0">0 1 24575,'3'26'0,"0"1"0,2 0 0,0-1 0,2 0 0,15 36 0,4 19 0,-3 4 0,18 136 0,-26-158-1365,-10-45-5461</inkml:trace>
 </inkml:ink>
 </file>
 
@@ -3644,7 +4064,7 @@
           <inkml:channelProperty channel="F" name="resolution" value="0" units="1/dev"/>
         </inkml:channelProperties>
       </inkml:inkSource>
-      <inkml:timestamp xml:id="ts0" timeString="2025-05-02T20:37:50.223"/>
+      <inkml:timestamp xml:id="ts0" timeString="2025-05-02T20:37:39.675"/>
     </inkml:context>
     <inkml:brush xml:id="br0">
       <inkml:brushProperty name="width" value="0.035" units="cm"/>
@@ -3652,7 +4072,7 @@
       <inkml:brushProperty name="color" value="#E71224"/>
     </inkml:brush>
   </inkml:definitions>
-  <inkml:trace contextRef="#ctx0" brushRef="#br0">251 1 24575,'0'4'0,"-1"0"0,1 1 0,-1-1 0,0 0 0,-1 0 0,1 0 0,-1 0 0,0 0 0,0 0 0,0 0 0,-5 6 0,-36 40 0,22-27 0,-85 110 0,97-121 0,0 0 0,1 1 0,1 0 0,0 1 0,-10 27 0,16-38 0,1 1 0,-1-1 0,1 1 0,-1-1 0,1 1 0,0-1 0,0 0 0,1 1 0,-1-1 0,1 1 0,0-1 0,0 0 0,0 1 0,0-1 0,0 0 0,1 0 0,-1 0 0,1 0 0,0 0 0,0 0 0,0-1 0,0 1 0,1 0 0,-1-1 0,1 0 0,-1 0 0,1 1 0,0-2 0,0 1 0,0 0 0,6 2 0,2 0 0,0 0 0,0 0 0,0-1 0,1-1 0,-1 0 0,1-1 0,0 0 0,-1-1 0,1 0 0,0-1 0,-1 0 0,1 0 0,-1-2 0,1 1 0,-1-2 0,0 1 0,0-1 0,0-1 0,20-12 0,-26 13 0,0 0 0,-1 0 0,1-1 0,-1 0 0,0 0 0,0 0 0,-1 0 0,1-1 0,-1 0 0,0 1 0,-1-1 0,1 0 0,-1 0 0,0-1 0,-1 1 0,2-10 0,0-8 0,-1 0 0,-3-45 0,-1 118 0,0-22 0,1 0 0,3 36 0,-1-57 0,-1 0 0,1 0 0,0-1 0,1 1 0,-1 0 0,1-1 0,0 1 0,1-1 0,-1 1 0,1-1 0,0 0 0,0 0 0,1-1 0,-1 1 0,1-1 0,8 8 0,-8-9 0,0-1 0,0 1 0,0-1 0,0 0 0,1 0 0,-1 0 0,1-1 0,-1 1 0,1-1 0,-1 0 0,1 0 0,0-1 0,0 0 0,-1 1 0,1-2 0,0 1 0,0 0 0,-1-1 0,1 0 0,0 0 0,-1 0 0,1-1 0,-1 0 0,8-4 0,-6 3 0,-1 0 0,0-1 0,0 0 0,-1 0 0,1 0 0,-1 0 0,0-1 0,0 1 0,0-1 0,-1 0 0,1-1 0,-1 1 0,-1 0 0,1-1 0,-1 0 0,0 1 0,0-1 0,2-11 0,-1-14 0,-2-1 0,-2-42 0,1 67 0,-2 134 0,3 80 0,0-199-41,-1-1 0,1 0-1,0 0 1,1 0-1,-1-1 1,2 1 0,-1 0-1,1-1 1,0 1 0,0-1-1,0 0 1,1 0-1,0 0 1,0 0 0,1-1-1,0 0 1,0 0 0,0 0-1,0 0 1,1-1-1,0 0 1,0 0 0,0 0-1,0-1 1,0 0 0,1 0-1,-1-1 1,1 0-1,0 0 1,0 0 0,0-1-1,13 1 1,2-1-6785</inkml:trace>
+  <inkml:trace contextRef="#ctx0" brushRef="#br0">0 81 24575,'1'-1'0,"-1"-1"0,0 1 0,1 0 0,-1 0 0,1 0 0,-1 0 0,1 0 0,-1 1 0,1-1 0,0 0 0,-1 0 0,1 0 0,0 0 0,0 1 0,0-1 0,0 0 0,-1 1 0,1-1 0,0 1 0,0-1 0,0 1 0,0-1 0,0 1 0,1 0 0,-1-1 0,0 1 0,2 0 0,37-6 0,-28 4 0,40-7 0,-22 3 0,1 1 0,45-2 0,-60 6 33,0 0-1,-1-2 0,19-4 0,21-4-1526,-35 9-5332</inkml:trace>
 </inkml:ink>
 </file>
 
@@ -3672,7 +4092,7 @@
           <inkml:channelProperty channel="F" name="resolution" value="0" units="1/dev"/>
         </inkml:channelProperties>
       </inkml:inkSource>
-      <inkml:timestamp xml:id="ts0" timeString="2025-05-02T20:37:51.305"/>
+      <inkml:timestamp xml:id="ts0" timeString="2025-05-02T20:37:41.035"/>
     </inkml:context>
     <inkml:brush xml:id="br0">
       <inkml:brushProperty name="width" value="0.035" units="cm"/>
@@ -3680,7 +4100,7 @@
       <inkml:brushProperty name="color" value="#E71224"/>
     </inkml:brush>
   </inkml:definitions>
-  <inkml:trace contextRef="#ctx0" brushRef="#br0">0 1 24575,'0'15'0,"1"1"0,0 0 0,0 0 0,2-1 0,4 18 0,-4-25 0,1 1 0,0-1 0,0 0 0,0 0 0,1 0 0,1-1 0,-1 1 0,1-1 0,0 0 0,8 6 0,-3-3 0,1 0 0,-1 0 0,1-1 0,1-1 0,0 0 0,0-1 0,1-1 0,20 8 0,-30-13 0,0 0 0,0 0 0,0 0 0,0 0 0,1-1 0,-1 0 0,0 0 0,0 0 0,1 0 0,-1-1 0,0 1 0,0-1 0,0 0 0,0-1 0,0 1 0,0-1 0,0 1 0,0-1 0,-1 0 0,1-1 0,-1 1 0,1-1 0,-1 1 0,0-1 0,0 0 0,0 0 0,0 0 0,0-1 0,-1 1 0,0-1 0,0 1 0,0-1 0,0 0 0,1-4 0,2-5 0,-1 0 0,-1 0 0,0 0 0,-1 0 0,-1 0 0,0-1 0,0 1 0,-1 0 0,-1-1 0,-3-15 0,4 29 0,0-1 0,1 1 0,-1-1 0,0 1 0,0 0 0,0-1 0,0 1 0,0-1 0,0 1 0,-1 0 0,1-1 0,0 1 0,0-1 0,0 1 0,0 0 0,0-1 0,-1 1 0,1 0 0,0-1 0,0 1 0,0 0 0,-1-1 0,1 1 0,0 0 0,-1 0 0,1-1 0,0 1 0,0 0 0,-1 0 0,1-1 0,-1 1 0,1 0 0,0 0 0,-1 0 0,0-1 0,-6 14 0,-4 22 0,2 3 0,1 1 0,3 0 0,-3 64 0,8-73 0,2 1 0,0-1 0,10 42 0,-10-62 0,1-1 0,0 1 0,1-1 0,0 0 0,0 0 0,0 0 0,2 0 0,-1-1 0,1 0 0,0 0 0,0 0 0,1-1 0,0 0 0,12 9 0,-15-13-136,1-1-1,0 1 1,0-1-1,0 0 1,0-1-1,0 1 1,1-1-1,-1 0 0,9 1 1,7 0-6690</inkml:trace>
+  <inkml:trace contextRef="#ctx0" brushRef="#br0">57 1 24575,'-2'0'0,"0"0"0,0 1 0,0 0 0,0-1 0,0 1 0,0 0 0,0 0 0,0 0 0,0 0 0,1 0 0,-1 1 0,0-1 0,1 0 0,-1 1 0,0-1 0,1 1 0,0 0 0,-1 0 0,1-1 0,0 1 0,0 0 0,0 0 0,0 0 0,1 0 0,-1 0 0,0 0 0,0 2 0,-2 7 0,1 0 0,-1 0 0,0 19 0,2-22 0,-2 38 0,3 53 0,1-87 0,0-1 0,0 1 0,2 0 0,-1-1 0,1 1 0,1-1 0,0 0 0,0 0 0,12 20 0,-13-27 0,1-1 0,-1 0 0,0 1 0,1-1 0,0 0 0,0-1 0,0 1 0,0-1 0,0 1 0,0-1 0,1 0 0,-1-1 0,1 1 0,-1-1 0,1 0 0,0 0 0,-1-1 0,1 1 0,0-1 0,0 0 0,-1 0 0,1 0 0,6-2 0,-5 1 0,0 0 0,-1 0 0,1 0 0,-1-1 0,0 0 0,1 0 0,-1 0 0,0-1 0,0 1 0,0-1 0,-1-1 0,1 1 0,-1-1 0,1 1 0,-1-1 0,0 0 0,-1-1 0,1 1 0,3-6 0,3-16 0,0-1 0,-2 0 0,-1 0 0,-2-1 0,0 0 0,-2 0 0,0 0 0,-3-41 0,-1 55 0,2 36 0,2 41 0,7-1 0,-3 0 0,-2 88 0,-4-131 0,1 0 0,1 0 0,5 20 0,-4-18 0,0 0 0,1 25 0,-4-9 0,-3 270 0,1-300 0,0-1 0,-1 1 0,0-1 0,0 1 0,0-1 0,-1 0 0,0 0 0,0 0 0,0-1 0,-1 1 0,0-1 0,0 1 0,0-1 0,-1-1 0,1 1 0,-1 0 0,0-1 0,-1 0 0,1-1 0,-1 1 0,1-1 0,-1 0 0,0 0 0,-1-1 0,-8 3 0,7-2 0,0-1 0,0 0 0,0-1 0,0 0 0,0 0 0,0-1 0,0 0 0,0 0 0,0-1 0,0 0 0,0 0 0,0-1 0,0 0 0,0-1 0,0 1 0,1-2 0,0 1 0,-1-1 0,1 0 0,-10-8 0,12 7 0,-1 0 0,1-1 0,1 0 0,-1 0 0,1 0 0,0-1 0,0 1 0,1-1 0,0 0 0,0 0 0,1 0 0,0-1 0,0 1 0,-2-13 0,1-10 0,2 0 0,2-43 0,1 29 0,-2 37 4,1-1 0,0 0 0,0 0 1,1 0-1,-1 1 0,2-1 0,-1 1 0,1 0 0,1-1 0,-1 1 0,1 1 0,0-1 0,1 0 0,-1 1 0,1 0 0,11-10 1,4-1-125,1 1 0,0 1 0,40-22 0,-15 10-835,-30 17-5871</inkml:trace>
 </inkml:ink>
 </file>
 
@@ -3700,7 +4120,7 @@
           <inkml:channelProperty channel="F" name="resolution" value="0" units="1/dev"/>
         </inkml:channelProperties>
       </inkml:inkSource>
-      <inkml:timestamp xml:id="ts0" timeString="2025-05-02T20:37:51.937"/>
+      <inkml:timestamp xml:id="ts0" timeString="2025-05-02T20:37:41.363"/>
     </inkml:context>
     <inkml:brush xml:id="br0">
       <inkml:brushProperty name="width" value="0.035" units="cm"/>
@@ -3708,7 +4128,7 @@
       <inkml:brushProperty name="color" value="#E71224"/>
     </inkml:brush>
   </inkml:definitions>
-  <inkml:trace contextRef="#ctx0" brushRef="#br0">343 214 24575,'1'-14'0,"-1"1"0,-1 0 0,0 0 0,-1 0 0,-1-1 0,0 2 0,0-1 0,-8-16 0,8 24 0,0 0 0,0-1 0,0 2 0,-1-1 0,0 0 0,0 1 0,-1-1 0,1 1 0,-1 1 0,0-1 0,0 0 0,0 1 0,0 0 0,0 0 0,-1 1 0,0 0 0,1 0 0,-1 0 0,0 0 0,-9 0 0,8 0 0,0 1 0,0 0 0,0 1 0,-1 0 0,1 0 0,0 0 0,0 1 0,0 0 0,0 0 0,0 1 0,-12 4 0,15-3 0,-1-1 0,1 1 0,0-1 0,-1 1 0,1 1 0,1-1 0,-1 0 0,0 1 0,1 0 0,0 0 0,0 0 0,0 0 0,0 0 0,1 1 0,0-1 0,0 1 0,-2 6 0,-10 31 0,2 1 0,2 0 0,-7 65 0,17-99 0,0 0 0,0 0 0,1 0 0,1 0 0,-1 0 0,1 0 0,1-1 0,-1 1 0,1-1 0,1 1 0,0-1 0,0 0 0,1-1 0,9 14 0,-11-17 0,0 0 0,0 0 0,1-1 0,-1 1 0,1-1 0,0 0 0,0 0 0,0 0 0,1-1 0,-1 1 0,1-1 0,-1 0 0,1 0 0,0-1 0,-1 1 0,1-1 0,0 0 0,0-1 0,0 1 0,0-1 0,0 0 0,0 0 0,0 0 0,0-1 0,0 1 0,0-1 0,9-4 0,-9 3 0,0 0 0,0 0 0,-1-1 0,1 0 0,-1 0 0,0 0 0,0 0 0,0-1 0,0 0 0,0 0 0,-1 0 0,0 0 0,0 0 0,0 0 0,0-1 0,-1 0 0,4-8 0,1-7 0,-2 0 0,0 0 0,3-27 0,-1 6 0,-3 15 0,-1 0 0,-1-33 0,-4 108 0,0-15 0,2 0 0,5 57 0,-4-83 0,0 0 0,1 1 0,0-1 0,0 0 0,1 0 0,0 0 0,0-1 0,1 1 0,0-1 0,0 0 0,1 0 0,0 0 0,0 0 0,0-1 0,1 0 0,11 9 0,-13-12 6,0 0 0,1-1-1,0 1 1,-1-1 0,1 0-1,0-1 1,0 1 0,0-1 0,0 0-1,0 0 1,1-1 0,-1 1-1,0-1 1,0 0 0,0 0-1,0-1 1,1 0 0,-1 0 0,0 0-1,9-4 1,-7 2-105,-1 0 0,1 0 0,-1-1 0,0 1 0,0-2 0,0 1 0,0-1 0,-1 0 0,0 0 0,0 0 0,0-1 0,-1 1 0,0-1 0,5-9 0,0-4-6727</inkml:trace>
+  <inkml:trace contextRef="#ctx0" brushRef="#br0">0 1 24575,'2'40'0,"1"-1"0,2 1 0,19 73 0,50 116 0,-32-107 0,-24-66 0,-2 0 0,14 96 0,-22-111 0,-5-33 0,-6-28 0,-3-8-455,-1 1 0,-20-49 0,19 60-6371</inkml:trace>
 </inkml:ink>
 </file>
 
@@ -3728,7 +4148,7 @@
           <inkml:channelProperty channel="F" name="resolution" value="0" units="1/dev"/>
         </inkml:channelProperties>
       </inkml:inkSource>
-      <inkml:timestamp xml:id="ts0" timeString="2025-05-02T20:37:52.185"/>
+      <inkml:timestamp xml:id="ts0" timeString="2025-05-02T20:37:41.656"/>
     </inkml:context>
     <inkml:brush xml:id="br0">
       <inkml:brushProperty name="width" value="0.035" units="cm"/>
@@ -3736,7 +4156,7 @@
       <inkml:brushProperty name="color" value="#E71224"/>
     </inkml:brush>
   </inkml:definitions>
-  <inkml:trace contextRef="#ctx0" brushRef="#br0">1 1 24575,'0'21'0,"0"15"0,0-1 0,3 1 0,11 59 0,-1-36 0,28 92 0,-38-137 120,-3-15-143,0 1 0,0 0-1,0 0 1,0 0 0,0 0 0,-1 0 0,1 0-1,0 0 1,0 0 0,0 0 0,0 0 0,0 0-1,-1 0 1,1 0 0,0 0 0,0 0 0,0 0-1,0 0 1,0 0 0,-1 0 0,1 0-1,0 0 1,0 0 0,0 0 0,0 1 0,0-1-1,0 0 1,0 0 0,-1 0 0,1 0 0,0 0-1,0 0 1,0 0 0,0 0 0,0 1 0,0-1-1,0 0 1,0 0 0,0 0 0,0 0 0,0 0-1,0 0 1,-1 1 0,1-1 0,0 0 0,0 0-1,0 0 1,0 0 0,0 0 0,0 0 0,0 1-1,0-1 1,0 0 0,1 0 0,-1 0 0,0 0-1,0 0 1,0 1 0,0-1 0,0 0 0,0 0-1,0 0 1,0 0 0</inkml:trace>
+  <inkml:trace contextRef="#ctx0" brushRef="#br0">0 85 24575,'1'-3'0,"0"0"0,0 0 0,0 1 0,0-1 0,1 1 0,-1-1 0,1 1 0,-1 0 0,1-1 0,0 1 0,0 0 0,0 0 0,0 0 0,0 0 0,0 1 0,1-1 0,-1 1 0,3-2 0,48-24 0,-42 24 0,1 0 0,-1 0 0,1 1 0,-1 1 0,1-1 0,0 2 0,-1 0 0,23 3 0,-30-3 0,0 1 0,0-1 0,-1 1 0,1 0 0,0 1 0,-1-1 0,1 1 0,-1-1 0,1 1 0,-1 0 0,0 0 0,0 1 0,0-1 0,0 1 0,0-1 0,-1 1 0,1 0 0,-1 0 0,1 0 0,-1 0 0,0 1 0,0-1 0,-1 0 0,1 1 0,-1 0 0,0-1 0,0 1 0,0 0 0,1 7 0,-1 3 0,0 1 0,-1 0 0,-1-1 0,-1 1 0,0 0 0,0-1 0,-2 0 0,0 1 0,0-1 0,-1-1 0,-1 1 0,-1-1 0,1 0 0,-2 0 0,0-1 0,0 0 0,-2-1 0,1 1 0,-1-2 0,-1 1 0,-13 9 0,19-16-195,-1-1 0,1-1 0,-1 1 0,0-1 0,0 0 0,-9 2 0,5-2-6631</inkml:trace>
 </inkml:ink>
 </file>
 
@@ -3756,7 +4176,7 @@
           <inkml:channelProperty channel="F" name="resolution" value="0" units="1/dev"/>
         </inkml:channelProperties>
       </inkml:inkSource>
-      <inkml:timestamp xml:id="ts0" timeString="2025-05-02T20:37:52.447"/>
+      <inkml:timestamp xml:id="ts0" timeString="2025-05-02T20:37:42.079"/>
     </inkml:context>
     <inkml:brush xml:id="br0">
       <inkml:brushProperty name="width" value="0.035" units="cm"/>
@@ -3764,7 +4184,7 @@
       <inkml:brushProperty name="color" value="#E71224"/>
     </inkml:brush>
   </inkml:definitions>
-  <inkml:trace contextRef="#ctx0" brushRef="#br0">0 48 24575,'20'-1'0,"-1"-1"0,37-9 0,-35 6 0,-1 1 0,29-1 0,32 5-50,-51 1-213,1-1 0,-1-1 0,1-2 0,42-9 0,-55 7-6563</inkml:trace>
+  <inkml:trace contextRef="#ctx0" brushRef="#br0">3 113 24575,'-1'44'0,"0"-24"0,0 0 0,2 0 0,0 0 0,1-1 0,5 24 0,-6-39 0,1 0 0,-1 1 0,1-1 0,0 0 0,0 0 0,0 0 0,0 0 0,1-1 0,-1 1 0,1-1 0,0 1 0,0-1 0,1 0 0,-1 0 0,1 0 0,-1-1 0,1 1 0,0-1 0,0 0 0,0 0 0,0 0 0,0-1 0,1 1 0,-1-1 0,0 0 0,1 0 0,-1 0 0,6-1 0,-5 1 0,0-1 0,0 0 0,0-1 0,0 1 0,0-1 0,0 0 0,0 0 0,0-1 0,0 1 0,0-1 0,-1 0 0,1-1 0,-1 1 0,1-1 0,-1 0 0,0 0 0,0 0 0,0 0 0,-1-1 0,1 1 0,-1-1 0,0 0 0,0 0 0,0-1 0,0 1 0,-1 0 0,1-1 0,-1 0 0,-1 1 0,3-10 0,0 1 0,0-1 0,-2 1 0,1 0 0,-2-1 0,0 0 0,0 1 0,-2-1 0,1 1 0,-2-1 0,-5-23 0,5 29 0,-1 1 0,0 0 0,0 0 0,-1 0 0,0 0 0,0 1 0,-1-1 0,0 1 0,0 0 0,0 0 0,-1 1 0,0 0 0,0 0 0,0 0 0,-8-4 0,11 7 0,0 0 0,0 1 0,0-1 0,0 1 0,-1 0 0,1 0 0,0 0 0,0 1 0,-1-1 0,1 1 0,0 0 0,-1 0 0,1 0 0,-1 0 0,1 0 0,0 1 0,-1-1 0,1 1 0,0 0 0,0 0 0,0 0 0,0 1 0,0-1 0,0 1 0,0 0 0,0 0 0,0 0 0,1 0 0,-1 0 0,1 0 0,-1 1 0,1-1 0,0 1 0,0-1 0,0 1 0,0 0 0,-1 5 0,0-4 11,1 0 0,0 1 0,0 0 0,0 0 0,1-1 0,-1 1-1,1 0 1,0 0 0,1 0 0,-1 9 0,1-12-73,0 1 0,0-1 0,1 1 0,-1-1 1,1 1-1,-1-1 0,1 0 0,0 1 0,0-1 0,0 0 0,0 0 0,0 1 1,1-1-1,-1 0 0,0 0 0,1 0 0,0-1 0,-1 1 0,1 0 0,0-1 1,0 1-1,0-1 0,3 2 0,12 4-6764</inkml:trace>
 </inkml:ink>
 </file>
 
@@ -3784,7 +4204,7 @@
           <inkml:channelProperty channel="F" name="resolution" value="0" units="1/dev"/>
         </inkml:channelProperties>
       </inkml:inkSource>
-      <inkml:timestamp xml:id="ts0" timeString="2025-05-02T20:37:53.923"/>
+      <inkml:timestamp xml:id="ts0" timeString="2025-05-02T20:37:42.359"/>
     </inkml:context>
     <inkml:brush xml:id="br0">
       <inkml:brushProperty name="width" value="0.035" units="cm"/>
@@ -3792,7 +4212,7 @@
       <inkml:brushProperty name="color" value="#E71224"/>
     </inkml:brush>
   </inkml:definitions>
-  <inkml:trace contextRef="#ctx0" brushRef="#br0">0 1 24575,'0'4'0,"0"6"0,0 6 0,5 1 0,1 1 0,0 2 0,3-2 0,0 0 0,-1 2 0,-2 2 0,-3 2 0,-1 1 0,-1 0 0,-1 2 0,-4-5 0,-7-6 0,-1-5-8191</inkml:trace>
+  <inkml:trace contextRef="#ctx0" brushRef="#br0">31 1 24575,'1'31'0,"-3"0"0,0 0 0,-10 44 0,4-27 0,3 0 0,2 1 0,6 88 0,0-32 0,-3-87-1365,-1-7-5461</inkml:trace>
 </inkml:ink>
 </file>
 
@@ -3812,7 +4232,7 @@
           <inkml:channelProperty channel="F" name="resolution" value="0" units="1/dev"/>
         </inkml:channelProperties>
       </inkml:inkSource>
-      <inkml:timestamp xml:id="ts0" timeString="2025-05-02T20:37:54.731"/>
+      <inkml:timestamp xml:id="ts0" timeString="2025-05-02T20:37:42.822"/>
     </inkml:context>
     <inkml:brush xml:id="br0">
       <inkml:brushProperty name="width" value="0.035" units="cm"/>
@@ -3820,7 +4240,7 @@
       <inkml:brushProperty name="color" value="#E71224"/>
     </inkml:brush>
   </inkml:definitions>
-  <inkml:trace contextRef="#ctx0" brushRef="#br0">1 43 24575,'0'29'0,"0"1"0,2-1 0,0 1 0,3-1 0,0 0 0,17 51 0,-5-33 0,-9-22 0,1-1 0,22 42 0,-19-128 0,-8 53 0,1 0 0,0 1 0,0 0 0,1 0 0,1 0 0,-1 1 0,1-1 0,0 2 0,10-8 0,-9 8 0,-1-1 0,0 1 0,0-1 0,0 0 0,-1 0 0,0-1 0,-1 0 0,0 0 0,0 0 0,6-16 0,-1-8 0,-2-1 0,-1 0 0,-2 0 0,2-54 0,-8 124 0,0 11 0,7 53 0,-4-84 0,0 0 0,2-1 0,0 1 0,1-1 0,0 0 0,2 0 0,10 19 0,-2-6-103,-12-22 6,1 1 0,0-1 0,0 0 0,0 0-1,1 0 1,0-1 0,0 0 0,0 1 0,1-2 0,0 1 0,0-1 0,13 8 0,-3-6-6729</inkml:trace>
+  <inkml:trace contextRef="#ctx0" brushRef="#br0">255 1 24575,'-2'5'0,"0"0"0,0 0 0,-1 0 0,0-1 0,0 1 0,0-1 0,0 1 0,-1-1 0,0 0 0,0 0 0,0-1 0,-5 4 0,-2 4 0,-9 7 0,-40 28 0,44-35 0,1 0 0,0 1 0,1 0 0,0 2 0,-20 23 0,33-35 0,0-1 0,0 0 0,0 0 0,1 0 0,-1 1 0,0-1 0,0 0 0,1 1 0,-1-1 0,1 1 0,0-1 0,-1 1 0,1-1 0,0 1 0,0-1 0,0 1 0,0-1 0,0 1 0,0-1 0,0 1 0,0-1 0,1 1 0,-1-1 0,0 1 0,1-1 0,0 0 0,-1 1 0,1-1 0,0 0 0,-1 1 0,1-1 0,0 0 0,0 0 0,0 0 0,0 0 0,0 0 0,1 0 0,-1 0 0,0 0 0,0 0 0,3 1 0,8 4 0,-1-1 0,1 0 0,0-1 0,18 4 0,10 5 0,-22-4-170,-1 0-1,0 2 0,0 0 1,-1 0-1,-1 2 0,0 0 1,21 23-1,-26-23-6655</inkml:trace>
 </inkml:ink>
 </file>
 
@@ -3840,7 +4260,7 @@
           <inkml:channelProperty channel="F" name="resolution" value="0" units="1/dev"/>
         </inkml:channelProperties>
       </inkml:inkSource>
-      <inkml:timestamp xml:id="ts0" timeString="2025-05-02T20:37:55.118"/>
+      <inkml:timestamp xml:id="ts0" timeString="2025-05-02T20:37:46.402"/>
     </inkml:context>
     <inkml:brush xml:id="br0">
       <inkml:brushProperty name="width" value="0.035" units="cm"/>
@@ -3848,7 +4268,7 @@
       <inkml:brushProperty name="color" value="#E71224"/>
     </inkml:brush>
   </inkml:definitions>
-  <inkml:trace contextRef="#ctx0" brushRef="#br0">52 339 24575,'2'-3'0,"-1"1"0,1-1 0,-1 1 0,1 0 0,0 0 0,0-1 0,0 1 0,0 0 0,0 1 0,1-1 0,-1 0 0,0 1 0,1-1 0,3-1 0,15-12 0,-15 7 0,0 0 0,-1 0 0,1 0 0,-2-1 0,1 1 0,-1-1 0,-1 0 0,0-1 0,0 1 0,-1 0 0,2-12 0,-2 0 0,0 0 0,-2-1 0,-4-42 0,4 62 0,0-1 0,-1 0 0,1 1 0,-1-1 0,0 1 0,1-1 0,-1 1 0,0-1 0,-1 1 0,1 0 0,0-1 0,-1 1 0,1 0 0,-3-3 0,3 4 0,0 0 0,-1 0 0,1 1 0,0-1 0,0 0 0,-1 1 0,1-1 0,-1 0 0,1 1 0,0 0 0,-1-1 0,1 1 0,-1 0 0,1 0 0,-1-1 0,1 1 0,-1 0 0,-2 1 0,0 0 0,0 0 0,0 0 0,0 1 0,0 0 0,0 0 0,0 0 0,1 0 0,-1 0 0,1 1 0,-1-1 0,1 1 0,0 0 0,0 0 0,0 0 0,-4 7 0,0 2 0,0 0 0,1 1 0,0 0 0,1 1 0,0-1 0,1 1 0,1 0 0,0 0 0,1 0 0,0 0 0,1 0 0,1 0 0,2 24 0,0-31 0,1 0 0,0 1 0,0-1 0,1 0 0,0 0 0,0-1 0,0 1 0,1-1 0,0 0 0,0 0 0,1-1 0,0 0 0,0 0 0,0 0 0,0 0 0,1-1 0,9 5 0,2-1 0,-1 0 0,2 0 0,-1-2 0,1 0 0,36 5 0,-51-10-195,1 0 0,0-1 0,0 0 0,0 0 0,0 0 0,8-2 0,3-4-6631</inkml:trace>
+  <inkml:trace contextRef="#ctx0" brushRef="#br0">0 262 24575,'51'-1'0,"6"0"0,0 3 0,97 14 0,-48-4 0,-72-9 0,48 9 0,-52-7 0,46 3 0,-46-6 0,45 9 0,-46-7 0,0 0 0,1-2 0,49-3 0,35 3 0,-42 10 0,-53-7 0,0-1 0,30 1 0,-19-4 0,1 1 0,50 11 0,-67-10 0,0 0 0,0-1 0,0 0 0,0-1 0,27-2 0,-41 1 0,0 0 0,0 0 0,1 0 0,-1 0 0,0 0 0,0 0 0,0-1 0,1 1 0,-1 0 0,0 0 0,0 0 0,0 0 0,1 0 0,-1 0 0,0-1 0,0 1 0,0 0 0,0 0 0,0 0 0,1-1 0,-1 1 0,0 0 0,0 0 0,0 0 0,0-1 0,0 1 0,0 0 0,0 0 0,0 0 0,0-1 0,0 1 0,0 0 0,0 0 0,0-1 0,0 1 0,0 0 0,0 0 0,0 0 0,0-1 0,0 1 0,0 0 0,0 0 0,-8-15 0,-12-10 0,20 25 0,-173-172 0,73 97 0,-10-8 0,110 83 0,-1-1 0,1 1 0,-1 0 0,1 0 0,-1-1 0,1 1 0,-1 0 0,1-1 0,-1 1 0,1-1 0,0 1 0,-1 0 0,1-1 0,0 1 0,-1-1 0,1 1 0,0-1 0,0 1 0,-1-1 0,1 1 0,0-1 0,0 0 0,0 1 0,0-1 0,0 1 0,0-1 0,0 1 0,0-1 0,0 0 0,0 0 0,16 0 0,26 11 0,219 115 0,-255-122 0,47 25 0,62 45 0,-101-62 0,0-1 0,-1 2 0,0-1 0,-1 2 0,-1 0 0,0 0 0,0 1 0,-2 0 0,11 20 0,-19-32 0,0 0 0,0 0 0,0 0 0,0 0 0,-1 0 0,1 0 0,-1 0 0,1 0 0,-1 0 0,0 0 0,1 0 0,-1 1 0,0-1 0,-1 0 0,1 0 0,0 0 0,-1 0 0,1 0 0,-1 0 0,1 0 0,-1 0 0,0 0 0,0 0 0,-1 3 0,-1-3 0,0 1 0,0 0 0,1-1 0,-2 0 0,1 0 0,0 0 0,0 0 0,-1 0 0,1 0 0,0-1 0,-1 0 0,-6 2 0,-10 1 0,-1-1 0,1-1 0,-39-1 0,-13-3 0,-96 2 0,146 4-1365,5 2-5461</inkml:trace>
 </inkml:ink>
 </file>
 
@@ -3868,7 +4288,7 @@
           <inkml:channelProperty channel="F" name="resolution" value="0" units="1/dev"/>
         </inkml:channelProperties>
       </inkml:inkSource>
-      <inkml:timestamp xml:id="ts0" timeString="2025-05-02T20:37:55.754"/>
+      <inkml:timestamp xml:id="ts0" timeString="2025-05-02T20:37:47.359"/>
     </inkml:context>
     <inkml:brush xml:id="br0">
       <inkml:brushProperty name="width" value="0.035" units="cm"/>
@@ -3876,7 +4296,7 @@
       <inkml:brushProperty name="color" value="#E71224"/>
     </inkml:brush>
   </inkml:definitions>
-  <inkml:trace contextRef="#ctx0" brushRef="#br0">0 378 24575,'1'1'0,"-1"0"0,0 0 0,1 0 0,-1 0 0,0 0 0,1 0 0,0 0 0,-1 0 0,1 0 0,-1 0 0,1 0 0,0 0 0,0 0 0,-1-1 0,1 1 0,0 0 0,0 0 0,0-1 0,0 1 0,0-1 0,0 1 0,0-1 0,0 1 0,0-1 0,0 1 0,0-1 0,1 0 0,-1 0 0,0 0 0,0 0 0,0 0 0,0 0 0,0 0 0,0 0 0,1 0 0,-1 0 0,0 0 0,1-1 0,2 1 0,0-1 0,1 0 0,-1 1 0,0-1 0,-1-1 0,1 1 0,0 0 0,0-1 0,6-3 0,-5 0 0,-1 0 0,1 0 0,-1 0 0,0 0 0,-1-1 0,1 1 0,-1-1 0,0 0 0,0 0 0,3-10 0,11-69 0,-9 38 0,-4 30 0,-1 1 0,-1-1 0,0 0 0,-1 0 0,-1 0 0,-1 0 0,0 1 0,-4-19 0,5 34 0,0 1 0,0-1 0,0 1 0,0-1 0,0 1 0,-1-1 0,1 1 0,0-1 0,0 1 0,0-1 0,0 1 0,-1 0 0,1-1 0,0 1 0,0-1 0,-1 1 0,1-1 0,0 1 0,-1 0 0,1-1 0,0 1 0,-1 0 0,1-1 0,-1 1 0,1 0 0,-1 0 0,1-1 0,0 1 0,-1 0 0,0 0 0,-6 13 0,1 25 0,-7 47 0,8-62 0,-4 46 0,9-61 0,0 0 0,1 1 0,0-1 0,0 0 0,1 0 0,0 0 0,0 0 0,0 0 0,7 11 0,-5-10 0,0 0 0,2 0 0,-1-1 0,1 0 0,0 0 0,0-1 0,1 1 0,0-1 0,1-1 0,9 8 0,-14-12 0,0 0 0,1-1 0,-1 1 0,1-1 0,-1 0 0,1 1 0,0-1 0,0-1 0,-1 1 0,1-1 0,0 1 0,0-1 0,0 0 0,-1-1 0,1 1 0,0-1 0,0 1 0,-1-1 0,1 0 0,0 0 0,-1-1 0,1 1 0,-1-1 0,1 0 0,-1 0 0,0 0 0,0 0 0,0-1 0,4-3 0,0-1 0,1-1 0,-1 0 0,-1 0 0,1 0 0,-1-1 0,-1 0 0,0 0 0,0-1 0,-1 1 0,0-1 0,-1 0 0,4-14 0,-3 1 0,0 0 0,-1-1 0,-1 1 0,-2-32 0,-2 118 0,0-40 0,1 0 0,2 0 0,0 0 0,7 39 0,-7-56 0,0 0 0,1-1 0,0 1 0,1 0 0,-1-1 0,1 0 0,0 1 0,0-1 0,0 0 0,1 0 0,0-1 0,0 1 0,0-1 0,1 0 0,-1 0 0,1 0 0,0-1 0,0 0 0,0 0 0,1 0 0,-1 0 0,1-1 0,8 3 0,10 1-1365,-1-2-5461</inkml:trace>
+  <inkml:trace contextRef="#ctx0" brushRef="#br0">33 1 24575,'1'30'0,"-3"0"0,0 0 0,-11 48 0,6-39 0,2 1 0,2 0 0,2 0 0,1 1 0,6 41 0,20 41-1365,-25-113-5461</inkml:trace>
 </inkml:ink>
 </file>
 
@@ -3924,7 +4344,7 @@
           <inkml:channelProperty channel="F" name="resolution" value="0" units="1/dev"/>
         </inkml:channelProperties>
       </inkml:inkSource>
-      <inkml:timestamp xml:id="ts0" timeString="2025-05-02T20:37:56.345"/>
+      <inkml:timestamp xml:id="ts0" timeString="2025-05-02T20:37:47.868"/>
     </inkml:context>
     <inkml:brush xml:id="br0">
       <inkml:brushProperty name="width" value="0.035" units="cm"/>
@@ -3932,7 +4352,7 @@
       <inkml:brushProperty name="color" value="#E71224"/>
     </inkml:brush>
   </inkml:definitions>
-  <inkml:trace contextRef="#ctx0" brushRef="#br0">188 50 24575,'1'-2'0,"-1"0"0,-1 0 0,1 0 0,0 0 0,0 0 0,-1 0 0,1 0 0,-1 0 0,0 0 0,1 0 0,-1 0 0,0 1 0,0-1 0,0 0 0,0 1 0,-1-1 0,1 0 0,0 1 0,-1 0 0,1-1 0,-1 1 0,1 0 0,-1 0 0,0 0 0,1 0 0,-1 0 0,0 0 0,0 0 0,0 0 0,0 1 0,0-1 0,0 1 0,0-1 0,0 1 0,0 0 0,-3 0 0,1 0 0,0 0 0,0 0 0,-1 1 0,1-1 0,0 1 0,0 0 0,1 0 0,-1 1 0,0-1 0,0 1 0,1 0 0,-1 0 0,0 0 0,1 0 0,0 1 0,0-1 0,-5 5 0,-1 4 0,2 1 0,-1-1 0,1 1 0,1 1 0,0-1 0,1 1 0,-6 21 0,9-26 0,0 1 0,0-1 0,1 0 0,0 1 0,0-1 0,1 1 0,0 0 0,1-1 0,0 1 0,0-1 0,1 0 0,0 1 0,4 10 0,-4-16 0,0 0 0,-1 0 0,1-1 0,0 1 0,1 0 0,-1-1 0,0 0 0,1 1 0,-1-1 0,1 0 0,0 0 0,0 0 0,0-1 0,-1 1 0,2-1 0,-1 1 0,0-1 0,0 0 0,0 0 0,1-1 0,-1 1 0,0-1 0,1 1 0,-1-1 0,0 0 0,1 0 0,-1-1 0,4 0 0,-3 1 0,1-1 0,-1 0 0,0 0 0,1 0 0,-1-1 0,0 1 0,0-1 0,0 0 0,0 0 0,-1 0 0,1-1 0,0 0 0,-1 1 0,0-1 0,1 0 0,-1-1 0,-1 1 0,1 0 0,0-1 0,-1 0 0,3-3 0,3-15 0,0-1 0,-2 1 0,0-1 0,4-38 0,-10 76 0,0 0 0,1 0 0,0 0 0,2 0 0,0 0 0,0 0 0,8 19 0,-7-25 0,0-1 0,0 0 0,1 0 0,0 0 0,1 0 0,-1-1 0,1 0 0,1 0 0,0 0 0,0-1 0,0 0 0,0-1 0,12 7 0,9 12-1365,-19-10-5461</inkml:trace>
+  <inkml:trace contextRef="#ctx0" brushRef="#br0">0 41 24575,'1'-2'0,"-1"1"0,1 0 0,-1 0 0,1 0 0,-1 0 0,1 0 0,0 0 0,0 0 0,-1 0 0,1 0 0,0 0 0,0 0 0,0 0 0,0 0 0,0 1 0,0-1 0,0 0 0,0 1 0,0-1 0,1 1 0,-1-1 0,0 1 0,0-1 0,0 1 0,1 0 0,-1 0 0,2 0 0,41-6 0,-39 6 0,183 1 0,25-3 0,-178-5 0,-29 6 0,0-1 0,0 1 0,1 0 0,-1 0 0,1 1 0,12 1 0,-17-1 0,0 1 0,0-1 0,-1 1 0,1 0 0,0 0 0,0 0 0,0 0 0,-1 0 0,1 0 0,0 1 0,-1-1 0,1 1 0,-1-1 0,0 1 0,1-1 0,-1 1 0,0 0 0,0-1 0,0 1 0,0 0 0,0 0 0,0 0 0,-1 0 0,1 0 0,-1 0 0,1 3 0,9 81 0,0-4 0,27 145 0,-26-166 120,-10-56-255,0 0 0,0 0 0,1-1 0,0 1 0,0-1 0,0 1 0,0-1 0,1 0 0,-1 0 0,4 4 0,1-4-6691</inkml:trace>
 </inkml:ink>
 </file>
 
@@ -3952,7 +4372,7 @@
           <inkml:channelProperty channel="F" name="resolution" value="0" units="1/dev"/>
         </inkml:channelProperties>
       </inkml:inkSource>
-      <inkml:timestamp xml:id="ts0" timeString="2025-05-02T20:37:57.058"/>
+      <inkml:timestamp xml:id="ts0" timeString="2025-05-02T20:37:48.115"/>
     </inkml:context>
     <inkml:brush xml:id="br0">
       <inkml:brushProperty name="width" value="0.035" units="cm"/>
@@ -3960,7 +4380,7 @@
       <inkml:brushProperty name="color" value="#E71224"/>
     </inkml:brush>
   </inkml:definitions>
-  <inkml:trace contextRef="#ctx0" brushRef="#br0">132 1 24575,'-1'10'0,"0"0"0,-2-1 0,1 1 0,-1 0 0,0-1 0,-1 1 0,-8 13 0,-7 22 0,9-15 0,1 0 0,-5 39 0,3-15 0,-2 26 0,0-11 40,9-60-181,2 1 1,0 0-1,0-1 1,0 1-1,2 0 1,-1 0-1,1 0 1,0 0-1,3 12 1,2-6-6686</inkml:trace>
+  <inkml:trace contextRef="#ctx0" brushRef="#br0">0 1 24575,'0'4'0,"0"7"0,5 0 0,1 4 0,4-1 0,1 1 0,2-1 0,0-3-8191</inkml:trace>
 </inkml:ink>
 </file>
 
@@ -3980,7 +4400,7 @@
           <inkml:channelProperty channel="F" name="resolution" value="0" units="1/dev"/>
         </inkml:channelProperties>
       </inkml:inkSource>
-      <inkml:timestamp xml:id="ts0" timeString="2025-05-02T20:37:57.338"/>
+      <inkml:timestamp xml:id="ts0" timeString="2025-05-02T20:37:48.411"/>
     </inkml:context>
     <inkml:brush xml:id="br0">
       <inkml:brushProperty name="width" value="0.035" units="cm"/>
@@ -3988,7 +4408,7 @@
       <inkml:brushProperty name="color" value="#E71224"/>
     </inkml:brush>
   </inkml:definitions>
-  <inkml:trace contextRef="#ctx0" brushRef="#br0">0 1 24575,'2'10'0,"0"0"0,1 0 0,0 0 0,0 0 0,1 0 0,0-1 0,7 12 0,0 2 0,121 220 0,-107-216-1365,-11-18-5461</inkml:trace>
+  <inkml:trace contextRef="#ctx0" brushRef="#br0">52 1 24575,'2'0'0,"-1"1"0,0-1 0,0 1 0,0-1 0,0 1 0,0 0 0,0-1 0,0 1 0,0 0 0,0 0 0,0 0 0,0 0 0,0 0 0,0 0 0,-1 0 0,1 0 0,0 0 0,-1 0 0,1 0 0,-1 0 0,0 0 0,1 1 0,-1-1 0,0 0 0,1 0 0,-1 1 0,0 1 0,5 40 0,-5-38 0,4 83 0,-8 119 0,0-182 11,-2-1 1,0 0-1,-1-1 0,-17 38 0,-3 9-1432,23-59-5405</inkml:trace>
 </inkml:ink>
 </file>
 
@@ -4008,7 +4428,7 @@
           <inkml:channelProperty channel="F" name="resolution" value="0" units="1/dev"/>
         </inkml:channelProperties>
       </inkml:inkSource>
-      <inkml:timestamp xml:id="ts0" timeString="2025-05-02T20:37:57.755"/>
+      <inkml:timestamp xml:id="ts0" timeString="2025-05-02T20:37:48.704"/>
     </inkml:context>
     <inkml:brush xml:id="br0">
       <inkml:brushProperty name="width" value="0.035" units="cm"/>
@@ -4016,7 +4436,7 @@
       <inkml:brushProperty name="color" value="#E71224"/>
     </inkml:brush>
   </inkml:definitions>
-  <inkml:trace contextRef="#ctx0" brushRef="#br0">57 109 24575,'-9'73'0,"5"-58"0,2 0 0,-1 1 0,2-1 0,0 1 0,2 24 0,0-36 0,0-1 0,0 1 0,0 0 0,0-1 0,0 1 0,1-1 0,-1 0 0,1 0 0,0 1 0,0-1 0,0 0 0,1-1 0,-1 1 0,1 0 0,-1-1 0,1 1 0,0-1 0,0 0 0,0 0 0,0 0 0,0 0 0,1 0 0,-1-1 0,0 0 0,1 1 0,-1-1 0,1 0 0,5 0 0,-4 0 0,1 1 0,-1-1 0,1-1 0,-1 1 0,0-1 0,1 0 0,-1 0 0,1-1 0,-1 0 0,1 1 0,-1-2 0,0 1 0,0-1 0,0 0 0,0 0 0,0 0 0,0-1 0,0 1 0,0-1 0,-1 0 0,0-1 0,1 1 0,-1-1 0,-1 0 0,1 0 0,0 0 0,-1 0 0,0-1 0,0 1 0,0-1 0,-1 0 0,0 0 0,0 0 0,0 0 0,0 0 0,-1-1 0,1 1 0,-2 0 0,1-1 0,0 1 0,-1-1 0,0-5 0,1-13 0,-1 0 0,-1 0 0,-1 0 0,-10-45 0,11 64 0,-1 1 0,1-1 0,-1 0 0,-1 1 0,1-1 0,0 1 0,-1-1 0,0 1 0,0 0 0,0 0 0,-1 1 0,1-1 0,-5-3 0,4 5 0,1 0 0,-1 1 0,1-1 0,-1 0 0,0 1 0,0 0 0,0 0 0,0 0 0,0 1 0,0-1 0,0 1 0,0 0 0,0 0 0,0 0 0,0 1 0,0-1 0,0 1 0,-7 2 0,3 0-41,0 0 0,0 0-1,1 1 1,-1 0-1,1 0 1,0 1 0,0-1-1,0 2 1,1-1 0,0 1-1,0 0 1,0 0-1,1 1 1,0-1 0,0 1-1,1 1 1,-1-1 0,2 0-1,-1 1 1,1 0-1,0 0 1,1 0 0,-1 0-1,2 0 1,-1 1 0,1-1-1,1 1 1,-1-1-1,1 0 1,1 1 0,0-1-1,3 14 1,2-5-6785</inkml:trace>
+  <inkml:trace contextRef="#ctx0" brushRef="#br0">0 1 24575,'2'0'0,"-1"1"0,0 0 0,1-1 0,-1 1 0,0 0 0,0 0 0,0 0 0,0 0 0,1 0 0,-2 0 0,1 0 0,0 0 0,0 0 0,0 1 0,0-1 0,-1 0 0,1 0 0,-1 1 0,1-1 0,-1 1 0,1 1 0,12 39 0,-10-33 0,9 34 0,8 28 0,3-2 0,2 0 0,44 81 0,-64-141-227,0-1-1,1 1 1,1-1-1,-1-1 1,11 10-1,-5-6-6598</inkml:trace>
 </inkml:ink>
 </file>
 
@@ -4036,7 +4456,7 @@
           <inkml:channelProperty channel="F" name="resolution" value="0" units="1/dev"/>
         </inkml:channelProperties>
       </inkml:inkSource>
-      <inkml:timestamp xml:id="ts0" timeString="2025-05-02T20:37:58.327"/>
+      <inkml:timestamp xml:id="ts0" timeString="2025-05-02T20:37:49.168"/>
     </inkml:context>
     <inkml:brush xml:id="br0">
       <inkml:brushProperty name="width" value="0.035" units="cm"/>
@@ -4044,7 +4464,7 @@
       <inkml:brushProperty name="color" value="#E71224"/>
     </inkml:brush>
   </inkml:definitions>
-  <inkml:trace contextRef="#ctx0" brushRef="#br0">0 185 24575,'3'-15'0,"0"1"0,1 1 0,0-1 0,1 0 0,0 1 0,1 0 0,1 0 0,0 1 0,12-16 0,-17 25 0,0 0 0,0 1 0,0-1 0,1 1 0,-1-1 0,1 1 0,-1 0 0,1 0 0,0 0 0,0 0 0,0 1 0,0-1 0,0 1 0,0 0 0,0 0 0,1 0 0,-1 0 0,0 0 0,1 1 0,-1-1 0,7 1 0,-8 0 0,1 1 0,-1-1 0,1 1 0,-1-1 0,0 1 0,1 0 0,-1 0 0,0 0 0,1 0 0,-1 0 0,0 1 0,0-1 0,0 1 0,0-1 0,0 1 0,0 0 0,-1 0 0,1 0 0,-1 0 0,1 0 0,-1 0 0,1 0 0,-1 0 0,0 0 0,0 1 0,0-1 0,-1 0 0,1 1 0,0 3 0,4 28 0,-3 0 0,0 1 0,-7 61 0,1 1 0,3-57 0,-1-27 0,1-1 0,1 1 0,0-1 0,1 1 0,1 0 0,-1-1 0,5 13 0,-5-23 0,1 1 0,-1-1 0,1 1 0,0-1 0,0 0 0,0 0 0,0 0 0,0 0 0,0 0 0,0 0 0,1 0 0,-1-1 0,1 1 0,0-1 0,-1 0 0,1 0 0,0 0 0,-1 0 0,1 0 0,0-1 0,0 1 0,0-1 0,0 0 0,0 1 0,0-1 0,0-1 0,-1 1 0,1 0 0,0-1 0,0 1 0,0-1 0,3-2 0,4 1 0,-1-1 0,0 0 0,0 0 0,-1-1 0,1 0 0,-1-1 0,0 0 0,14-11 0,-10 3 0,0-2 0,-1 1 0,-1-2 0,0 1 0,-1-1 0,-1-1 0,-1 1 0,0-1 0,-1-1 0,-1 1 0,0-1 0,2-27 0,-10 78 0,2-1 0,1 1 0,1 0 0,6 33 0,-6-62-30,0-1 0,0 0-1,1 1 1,-1-1 0,1 0-1,0 0 1,0 0 0,0 0-1,0-1 1,0 1 0,0 0-1,1-1 1,0 0 0,-1 1-1,1-1 1,0 0-1,0 0 1,0-1 0,0 1-1,0-1 1,1 1 0,-1-1-1,0 0 1,1 0 0,-1-1-1,0 1 1,1-1 0,-1 1-1,1-1 1,-1 0 0,1-1-1,-1 1 1,1 0 0,-1-1-1,1 0 1,-1 0 0,0 0-1,1 0 1,-1 0 0,0-1-1,0 0 1,0 1 0,0-1-1,5-4 1,5-6-6796</inkml:trace>
+  <inkml:trace contextRef="#ctx0" brushRef="#br0">78 1 24575,'-2'111'0,"5"123"0,-1-224 0,0 1 0,1-1 0,0 0 0,0 0 0,1-1 0,0 1 0,1-1 0,0 0 0,1 0 0,0 0 0,8 8 0,-12-14 0,1 0 0,0 0 0,0 0 0,0-1 0,0 1 0,0-1 0,1 0 0,-1 0 0,1 0 0,-1-1 0,1 1 0,0-1 0,6 2 0,-7-3 0,0 0 0,0 0 0,0 0 0,0 0 0,0-1 0,0 1 0,0-1 0,-1 0 0,1 0 0,0 0 0,0 0 0,-1 0 0,1-1 0,-1 1 0,1-1 0,-1 0 0,1 0 0,-1 0 0,0 0 0,3-4 0,-1 2 0,0-1 0,0 1 0,0-1 0,-1-1 0,0 1 0,0 0 0,0-1 0,-1 1 0,1-1 0,-2 0 0,1 0 0,0 0 0,-1 0 0,0 0 0,-1 0 0,1 0 0,-1 0 0,-1-1 0,1 1 0,-1 0 0,0 0 0,0 0 0,0 0 0,-1 0 0,0 0 0,0 1 0,-1-1 0,0 1 0,0-1 0,0 1 0,0 0 0,-1 0 0,0 0 0,0 1 0,0-1 0,-1 1 0,1 0 0,-1 0 0,0 1 0,0-1 0,-1 1 0,1 0 0,-1 1 0,1-1 0,-1 1 0,0 0 0,0 0 0,0 1 0,0 0 0,-7-1 0,6 2 0,0-1 0,-1 1 0,1 1 0,0-1 0,-1 1 0,1 0 0,0 1 0,0 0 0,0 0 0,0 0 0,0 1 0,0 0 0,1 1 0,-7 3 0,10-4 0,-1 0 0,1 0 0,0-1 0,-1 2 0,1-1 0,1 0 0,-1 1 0,1-1 0,-1 1 0,1 0 0,0 0 0,0 0 0,1 0 0,-1 0 0,1 0 0,0 0 0,0 0 0,0 1 0,1-1 0,-1 0 0,1 1 0,0-1 0,0 1 0,1-1 0,0 6 0,0-7-45,0 0-1,0 0 1,0 0-1,0 0 1,0 0-1,1-1 1,0 1-1,-1 0 1,1 0-1,0-1 1,0 0-1,0 1 1,1-1-1,-1 0 1,0 0-1,1 0 1,0 0-1,-1 0 1,1-1-1,0 1 1,0-1-1,0 0 1,0 0-1,0 0 0,0 0 1,0 0-1,0-1 1,0 1-1,6-1 1,12 2-6781</inkml:trace>
 </inkml:ink>
 </file>
 
@@ -4064,7 +4484,7 @@
           <inkml:channelProperty channel="F" name="resolution" value="0" units="1/dev"/>
         </inkml:channelProperties>
       </inkml:inkSource>
-      <inkml:timestamp xml:id="ts0" timeString="2025-05-02T20:37:58.529"/>
+      <inkml:timestamp xml:id="ts0" timeString="2025-05-02T20:37:49.461"/>
     </inkml:context>
     <inkml:brush xml:id="br0">
       <inkml:brushProperty name="width" value="0.035" units="cm"/>
@@ -4072,7 +4492,7 @@
       <inkml:brushProperty name="color" value="#E71224"/>
     </inkml:brush>
   </inkml:definitions>
-  <inkml:trace contextRef="#ctx0" brushRef="#br0">0 1 24575,'0'4'0,"0"6"0,0 6 0,0 5 0,0 3 0,0 2 0,0 1 0,0 1 0,0 0 0,5-5 0,1-2 0,-1-4-8191</inkml:trace>
+  <inkml:trace contextRef="#ctx0" brushRef="#br0">2 1 24575,'0'51'0,"-1"-12"0,1 1 0,3 0 0,11 67 0,25 119 0,-27-155 51,-7-46-523,-1 0 0,1 29 0,-5-43-6354</inkml:trace>
 </inkml:ink>
 </file>
 
@@ -4092,7 +4512,7 @@
           <inkml:channelProperty channel="F" name="resolution" value="0" units="1/dev"/>
         </inkml:channelProperties>
       </inkml:inkSource>
-      <inkml:timestamp xml:id="ts0" timeString="2025-05-02T20:37:58.776"/>
+      <inkml:timestamp xml:id="ts0" timeString="2025-05-02T20:37:50.223"/>
     </inkml:context>
     <inkml:brush xml:id="br0">
       <inkml:brushProperty name="width" value="0.035" units="cm"/>
@@ -4100,7 +4520,7 @@
       <inkml:brushProperty name="color" value="#E71224"/>
     </inkml:brush>
   </inkml:definitions>
-  <inkml:trace contextRef="#ctx0" brushRef="#br0">0 1 24575,'0'504'0,"5"-452"-1365,1-30-5461</inkml:trace>
+  <inkml:trace contextRef="#ctx0" brushRef="#br0">251 1 24575,'0'4'0,"-1"0"0,1 1 0,-1-1 0,0 0 0,-1 0 0,1 0 0,-1 0 0,0 0 0,0 0 0,0 0 0,-5 6 0,-36 40 0,22-27 0,-85 110 0,97-121 0,0 0 0,1 1 0,1 0 0,0 1 0,-10 27 0,16-38 0,1 1 0,-1-1 0,1 1 0,-1-1 0,1 1 0,0-1 0,0 0 0,1 1 0,-1-1 0,1 1 0,0-1 0,0 0 0,0 1 0,0-1 0,0 0 0,1 0 0,-1 0 0,1 0 0,0 0 0,0 0 0,0-1 0,0 1 0,1 0 0,-1-1 0,1 0 0,-1 0 0,1 1 0,0-2 0,0 1 0,0 0 0,6 2 0,2 0 0,0 0 0,0 0 0,0-1 0,1-1 0,-1 0 0,1-1 0,0 0 0,-1-1 0,1 0 0,0-1 0,-1 0 0,1 0 0,-1-2 0,1 1 0,-1-2 0,0 1 0,0-1 0,0-1 0,20-12 0,-26 13 0,0 0 0,-1 0 0,1-1 0,-1 0 0,0 0 0,0 0 0,-1 0 0,1-1 0,-1 0 0,0 1 0,-1-1 0,1 0 0,-1 0 0,0-1 0,-1 1 0,2-10 0,0-8 0,-1 0 0,-3-45 0,-1 118 0,0-22 0,1 0 0,3 36 0,-1-57 0,-1 0 0,1 0 0,0-1 0,1 1 0,-1 0 0,1-1 0,0 1 0,1-1 0,-1 1 0,1-1 0,0 0 0,0 0 0,1-1 0,-1 1 0,1-1 0,8 8 0,-8-9 0,0-1 0,0 1 0,0-1 0,0 0 0,1 0 0,-1 0 0,1-1 0,-1 1 0,1-1 0,-1 0 0,1 0 0,0-1 0,0 0 0,-1 1 0,1-2 0,0 1 0,0 0 0,-1-1 0,1 0 0,0 0 0,-1 0 0,1-1 0,-1 0 0,8-4 0,-6 3 0,-1 0 0,0-1 0,0 0 0,-1 0 0,1 0 0,-1 0 0,0-1 0,0 1 0,0-1 0,-1 0 0,1-1 0,-1 1 0,-1 0 0,1-1 0,-1 0 0,0 1 0,0-1 0,2-11 0,-1-14 0,-2-1 0,-2-42 0,1 67 0,-2 134 0,3 80 0,0-199-41,-1-1 0,1 0-1,0 0 1,1 0-1,-1-1 1,2 1 0,-1 0-1,1-1 1,0 1 0,0-1-1,0 0 1,1 0-1,0 0 1,0 0 0,1-1-1,0 0 1,0 0 0,0 0-1,0 0 1,1-1-1,0 0 1,0 0 0,0 0-1,0-1 1,0 0 0,1 0-1,-1-1 1,1 0-1,0 0 1,0 0 0,0-1-1,13 1 1,2-1-6785</inkml:trace>
 </inkml:ink>
 </file>
 
@@ -4120,7 +4540,7 @@
           <inkml:channelProperty channel="F" name="resolution" value="0" units="1/dev"/>
         </inkml:channelProperties>
       </inkml:inkSource>
-      <inkml:timestamp xml:id="ts0" timeString="2025-05-02T20:37:59.631"/>
+      <inkml:timestamp xml:id="ts0" timeString="2025-05-02T20:37:51.305"/>
     </inkml:context>
     <inkml:brush xml:id="br0">
       <inkml:brushProperty name="width" value="0.035" units="cm"/>
@@ -4128,7 +4548,7 @@
       <inkml:brushProperty name="color" value="#E71224"/>
     </inkml:brush>
   </inkml:definitions>
-  <inkml:trace contextRef="#ctx0" brushRef="#br0">256 1 24575,'-2'7'0,"0"1"0,-1-1 0,0 0 0,-1 0 0,0 0 0,0 0 0,-6 8 0,8-13 0,-33 52 0,11-16 0,-1-1 0,-48 53 0,70-88 0,0 1 0,0-1 0,0 0 0,0 0 0,0 0 0,-1-1 0,1 1 0,-1-1 0,1 0 0,-7 2 0,10-3 0,-1 0 0,0 0 0,0 0 0,1 0 0,-1 0 0,0 0 0,0 0 0,0 0 0,1 0 0,-1 0 0,0 0 0,0 0 0,1 0 0,-1 0 0,0-1 0,1 1 0,-1 0 0,0-1 0,0 1 0,1-1 0,-1 1 0,1 0 0,-1-1 0,0 0 0,1 1 0,-1-1 0,1 1 0,-1-1 0,1 1 0,0-1 0,-1 0 0,1 1 0,0-1 0,-1 0 0,1 0 0,0 1 0,0-1 0,-1 0 0,1 0 0,0 1 0,0-1 0,0 0 0,0 0 0,0 1 0,0-1 0,0 0 0,1 0 0,-1 1 0,0-1 0,0 0 0,0 0 0,1 1 0,-1-1 0,0 0 0,1 1 0,0-2 0,0-1 0,0 1 0,0 0 0,0 0 0,1-1 0,-1 1 0,0 0 0,1 0 0,0 0 0,-1 0 0,1 0 0,0 1 0,0-1 0,0 1 0,0-1 0,0 1 0,1 0 0,-1-1 0,0 1 0,1 0 0,-1 0 0,0 1 0,1-1 0,-1 1 0,1-1 0,-1 1 0,1 0 0,0 0 0,-1 0 0,5 0 0,-3 0 0,1 1 0,-1-1 0,0 1 0,1 0 0,-1 0 0,1 0 0,-1 1 0,0-1 0,0 1 0,0 0 0,0 0 0,0 1 0,-1-1 0,1 1 0,0 0 0,3 3 0,8 15 0,-1 0 0,18 38 0,7 10 0,-35-64 0,-1-1 0,1 1 0,1-1 0,-1 1 0,1-1 0,-1-1 0,1 1 0,0-1 0,0 1 0,1-2 0,-1 1 0,1 0 0,6 1 0,-10-3 0,1 0 0,0 0 0,0-1 0,0 1 0,0 0 0,0-1 0,0 0 0,0 0 0,0 0 0,0 0 0,0-1 0,0 1 0,0-1 0,0 1 0,0-1 0,-1 0 0,1 0 0,0-1 0,0 1 0,-1 0 0,1-1 0,-1 0 0,1 1 0,-1-1 0,0 0 0,1 0 0,2-4 0,6-13 0,-1 0 0,-1-1 0,-1 0 0,0 0 0,-1-1 0,-2 0 0,0 0 0,-1-1 0,2-34 0,-3-35 0,-4 91 0,1 0 0,0 0 0,0 0 0,0 0 0,0 0 0,0 0 0,0 0 0,0 0 0,0 0 0,0 0 0,-1 0 0,1 0 0,0 0 0,0 0 0,0 0 0,0 0 0,0 0 0,0 0 0,0 0 0,0 0 0,0 0 0,-1 0 0,1 0 0,0 0 0,0 0 0,0 0 0,0 0 0,0 0 0,0 0 0,0 0 0,0 0 0,0 0 0,0 0 0,0-1 0,-1 1 0,1 0 0,0 0 0,0 0 0,0 0 0,0 0 0,0 0 0,0 0 0,0 0 0,0 0 0,0-1 0,0 1 0,0 0 0,0 0 0,0 0 0,0 0 0,0 0 0,0 0 0,0 0 0,0 0 0,0 0 0,0-1 0,0 1 0,0 0 0,0 0 0,-7 13 0,-4 16 0,7-18 0,-6 22 0,-11 57 0,20-80 0,0 0 0,0-1 0,1 1 0,0 0 0,0-1 0,1 1 0,1-1 0,0 1 0,0-1 0,7 19 0,-8-25 0,1-1 0,-1 1 0,1 0 0,0-1 0,-1 1 0,1-1 0,0 0 0,1 0 0,-1 0 0,0 0 0,1 0 0,-1 0 0,1 0 0,-1-1 0,1 1 0,0-1 0,-1 0 0,1 0 0,0 0 0,0 0 0,0 0 0,0-1 0,0 1 0,0-1 0,0 0 0,0 0 0,0 0 0,0 0 0,1 0 0,-1-1 0,3 0 0,0-1 0,1 0 0,-1 0 0,1 0 0,-1-1 0,1 0 0,-1 0 0,0-1 0,-1 1 0,1-1 0,-1-1 0,1 1 0,6-9 0,-3 1 0,-2 0 0,0-1 0,0 0 0,-2 0 0,1-1 0,-2 0 0,1 0 0,-2 0 0,0 0 0,-1-1 0,0 1 0,-1-1 0,-2-16 0,0 97 0,1 123 0,2-180-76,0 0 1,1 0-1,0-1 0,1 0 0,-1 1 0,2-1 0,-1 0 0,1-1 1,0 1-1,0-1 0,1 0 0,0 0 0,1-1 0,-1 0 1,1 0-1,1 0 0,9 5 0,-3-1-6750</inkml:trace>
+  <inkml:trace contextRef="#ctx0" brushRef="#br0">0 1 24575,'0'15'0,"1"1"0,0 0 0,0 0 0,2-1 0,4 18 0,-4-25 0,1 1 0,0-1 0,0 0 0,0 0 0,1 0 0,1-1 0,-1 1 0,1-1 0,0 0 0,8 6 0,-3-3 0,1 0 0,-1 0 0,1-1 0,1-1 0,0 0 0,0-1 0,1-1 0,20 8 0,-30-13 0,0 0 0,0 0 0,0 0 0,0 0 0,1-1 0,-1 0 0,0 0 0,0 0 0,1 0 0,-1-1 0,0 1 0,0-1 0,0 0 0,0-1 0,0 1 0,0-1 0,0 1 0,0-1 0,-1 0 0,1-1 0,-1 1 0,1-1 0,-1 1 0,0-1 0,0 0 0,0 0 0,0 0 0,0-1 0,-1 1 0,0-1 0,0 1 0,0-1 0,0 0 0,1-4 0,2-5 0,-1 0 0,-1 0 0,0 0 0,-1 0 0,-1 0 0,0-1 0,0 1 0,-1 0 0,-1-1 0,-3-15 0,4 29 0,0-1 0,1 1 0,-1-1 0,0 1 0,0 0 0,0-1 0,0 1 0,0-1 0,0 1 0,-1 0 0,1-1 0,0 1 0,0-1 0,0 1 0,0 0 0,0-1 0,-1 1 0,1 0 0,0-1 0,0 1 0,0 0 0,-1-1 0,1 1 0,0 0 0,-1 0 0,1-1 0,0 1 0,0 0 0,-1 0 0,1-1 0,-1 1 0,1 0 0,0 0 0,-1 0 0,0-1 0,-6 14 0,-4 22 0,2 3 0,1 1 0,3 0 0,-3 64 0,8-73 0,2 1 0,0-1 0,10 42 0,-10-62 0,1-1 0,0 1 0,1-1 0,0 0 0,0 0 0,0 0 0,2 0 0,-1-1 0,1 0 0,0 0 0,0 0 0,1-1 0,0 0 0,12 9 0,-15-13-136,1-1-1,0 1 1,0-1-1,0 0 1,0-1-1,0 1 1,1-1-1,-1 0 0,9 1 1,7 0-6690</inkml:trace>
 </inkml:ink>
 </file>
 
@@ -4148,7 +4568,7 @@
           <inkml:channelProperty channel="F" name="resolution" value="0" units="1/dev"/>
         </inkml:channelProperties>
       </inkml:inkSource>
-      <inkml:timestamp xml:id="ts0" timeString="2025-05-02T20:38:01.350"/>
+      <inkml:timestamp xml:id="ts0" timeString="2025-05-02T20:37:51.937"/>
     </inkml:context>
     <inkml:brush xml:id="br0">
       <inkml:brushProperty name="width" value="0.035" units="cm"/>
@@ -4156,7 +4576,7 @@
       <inkml:brushProperty name="color" value="#E71224"/>
     </inkml:brush>
   </inkml:definitions>
-  <inkml:trace contextRef="#ctx0" brushRef="#br0">0 1 24575,'8'1'0,"0"0"0,-1 1 0,1 0 0,-1 0 0,0 0 0,0 1 0,13 8 0,22 7 0,27 3 0,172 58 0,-62-19 0,-94-33 0,207 79 0,-229-87 0,0-3 0,101 13 0,-149-27 0,-9-1 0,0 0 0,0 0 0,0-1 0,0 1 0,12-2 0,-17 1 0,-1-1 0,1 1 0,-1 0 0,1 0 0,-1 0 0,0 0 0,1-1 0,-1 1 0,1 0 0,-1 0 0,1-1 0,-1 1 0,0 0 0,1-1 0,-1 1 0,1 0 0,-1-1 0,0 1 0,0-1 0,1 1 0,-1-1 0,0 1 0,0 0 0,1-1 0,-1 1 0,0-1 0,0 1 0,0-2 0,0 0 0,0 0 0,-1 1 0,1-1 0,-1 0 0,1 0 0,-1 0 0,0 0 0,1 1 0,-1-1 0,0 0 0,0 1 0,-2-3 0,-25-33 0,-1 2 0,-45-44 0,-72-48 0,249 187 0,-26-11 0,-54-36 0,1 1 0,-2 1 0,0 1 0,-1 1 0,-1 0 0,-1 2 0,30 35 0,-47-51 0,-1-1 0,1 1 0,0 0 0,-1-1 0,0 1 0,1 0 0,-1 0 0,0 0 0,-1 0 0,1 0 0,0 0 0,-1 0 0,0 1 0,0-1 0,0 0 0,0 0 0,0 0 0,-1 0 0,1 0 0,-1 0 0,0 0 0,0 0 0,0 0 0,0 0 0,0 0 0,-1 0 0,1 0 0,-1-1 0,0 1 0,0-1 0,0 1 0,0-1 0,0 0 0,0 0 0,-1 0 0,1 0 0,-4 2 0,-11 8 0,-1-2 0,0 0 0,0 0 0,-31 10 0,34-14 0,-2-1 0,-1-1 0,0 0 0,1-1 0,-2-1 0,1-1 0,0 0 0,-35-4 0,-45 3 0,77 4 120,20-4-158,1 0 0,-1 0 0,1 0 0,0 0 0,-1 0 0,1 0-1,-1 0 1,1 0 0,-1 0 0,1 0 0,-1 0 0,1 1 0,-1-1 0,1 0 0,0 0 0,-1 1 0,1-1 0,0 0 0,-1 0-1,1 1 1,0-1 0,-1 0 0,1 1 0,0-1 0,-1 1 0,1-1 0,0 0 0,0 1 0,0-1 0,-1 1 0,1-1 0,0 1-1,0-1 1,0 0 0,0 1 0,0-1 0,0 1 0,0 0 0</inkml:trace>
+  <inkml:trace contextRef="#ctx0" brushRef="#br0">343 214 24575,'1'-14'0,"-1"1"0,-1 0 0,0 0 0,-1 0 0,-1-1 0,0 2 0,0-1 0,-8-16 0,8 24 0,0 0 0,0-1 0,0 2 0,-1-1 0,0 0 0,0 1 0,-1-1 0,1 1 0,-1 1 0,0-1 0,0 0 0,0 1 0,0 0 0,0 0 0,-1 1 0,0 0 0,1 0 0,-1 0 0,0 0 0,-9 0 0,8 0 0,0 1 0,0 0 0,0 1 0,-1 0 0,1 0 0,0 0 0,0 1 0,0 0 0,0 0 0,0 1 0,-12 4 0,15-3 0,-1-1 0,1 1 0,0-1 0,-1 1 0,1 1 0,1-1 0,-1 0 0,0 1 0,1 0 0,0 0 0,0 0 0,0 0 0,0 0 0,1 1 0,0-1 0,0 1 0,-2 6 0,-10 31 0,2 1 0,2 0 0,-7 65 0,17-99 0,0 0 0,0 0 0,1 0 0,1 0 0,-1 0 0,1 0 0,1-1 0,-1 1 0,1-1 0,1 1 0,0-1 0,0 0 0,1-1 0,9 14 0,-11-17 0,0 0 0,0 0 0,1-1 0,-1 1 0,1-1 0,0 0 0,0 0 0,0 0 0,1-1 0,-1 1 0,1-1 0,-1 0 0,1 0 0,0-1 0,-1 1 0,1-1 0,0 0 0,0-1 0,0 1 0,0-1 0,0 0 0,0 0 0,0 0 0,0-1 0,0 1 0,0-1 0,9-4 0,-9 3 0,0 0 0,0 0 0,-1-1 0,1 0 0,-1 0 0,0 0 0,0 0 0,0-1 0,0 0 0,0 0 0,-1 0 0,0 0 0,0 0 0,0 0 0,0-1 0,-1 0 0,4-8 0,1-7 0,-2 0 0,0 0 0,3-27 0,-1 6 0,-3 15 0,-1 0 0,-1-33 0,-4 108 0,0-15 0,2 0 0,5 57 0,-4-83 0,0 0 0,1 1 0,0-1 0,0 0 0,1 0 0,0 0 0,0-1 0,1 1 0,0-1 0,0 0 0,1 0 0,0 0 0,0 0 0,0-1 0,1 0 0,11 9 0,-13-12 6,0 0 0,1-1-1,0 1 1,-1-1 0,1 0-1,0-1 1,0 1 0,0-1 0,0 0-1,0 0 1,1-1 0,-1 1-1,0-1 1,0 0 0,0 0-1,0-1 1,1 0 0,-1 0 0,0 0-1,9-4 1,-7 2-105,-1 0 0,1 0 0,-1-1 0,0 1 0,0-2 0,0 1 0,0-1 0,-1 0 0,0 0 0,0 0 0,0-1 0,-1 1 0,0-1 0,5-9 0,0-4-6727</inkml:trace>
 </inkml:ink>
 </file>
 
@@ -4176,7 +4596,7 @@
           <inkml:channelProperty channel="F" name="resolution" value="0" units="1/dev"/>
         </inkml:channelProperties>
       </inkml:inkSource>
-      <inkml:timestamp xml:id="ts0" timeString="2025-05-02T20:38:04.835"/>
+      <inkml:timestamp xml:id="ts0" timeString="2025-05-02T20:37:52.185"/>
     </inkml:context>
     <inkml:brush xml:id="br0">
       <inkml:brushProperty name="width" value="0.035" units="cm"/>
@@ -4184,7 +4604,7 @@
       <inkml:brushProperty name="color" value="#E71224"/>
     </inkml:brush>
   </inkml:definitions>
-  <inkml:trace contextRef="#ctx0" brushRef="#br0">0 1 24575,'0'4'0,"0"6"0,0 7 0,0 3 0,0 4 0,5-2 0,1-1 0,-1 1 0,0 1 0,-2 1 0,-1 1 0,-1 1 0,4-4 0,1-1 0,0-5-8191</inkml:trace>
+  <inkml:trace contextRef="#ctx0" brushRef="#br0">1 1 24575,'0'21'0,"0"15"0,0-1 0,3 1 0,11 59 0,-1-36 0,28 92 0,-38-137 120,-3-15-143,0 1 0,0 0-1,0 0 1,0 0 0,0 0 0,-1 0 0,1 0-1,0 0 1,0 0 0,0 0 0,0 0 0,0 0-1,-1 0 1,1 0 0,0 0 0,0 0 0,0 0-1,0 0 1,0 0 0,-1 0 0,1 0-1,0 0 1,0 0 0,0 0 0,0 1 0,0-1-1,0 0 1,0 0 0,-1 0 0,1 0 0,0 0-1,0 0 1,0 0 0,0 0 0,0 1 0,0-1-1,0 0 1,0 0 0,0 0 0,0 0 0,0 0-1,0 0 1,-1 1 0,1-1 0,0 0 0,0 0-1,0 0 1,0 0 0,0 0 0,0 0 0,0 1-1,0-1 1,0 0 0,1 0 0,-1 0 0,0 0-1,0 0 1,0 1 0,0-1 0,0 0 0,0 0-1,0 0 1,0 0 0</inkml:trace>
 </inkml:ink>
 </file>
 
@@ -4337,7 +4757,7 @@
           <a:p>
             <a:fld id="{E86568AC-7B28-4CD1-8C90-85ABC9888AE3}" type="datetimeFigureOut">
               <a:rPr lang="uk-UA" smtClean="0"/>
-              <a:t>02.05.2025</a:t>
+              <a:t>09.05.2025</a:t>
             </a:fld>
             <a:endParaRPr lang="uk-UA"/>
           </a:p>
@@ -4537,7 +4957,7 @@
           <a:p>
             <a:fld id="{E86568AC-7B28-4CD1-8C90-85ABC9888AE3}" type="datetimeFigureOut">
               <a:rPr lang="uk-UA" smtClean="0"/>
-              <a:t>02.05.2025</a:t>
+              <a:t>09.05.2025</a:t>
             </a:fld>
             <a:endParaRPr lang="uk-UA"/>
           </a:p>
@@ -4747,7 +5167,7 @@
           <a:p>
             <a:fld id="{E86568AC-7B28-4CD1-8C90-85ABC9888AE3}" type="datetimeFigureOut">
               <a:rPr lang="uk-UA" smtClean="0"/>
-              <a:t>02.05.2025</a:t>
+              <a:t>09.05.2025</a:t>
             </a:fld>
             <a:endParaRPr lang="uk-UA"/>
           </a:p>
@@ -4947,7 +5367,7 @@
           <a:p>
             <a:fld id="{E86568AC-7B28-4CD1-8C90-85ABC9888AE3}" type="datetimeFigureOut">
               <a:rPr lang="uk-UA" smtClean="0"/>
-              <a:t>02.05.2025</a:t>
+              <a:t>09.05.2025</a:t>
             </a:fld>
             <a:endParaRPr lang="uk-UA"/>
           </a:p>
@@ -5223,7 +5643,7 @@
           <a:p>
             <a:fld id="{E86568AC-7B28-4CD1-8C90-85ABC9888AE3}" type="datetimeFigureOut">
               <a:rPr lang="uk-UA" smtClean="0"/>
-              <a:t>02.05.2025</a:t>
+              <a:t>09.05.2025</a:t>
             </a:fld>
             <a:endParaRPr lang="uk-UA"/>
           </a:p>
@@ -5491,7 +5911,7 @@
           <a:p>
             <a:fld id="{E86568AC-7B28-4CD1-8C90-85ABC9888AE3}" type="datetimeFigureOut">
               <a:rPr lang="uk-UA" smtClean="0"/>
-              <a:t>02.05.2025</a:t>
+              <a:t>09.05.2025</a:t>
             </a:fld>
             <a:endParaRPr lang="uk-UA"/>
           </a:p>
@@ -5906,7 +6326,7 @@
           <a:p>
             <a:fld id="{E86568AC-7B28-4CD1-8C90-85ABC9888AE3}" type="datetimeFigureOut">
               <a:rPr lang="uk-UA" smtClean="0"/>
-              <a:t>02.05.2025</a:t>
+              <a:t>09.05.2025</a:t>
             </a:fld>
             <a:endParaRPr lang="uk-UA"/>
           </a:p>
@@ -6048,7 +6468,7 @@
           <a:p>
             <a:fld id="{E86568AC-7B28-4CD1-8C90-85ABC9888AE3}" type="datetimeFigureOut">
               <a:rPr lang="uk-UA" smtClean="0"/>
-              <a:t>02.05.2025</a:t>
+              <a:t>09.05.2025</a:t>
             </a:fld>
             <a:endParaRPr lang="uk-UA"/>
           </a:p>
@@ -6161,7 +6581,7 @@
           <a:p>
             <a:fld id="{E86568AC-7B28-4CD1-8C90-85ABC9888AE3}" type="datetimeFigureOut">
               <a:rPr lang="uk-UA" smtClean="0"/>
-              <a:t>02.05.2025</a:t>
+              <a:t>09.05.2025</a:t>
             </a:fld>
             <a:endParaRPr lang="uk-UA"/>
           </a:p>
@@ -6474,7 +6894,7 @@
           <a:p>
             <a:fld id="{E86568AC-7B28-4CD1-8C90-85ABC9888AE3}" type="datetimeFigureOut">
               <a:rPr lang="uk-UA" smtClean="0"/>
-              <a:t>02.05.2025</a:t>
+              <a:t>09.05.2025</a:t>
             </a:fld>
             <a:endParaRPr lang="uk-UA"/>
           </a:p>
@@ -6763,7 +7183,7 @@
           <a:p>
             <a:fld id="{E86568AC-7B28-4CD1-8C90-85ABC9888AE3}" type="datetimeFigureOut">
               <a:rPr lang="uk-UA" smtClean="0"/>
-              <a:t>02.05.2025</a:t>
+              <a:t>09.05.2025</a:t>
             </a:fld>
             <a:endParaRPr lang="uk-UA"/>
           </a:p>
@@ -7006,7 +7426,7 @@
           <a:p>
             <a:fld id="{E86568AC-7B28-4CD1-8C90-85ABC9888AE3}" type="datetimeFigureOut">
               <a:rPr lang="uk-UA" smtClean="0"/>
-              <a:t>02.05.2025</a:t>
+              <a:t>09.05.2025</a:t>
             </a:fld>
             <a:endParaRPr lang="uk-UA"/>
           </a:p>
@@ -7628,8 +8048,8 @@
           </a:prstGeom>
         </p:spPr>
       </p:pic>
-      <mc:AlternateContent xmlns:mc="http://schemas.openxmlformats.org/markup-compatibility/2006">
-        <mc:Choice xmlns:p14="http://schemas.microsoft.com/office/powerpoint/2010/main" Requires="p14">
+      <mc:AlternateContent xmlns:mc="http://schemas.openxmlformats.org/markup-compatibility/2006" xmlns:p14="http://schemas.microsoft.com/office/powerpoint/2010/main">
+        <mc:Choice Requires="p14">
           <p:contentPart p14:bwMode="auto" r:id="rId4">
             <p14:nvContentPartPr>
               <p14:cNvPr id="30" name="Ink 29">
@@ -7648,7 +8068,7 @@
             </p14:xfrm>
           </p:contentPart>
         </mc:Choice>
-        <mc:Fallback>
+        <mc:Fallback xmlns="">
           <p:pic>
             <p:nvPicPr>
               <p:cNvPr id="30" name="Ink 29">
@@ -7699,8 +8119,8 @@
             <a:chExt cx="1212120" cy="1091160"/>
           </a:xfrm>
         </p:grpSpPr>
-        <mc:AlternateContent xmlns:mc="http://schemas.openxmlformats.org/markup-compatibility/2006">
-          <mc:Choice xmlns:p14="http://schemas.microsoft.com/office/powerpoint/2010/main" Requires="p14">
+        <mc:AlternateContent xmlns:mc="http://schemas.openxmlformats.org/markup-compatibility/2006" xmlns:p14="http://schemas.microsoft.com/office/powerpoint/2010/main">
+          <mc:Choice Requires="p14">
             <p:contentPart p14:bwMode="auto" r:id="rId6">
               <p14:nvContentPartPr>
                 <p14:cNvPr id="32" name="Ink 31">
@@ -7719,7 +8139,7 @@
               </p14:xfrm>
             </p:contentPart>
           </mc:Choice>
-          <mc:Fallback>
+          <mc:Fallback xmlns="">
             <p:pic>
               <p:nvPicPr>
                 <p:cNvPr id="32" name="Ink 31">
@@ -7750,8 +8170,8 @@
             </p:pic>
           </mc:Fallback>
         </mc:AlternateContent>
-        <mc:AlternateContent xmlns:mc="http://schemas.openxmlformats.org/markup-compatibility/2006">
-          <mc:Choice xmlns:p14="http://schemas.microsoft.com/office/powerpoint/2010/main" Requires="p14">
+        <mc:AlternateContent xmlns:mc="http://schemas.openxmlformats.org/markup-compatibility/2006" xmlns:p14="http://schemas.microsoft.com/office/powerpoint/2010/main">
+          <mc:Choice Requires="p14">
             <p:contentPart p14:bwMode="auto" r:id="rId8">
               <p14:nvContentPartPr>
                 <p14:cNvPr id="33" name="Ink 32">
@@ -7770,7 +8190,7 @@
               </p14:xfrm>
             </p:contentPart>
           </mc:Choice>
-          <mc:Fallback>
+          <mc:Fallback xmlns="">
             <p:pic>
               <p:nvPicPr>
                 <p:cNvPr id="33" name="Ink 32">
@@ -7801,8 +8221,8 @@
             </p:pic>
           </mc:Fallback>
         </mc:AlternateContent>
-        <mc:AlternateContent xmlns:mc="http://schemas.openxmlformats.org/markup-compatibility/2006">
-          <mc:Choice xmlns:p14="http://schemas.microsoft.com/office/powerpoint/2010/main" Requires="p14">
+        <mc:AlternateContent xmlns:mc="http://schemas.openxmlformats.org/markup-compatibility/2006" xmlns:p14="http://schemas.microsoft.com/office/powerpoint/2010/main">
+          <mc:Choice Requires="p14">
             <p:contentPart p14:bwMode="auto" r:id="rId10">
               <p14:nvContentPartPr>
                 <p14:cNvPr id="34" name="Ink 33">
@@ -7821,7 +8241,7 @@
               </p14:xfrm>
             </p:contentPart>
           </mc:Choice>
-          <mc:Fallback>
+          <mc:Fallback xmlns="">
             <p:pic>
               <p:nvPicPr>
                 <p:cNvPr id="34" name="Ink 33">
@@ -7852,8 +8272,8 @@
             </p:pic>
           </mc:Fallback>
         </mc:AlternateContent>
-        <mc:AlternateContent xmlns:mc="http://schemas.openxmlformats.org/markup-compatibility/2006">
-          <mc:Choice xmlns:p14="http://schemas.microsoft.com/office/powerpoint/2010/main" Requires="p14">
+        <mc:AlternateContent xmlns:mc="http://schemas.openxmlformats.org/markup-compatibility/2006" xmlns:p14="http://schemas.microsoft.com/office/powerpoint/2010/main">
+          <mc:Choice Requires="p14">
             <p:contentPart p14:bwMode="auto" r:id="rId12">
               <p14:nvContentPartPr>
                 <p14:cNvPr id="35" name="Ink 34">
@@ -7872,7 +8292,7 @@
               </p14:xfrm>
             </p:contentPart>
           </mc:Choice>
-          <mc:Fallback>
+          <mc:Fallback xmlns="">
             <p:pic>
               <p:nvPicPr>
                 <p:cNvPr id="35" name="Ink 34">
@@ -7903,8 +8323,8 @@
             </p:pic>
           </mc:Fallback>
         </mc:AlternateContent>
-        <mc:AlternateContent xmlns:mc="http://schemas.openxmlformats.org/markup-compatibility/2006">
-          <mc:Choice xmlns:p14="http://schemas.microsoft.com/office/powerpoint/2010/main" Requires="p14">
+        <mc:AlternateContent xmlns:mc="http://schemas.openxmlformats.org/markup-compatibility/2006" xmlns:p14="http://schemas.microsoft.com/office/powerpoint/2010/main">
+          <mc:Choice Requires="p14">
             <p:contentPart p14:bwMode="auto" r:id="rId14">
               <p14:nvContentPartPr>
                 <p14:cNvPr id="36" name="Ink 35">
@@ -7923,7 +8343,7 @@
               </p14:xfrm>
             </p:contentPart>
           </mc:Choice>
-          <mc:Fallback>
+          <mc:Fallback xmlns="">
             <p:pic>
               <p:nvPicPr>
                 <p:cNvPr id="36" name="Ink 35">
@@ -7954,8 +8374,8 @@
             </p:pic>
           </mc:Fallback>
         </mc:AlternateContent>
-        <mc:AlternateContent xmlns:mc="http://schemas.openxmlformats.org/markup-compatibility/2006">
-          <mc:Choice xmlns:p14="http://schemas.microsoft.com/office/powerpoint/2010/main" Requires="p14">
+        <mc:AlternateContent xmlns:mc="http://schemas.openxmlformats.org/markup-compatibility/2006" xmlns:p14="http://schemas.microsoft.com/office/powerpoint/2010/main">
+          <mc:Choice Requires="p14">
             <p:contentPart p14:bwMode="auto" r:id="rId16">
               <p14:nvContentPartPr>
                 <p14:cNvPr id="37" name="Ink 36">
@@ -7974,7 +8394,7 @@
               </p14:xfrm>
             </p:contentPart>
           </mc:Choice>
-          <mc:Fallback>
+          <mc:Fallback xmlns="">
             <p:pic>
               <p:nvPicPr>
                 <p:cNvPr id="37" name="Ink 36">
@@ -8005,8 +8425,8 @@
             </p:pic>
           </mc:Fallback>
         </mc:AlternateContent>
-        <mc:AlternateContent xmlns:mc="http://schemas.openxmlformats.org/markup-compatibility/2006">
-          <mc:Choice xmlns:p14="http://schemas.microsoft.com/office/powerpoint/2010/main" Requires="p14">
+        <mc:AlternateContent xmlns:mc="http://schemas.openxmlformats.org/markup-compatibility/2006" xmlns:p14="http://schemas.microsoft.com/office/powerpoint/2010/main">
+          <mc:Choice Requires="p14">
             <p:contentPart p14:bwMode="auto" r:id="rId18">
               <p14:nvContentPartPr>
                 <p14:cNvPr id="38" name="Ink 37">
@@ -8025,7 +8445,7 @@
               </p14:xfrm>
             </p:contentPart>
           </mc:Choice>
-          <mc:Fallback>
+          <mc:Fallback xmlns="">
             <p:pic>
               <p:nvPicPr>
                 <p:cNvPr id="38" name="Ink 37">
@@ -8056,8 +8476,8 @@
             </p:pic>
           </mc:Fallback>
         </mc:AlternateContent>
-        <mc:AlternateContent xmlns:mc="http://schemas.openxmlformats.org/markup-compatibility/2006">
-          <mc:Choice xmlns:p14="http://schemas.microsoft.com/office/powerpoint/2010/main" Requires="p14">
+        <mc:AlternateContent xmlns:mc="http://schemas.openxmlformats.org/markup-compatibility/2006" xmlns:p14="http://schemas.microsoft.com/office/powerpoint/2010/main">
+          <mc:Choice Requires="p14">
             <p:contentPart p14:bwMode="auto" r:id="rId20">
               <p14:nvContentPartPr>
                 <p14:cNvPr id="39" name="Ink 38">
@@ -8076,7 +8496,7 @@
               </p14:xfrm>
             </p:contentPart>
           </mc:Choice>
-          <mc:Fallback>
+          <mc:Fallback xmlns="">
             <p:pic>
               <p:nvPicPr>
                 <p:cNvPr id="39" name="Ink 38">
@@ -8107,8 +8527,8 @@
             </p:pic>
           </mc:Fallback>
         </mc:AlternateContent>
-        <mc:AlternateContent xmlns:mc="http://schemas.openxmlformats.org/markup-compatibility/2006">
-          <mc:Choice xmlns:p14="http://schemas.microsoft.com/office/powerpoint/2010/main" Requires="p14">
+        <mc:AlternateContent xmlns:mc="http://schemas.openxmlformats.org/markup-compatibility/2006" xmlns:p14="http://schemas.microsoft.com/office/powerpoint/2010/main">
+          <mc:Choice Requires="p14">
             <p:contentPart p14:bwMode="auto" r:id="rId22">
               <p14:nvContentPartPr>
                 <p14:cNvPr id="41" name="Ink 40">
@@ -8127,7 +8547,7 @@
               </p14:xfrm>
             </p:contentPart>
           </mc:Choice>
-          <mc:Fallback>
+          <mc:Fallback xmlns="">
             <p:pic>
               <p:nvPicPr>
                 <p:cNvPr id="41" name="Ink 40">
@@ -8158,8 +8578,8 @@
             </p:pic>
           </mc:Fallback>
         </mc:AlternateContent>
-        <mc:AlternateContent xmlns:mc="http://schemas.openxmlformats.org/markup-compatibility/2006">
-          <mc:Choice xmlns:p14="http://schemas.microsoft.com/office/powerpoint/2010/main" Requires="p14">
+        <mc:AlternateContent xmlns:mc="http://schemas.openxmlformats.org/markup-compatibility/2006" xmlns:p14="http://schemas.microsoft.com/office/powerpoint/2010/main">
+          <mc:Choice Requires="p14">
             <p:contentPart p14:bwMode="auto" r:id="rId24">
               <p14:nvContentPartPr>
                 <p14:cNvPr id="42" name="Ink 41">
@@ -8178,7 +8598,7 @@
               </p14:xfrm>
             </p:contentPart>
           </mc:Choice>
-          <mc:Fallback>
+          <mc:Fallback xmlns="">
             <p:pic>
               <p:nvPicPr>
                 <p:cNvPr id="42" name="Ink 41">
@@ -8209,8 +8629,8 @@
             </p:pic>
           </mc:Fallback>
         </mc:AlternateContent>
-        <mc:AlternateContent xmlns:mc="http://schemas.openxmlformats.org/markup-compatibility/2006">
-          <mc:Choice xmlns:p14="http://schemas.microsoft.com/office/powerpoint/2010/main" Requires="p14">
+        <mc:AlternateContent xmlns:mc="http://schemas.openxmlformats.org/markup-compatibility/2006" xmlns:p14="http://schemas.microsoft.com/office/powerpoint/2010/main">
+          <mc:Choice Requires="p14">
             <p:contentPart p14:bwMode="auto" r:id="rId26">
               <p14:nvContentPartPr>
                 <p14:cNvPr id="43" name="Ink 42">
@@ -8229,7 +8649,7 @@
               </p14:xfrm>
             </p:contentPart>
           </mc:Choice>
-          <mc:Fallback>
+          <mc:Fallback xmlns="">
             <p:pic>
               <p:nvPicPr>
                 <p:cNvPr id="43" name="Ink 42">
@@ -8260,8 +8680,8 @@
             </p:pic>
           </mc:Fallback>
         </mc:AlternateContent>
-        <mc:AlternateContent xmlns:mc="http://schemas.openxmlformats.org/markup-compatibility/2006">
-          <mc:Choice xmlns:p14="http://schemas.microsoft.com/office/powerpoint/2010/main" Requires="p14">
+        <mc:AlternateContent xmlns:mc="http://schemas.openxmlformats.org/markup-compatibility/2006" xmlns:p14="http://schemas.microsoft.com/office/powerpoint/2010/main">
+          <mc:Choice Requires="p14">
             <p:contentPart p14:bwMode="auto" r:id="rId28">
               <p14:nvContentPartPr>
                 <p14:cNvPr id="44" name="Ink 43">
@@ -8280,7 +8700,7 @@
               </p14:xfrm>
             </p:contentPart>
           </mc:Choice>
-          <mc:Fallback>
+          <mc:Fallback xmlns="">
             <p:pic>
               <p:nvPicPr>
                 <p:cNvPr id="44" name="Ink 43">
@@ -8311,8 +8731,8 @@
             </p:pic>
           </mc:Fallback>
         </mc:AlternateContent>
-        <mc:AlternateContent xmlns:mc="http://schemas.openxmlformats.org/markup-compatibility/2006">
-          <mc:Choice xmlns:p14="http://schemas.microsoft.com/office/powerpoint/2010/main" Requires="p14">
+        <mc:AlternateContent xmlns:mc="http://schemas.openxmlformats.org/markup-compatibility/2006" xmlns:p14="http://schemas.microsoft.com/office/powerpoint/2010/main">
+          <mc:Choice Requires="p14">
             <p:contentPart p14:bwMode="auto" r:id="rId30">
               <p14:nvContentPartPr>
                 <p14:cNvPr id="45" name="Ink 44">
@@ -8331,7 +8751,7 @@
               </p14:xfrm>
             </p:contentPart>
           </mc:Choice>
-          <mc:Fallback>
+          <mc:Fallback xmlns="">
             <p:pic>
               <p:nvPicPr>
                 <p:cNvPr id="45" name="Ink 44">
@@ -8362,8 +8782,8 @@
             </p:pic>
           </mc:Fallback>
         </mc:AlternateContent>
-        <mc:AlternateContent xmlns:mc="http://schemas.openxmlformats.org/markup-compatibility/2006">
-          <mc:Choice xmlns:p14="http://schemas.microsoft.com/office/powerpoint/2010/main" Requires="p14">
+        <mc:AlternateContent xmlns:mc="http://schemas.openxmlformats.org/markup-compatibility/2006" xmlns:p14="http://schemas.microsoft.com/office/powerpoint/2010/main">
+          <mc:Choice Requires="p14">
             <p:contentPart p14:bwMode="auto" r:id="rId32">
               <p14:nvContentPartPr>
                 <p14:cNvPr id="46" name="Ink 45">
@@ -8382,7 +8802,7 @@
               </p14:xfrm>
             </p:contentPart>
           </mc:Choice>
-          <mc:Fallback>
+          <mc:Fallback xmlns="">
             <p:pic>
               <p:nvPicPr>
                 <p:cNvPr id="46" name="Ink 45">
@@ -8413,8 +8833,8 @@
             </p:pic>
           </mc:Fallback>
         </mc:AlternateContent>
-        <mc:AlternateContent xmlns:mc="http://schemas.openxmlformats.org/markup-compatibility/2006">
-          <mc:Choice xmlns:p14="http://schemas.microsoft.com/office/powerpoint/2010/main" Requires="p14">
+        <mc:AlternateContent xmlns:mc="http://schemas.openxmlformats.org/markup-compatibility/2006" xmlns:p14="http://schemas.microsoft.com/office/powerpoint/2010/main">
+          <mc:Choice Requires="p14">
             <p:contentPart p14:bwMode="auto" r:id="rId34">
               <p14:nvContentPartPr>
                 <p14:cNvPr id="47" name="Ink 46">
@@ -8433,7 +8853,7 @@
               </p14:xfrm>
             </p:contentPart>
           </mc:Choice>
-          <mc:Fallback>
+          <mc:Fallback xmlns="">
             <p:pic>
               <p:nvPicPr>
                 <p:cNvPr id="47" name="Ink 46">
@@ -8464,8 +8884,8 @@
             </p:pic>
           </mc:Fallback>
         </mc:AlternateContent>
-        <mc:AlternateContent xmlns:mc="http://schemas.openxmlformats.org/markup-compatibility/2006">
-          <mc:Choice xmlns:p14="http://schemas.microsoft.com/office/powerpoint/2010/main" Requires="p14">
+        <mc:AlternateContent xmlns:mc="http://schemas.openxmlformats.org/markup-compatibility/2006" xmlns:p14="http://schemas.microsoft.com/office/powerpoint/2010/main">
+          <mc:Choice Requires="p14">
             <p:contentPart p14:bwMode="auto" r:id="rId36">
               <p14:nvContentPartPr>
                 <p14:cNvPr id="48" name="Ink 47">
@@ -8484,7 +8904,7 @@
               </p14:xfrm>
             </p:contentPart>
           </mc:Choice>
-          <mc:Fallback>
+          <mc:Fallback xmlns="">
             <p:pic>
               <p:nvPicPr>
                 <p:cNvPr id="48" name="Ink 47">
@@ -8515,8 +8935,8 @@
             </p:pic>
           </mc:Fallback>
         </mc:AlternateContent>
-        <mc:AlternateContent xmlns:mc="http://schemas.openxmlformats.org/markup-compatibility/2006">
-          <mc:Choice xmlns:p14="http://schemas.microsoft.com/office/powerpoint/2010/main" Requires="p14">
+        <mc:AlternateContent xmlns:mc="http://schemas.openxmlformats.org/markup-compatibility/2006" xmlns:p14="http://schemas.microsoft.com/office/powerpoint/2010/main">
+          <mc:Choice Requires="p14">
             <p:contentPart p14:bwMode="auto" r:id="rId38">
               <p14:nvContentPartPr>
                 <p14:cNvPr id="49" name="Ink 48">
@@ -8535,7 +8955,7 @@
               </p14:xfrm>
             </p:contentPart>
           </mc:Choice>
-          <mc:Fallback>
+          <mc:Fallback xmlns="">
             <p:pic>
               <p:nvPicPr>
                 <p:cNvPr id="49" name="Ink 48">
@@ -8566,8 +8986,8 @@
             </p:pic>
           </mc:Fallback>
         </mc:AlternateContent>
-        <mc:AlternateContent xmlns:mc="http://schemas.openxmlformats.org/markup-compatibility/2006">
-          <mc:Choice xmlns:p14="http://schemas.microsoft.com/office/powerpoint/2010/main" Requires="p14">
+        <mc:AlternateContent xmlns:mc="http://schemas.openxmlformats.org/markup-compatibility/2006" xmlns:p14="http://schemas.microsoft.com/office/powerpoint/2010/main">
+          <mc:Choice Requires="p14">
             <p:contentPart p14:bwMode="auto" r:id="rId40">
               <p14:nvContentPartPr>
                 <p14:cNvPr id="50" name="Ink 49">
@@ -8586,7 +9006,7 @@
               </p14:xfrm>
             </p:contentPart>
           </mc:Choice>
-          <mc:Fallback>
+          <mc:Fallback xmlns="">
             <p:pic>
               <p:nvPicPr>
                 <p:cNvPr id="50" name="Ink 49">
@@ -8617,8 +9037,8 @@
             </p:pic>
           </mc:Fallback>
         </mc:AlternateContent>
-        <mc:AlternateContent xmlns:mc="http://schemas.openxmlformats.org/markup-compatibility/2006">
-          <mc:Choice xmlns:p14="http://schemas.microsoft.com/office/powerpoint/2010/main" Requires="p14">
+        <mc:AlternateContent xmlns:mc="http://schemas.openxmlformats.org/markup-compatibility/2006" xmlns:p14="http://schemas.microsoft.com/office/powerpoint/2010/main">
+          <mc:Choice Requires="p14">
             <p:contentPart p14:bwMode="auto" r:id="rId42">
               <p14:nvContentPartPr>
                 <p14:cNvPr id="51" name="Ink 50">
@@ -8637,7 +9057,7 @@
               </p14:xfrm>
             </p:contentPart>
           </mc:Choice>
-          <mc:Fallback>
+          <mc:Fallback xmlns="">
             <p:pic>
               <p:nvPicPr>
                 <p:cNvPr id="51" name="Ink 50">
@@ -8668,8 +9088,8 @@
             </p:pic>
           </mc:Fallback>
         </mc:AlternateContent>
-        <mc:AlternateContent xmlns:mc="http://schemas.openxmlformats.org/markup-compatibility/2006">
-          <mc:Choice xmlns:p14="http://schemas.microsoft.com/office/powerpoint/2010/main" Requires="p14">
+        <mc:AlternateContent xmlns:mc="http://schemas.openxmlformats.org/markup-compatibility/2006" xmlns:p14="http://schemas.microsoft.com/office/powerpoint/2010/main">
+          <mc:Choice Requires="p14">
             <p:contentPart p14:bwMode="auto" r:id="rId44">
               <p14:nvContentPartPr>
                 <p14:cNvPr id="53" name="Ink 52">
@@ -8688,7 +9108,7 @@
               </p14:xfrm>
             </p:contentPart>
           </mc:Choice>
-          <mc:Fallback>
+          <mc:Fallback xmlns="">
             <p:pic>
               <p:nvPicPr>
                 <p:cNvPr id="53" name="Ink 52">
@@ -8719,8 +9139,8 @@
             </p:pic>
           </mc:Fallback>
         </mc:AlternateContent>
-        <mc:AlternateContent xmlns:mc="http://schemas.openxmlformats.org/markup-compatibility/2006">
-          <mc:Choice xmlns:p14="http://schemas.microsoft.com/office/powerpoint/2010/main" Requires="p14">
+        <mc:AlternateContent xmlns:mc="http://schemas.openxmlformats.org/markup-compatibility/2006" xmlns:p14="http://schemas.microsoft.com/office/powerpoint/2010/main">
+          <mc:Choice Requires="p14">
             <p:contentPart p14:bwMode="auto" r:id="rId46">
               <p14:nvContentPartPr>
                 <p14:cNvPr id="54" name="Ink 53">
@@ -8739,7 +9159,7 @@
               </p14:xfrm>
             </p:contentPart>
           </mc:Choice>
-          <mc:Fallback>
+          <mc:Fallback xmlns="">
             <p:pic>
               <p:nvPicPr>
                 <p:cNvPr id="54" name="Ink 53">
@@ -8770,8 +9190,8 @@
             </p:pic>
           </mc:Fallback>
         </mc:AlternateContent>
-        <mc:AlternateContent xmlns:mc="http://schemas.openxmlformats.org/markup-compatibility/2006">
-          <mc:Choice xmlns:p14="http://schemas.microsoft.com/office/powerpoint/2010/main" Requires="p14">
+        <mc:AlternateContent xmlns:mc="http://schemas.openxmlformats.org/markup-compatibility/2006" xmlns:p14="http://schemas.microsoft.com/office/powerpoint/2010/main">
+          <mc:Choice Requires="p14">
             <p:contentPart p14:bwMode="auto" r:id="rId48">
               <p14:nvContentPartPr>
                 <p14:cNvPr id="55" name="Ink 54">
@@ -8790,7 +9210,7 @@
               </p14:xfrm>
             </p:contentPart>
           </mc:Choice>
-          <mc:Fallback>
+          <mc:Fallback xmlns="">
             <p:pic>
               <p:nvPicPr>
                 <p:cNvPr id="55" name="Ink 54">
@@ -8821,8 +9241,8 @@
             </p:pic>
           </mc:Fallback>
         </mc:AlternateContent>
-        <mc:AlternateContent xmlns:mc="http://schemas.openxmlformats.org/markup-compatibility/2006">
-          <mc:Choice xmlns:p14="http://schemas.microsoft.com/office/powerpoint/2010/main" Requires="p14">
+        <mc:AlternateContent xmlns:mc="http://schemas.openxmlformats.org/markup-compatibility/2006" xmlns:p14="http://schemas.microsoft.com/office/powerpoint/2010/main">
+          <mc:Choice Requires="p14">
             <p:contentPart p14:bwMode="auto" r:id="rId50">
               <p14:nvContentPartPr>
                 <p14:cNvPr id="56" name="Ink 55">
@@ -8841,7 +9261,7 @@
               </p14:xfrm>
             </p:contentPart>
           </mc:Choice>
-          <mc:Fallback>
+          <mc:Fallback xmlns="">
             <p:pic>
               <p:nvPicPr>
                 <p:cNvPr id="56" name="Ink 55">
@@ -8872,8 +9292,8 @@
             </p:pic>
           </mc:Fallback>
         </mc:AlternateContent>
-        <mc:AlternateContent xmlns:mc="http://schemas.openxmlformats.org/markup-compatibility/2006">
-          <mc:Choice xmlns:p14="http://schemas.microsoft.com/office/powerpoint/2010/main" Requires="p14">
+        <mc:AlternateContent xmlns:mc="http://schemas.openxmlformats.org/markup-compatibility/2006" xmlns:p14="http://schemas.microsoft.com/office/powerpoint/2010/main">
+          <mc:Choice Requires="p14">
             <p:contentPart p14:bwMode="auto" r:id="rId52">
               <p14:nvContentPartPr>
                 <p14:cNvPr id="57" name="Ink 56">
@@ -8892,7 +9312,7 @@
               </p14:xfrm>
             </p:contentPart>
           </mc:Choice>
-          <mc:Fallback>
+          <mc:Fallback xmlns="">
             <p:pic>
               <p:nvPicPr>
                 <p:cNvPr id="57" name="Ink 56">
@@ -8923,8 +9343,8 @@
             </p:pic>
           </mc:Fallback>
         </mc:AlternateContent>
-        <mc:AlternateContent xmlns:mc="http://schemas.openxmlformats.org/markup-compatibility/2006">
-          <mc:Choice xmlns:p14="http://schemas.microsoft.com/office/powerpoint/2010/main" Requires="p14">
+        <mc:AlternateContent xmlns:mc="http://schemas.openxmlformats.org/markup-compatibility/2006" xmlns:p14="http://schemas.microsoft.com/office/powerpoint/2010/main">
+          <mc:Choice Requires="p14">
             <p:contentPart p14:bwMode="auto" r:id="rId54">
               <p14:nvContentPartPr>
                 <p14:cNvPr id="58" name="Ink 57">
@@ -8943,7 +9363,7 @@
               </p14:xfrm>
             </p:contentPart>
           </mc:Choice>
-          <mc:Fallback>
+          <mc:Fallback xmlns="">
             <p:pic>
               <p:nvPicPr>
                 <p:cNvPr id="58" name="Ink 57">
@@ -8974,8 +9394,8 @@
             </p:pic>
           </mc:Fallback>
         </mc:AlternateContent>
-        <mc:AlternateContent xmlns:mc="http://schemas.openxmlformats.org/markup-compatibility/2006">
-          <mc:Choice xmlns:p14="http://schemas.microsoft.com/office/powerpoint/2010/main" Requires="p14">
+        <mc:AlternateContent xmlns:mc="http://schemas.openxmlformats.org/markup-compatibility/2006" xmlns:p14="http://schemas.microsoft.com/office/powerpoint/2010/main">
+          <mc:Choice Requires="p14">
             <p:contentPart p14:bwMode="auto" r:id="rId56">
               <p14:nvContentPartPr>
                 <p14:cNvPr id="64" name="Ink 63">
@@ -8994,7 +9414,7 @@
               </p14:xfrm>
             </p:contentPart>
           </mc:Choice>
-          <mc:Fallback>
+          <mc:Fallback xmlns="">
             <p:pic>
               <p:nvPicPr>
                 <p:cNvPr id="64" name="Ink 63">
@@ -9025,8 +9445,8 @@
             </p:pic>
           </mc:Fallback>
         </mc:AlternateContent>
-        <mc:AlternateContent xmlns:mc="http://schemas.openxmlformats.org/markup-compatibility/2006">
-          <mc:Choice xmlns:p14="http://schemas.microsoft.com/office/powerpoint/2010/main" Requires="p14">
+        <mc:AlternateContent xmlns:mc="http://schemas.openxmlformats.org/markup-compatibility/2006" xmlns:p14="http://schemas.microsoft.com/office/powerpoint/2010/main">
+          <mc:Choice Requires="p14">
             <p:contentPart p14:bwMode="auto" r:id="rId58">
               <p14:nvContentPartPr>
                 <p14:cNvPr id="65" name="Ink 64">
@@ -9045,7 +9465,7 @@
               </p14:xfrm>
             </p:contentPart>
           </mc:Choice>
-          <mc:Fallback>
+          <mc:Fallback xmlns="">
             <p:pic>
               <p:nvPicPr>
                 <p:cNvPr id="65" name="Ink 64">
@@ -9076,8 +9496,8 @@
             </p:pic>
           </mc:Fallback>
         </mc:AlternateContent>
-        <mc:AlternateContent xmlns:mc="http://schemas.openxmlformats.org/markup-compatibility/2006">
-          <mc:Choice xmlns:p14="http://schemas.microsoft.com/office/powerpoint/2010/main" Requires="p14">
+        <mc:AlternateContent xmlns:mc="http://schemas.openxmlformats.org/markup-compatibility/2006" xmlns:p14="http://schemas.microsoft.com/office/powerpoint/2010/main">
+          <mc:Choice Requires="p14">
             <p:contentPart p14:bwMode="auto" r:id="rId60">
               <p14:nvContentPartPr>
                 <p14:cNvPr id="66" name="Ink 65">
@@ -9096,7 +9516,7 @@
               </p14:xfrm>
             </p:contentPart>
           </mc:Choice>
-          <mc:Fallback>
+          <mc:Fallback xmlns="">
             <p:pic>
               <p:nvPicPr>
                 <p:cNvPr id="66" name="Ink 65">
@@ -9127,8 +9547,8 @@
             </p:pic>
           </mc:Fallback>
         </mc:AlternateContent>
-        <mc:AlternateContent xmlns:mc="http://schemas.openxmlformats.org/markup-compatibility/2006">
-          <mc:Choice xmlns:p14="http://schemas.microsoft.com/office/powerpoint/2010/main" Requires="p14">
+        <mc:AlternateContent xmlns:mc="http://schemas.openxmlformats.org/markup-compatibility/2006" xmlns:p14="http://schemas.microsoft.com/office/powerpoint/2010/main">
+          <mc:Choice Requires="p14">
             <p:contentPart p14:bwMode="auto" r:id="rId62">
               <p14:nvContentPartPr>
                 <p14:cNvPr id="67" name="Ink 66">
@@ -9147,7 +9567,7 @@
               </p14:xfrm>
             </p:contentPart>
           </mc:Choice>
-          <mc:Fallback>
+          <mc:Fallback xmlns="">
             <p:pic>
               <p:nvPicPr>
                 <p:cNvPr id="67" name="Ink 66">
@@ -9178,8 +9598,8 @@
             </p:pic>
           </mc:Fallback>
         </mc:AlternateContent>
-        <mc:AlternateContent xmlns:mc="http://schemas.openxmlformats.org/markup-compatibility/2006">
-          <mc:Choice xmlns:p14="http://schemas.microsoft.com/office/powerpoint/2010/main" Requires="p14">
+        <mc:AlternateContent xmlns:mc="http://schemas.openxmlformats.org/markup-compatibility/2006" xmlns:p14="http://schemas.microsoft.com/office/powerpoint/2010/main">
+          <mc:Choice Requires="p14">
             <p:contentPart p14:bwMode="auto" r:id="rId64">
               <p14:nvContentPartPr>
                 <p14:cNvPr id="68" name="Ink 67">
@@ -9198,7 +9618,7 @@
               </p14:xfrm>
             </p:contentPart>
           </mc:Choice>
-          <mc:Fallback>
+          <mc:Fallback xmlns="">
             <p:pic>
               <p:nvPicPr>
                 <p:cNvPr id="68" name="Ink 67">
@@ -9229,8 +9649,8 @@
             </p:pic>
           </mc:Fallback>
         </mc:AlternateContent>
-        <mc:AlternateContent xmlns:mc="http://schemas.openxmlformats.org/markup-compatibility/2006">
-          <mc:Choice xmlns:p14="http://schemas.microsoft.com/office/powerpoint/2010/main" Requires="p14">
+        <mc:AlternateContent xmlns:mc="http://schemas.openxmlformats.org/markup-compatibility/2006" xmlns:p14="http://schemas.microsoft.com/office/powerpoint/2010/main">
+          <mc:Choice Requires="p14">
             <p:contentPart p14:bwMode="auto" r:id="rId66">
               <p14:nvContentPartPr>
                 <p14:cNvPr id="69" name="Ink 68">
@@ -9249,7 +9669,7 @@
               </p14:xfrm>
             </p:contentPart>
           </mc:Choice>
-          <mc:Fallback>
+          <mc:Fallback xmlns="">
             <p:pic>
               <p:nvPicPr>
                 <p:cNvPr id="69" name="Ink 68">
@@ -9693,8 +10113,8 @@
             <a:chExt cx="3209400" cy="1161000"/>
           </a:xfrm>
         </p:grpSpPr>
-        <mc:AlternateContent xmlns:mc="http://schemas.openxmlformats.org/markup-compatibility/2006">
-          <mc:Choice xmlns:p14="http://schemas.microsoft.com/office/powerpoint/2010/main" Requires="p14">
+        <mc:AlternateContent xmlns:mc="http://schemas.openxmlformats.org/markup-compatibility/2006" xmlns:p14="http://schemas.microsoft.com/office/powerpoint/2010/main">
+          <mc:Choice Requires="p14">
             <p:contentPart p14:bwMode="auto" r:id="rId7">
               <p14:nvContentPartPr>
                 <p14:cNvPr id="24" name="Ink 23">
@@ -9713,7 +10133,7 @@
               </p14:xfrm>
             </p:contentPart>
           </mc:Choice>
-          <mc:Fallback>
+          <mc:Fallback xmlns="">
             <p:pic>
               <p:nvPicPr>
                 <p:cNvPr id="24" name="Ink 23">
@@ -9744,8 +10164,8 @@
             </p:pic>
           </mc:Fallback>
         </mc:AlternateContent>
-        <mc:AlternateContent xmlns:mc="http://schemas.openxmlformats.org/markup-compatibility/2006">
-          <mc:Choice xmlns:p14="http://schemas.microsoft.com/office/powerpoint/2010/main" Requires="p14">
+        <mc:AlternateContent xmlns:mc="http://schemas.openxmlformats.org/markup-compatibility/2006" xmlns:p14="http://schemas.microsoft.com/office/powerpoint/2010/main">
+          <mc:Choice Requires="p14">
             <p:contentPart p14:bwMode="auto" r:id="rId9">
               <p14:nvContentPartPr>
                 <p14:cNvPr id="27" name="Ink 26">
@@ -9764,7 +10184,7 @@
               </p14:xfrm>
             </p:contentPart>
           </mc:Choice>
-          <mc:Fallback>
+          <mc:Fallback xmlns="">
             <p:pic>
               <p:nvPicPr>
                 <p:cNvPr id="27" name="Ink 26">
@@ -9816,8 +10236,8 @@
             <a:chExt cx="4408200" cy="341280"/>
           </a:xfrm>
         </p:grpSpPr>
-        <mc:AlternateContent xmlns:mc="http://schemas.openxmlformats.org/markup-compatibility/2006">
-          <mc:Choice xmlns:p14="http://schemas.microsoft.com/office/powerpoint/2010/main" Requires="p14">
+        <mc:AlternateContent xmlns:mc="http://schemas.openxmlformats.org/markup-compatibility/2006" xmlns:p14="http://schemas.microsoft.com/office/powerpoint/2010/main">
+          <mc:Choice Requires="p14">
             <p:contentPart p14:bwMode="auto" r:id="rId11">
               <p14:nvContentPartPr>
                 <p14:cNvPr id="31" name="Ink 30">
@@ -9836,7 +10256,7 @@
               </p14:xfrm>
             </p:contentPart>
           </mc:Choice>
-          <mc:Fallback>
+          <mc:Fallback xmlns="">
             <p:pic>
               <p:nvPicPr>
                 <p:cNvPr id="31" name="Ink 30">
@@ -9867,8 +10287,8 @@
             </p:pic>
           </mc:Fallback>
         </mc:AlternateContent>
-        <mc:AlternateContent xmlns:mc="http://schemas.openxmlformats.org/markup-compatibility/2006">
-          <mc:Choice xmlns:p14="http://schemas.microsoft.com/office/powerpoint/2010/main" Requires="p14">
+        <mc:AlternateContent xmlns:mc="http://schemas.openxmlformats.org/markup-compatibility/2006" xmlns:p14="http://schemas.microsoft.com/office/powerpoint/2010/main">
+          <mc:Choice Requires="p14">
             <p:contentPart p14:bwMode="auto" r:id="rId13">
               <p14:nvContentPartPr>
                 <p14:cNvPr id="32" name="Ink 31">
@@ -9887,7 +10307,7 @@
               </p14:xfrm>
             </p:contentPart>
           </mc:Choice>
-          <mc:Fallback>
+          <mc:Fallback xmlns="">
             <p:pic>
               <p:nvPicPr>
                 <p:cNvPr id="32" name="Ink 31">
@@ -10390,57 +10810,6 @@
           </a:p>
         </p:txBody>
       </p:sp>
-      <mc:AlternateContent xmlns:mc="http://schemas.openxmlformats.org/markup-compatibility/2006">
-        <mc:Choice xmlns:p14="http://schemas.microsoft.com/office/powerpoint/2010/main" Requires="p14">
-          <p:contentPart p14:bwMode="auto" r:id="rId4">
-            <p14:nvContentPartPr>
-              <p14:cNvPr id="11" name="Ink 10">
-                <a:extLst>
-                  <a:ext uri="{FF2B5EF4-FFF2-40B4-BE49-F238E27FC236}">
-                    <a16:creationId xmlns:a16="http://schemas.microsoft.com/office/drawing/2014/main" id="{CB8F275B-0A57-32CD-E0B0-636F65B7DD93}"/>
-                  </a:ext>
-                </a:extLst>
-              </p14:cNvPr>
-              <p14:cNvContentPartPr/>
-              <p14:nvPr/>
-            </p14:nvContentPartPr>
-            <p14:xfrm>
-              <a:off x="5242512" y="4010808"/>
-              <a:ext cx="1119960" cy="1086480"/>
-            </p14:xfrm>
-          </p:contentPart>
-        </mc:Choice>
-        <mc:Fallback>
-          <p:pic>
-            <p:nvPicPr>
-              <p:cNvPr id="11" name="Ink 10">
-                <a:extLst>
-                  <a:ext uri="{FF2B5EF4-FFF2-40B4-BE49-F238E27FC236}">
-                    <a16:creationId xmlns:a16="http://schemas.microsoft.com/office/drawing/2014/main" id="{CB8F275B-0A57-32CD-E0B0-636F65B7DD93}"/>
-                  </a:ext>
-                </a:extLst>
-              </p:cNvPr>
-              <p:cNvPicPr/>
-              <p:nvPr/>
-            </p:nvPicPr>
-            <p:blipFill>
-              <a:blip r:embed="rId5"/>
-              <a:stretch>
-                <a:fillRect/>
-              </a:stretch>
-            </p:blipFill>
-            <p:spPr>
-              <a:xfrm>
-                <a:off x="5236392" y="4004688"/>
-                <a:ext cx="1132200" cy="1098720"/>
-              </a:xfrm>
-              <a:prstGeom prst="rect">
-                <a:avLst/>
-              </a:prstGeom>
-            </p:spPr>
-          </p:pic>
-        </mc:Fallback>
-      </mc:AlternateContent>
       <p:grpSp>
         <p:nvGrpSpPr>
           <p:cNvPr id="56" name="Group 55">
@@ -10461,9 +10830,9 @@
             <a:chExt cx="5695920" cy="1206000"/>
           </a:xfrm>
         </p:grpSpPr>
-        <mc:AlternateContent xmlns:mc="http://schemas.openxmlformats.org/markup-compatibility/2006">
-          <mc:Choice xmlns:p14="http://schemas.microsoft.com/office/powerpoint/2010/main" Requires="p14">
-            <p:contentPart p14:bwMode="auto" r:id="rId6">
+        <mc:AlternateContent xmlns:mc="http://schemas.openxmlformats.org/markup-compatibility/2006" xmlns:p14="http://schemas.microsoft.com/office/powerpoint/2010/main">
+          <mc:Choice Requires="p14">
+            <p:contentPart p14:bwMode="auto" r:id="rId4">
               <p14:nvContentPartPr>
                 <p14:cNvPr id="13" name="Ink 12">
                   <a:extLst>
@@ -10481,7 +10850,7 @@
               </p14:xfrm>
             </p:contentPart>
           </mc:Choice>
-          <mc:Fallback>
+          <mc:Fallback xmlns="">
             <p:pic>
               <p:nvPicPr>
                 <p:cNvPr id="13" name="Ink 12">
@@ -10512,8 +10881,8 @@
             </p:pic>
           </mc:Fallback>
         </mc:AlternateContent>
-        <mc:AlternateContent xmlns:mc="http://schemas.openxmlformats.org/markup-compatibility/2006">
-          <mc:Choice xmlns:p14="http://schemas.microsoft.com/office/powerpoint/2010/main" Requires="p14">
+        <mc:AlternateContent xmlns:mc="http://schemas.openxmlformats.org/markup-compatibility/2006" xmlns:p14="http://schemas.microsoft.com/office/powerpoint/2010/main">
+          <mc:Choice Requires="p14">
             <p:contentPart p14:bwMode="auto" r:id="rId8">
               <p14:nvContentPartPr>
                 <p14:cNvPr id="14" name="Ink 13">
@@ -10532,7 +10901,7 @@
               </p14:xfrm>
             </p:contentPart>
           </mc:Choice>
-          <mc:Fallback>
+          <mc:Fallback xmlns="">
             <p:pic>
               <p:nvPicPr>
                 <p:cNvPr id="14" name="Ink 13">
@@ -10563,8 +10932,8 @@
             </p:pic>
           </mc:Fallback>
         </mc:AlternateContent>
-        <mc:AlternateContent xmlns:mc="http://schemas.openxmlformats.org/markup-compatibility/2006">
-          <mc:Choice xmlns:p14="http://schemas.microsoft.com/office/powerpoint/2010/main" Requires="p14">
+        <mc:AlternateContent xmlns:mc="http://schemas.openxmlformats.org/markup-compatibility/2006" xmlns:p14="http://schemas.microsoft.com/office/powerpoint/2010/main">
+          <mc:Choice Requires="p14">
             <p:contentPart p14:bwMode="auto" r:id="rId10">
               <p14:nvContentPartPr>
                 <p14:cNvPr id="15" name="Ink 14">
@@ -10583,7 +10952,7 @@
               </p14:xfrm>
             </p:contentPart>
           </mc:Choice>
-          <mc:Fallback>
+          <mc:Fallback xmlns="">
             <p:pic>
               <p:nvPicPr>
                 <p:cNvPr id="15" name="Ink 14">
@@ -10614,8 +10983,8 @@
             </p:pic>
           </mc:Fallback>
         </mc:AlternateContent>
-        <mc:AlternateContent xmlns:mc="http://schemas.openxmlformats.org/markup-compatibility/2006">
-          <mc:Choice xmlns:p14="http://schemas.microsoft.com/office/powerpoint/2010/main" Requires="p14">
+        <mc:AlternateContent xmlns:mc="http://schemas.openxmlformats.org/markup-compatibility/2006" xmlns:p14="http://schemas.microsoft.com/office/powerpoint/2010/main">
+          <mc:Choice Requires="p14">
             <p:contentPart p14:bwMode="auto" r:id="rId12">
               <p14:nvContentPartPr>
                 <p14:cNvPr id="16" name="Ink 15">
@@ -10634,7 +11003,7 @@
               </p14:xfrm>
             </p:contentPart>
           </mc:Choice>
-          <mc:Fallback>
+          <mc:Fallback xmlns="">
             <p:pic>
               <p:nvPicPr>
                 <p:cNvPr id="16" name="Ink 15">
@@ -10665,8 +11034,8 @@
             </p:pic>
           </mc:Fallback>
         </mc:AlternateContent>
-        <mc:AlternateContent xmlns:mc="http://schemas.openxmlformats.org/markup-compatibility/2006">
-          <mc:Choice xmlns:p14="http://schemas.microsoft.com/office/powerpoint/2010/main" Requires="p14">
+        <mc:AlternateContent xmlns:mc="http://schemas.openxmlformats.org/markup-compatibility/2006" xmlns:p14="http://schemas.microsoft.com/office/powerpoint/2010/main">
+          <mc:Choice Requires="p14">
             <p:contentPart p14:bwMode="auto" r:id="rId14">
               <p14:nvContentPartPr>
                 <p14:cNvPr id="18" name="Ink 17">
@@ -10685,7 +11054,7 @@
               </p14:xfrm>
             </p:contentPart>
           </mc:Choice>
-          <mc:Fallback>
+          <mc:Fallback xmlns="">
             <p:pic>
               <p:nvPicPr>
                 <p:cNvPr id="18" name="Ink 17">
@@ -10716,8 +11085,8 @@
             </p:pic>
           </mc:Fallback>
         </mc:AlternateContent>
-        <mc:AlternateContent xmlns:mc="http://schemas.openxmlformats.org/markup-compatibility/2006">
-          <mc:Choice xmlns:p14="http://schemas.microsoft.com/office/powerpoint/2010/main" Requires="p14">
+        <mc:AlternateContent xmlns:mc="http://schemas.openxmlformats.org/markup-compatibility/2006" xmlns:p14="http://schemas.microsoft.com/office/powerpoint/2010/main">
+          <mc:Choice Requires="p14">
             <p:contentPart p14:bwMode="auto" r:id="rId16">
               <p14:nvContentPartPr>
                 <p14:cNvPr id="19" name="Ink 18">
@@ -10736,7 +11105,7 @@
               </p14:xfrm>
             </p:contentPart>
           </mc:Choice>
-          <mc:Fallback>
+          <mc:Fallback xmlns="">
             <p:pic>
               <p:nvPicPr>
                 <p:cNvPr id="19" name="Ink 18">
@@ -10767,8 +11136,8 @@
             </p:pic>
           </mc:Fallback>
         </mc:AlternateContent>
-        <mc:AlternateContent xmlns:mc="http://schemas.openxmlformats.org/markup-compatibility/2006">
-          <mc:Choice xmlns:p14="http://schemas.microsoft.com/office/powerpoint/2010/main" Requires="p14">
+        <mc:AlternateContent xmlns:mc="http://schemas.openxmlformats.org/markup-compatibility/2006" xmlns:p14="http://schemas.microsoft.com/office/powerpoint/2010/main">
+          <mc:Choice Requires="p14">
             <p:contentPart p14:bwMode="auto" r:id="rId18">
               <p14:nvContentPartPr>
                 <p14:cNvPr id="20" name="Ink 19">
@@ -10787,7 +11156,7 @@
               </p14:xfrm>
             </p:contentPart>
           </mc:Choice>
-          <mc:Fallback>
+          <mc:Fallback xmlns="">
             <p:pic>
               <p:nvPicPr>
                 <p:cNvPr id="20" name="Ink 19">
@@ -10818,8 +11187,8 @@
             </p:pic>
           </mc:Fallback>
         </mc:AlternateContent>
-        <mc:AlternateContent xmlns:mc="http://schemas.openxmlformats.org/markup-compatibility/2006">
-          <mc:Choice xmlns:p14="http://schemas.microsoft.com/office/powerpoint/2010/main" Requires="p14">
+        <mc:AlternateContent xmlns:mc="http://schemas.openxmlformats.org/markup-compatibility/2006" xmlns:p14="http://schemas.microsoft.com/office/powerpoint/2010/main">
+          <mc:Choice Requires="p14">
             <p:contentPart p14:bwMode="auto" r:id="rId20">
               <p14:nvContentPartPr>
                 <p14:cNvPr id="21" name="Ink 20">
@@ -10838,7 +11207,7 @@
               </p14:xfrm>
             </p:contentPart>
           </mc:Choice>
-          <mc:Fallback>
+          <mc:Fallback xmlns="">
             <p:pic>
               <p:nvPicPr>
                 <p:cNvPr id="21" name="Ink 20">
@@ -10869,8 +11238,8 @@
             </p:pic>
           </mc:Fallback>
         </mc:AlternateContent>
-        <mc:AlternateContent xmlns:mc="http://schemas.openxmlformats.org/markup-compatibility/2006">
-          <mc:Choice xmlns:p14="http://schemas.microsoft.com/office/powerpoint/2010/main" Requires="p14">
+        <mc:AlternateContent xmlns:mc="http://schemas.openxmlformats.org/markup-compatibility/2006" xmlns:p14="http://schemas.microsoft.com/office/powerpoint/2010/main">
+          <mc:Choice Requires="p14">
             <p:contentPart p14:bwMode="auto" r:id="rId22">
               <p14:nvContentPartPr>
                 <p14:cNvPr id="22" name="Ink 21">
@@ -10889,7 +11258,7 @@
               </p14:xfrm>
             </p:contentPart>
           </mc:Choice>
-          <mc:Fallback>
+          <mc:Fallback xmlns="">
             <p:pic>
               <p:nvPicPr>
                 <p:cNvPr id="22" name="Ink 21">
@@ -10920,8 +11289,8 @@
             </p:pic>
           </mc:Fallback>
         </mc:AlternateContent>
-        <mc:AlternateContent xmlns:mc="http://schemas.openxmlformats.org/markup-compatibility/2006">
-          <mc:Choice xmlns:p14="http://schemas.microsoft.com/office/powerpoint/2010/main" Requires="p14">
+        <mc:AlternateContent xmlns:mc="http://schemas.openxmlformats.org/markup-compatibility/2006" xmlns:p14="http://schemas.microsoft.com/office/powerpoint/2010/main">
+          <mc:Choice Requires="p14">
             <p:contentPart p14:bwMode="auto" r:id="rId24">
               <p14:nvContentPartPr>
                 <p14:cNvPr id="23" name="Ink 22">
@@ -10940,7 +11309,7 @@
               </p14:xfrm>
             </p:contentPart>
           </mc:Choice>
-          <mc:Fallback>
+          <mc:Fallback xmlns="">
             <p:pic>
               <p:nvPicPr>
                 <p:cNvPr id="23" name="Ink 22">
@@ -10971,8 +11340,8 @@
             </p:pic>
           </mc:Fallback>
         </mc:AlternateContent>
-        <mc:AlternateContent xmlns:mc="http://schemas.openxmlformats.org/markup-compatibility/2006">
-          <mc:Choice xmlns:p14="http://schemas.microsoft.com/office/powerpoint/2010/main" Requires="p14">
+        <mc:AlternateContent xmlns:mc="http://schemas.openxmlformats.org/markup-compatibility/2006" xmlns:p14="http://schemas.microsoft.com/office/powerpoint/2010/main">
+          <mc:Choice Requires="p14">
             <p:contentPart p14:bwMode="auto" r:id="rId26">
               <p14:nvContentPartPr>
                 <p14:cNvPr id="25" name="Ink 24">
@@ -10991,7 +11360,7 @@
               </p14:xfrm>
             </p:contentPart>
           </mc:Choice>
-          <mc:Fallback>
+          <mc:Fallback xmlns="">
             <p:pic>
               <p:nvPicPr>
                 <p:cNvPr id="25" name="Ink 24">
@@ -11022,8 +11391,8 @@
             </p:pic>
           </mc:Fallback>
         </mc:AlternateContent>
-        <mc:AlternateContent xmlns:mc="http://schemas.openxmlformats.org/markup-compatibility/2006">
-          <mc:Choice xmlns:p14="http://schemas.microsoft.com/office/powerpoint/2010/main" Requires="p14">
+        <mc:AlternateContent xmlns:mc="http://schemas.openxmlformats.org/markup-compatibility/2006" xmlns:p14="http://schemas.microsoft.com/office/powerpoint/2010/main">
+          <mc:Choice Requires="p14">
             <p:contentPart p14:bwMode="auto" r:id="rId28">
               <p14:nvContentPartPr>
                 <p14:cNvPr id="26" name="Ink 25">
@@ -11042,7 +11411,7 @@
               </p14:xfrm>
             </p:contentPart>
           </mc:Choice>
-          <mc:Fallback>
+          <mc:Fallback xmlns="">
             <p:pic>
               <p:nvPicPr>
                 <p:cNvPr id="26" name="Ink 25">
@@ -11073,8 +11442,8 @@
             </p:pic>
           </mc:Fallback>
         </mc:AlternateContent>
-        <mc:AlternateContent xmlns:mc="http://schemas.openxmlformats.org/markup-compatibility/2006">
-          <mc:Choice xmlns:p14="http://schemas.microsoft.com/office/powerpoint/2010/main" Requires="p14">
+        <mc:AlternateContent xmlns:mc="http://schemas.openxmlformats.org/markup-compatibility/2006" xmlns:p14="http://schemas.microsoft.com/office/powerpoint/2010/main">
+          <mc:Choice Requires="p14">
             <p:contentPart p14:bwMode="auto" r:id="rId30">
               <p14:nvContentPartPr>
                 <p14:cNvPr id="27" name="Ink 26">
@@ -11093,7 +11462,7 @@
               </p14:xfrm>
             </p:contentPart>
           </mc:Choice>
-          <mc:Fallback>
+          <mc:Fallback xmlns="">
             <p:pic>
               <p:nvPicPr>
                 <p:cNvPr id="27" name="Ink 26">
@@ -11124,8 +11493,8 @@
             </p:pic>
           </mc:Fallback>
         </mc:AlternateContent>
-        <mc:AlternateContent xmlns:mc="http://schemas.openxmlformats.org/markup-compatibility/2006">
-          <mc:Choice xmlns:p14="http://schemas.microsoft.com/office/powerpoint/2010/main" Requires="p14">
+        <mc:AlternateContent xmlns:mc="http://schemas.openxmlformats.org/markup-compatibility/2006" xmlns:p14="http://schemas.microsoft.com/office/powerpoint/2010/main">
+          <mc:Choice Requires="p14">
             <p:contentPart p14:bwMode="auto" r:id="rId32">
               <p14:nvContentPartPr>
                 <p14:cNvPr id="34" name="Ink 33">
@@ -11144,7 +11513,7 @@
               </p14:xfrm>
             </p:contentPart>
           </mc:Choice>
-          <mc:Fallback>
+          <mc:Fallback xmlns="">
             <p:pic>
               <p:nvPicPr>
                 <p:cNvPr id="34" name="Ink 33">
@@ -11175,8 +11544,8 @@
             </p:pic>
           </mc:Fallback>
         </mc:AlternateContent>
-        <mc:AlternateContent xmlns:mc="http://schemas.openxmlformats.org/markup-compatibility/2006">
-          <mc:Choice xmlns:p14="http://schemas.microsoft.com/office/powerpoint/2010/main" Requires="p14">
+        <mc:AlternateContent xmlns:mc="http://schemas.openxmlformats.org/markup-compatibility/2006" xmlns:p14="http://schemas.microsoft.com/office/powerpoint/2010/main">
+          <mc:Choice Requires="p14">
             <p:contentPart p14:bwMode="auto" r:id="rId34">
               <p14:nvContentPartPr>
                 <p14:cNvPr id="45" name="Ink 44">
@@ -11195,7 +11564,7 @@
               </p14:xfrm>
             </p:contentPart>
           </mc:Choice>
-          <mc:Fallback>
+          <mc:Fallback xmlns="">
             <p:pic>
               <p:nvPicPr>
                 <p:cNvPr id="45" name="Ink 44">
@@ -11226,8 +11595,8 @@
             </p:pic>
           </mc:Fallback>
         </mc:AlternateContent>
-        <mc:AlternateContent xmlns:mc="http://schemas.openxmlformats.org/markup-compatibility/2006">
-          <mc:Choice xmlns:p14="http://schemas.microsoft.com/office/powerpoint/2010/main" Requires="p14">
+        <mc:AlternateContent xmlns:mc="http://schemas.openxmlformats.org/markup-compatibility/2006" xmlns:p14="http://schemas.microsoft.com/office/powerpoint/2010/main">
+          <mc:Choice Requires="p14">
             <p:contentPart p14:bwMode="auto" r:id="rId36">
               <p14:nvContentPartPr>
                 <p14:cNvPr id="52" name="Ink 51">
@@ -11246,7 +11615,7 @@
               </p14:xfrm>
             </p:contentPart>
           </mc:Choice>
-          <mc:Fallback>
+          <mc:Fallback xmlns="">
             <p:pic>
               <p:nvPicPr>
                 <p:cNvPr id="52" name="Ink 51">
@@ -11269,6 +11638,843 @@
                 <a:xfrm>
                   <a:off x="6443112" y="5589048"/>
                   <a:ext cx="5708160" cy="1087200"/>
+                </a:xfrm>
+                <a:prstGeom prst="rect">
+                  <a:avLst/>
+                </a:prstGeom>
+              </p:spPr>
+            </p:pic>
+          </mc:Fallback>
+        </mc:AlternateContent>
+      </p:grpSp>
+      <p:grpSp>
+        <p:nvGrpSpPr>
+          <p:cNvPr id="37" name="Group 36">
+            <a:extLst>
+              <a:ext uri="{FF2B5EF4-FFF2-40B4-BE49-F238E27FC236}">
+                <a16:creationId xmlns:a16="http://schemas.microsoft.com/office/drawing/2014/main" id="{98877076-79A3-5E61-4AC3-DACFDA615CB7}"/>
+              </a:ext>
+            </a:extLst>
+          </p:cNvPr>
+          <p:cNvGrpSpPr/>
+          <p:nvPr/>
+        </p:nvGrpSpPr>
+        <p:grpSpPr>
+          <a:xfrm>
+            <a:off x="8039058" y="1310077"/>
+            <a:ext cx="2591280" cy="603000"/>
+            <a:chOff x="8039058" y="1310077"/>
+            <a:chExt cx="2591280" cy="603000"/>
+          </a:xfrm>
+        </p:grpSpPr>
+        <mc:AlternateContent xmlns:mc="http://schemas.openxmlformats.org/markup-compatibility/2006">
+          <mc:Choice xmlns:p14="http://schemas.microsoft.com/office/powerpoint/2010/main" Requires="p14">
+            <p:contentPart p14:bwMode="auto" r:id="rId38">
+              <p14:nvContentPartPr>
+                <p14:cNvPr id="2" name="Ink 1">
+                  <a:extLst>
+                    <a:ext uri="{FF2B5EF4-FFF2-40B4-BE49-F238E27FC236}">
+                      <a16:creationId xmlns:a16="http://schemas.microsoft.com/office/drawing/2014/main" id="{BBC1A34E-DB43-E222-9E6A-C9DBEFA23E5C}"/>
+                    </a:ext>
+                  </a:extLst>
+                </p14:cNvPr>
+                <p14:cNvContentPartPr/>
+                <p14:nvPr/>
+              </p14:nvContentPartPr>
+              <p14:xfrm>
+                <a:off x="8039058" y="1310077"/>
+                <a:ext cx="258840" cy="412560"/>
+              </p14:xfrm>
+            </p:contentPart>
+          </mc:Choice>
+          <mc:Fallback>
+            <p:pic>
+              <p:nvPicPr>
+                <p:cNvPr id="2" name="Ink 1">
+                  <a:extLst>
+                    <a:ext uri="{FF2B5EF4-FFF2-40B4-BE49-F238E27FC236}">
+                      <a16:creationId xmlns:a16="http://schemas.microsoft.com/office/drawing/2014/main" id="{BBC1A34E-DB43-E222-9E6A-C9DBEFA23E5C}"/>
+                    </a:ext>
+                  </a:extLst>
+                </p:cNvPr>
+                <p:cNvPicPr/>
+                <p:nvPr/>
+              </p:nvPicPr>
+              <p:blipFill>
+                <a:blip r:embed="rId39"/>
+                <a:stretch>
+                  <a:fillRect/>
+                </a:stretch>
+              </p:blipFill>
+              <p:spPr>
+                <a:xfrm>
+                  <a:off x="8032938" y="1303957"/>
+                  <a:ext cx="271080" cy="424800"/>
+                </a:xfrm>
+                <a:prstGeom prst="rect">
+                  <a:avLst/>
+                </a:prstGeom>
+              </p:spPr>
+            </p:pic>
+          </mc:Fallback>
+        </mc:AlternateContent>
+        <mc:AlternateContent xmlns:mc="http://schemas.openxmlformats.org/markup-compatibility/2006">
+          <mc:Choice xmlns:p14="http://schemas.microsoft.com/office/powerpoint/2010/main" Requires="p14">
+            <p:contentPart p14:bwMode="auto" r:id="rId40">
+              <p14:nvContentPartPr>
+                <p14:cNvPr id="3" name="Ink 2">
+                  <a:extLst>
+                    <a:ext uri="{FF2B5EF4-FFF2-40B4-BE49-F238E27FC236}">
+                      <a16:creationId xmlns:a16="http://schemas.microsoft.com/office/drawing/2014/main" id="{868348FA-C1AB-2AD8-E16F-8B25AA2A172B}"/>
+                    </a:ext>
+                  </a:extLst>
+                </p14:cNvPr>
+                <p14:cNvContentPartPr/>
+                <p14:nvPr/>
+              </p14:nvContentPartPr>
+              <p14:xfrm>
+                <a:off x="8323098" y="1513837"/>
+                <a:ext cx="161280" cy="152280"/>
+              </p14:xfrm>
+            </p:contentPart>
+          </mc:Choice>
+          <mc:Fallback>
+            <p:pic>
+              <p:nvPicPr>
+                <p:cNvPr id="3" name="Ink 2">
+                  <a:extLst>
+                    <a:ext uri="{FF2B5EF4-FFF2-40B4-BE49-F238E27FC236}">
+                      <a16:creationId xmlns:a16="http://schemas.microsoft.com/office/drawing/2014/main" id="{868348FA-C1AB-2AD8-E16F-8B25AA2A172B}"/>
+                    </a:ext>
+                  </a:extLst>
+                </p:cNvPr>
+                <p:cNvPicPr/>
+                <p:nvPr/>
+              </p:nvPicPr>
+              <p:blipFill>
+                <a:blip r:embed="rId41"/>
+                <a:stretch>
+                  <a:fillRect/>
+                </a:stretch>
+              </p:blipFill>
+              <p:spPr>
+                <a:xfrm>
+                  <a:off x="8316978" y="1507717"/>
+                  <a:ext cx="173520" cy="164520"/>
+                </a:xfrm>
+                <a:prstGeom prst="rect">
+                  <a:avLst/>
+                </a:prstGeom>
+              </p:spPr>
+            </p:pic>
+          </mc:Fallback>
+        </mc:AlternateContent>
+        <mc:AlternateContent xmlns:mc="http://schemas.openxmlformats.org/markup-compatibility/2006">
+          <mc:Choice xmlns:p14="http://schemas.microsoft.com/office/powerpoint/2010/main" Requires="p14">
+            <p:contentPart p14:bwMode="auto" r:id="rId42">
+              <p14:nvContentPartPr>
+                <p14:cNvPr id="5" name="Ink 4">
+                  <a:extLst>
+                    <a:ext uri="{FF2B5EF4-FFF2-40B4-BE49-F238E27FC236}">
+                      <a16:creationId xmlns:a16="http://schemas.microsoft.com/office/drawing/2014/main" id="{54081E3A-F083-53CF-9E2B-39E439284254}"/>
+                    </a:ext>
+                  </a:extLst>
+                </p14:cNvPr>
+                <p14:cNvContentPartPr/>
+                <p14:nvPr/>
+              </p14:nvContentPartPr>
+              <p14:xfrm>
+                <a:off x="8498418" y="1489717"/>
+                <a:ext cx="103680" cy="190080"/>
+              </p14:xfrm>
+            </p:contentPart>
+          </mc:Choice>
+          <mc:Fallback>
+            <p:pic>
+              <p:nvPicPr>
+                <p:cNvPr id="5" name="Ink 4">
+                  <a:extLst>
+                    <a:ext uri="{FF2B5EF4-FFF2-40B4-BE49-F238E27FC236}">
+                      <a16:creationId xmlns:a16="http://schemas.microsoft.com/office/drawing/2014/main" id="{54081E3A-F083-53CF-9E2B-39E439284254}"/>
+                    </a:ext>
+                  </a:extLst>
+                </p:cNvPr>
+                <p:cNvPicPr/>
+                <p:nvPr/>
+              </p:nvPicPr>
+              <p:blipFill>
+                <a:blip r:embed="rId43"/>
+                <a:stretch>
+                  <a:fillRect/>
+                </a:stretch>
+              </p:blipFill>
+              <p:spPr>
+                <a:xfrm>
+                  <a:off x="8492298" y="1483597"/>
+                  <a:ext cx="115920" cy="202320"/>
+                </a:xfrm>
+                <a:prstGeom prst="rect">
+                  <a:avLst/>
+                </a:prstGeom>
+              </p:spPr>
+            </p:pic>
+          </mc:Fallback>
+        </mc:AlternateContent>
+        <mc:AlternateContent xmlns:mc="http://schemas.openxmlformats.org/markup-compatibility/2006">
+          <mc:Choice xmlns:p14="http://schemas.microsoft.com/office/powerpoint/2010/main" Requires="p14">
+            <p:contentPart p14:bwMode="auto" r:id="rId44">
+              <p14:nvContentPartPr>
+                <p14:cNvPr id="8" name="Ink 7">
+                  <a:extLst>
+                    <a:ext uri="{FF2B5EF4-FFF2-40B4-BE49-F238E27FC236}">
+                      <a16:creationId xmlns:a16="http://schemas.microsoft.com/office/drawing/2014/main" id="{65A02F71-2C0D-0BB1-5CB2-88B5DE8DB76F}"/>
+                    </a:ext>
+                  </a:extLst>
+                </p14:cNvPr>
+                <p14:cNvContentPartPr/>
+                <p14:nvPr/>
+              </p14:nvContentPartPr>
+              <p14:xfrm>
+                <a:off x="8698578" y="1495117"/>
+                <a:ext cx="120240" cy="141840"/>
+              </p14:xfrm>
+            </p:contentPart>
+          </mc:Choice>
+          <mc:Fallback>
+            <p:pic>
+              <p:nvPicPr>
+                <p:cNvPr id="8" name="Ink 7">
+                  <a:extLst>
+                    <a:ext uri="{FF2B5EF4-FFF2-40B4-BE49-F238E27FC236}">
+                      <a16:creationId xmlns:a16="http://schemas.microsoft.com/office/drawing/2014/main" id="{65A02F71-2C0D-0BB1-5CB2-88B5DE8DB76F}"/>
+                    </a:ext>
+                  </a:extLst>
+                </p:cNvPr>
+                <p:cNvPicPr/>
+                <p:nvPr/>
+              </p:nvPicPr>
+              <p:blipFill>
+                <a:blip r:embed="rId45"/>
+                <a:stretch>
+                  <a:fillRect/>
+                </a:stretch>
+              </p:blipFill>
+              <p:spPr>
+                <a:xfrm>
+                  <a:off x="8692458" y="1488997"/>
+                  <a:ext cx="132480" cy="154080"/>
+                </a:xfrm>
+                <a:prstGeom prst="rect">
+                  <a:avLst/>
+                </a:prstGeom>
+              </p:spPr>
+            </p:pic>
+          </mc:Fallback>
+        </mc:AlternateContent>
+        <mc:AlternateContent xmlns:mc="http://schemas.openxmlformats.org/markup-compatibility/2006">
+          <mc:Choice xmlns:p14="http://schemas.microsoft.com/office/powerpoint/2010/main" Requires="p14">
+            <p:contentPart p14:bwMode="auto" r:id="rId46">
+              <p14:nvContentPartPr>
+                <p14:cNvPr id="9" name="Ink 8">
+                  <a:extLst>
+                    <a:ext uri="{FF2B5EF4-FFF2-40B4-BE49-F238E27FC236}">
+                      <a16:creationId xmlns:a16="http://schemas.microsoft.com/office/drawing/2014/main" id="{D1209E02-08E9-95B6-55D9-24823629F11B}"/>
+                    </a:ext>
+                  </a:extLst>
+                </p14:cNvPr>
+                <p14:cNvContentPartPr/>
+                <p14:nvPr/>
+              </p14:nvContentPartPr>
+              <p14:xfrm>
+                <a:off x="8862378" y="1498357"/>
+                <a:ext cx="140760" cy="168840"/>
+              </p14:xfrm>
+            </p:contentPart>
+          </mc:Choice>
+          <mc:Fallback>
+            <p:pic>
+              <p:nvPicPr>
+                <p:cNvPr id="9" name="Ink 8">
+                  <a:extLst>
+                    <a:ext uri="{FF2B5EF4-FFF2-40B4-BE49-F238E27FC236}">
+                      <a16:creationId xmlns:a16="http://schemas.microsoft.com/office/drawing/2014/main" id="{D1209E02-08E9-95B6-55D9-24823629F11B}"/>
+                    </a:ext>
+                  </a:extLst>
+                </p:cNvPr>
+                <p:cNvPicPr/>
+                <p:nvPr/>
+              </p:nvPicPr>
+              <p:blipFill>
+                <a:blip r:embed="rId47"/>
+                <a:stretch>
+                  <a:fillRect/>
+                </a:stretch>
+              </p:blipFill>
+              <p:spPr>
+                <a:xfrm>
+                  <a:off x="8856258" y="1492237"/>
+                  <a:ext cx="153000" cy="181080"/>
+                </a:xfrm>
+                <a:prstGeom prst="rect">
+                  <a:avLst/>
+                </a:prstGeom>
+              </p:spPr>
+            </p:pic>
+          </mc:Fallback>
+        </mc:AlternateContent>
+        <mc:AlternateContent xmlns:mc="http://schemas.openxmlformats.org/markup-compatibility/2006">
+          <mc:Choice xmlns:p14="http://schemas.microsoft.com/office/powerpoint/2010/main" Requires="p14">
+            <p:contentPart p14:bwMode="auto" r:id="rId48">
+              <p14:nvContentPartPr>
+                <p14:cNvPr id="10" name="Ink 9">
+                  <a:extLst>
+                    <a:ext uri="{FF2B5EF4-FFF2-40B4-BE49-F238E27FC236}">
+                      <a16:creationId xmlns:a16="http://schemas.microsoft.com/office/drawing/2014/main" id="{222BC802-643D-68A4-3C11-2B60F66A6335}"/>
+                    </a:ext>
+                  </a:extLst>
+                </p14:cNvPr>
+                <p14:cNvContentPartPr/>
+                <p14:nvPr/>
+              </p14:nvContentPartPr>
+              <p14:xfrm>
+                <a:off x="9013218" y="1488637"/>
+                <a:ext cx="128520" cy="222480"/>
+              </p14:xfrm>
+            </p:contentPart>
+          </mc:Choice>
+          <mc:Fallback>
+            <p:pic>
+              <p:nvPicPr>
+                <p:cNvPr id="10" name="Ink 9">
+                  <a:extLst>
+                    <a:ext uri="{FF2B5EF4-FFF2-40B4-BE49-F238E27FC236}">
+                      <a16:creationId xmlns:a16="http://schemas.microsoft.com/office/drawing/2014/main" id="{222BC802-643D-68A4-3C11-2B60F66A6335}"/>
+                    </a:ext>
+                  </a:extLst>
+                </p:cNvPr>
+                <p:cNvPicPr/>
+                <p:nvPr/>
+              </p:nvPicPr>
+              <p:blipFill>
+                <a:blip r:embed="rId49"/>
+                <a:stretch>
+                  <a:fillRect/>
+                </a:stretch>
+              </p:blipFill>
+              <p:spPr>
+                <a:xfrm>
+                  <a:off x="9007098" y="1482517"/>
+                  <a:ext cx="140760" cy="234720"/>
+                </a:xfrm>
+                <a:prstGeom prst="rect">
+                  <a:avLst/>
+                </a:prstGeom>
+              </p:spPr>
+            </p:pic>
+          </mc:Fallback>
+        </mc:AlternateContent>
+        <mc:AlternateContent xmlns:mc="http://schemas.openxmlformats.org/markup-compatibility/2006">
+          <mc:Choice xmlns:p14="http://schemas.microsoft.com/office/powerpoint/2010/main" Requires="p14">
+            <p:contentPart p14:bwMode="auto" r:id="rId50">
+              <p14:nvContentPartPr>
+                <p14:cNvPr id="12" name="Ink 11">
+                  <a:extLst>
+                    <a:ext uri="{FF2B5EF4-FFF2-40B4-BE49-F238E27FC236}">
+                      <a16:creationId xmlns:a16="http://schemas.microsoft.com/office/drawing/2014/main" id="{20FF4532-752A-E11C-6CA5-EC7AFE72C1E8}"/>
+                    </a:ext>
+                  </a:extLst>
+                </p14:cNvPr>
+                <p14:cNvContentPartPr/>
+                <p14:nvPr/>
+              </p14:nvContentPartPr>
+              <p14:xfrm>
+                <a:off x="9189978" y="1359757"/>
+                <a:ext cx="223560" cy="330480"/>
+              </p14:xfrm>
+            </p:contentPart>
+          </mc:Choice>
+          <mc:Fallback>
+            <p:pic>
+              <p:nvPicPr>
+                <p:cNvPr id="12" name="Ink 11">
+                  <a:extLst>
+                    <a:ext uri="{FF2B5EF4-FFF2-40B4-BE49-F238E27FC236}">
+                      <a16:creationId xmlns:a16="http://schemas.microsoft.com/office/drawing/2014/main" id="{20FF4532-752A-E11C-6CA5-EC7AFE72C1E8}"/>
+                    </a:ext>
+                  </a:extLst>
+                </p:cNvPr>
+                <p:cNvPicPr/>
+                <p:nvPr/>
+              </p:nvPicPr>
+              <p:blipFill>
+                <a:blip r:embed="rId51"/>
+                <a:stretch>
+                  <a:fillRect/>
+                </a:stretch>
+              </p:blipFill>
+              <p:spPr>
+                <a:xfrm>
+                  <a:off x="9183858" y="1353637"/>
+                  <a:ext cx="235800" cy="342720"/>
+                </a:xfrm>
+                <a:prstGeom prst="rect">
+                  <a:avLst/>
+                </a:prstGeom>
+              </p:spPr>
+            </p:pic>
+          </mc:Fallback>
+        </mc:AlternateContent>
+        <mc:AlternateContent xmlns:mc="http://schemas.openxmlformats.org/markup-compatibility/2006">
+          <mc:Choice xmlns:p14="http://schemas.microsoft.com/office/powerpoint/2010/main" Requires="p14">
+            <p:contentPart p14:bwMode="auto" r:id="rId52">
+              <p14:nvContentPartPr>
+                <p14:cNvPr id="17" name="Ink 16">
+                  <a:extLst>
+                    <a:ext uri="{FF2B5EF4-FFF2-40B4-BE49-F238E27FC236}">
+                      <a16:creationId xmlns:a16="http://schemas.microsoft.com/office/drawing/2014/main" id="{E498B150-9929-6369-F17A-75A21126C2B8}"/>
+                    </a:ext>
+                  </a:extLst>
+                </p14:cNvPr>
+                <p14:cNvContentPartPr/>
+                <p14:nvPr/>
+              </p14:nvContentPartPr>
+              <p14:xfrm>
+                <a:off x="9565818" y="1359757"/>
+                <a:ext cx="360" cy="268920"/>
+              </p14:xfrm>
+            </p:contentPart>
+          </mc:Choice>
+          <mc:Fallback>
+            <p:pic>
+              <p:nvPicPr>
+                <p:cNvPr id="17" name="Ink 16">
+                  <a:extLst>
+                    <a:ext uri="{FF2B5EF4-FFF2-40B4-BE49-F238E27FC236}">
+                      <a16:creationId xmlns:a16="http://schemas.microsoft.com/office/drawing/2014/main" id="{E498B150-9929-6369-F17A-75A21126C2B8}"/>
+                    </a:ext>
+                  </a:extLst>
+                </p:cNvPr>
+                <p:cNvPicPr/>
+                <p:nvPr/>
+              </p:nvPicPr>
+              <p:blipFill>
+                <a:blip r:embed="rId53"/>
+                <a:stretch>
+                  <a:fillRect/>
+                </a:stretch>
+              </p:blipFill>
+              <p:spPr>
+                <a:xfrm>
+                  <a:off x="9559698" y="1353637"/>
+                  <a:ext cx="12600" cy="281160"/>
+                </a:xfrm>
+                <a:prstGeom prst="rect">
+                  <a:avLst/>
+                </a:prstGeom>
+              </p:spPr>
+            </p:pic>
+          </mc:Fallback>
+        </mc:AlternateContent>
+        <mc:AlternateContent xmlns:mc="http://schemas.openxmlformats.org/markup-compatibility/2006">
+          <mc:Choice xmlns:p14="http://schemas.microsoft.com/office/powerpoint/2010/main" Requires="p14">
+            <p:contentPart p14:bwMode="auto" r:id="rId54">
+              <p14:nvContentPartPr>
+                <p14:cNvPr id="28" name="Ink 27">
+                  <a:extLst>
+                    <a:ext uri="{FF2B5EF4-FFF2-40B4-BE49-F238E27FC236}">
+                      <a16:creationId xmlns:a16="http://schemas.microsoft.com/office/drawing/2014/main" id="{7C11AA9B-1033-8836-3E7A-C7B7A13D4C88}"/>
+                    </a:ext>
+                  </a:extLst>
+                </p14:cNvPr>
+                <p14:cNvContentPartPr/>
+                <p14:nvPr/>
+              </p14:nvContentPartPr>
+              <p14:xfrm>
+                <a:off x="9519018" y="1634077"/>
+                <a:ext cx="87480" cy="7560"/>
+              </p14:xfrm>
+            </p:contentPart>
+          </mc:Choice>
+          <mc:Fallback>
+            <p:pic>
+              <p:nvPicPr>
+                <p:cNvPr id="28" name="Ink 27">
+                  <a:extLst>
+                    <a:ext uri="{FF2B5EF4-FFF2-40B4-BE49-F238E27FC236}">
+                      <a16:creationId xmlns:a16="http://schemas.microsoft.com/office/drawing/2014/main" id="{7C11AA9B-1033-8836-3E7A-C7B7A13D4C88}"/>
+                    </a:ext>
+                  </a:extLst>
+                </p:cNvPr>
+                <p:cNvPicPr/>
+                <p:nvPr/>
+              </p:nvPicPr>
+              <p:blipFill>
+                <a:blip r:embed="rId55"/>
+                <a:stretch>
+                  <a:fillRect/>
+                </a:stretch>
+              </p:blipFill>
+              <p:spPr>
+                <a:xfrm>
+                  <a:off x="9512898" y="1627957"/>
+                  <a:ext cx="99720" cy="19800"/>
+                </a:xfrm>
+                <a:prstGeom prst="rect">
+                  <a:avLst/>
+                </a:prstGeom>
+              </p:spPr>
+            </p:pic>
+          </mc:Fallback>
+        </mc:AlternateContent>
+        <mc:AlternateContent xmlns:mc="http://schemas.openxmlformats.org/markup-compatibility/2006">
+          <mc:Choice xmlns:p14="http://schemas.microsoft.com/office/powerpoint/2010/main" Requires="p14">
+            <p:contentPart p14:bwMode="auto" r:id="rId56">
+              <p14:nvContentPartPr>
+                <p14:cNvPr id="29" name="Ink 28">
+                  <a:extLst>
+                    <a:ext uri="{FF2B5EF4-FFF2-40B4-BE49-F238E27FC236}">
+                      <a16:creationId xmlns:a16="http://schemas.microsoft.com/office/drawing/2014/main" id="{F9920459-8DBB-30DE-D065-E9BE2146C52A}"/>
+                    </a:ext>
+                  </a:extLst>
+                </p14:cNvPr>
+                <p14:cNvContentPartPr/>
+                <p14:nvPr/>
+              </p14:nvContentPartPr>
+              <p14:xfrm>
+                <a:off x="9472218" y="1347517"/>
+                <a:ext cx="162720" cy="70920"/>
+              </p14:xfrm>
+            </p:contentPart>
+          </mc:Choice>
+          <mc:Fallback>
+            <p:pic>
+              <p:nvPicPr>
+                <p:cNvPr id="29" name="Ink 28">
+                  <a:extLst>
+                    <a:ext uri="{FF2B5EF4-FFF2-40B4-BE49-F238E27FC236}">
+                      <a16:creationId xmlns:a16="http://schemas.microsoft.com/office/drawing/2014/main" id="{F9920459-8DBB-30DE-D065-E9BE2146C52A}"/>
+                    </a:ext>
+                  </a:extLst>
+                </p:cNvPr>
+                <p:cNvPicPr/>
+                <p:nvPr/>
+              </p:nvPicPr>
+              <p:blipFill>
+                <a:blip r:embed="rId57"/>
+                <a:stretch>
+                  <a:fillRect/>
+                </a:stretch>
+              </p:blipFill>
+              <p:spPr>
+                <a:xfrm>
+                  <a:off x="9466098" y="1341397"/>
+                  <a:ext cx="174960" cy="83160"/>
+                </a:xfrm>
+                <a:prstGeom prst="rect">
+                  <a:avLst/>
+                </a:prstGeom>
+              </p:spPr>
+            </p:pic>
+          </mc:Fallback>
+        </mc:AlternateContent>
+        <mc:AlternateContent xmlns:mc="http://schemas.openxmlformats.org/markup-compatibility/2006">
+          <mc:Choice xmlns:p14="http://schemas.microsoft.com/office/powerpoint/2010/main" Requires="p14">
+            <p:contentPart p14:bwMode="auto" r:id="rId58">
+              <p14:nvContentPartPr>
+                <p14:cNvPr id="30" name="Ink 29">
+                  <a:extLst>
+                    <a:ext uri="{FF2B5EF4-FFF2-40B4-BE49-F238E27FC236}">
+                      <a16:creationId xmlns:a16="http://schemas.microsoft.com/office/drawing/2014/main" id="{46D67D49-BE6C-1887-9265-BEBD4E888635}"/>
+                    </a:ext>
+                  </a:extLst>
+                </p14:cNvPr>
+                <p14:cNvContentPartPr/>
+                <p14:nvPr/>
+              </p14:nvContentPartPr>
+              <p14:xfrm>
+                <a:off x="9741498" y="1652437"/>
+                <a:ext cx="360" cy="360"/>
+              </p14:xfrm>
+            </p:contentPart>
+          </mc:Choice>
+          <mc:Fallback>
+            <p:pic>
+              <p:nvPicPr>
+                <p:cNvPr id="30" name="Ink 29">
+                  <a:extLst>
+                    <a:ext uri="{FF2B5EF4-FFF2-40B4-BE49-F238E27FC236}">
+                      <a16:creationId xmlns:a16="http://schemas.microsoft.com/office/drawing/2014/main" id="{46D67D49-BE6C-1887-9265-BEBD4E888635}"/>
+                    </a:ext>
+                  </a:extLst>
+                </p:cNvPr>
+                <p:cNvPicPr/>
+                <p:nvPr/>
+              </p:nvPicPr>
+              <p:blipFill>
+                <a:blip r:embed="rId59"/>
+                <a:stretch>
+                  <a:fillRect/>
+                </a:stretch>
+              </p:blipFill>
+              <p:spPr>
+                <a:xfrm>
+                  <a:off x="9735378" y="1646317"/>
+                  <a:ext cx="12600" cy="12600"/>
+                </a:xfrm>
+                <a:prstGeom prst="rect">
+                  <a:avLst/>
+                </a:prstGeom>
+              </p:spPr>
+            </p:pic>
+          </mc:Fallback>
+        </mc:AlternateContent>
+        <mc:AlternateContent xmlns:mc="http://schemas.openxmlformats.org/markup-compatibility/2006">
+          <mc:Choice xmlns:p14="http://schemas.microsoft.com/office/powerpoint/2010/main" Requires="p14">
+            <p:contentPart p14:bwMode="auto" r:id="rId60">
+              <p14:nvContentPartPr>
+                <p14:cNvPr id="31" name="Ink 30">
+                  <a:extLst>
+                    <a:ext uri="{FF2B5EF4-FFF2-40B4-BE49-F238E27FC236}">
+                      <a16:creationId xmlns:a16="http://schemas.microsoft.com/office/drawing/2014/main" id="{31F2A395-57F8-DB40-04BD-04BD56F6A8F2}"/>
+                    </a:ext>
+                  </a:extLst>
+                </p14:cNvPr>
+                <p14:cNvContentPartPr/>
+                <p14:nvPr/>
+              </p14:nvContentPartPr>
+              <p14:xfrm>
+                <a:off x="9822498" y="1500157"/>
+                <a:ext cx="154440" cy="412920"/>
+              </p14:xfrm>
+            </p:contentPart>
+          </mc:Choice>
+          <mc:Fallback>
+            <p:pic>
+              <p:nvPicPr>
+                <p:cNvPr id="31" name="Ink 30">
+                  <a:extLst>
+                    <a:ext uri="{FF2B5EF4-FFF2-40B4-BE49-F238E27FC236}">
+                      <a16:creationId xmlns:a16="http://schemas.microsoft.com/office/drawing/2014/main" id="{31F2A395-57F8-DB40-04BD-04BD56F6A8F2}"/>
+                    </a:ext>
+                  </a:extLst>
+                </p:cNvPr>
+                <p:cNvPicPr/>
+                <p:nvPr/>
+              </p:nvPicPr>
+              <p:blipFill>
+                <a:blip r:embed="rId61"/>
+                <a:stretch>
+                  <a:fillRect/>
+                </a:stretch>
+              </p:blipFill>
+              <p:spPr>
+                <a:xfrm>
+                  <a:off x="9816378" y="1494037"/>
+                  <a:ext cx="166680" cy="425160"/>
+                </a:xfrm>
+                <a:prstGeom prst="rect">
+                  <a:avLst/>
+                </a:prstGeom>
+              </p:spPr>
+            </p:pic>
+          </mc:Fallback>
+        </mc:AlternateContent>
+        <mc:AlternateContent xmlns:mc="http://schemas.openxmlformats.org/markup-compatibility/2006">
+          <mc:Choice xmlns:p14="http://schemas.microsoft.com/office/powerpoint/2010/main" Requires="p14">
+            <p:contentPart p14:bwMode="auto" r:id="rId62">
+              <p14:nvContentPartPr>
+                <p14:cNvPr id="32" name="Ink 31">
+                  <a:extLst>
+                    <a:ext uri="{FF2B5EF4-FFF2-40B4-BE49-F238E27FC236}">
+                      <a16:creationId xmlns:a16="http://schemas.microsoft.com/office/drawing/2014/main" id="{2BF154E9-5BE0-BD29-76F3-2BA381E0F0F7}"/>
+                    </a:ext>
+                  </a:extLst>
+                </p14:cNvPr>
+                <p14:cNvContentPartPr/>
+                <p14:nvPr/>
+              </p14:nvContentPartPr>
+              <p14:xfrm>
+                <a:off x="9917538" y="1441837"/>
+                <a:ext cx="5040" cy="360"/>
+              </p14:xfrm>
+            </p:contentPart>
+          </mc:Choice>
+          <mc:Fallback>
+            <p:pic>
+              <p:nvPicPr>
+                <p:cNvPr id="32" name="Ink 31">
+                  <a:extLst>
+                    <a:ext uri="{FF2B5EF4-FFF2-40B4-BE49-F238E27FC236}">
+                      <a16:creationId xmlns:a16="http://schemas.microsoft.com/office/drawing/2014/main" id="{2BF154E9-5BE0-BD29-76F3-2BA381E0F0F7}"/>
+                    </a:ext>
+                  </a:extLst>
+                </p:cNvPr>
+                <p:cNvPicPr/>
+                <p:nvPr/>
+              </p:nvPicPr>
+              <p:blipFill>
+                <a:blip r:embed="rId63"/>
+                <a:stretch>
+                  <a:fillRect/>
+                </a:stretch>
+              </p:blipFill>
+              <p:spPr>
+                <a:xfrm>
+                  <a:off x="9911418" y="1435717"/>
+                  <a:ext cx="17280" cy="12600"/>
+                </a:xfrm>
+                <a:prstGeom prst="rect">
+                  <a:avLst/>
+                </a:prstGeom>
+              </p:spPr>
+            </p:pic>
+          </mc:Fallback>
+        </mc:AlternateContent>
+        <mc:AlternateContent xmlns:mc="http://schemas.openxmlformats.org/markup-compatibility/2006">
+          <mc:Choice xmlns:p14="http://schemas.microsoft.com/office/powerpoint/2010/main" Requires="p14">
+            <p:contentPart p14:bwMode="auto" r:id="rId64">
+              <p14:nvContentPartPr>
+                <p14:cNvPr id="33" name="Ink 32">
+                  <a:extLst>
+                    <a:ext uri="{FF2B5EF4-FFF2-40B4-BE49-F238E27FC236}">
+                      <a16:creationId xmlns:a16="http://schemas.microsoft.com/office/drawing/2014/main" id="{39495B33-A848-5D9D-ECBB-6137F80B0AE3}"/>
+                    </a:ext>
+                  </a:extLst>
+                </p14:cNvPr>
+                <p14:cNvContentPartPr/>
+                <p14:nvPr/>
+              </p14:nvContentPartPr>
+              <p14:xfrm>
+                <a:off x="10027338" y="1512757"/>
+                <a:ext cx="169200" cy="130680"/>
+              </p14:xfrm>
+            </p:contentPart>
+          </mc:Choice>
+          <mc:Fallback>
+            <p:pic>
+              <p:nvPicPr>
+                <p:cNvPr id="33" name="Ink 32">
+                  <a:extLst>
+                    <a:ext uri="{FF2B5EF4-FFF2-40B4-BE49-F238E27FC236}">
+                      <a16:creationId xmlns:a16="http://schemas.microsoft.com/office/drawing/2014/main" id="{39495B33-A848-5D9D-ECBB-6137F80B0AE3}"/>
+                    </a:ext>
+                  </a:extLst>
+                </p:cNvPr>
+                <p:cNvPicPr/>
+                <p:nvPr/>
+              </p:nvPicPr>
+              <p:blipFill>
+                <a:blip r:embed="rId65"/>
+                <a:stretch>
+                  <a:fillRect/>
+                </a:stretch>
+              </p:blipFill>
+              <p:spPr>
+                <a:xfrm>
+                  <a:off x="10021218" y="1506637"/>
+                  <a:ext cx="181440" cy="142920"/>
+                </a:xfrm>
+                <a:prstGeom prst="rect">
+                  <a:avLst/>
+                </a:prstGeom>
+              </p:spPr>
+            </p:pic>
+          </mc:Fallback>
+        </mc:AlternateContent>
+        <mc:AlternateContent xmlns:mc="http://schemas.openxmlformats.org/markup-compatibility/2006">
+          <mc:Choice xmlns:p14="http://schemas.microsoft.com/office/powerpoint/2010/main" Requires="p14">
+            <p:contentPart p14:bwMode="auto" r:id="rId66">
+              <p14:nvContentPartPr>
+                <p14:cNvPr id="35" name="Ink 34">
+                  <a:extLst>
+                    <a:ext uri="{FF2B5EF4-FFF2-40B4-BE49-F238E27FC236}">
+                      <a16:creationId xmlns:a16="http://schemas.microsoft.com/office/drawing/2014/main" id="{2FC5F0FB-14DF-27A7-353E-5FF1D3811150}"/>
+                    </a:ext>
+                  </a:extLst>
+                </p14:cNvPr>
+                <p14:cNvContentPartPr/>
+                <p14:nvPr/>
+              </p14:nvContentPartPr>
+              <p14:xfrm>
+                <a:off x="10234338" y="1489357"/>
+                <a:ext cx="140400" cy="191520"/>
+              </p14:xfrm>
+            </p:contentPart>
+          </mc:Choice>
+          <mc:Fallback>
+            <p:pic>
+              <p:nvPicPr>
+                <p:cNvPr id="35" name="Ink 34">
+                  <a:extLst>
+                    <a:ext uri="{FF2B5EF4-FFF2-40B4-BE49-F238E27FC236}">
+                      <a16:creationId xmlns:a16="http://schemas.microsoft.com/office/drawing/2014/main" id="{2FC5F0FB-14DF-27A7-353E-5FF1D3811150}"/>
+                    </a:ext>
+                  </a:extLst>
+                </p:cNvPr>
+                <p:cNvPicPr/>
+                <p:nvPr/>
+              </p:nvPicPr>
+              <p:blipFill>
+                <a:blip r:embed="rId67"/>
+                <a:stretch>
+                  <a:fillRect/>
+                </a:stretch>
+              </p:blipFill>
+              <p:spPr>
+                <a:xfrm>
+                  <a:off x="10228218" y="1483237"/>
+                  <a:ext cx="152640" cy="203760"/>
+                </a:xfrm>
+                <a:prstGeom prst="rect">
+                  <a:avLst/>
+                </a:prstGeom>
+              </p:spPr>
+            </p:pic>
+          </mc:Fallback>
+        </mc:AlternateContent>
+        <mc:AlternateContent xmlns:mc="http://schemas.openxmlformats.org/markup-compatibility/2006">
+          <mc:Choice xmlns:p14="http://schemas.microsoft.com/office/powerpoint/2010/main" Requires="p14">
+            <p:contentPart p14:bwMode="auto" r:id="rId68">
+              <p14:nvContentPartPr>
+                <p14:cNvPr id="36" name="Ink 35">
+                  <a:extLst>
+                    <a:ext uri="{FF2B5EF4-FFF2-40B4-BE49-F238E27FC236}">
+                      <a16:creationId xmlns:a16="http://schemas.microsoft.com/office/drawing/2014/main" id="{11BA680A-961D-E7C5-74A2-151E23E866AE}"/>
+                    </a:ext>
+                  </a:extLst>
+                </p14:cNvPr>
+                <p14:cNvContentPartPr/>
+                <p14:nvPr/>
+              </p14:nvContentPartPr>
+              <p14:xfrm>
+                <a:off x="10447818" y="1511317"/>
+                <a:ext cx="182520" cy="131400"/>
+              </p14:xfrm>
+            </p:contentPart>
+          </mc:Choice>
+          <mc:Fallback>
+            <p:pic>
+              <p:nvPicPr>
+                <p:cNvPr id="36" name="Ink 35">
+                  <a:extLst>
+                    <a:ext uri="{FF2B5EF4-FFF2-40B4-BE49-F238E27FC236}">
+                      <a16:creationId xmlns:a16="http://schemas.microsoft.com/office/drawing/2014/main" id="{11BA680A-961D-E7C5-74A2-151E23E866AE}"/>
+                    </a:ext>
+                  </a:extLst>
+                </p:cNvPr>
+                <p:cNvPicPr/>
+                <p:nvPr/>
+              </p:nvPicPr>
+              <p:blipFill>
+                <a:blip r:embed="rId69"/>
+                <a:stretch>
+                  <a:fillRect/>
+                </a:stretch>
+              </p:blipFill>
+              <p:spPr>
+                <a:xfrm>
+                  <a:off x="10441698" y="1505197"/>
+                  <a:ext cx="194760" cy="143640"/>
                 </a:xfrm>
                 <a:prstGeom prst="rect">
                   <a:avLst/>
@@ -11717,7 +12923,15 @@
           <a:p>
             <a:r>
               <a:rPr lang="ru-RU" sz="2400" dirty="0"/>
-              <a:t>Жмемо на слона.</a:t>
+              <a:t>Жмемо на слона</a:t>
+            </a:r>
+            <a:r>
+              <a:rPr lang="uk-UA" sz="2400" dirty="0"/>
+              <a:t>, щоб скачалися бібліотеки</a:t>
+            </a:r>
+            <a:r>
+              <a:rPr lang="ru-RU" sz="2400" dirty="0"/>
+              <a:t>.</a:t>
             </a:r>
             <a:endParaRPr lang="uk-UA" sz="2400" dirty="0"/>
           </a:p>
@@ -11772,10 +12986,10 @@
       </p:pic>
       <p:pic>
         <p:nvPicPr>
-          <p:cNvPr id="13" name="Picture 12">
+          <p:cNvPr id="15" name="Picture 14">
             <a:extLst>
               <a:ext uri="{FF2B5EF4-FFF2-40B4-BE49-F238E27FC236}">
-                <a16:creationId xmlns:a16="http://schemas.microsoft.com/office/drawing/2014/main" id="{41FF72D3-9BB6-8AD3-A080-C40D4E9490FE}"/>
+                <a16:creationId xmlns:a16="http://schemas.microsoft.com/office/drawing/2014/main" id="{7B658418-625E-1E2E-8D0C-74B51081E990}"/>
               </a:ext>
             </a:extLst>
           </p:cNvPr>
@@ -11792,68 +13006,8 @@
         </p:blipFill>
         <p:spPr>
           <a:xfrm>
-            <a:off x="5510168" y="4919043"/>
-            <a:ext cx="1919119" cy="1928812"/>
-          </a:xfrm>
-          <a:prstGeom prst="rect">
-            <a:avLst/>
-          </a:prstGeom>
-        </p:spPr>
-      </p:pic>
-      <p:pic>
-        <p:nvPicPr>
-          <p:cNvPr id="15" name="Picture 14">
-            <a:extLst>
-              <a:ext uri="{FF2B5EF4-FFF2-40B4-BE49-F238E27FC236}">
-                <a16:creationId xmlns:a16="http://schemas.microsoft.com/office/drawing/2014/main" id="{7B658418-625E-1E2E-8D0C-74B51081E990}"/>
-              </a:ext>
-            </a:extLst>
-          </p:cNvPr>
-          <p:cNvPicPr>
-            <a:picLocks noChangeAspect="1"/>
-          </p:cNvPicPr>
-          <p:nvPr/>
-        </p:nvPicPr>
-        <p:blipFill>
-          <a:blip r:embed="rId5"/>
-          <a:stretch>
-            <a:fillRect/>
-          </a:stretch>
-        </p:blipFill>
-        <p:spPr>
-          <a:xfrm>
             <a:off x="8626383" y="393588"/>
             <a:ext cx="1990817" cy="851146"/>
-          </a:xfrm>
-          <a:prstGeom prst="rect">
-            <a:avLst/>
-          </a:prstGeom>
-        </p:spPr>
-      </p:pic>
-      <p:pic>
-        <p:nvPicPr>
-          <p:cNvPr id="8" name="Picture 7">
-            <a:extLst>
-              <a:ext uri="{FF2B5EF4-FFF2-40B4-BE49-F238E27FC236}">
-                <a16:creationId xmlns:a16="http://schemas.microsoft.com/office/drawing/2014/main" id="{E0D118BE-1DB6-1684-472D-E1611FB6CECB}"/>
-              </a:ext>
-            </a:extLst>
-          </p:cNvPr>
-          <p:cNvPicPr>
-            <a:picLocks noChangeAspect="1"/>
-          </p:cNvPicPr>
-          <p:nvPr/>
-        </p:nvPicPr>
-        <p:blipFill>
-          <a:blip r:embed="rId6"/>
-          <a:stretch>
-            <a:fillRect/>
-          </a:stretch>
-        </p:blipFill>
-        <p:spPr>
-          <a:xfrm>
-            <a:off x="8076155" y="4240926"/>
-            <a:ext cx="2276538" cy="1356234"/>
           </a:xfrm>
           <a:prstGeom prst="rect">
             <a:avLst/>
@@ -11875,7 +13029,7 @@
           <p:nvPr/>
         </p:nvPicPr>
         <p:blipFill>
-          <a:blip r:embed="rId7"/>
+          <a:blip r:embed="rId5"/>
           <a:srcRect l="7513" t="13061" r="52347" b="8978"/>
           <a:stretch/>
         </p:blipFill>
@@ -11883,6 +13037,65 @@
           <a:xfrm>
             <a:off x="9372706" y="931620"/>
             <a:ext cx="2488988" cy="2420827"/>
+          </a:xfrm>
+          <a:prstGeom prst="rect">
+            <a:avLst/>
+          </a:prstGeom>
+        </p:spPr>
+      </p:pic>
+      <p:pic>
+        <p:nvPicPr>
+          <p:cNvPr id="23" name="Picture 22">
+            <a:extLst>
+              <a:ext uri="{FF2B5EF4-FFF2-40B4-BE49-F238E27FC236}">
+                <a16:creationId xmlns:a16="http://schemas.microsoft.com/office/drawing/2014/main" id="{54F7C98D-745A-BFE5-213A-B70A6E3C368D}"/>
+              </a:ext>
+            </a:extLst>
+          </p:cNvPr>
+          <p:cNvPicPr>
+            <a:picLocks noChangeAspect="1"/>
+          </p:cNvPicPr>
+          <p:nvPr/>
+        </p:nvPicPr>
+        <p:blipFill>
+          <a:blip r:embed="rId6"/>
+          <a:stretch>
+            <a:fillRect/>
+          </a:stretch>
+        </p:blipFill>
+        <p:spPr>
+          <a:xfrm>
+            <a:off x="2814637" y="6598142"/>
+            <a:ext cx="4994275" cy="249713"/>
+          </a:xfrm>
+          <a:prstGeom prst="rect">
+            <a:avLst/>
+          </a:prstGeom>
+        </p:spPr>
+      </p:pic>
+      <p:pic>
+        <p:nvPicPr>
+          <p:cNvPr id="20" name="Picture 19">
+            <a:extLst>
+              <a:ext uri="{FF2B5EF4-FFF2-40B4-BE49-F238E27FC236}">
+                <a16:creationId xmlns:a16="http://schemas.microsoft.com/office/drawing/2014/main" id="{142FFF73-3E4D-4779-F875-98E5F4801025}"/>
+              </a:ext>
+            </a:extLst>
+          </p:cNvPr>
+          <p:cNvPicPr>
+            <a:picLocks noChangeAspect="1"/>
+          </p:cNvPicPr>
+          <p:nvPr/>
+        </p:nvPicPr>
+        <p:blipFill>
+          <a:blip r:embed="rId7"/>
+          <a:srcRect t="8515" b="20136"/>
+          <a:stretch/>
+        </p:blipFill>
+        <p:spPr>
+          <a:xfrm>
+            <a:off x="2814637" y="3507755"/>
+            <a:ext cx="2838846" cy="3090387"/>
           </a:xfrm>
           <a:prstGeom prst="rect">
             <a:avLst/>
@@ -11903,7 +13116,7 @@
         </p:nvSpPr>
         <p:spPr>
           <a:xfrm rot="1182417">
-            <a:off x="3105936" y="5217145"/>
+            <a:off x="6101986" y="3840650"/>
             <a:ext cx="1550066" cy="1015663"/>
           </a:xfrm>
           <a:prstGeom prst="rect">
@@ -11926,7 +13139,23 @@
                   <a:srgbClr val="FF0000"/>
                 </a:solidFill>
               </a:rPr>
-              <a:t>Закликал </a:t>
+              <a:t>Закл</a:t>
+            </a:r>
+            <a:r>
+              <a:rPr lang="uk-UA" sz="2000" b="1" dirty="0">
+                <a:solidFill>
+                  <a:srgbClr val="FF0000"/>
+                </a:solidFill>
+              </a:rPr>
+              <a:t>і</a:t>
+            </a:r>
+            <a:r>
+              <a:rPr lang="ru-RU" sz="2000" b="1" dirty="0">
+                <a:solidFill>
+                  <a:srgbClr val="FF0000"/>
+                </a:solidFill>
+              </a:rPr>
+              <a:t>кав </a:t>
             </a:r>
           </a:p>
           <a:p>
@@ -11948,7 +13177,7 @@
                   <a:srgbClr val="FF0000"/>
                 </a:solidFill>
               </a:rPr>
-              <a:t>досмерти</a:t>
+              <a:t>досмерті</a:t>
             </a:r>
             <a:endParaRPr lang="uk-UA" sz="2000" b="1" dirty="0">
               <a:solidFill>
@@ -11960,10 +13189,10 @@
       </p:sp>
       <p:pic>
         <p:nvPicPr>
-          <p:cNvPr id="23" name="Picture 22">
+          <p:cNvPr id="24" name="Picture 23" descr="A pixelated cube with text&#10;&#10;AI-generated content may be incorrect.">
             <a:extLst>
               <a:ext uri="{FF2B5EF4-FFF2-40B4-BE49-F238E27FC236}">
-                <a16:creationId xmlns:a16="http://schemas.microsoft.com/office/drawing/2014/main" id="{54F7C98D-745A-BFE5-213A-B70A6E3C368D}"/>
+                <a16:creationId xmlns:a16="http://schemas.microsoft.com/office/drawing/2014/main" id="{D08E3155-639C-BD3B-C5FE-BD80EDBDC106}"/>
               </a:ext>
             </a:extLst>
           </p:cNvPr>
@@ -11973,15 +13202,81 @@
           <p:nvPr/>
         </p:nvPicPr>
         <p:blipFill>
-          <a:blip r:embed="rId8"/>
+          <a:blip r:embed="rId8">
+            <a:extLst>
+              <a:ext uri="{28A0092B-C50C-407E-A947-70E740481C1C}">
+                <a14:useLocalDpi xmlns:a14="http://schemas.microsoft.com/office/drawing/2010/main" val="0"/>
+              </a:ext>
+            </a:extLst>
+          </a:blip>
           <a:stretch>
             <a:fillRect/>
           </a:stretch>
         </p:blipFill>
         <p:spPr>
           <a:xfrm>
-            <a:off x="2814637" y="6598142"/>
-            <a:ext cx="4994275" cy="249713"/>
+            <a:off x="6811091" y="5670037"/>
+            <a:ext cx="966813" cy="966813"/>
+          </a:xfrm>
+          <a:prstGeom prst="rect">
+            <a:avLst/>
+          </a:prstGeom>
+        </p:spPr>
+      </p:pic>
+      <p:pic>
+        <p:nvPicPr>
+          <p:cNvPr id="13" name="Picture 12">
+            <a:extLst>
+              <a:ext uri="{FF2B5EF4-FFF2-40B4-BE49-F238E27FC236}">
+                <a16:creationId xmlns:a16="http://schemas.microsoft.com/office/drawing/2014/main" id="{41FF72D3-9BB6-8AD3-A080-C40D4E9490FE}"/>
+              </a:ext>
+            </a:extLst>
+          </p:cNvPr>
+          <p:cNvPicPr>
+            <a:picLocks noChangeAspect="1"/>
+          </p:cNvPicPr>
+          <p:nvPr/>
+        </p:nvPicPr>
+        <p:blipFill>
+          <a:blip r:embed="rId9"/>
+          <a:stretch>
+            <a:fillRect/>
+          </a:stretch>
+        </p:blipFill>
+        <p:spPr>
+          <a:xfrm>
+            <a:off x="5510168" y="4919043"/>
+            <a:ext cx="1919119" cy="1928812"/>
+          </a:xfrm>
+          <a:prstGeom prst="rect">
+            <a:avLst/>
+          </a:prstGeom>
+        </p:spPr>
+      </p:pic>
+      <p:pic>
+        <p:nvPicPr>
+          <p:cNvPr id="26" name="Picture 25">
+            <a:extLst>
+              <a:ext uri="{FF2B5EF4-FFF2-40B4-BE49-F238E27FC236}">
+                <a16:creationId xmlns:a16="http://schemas.microsoft.com/office/drawing/2014/main" id="{F00ACCA4-A52F-1E9B-501D-42BF0734DDB9}"/>
+              </a:ext>
+            </a:extLst>
+          </p:cNvPr>
+          <p:cNvPicPr>
+            <a:picLocks noChangeAspect="1"/>
+          </p:cNvPicPr>
+          <p:nvPr/>
+        </p:nvPicPr>
+        <p:blipFill>
+          <a:blip r:embed="rId10"/>
+          <a:stretch>
+            <a:fillRect/>
+          </a:stretch>
+        </p:blipFill>
+        <p:spPr>
+          <a:xfrm>
+            <a:off x="4700683" y="2966811"/>
+            <a:ext cx="1286054" cy="647790"/>
           </a:xfrm>
           <a:prstGeom prst="rect">
             <a:avLst/>
@@ -12048,8 +13343,8 @@
           </a:prstGeom>
         </p:spPr>
       </p:pic>
-      <mc:AlternateContent xmlns:mc="http://schemas.openxmlformats.org/markup-compatibility/2006">
-        <mc:Choice xmlns:p14="http://schemas.microsoft.com/office/powerpoint/2010/main" Requires="p14">
+      <mc:AlternateContent xmlns:mc="http://schemas.openxmlformats.org/markup-compatibility/2006" xmlns:p14="http://schemas.microsoft.com/office/powerpoint/2010/main">
+        <mc:Choice Requires="p14">
           <p:contentPart p14:bwMode="auto" r:id="rId3">
             <p14:nvContentPartPr>
               <p14:cNvPr id="6" name="Ink 5">
@@ -12068,7 +13363,7 @@
             </p14:xfrm>
           </p:contentPart>
         </mc:Choice>
-        <mc:Fallback>
+        <mc:Fallback xmlns="">
           <p:pic>
             <p:nvPicPr>
               <p:cNvPr id="6" name="Ink 5">
@@ -12119,8 +13414,8 @@
             <a:chExt cx="590040" cy="349920"/>
           </a:xfrm>
         </p:grpSpPr>
-        <mc:AlternateContent xmlns:mc="http://schemas.openxmlformats.org/markup-compatibility/2006">
-          <mc:Choice xmlns:p14="http://schemas.microsoft.com/office/powerpoint/2010/main" Requires="p14">
+        <mc:AlternateContent xmlns:mc="http://schemas.openxmlformats.org/markup-compatibility/2006" xmlns:p14="http://schemas.microsoft.com/office/powerpoint/2010/main">
+          <mc:Choice Requires="p14">
             <p:contentPart p14:bwMode="auto" r:id="rId5">
               <p14:nvContentPartPr>
                 <p14:cNvPr id="7" name="Ink 6">
@@ -12139,7 +13434,7 @@
               </p14:xfrm>
             </p:contentPart>
           </mc:Choice>
-          <mc:Fallback>
+          <mc:Fallback xmlns="">
             <p:pic>
               <p:nvPicPr>
                 <p:cNvPr id="7" name="Ink 6">
@@ -12170,8 +13465,8 @@
             </p:pic>
           </mc:Fallback>
         </mc:AlternateContent>
-        <mc:AlternateContent xmlns:mc="http://schemas.openxmlformats.org/markup-compatibility/2006">
-          <mc:Choice xmlns:p14="http://schemas.microsoft.com/office/powerpoint/2010/main" Requires="p14">
+        <mc:AlternateContent xmlns:mc="http://schemas.openxmlformats.org/markup-compatibility/2006" xmlns:p14="http://schemas.microsoft.com/office/powerpoint/2010/main">
+          <mc:Choice Requires="p14">
             <p:contentPart p14:bwMode="auto" r:id="rId7">
               <p14:nvContentPartPr>
                 <p14:cNvPr id="8" name="Ink 7">
@@ -12190,7 +13485,7 @@
               </p14:xfrm>
             </p:contentPart>
           </mc:Choice>
-          <mc:Fallback>
+          <mc:Fallback xmlns="">
             <p:pic>
               <p:nvPicPr>
                 <p:cNvPr id="8" name="Ink 7">
@@ -12221,8 +13516,8 @@
             </p:pic>
           </mc:Fallback>
         </mc:AlternateContent>
-        <mc:AlternateContent xmlns:mc="http://schemas.openxmlformats.org/markup-compatibility/2006">
-          <mc:Choice xmlns:p14="http://schemas.microsoft.com/office/powerpoint/2010/main" Requires="p14">
+        <mc:AlternateContent xmlns:mc="http://schemas.openxmlformats.org/markup-compatibility/2006" xmlns:p14="http://schemas.microsoft.com/office/powerpoint/2010/main">
+          <mc:Choice Requires="p14">
             <p:contentPart p14:bwMode="auto" r:id="rId9">
               <p14:nvContentPartPr>
                 <p14:cNvPr id="9" name="Ink 8">
@@ -12241,7 +13536,7 @@
               </p14:xfrm>
             </p:contentPart>
           </mc:Choice>
-          <mc:Fallback>
+          <mc:Fallback xmlns="">
             <p:pic>
               <p:nvPicPr>
                 <p:cNvPr id="9" name="Ink 8">
@@ -12272,8 +13567,8 @@
             </p:pic>
           </mc:Fallback>
         </mc:AlternateContent>
-        <mc:AlternateContent xmlns:mc="http://schemas.openxmlformats.org/markup-compatibility/2006">
-          <mc:Choice xmlns:p14="http://schemas.microsoft.com/office/powerpoint/2010/main" Requires="p14">
+        <mc:AlternateContent xmlns:mc="http://schemas.openxmlformats.org/markup-compatibility/2006" xmlns:p14="http://schemas.microsoft.com/office/powerpoint/2010/main">
+          <mc:Choice Requires="p14">
             <p:contentPart p14:bwMode="auto" r:id="rId11">
               <p14:nvContentPartPr>
                 <p14:cNvPr id="10" name="Ink 9">
@@ -12292,7 +13587,7 @@
               </p14:xfrm>
             </p:contentPart>
           </mc:Choice>
-          <mc:Fallback>
+          <mc:Fallback xmlns="">
             <p:pic>
               <p:nvPicPr>
                 <p:cNvPr id="10" name="Ink 9">
@@ -12323,8 +13618,8 @@
             </p:pic>
           </mc:Fallback>
         </mc:AlternateContent>
-        <mc:AlternateContent xmlns:mc="http://schemas.openxmlformats.org/markup-compatibility/2006">
-          <mc:Choice xmlns:p14="http://schemas.microsoft.com/office/powerpoint/2010/main" Requires="p14">
+        <mc:AlternateContent xmlns:mc="http://schemas.openxmlformats.org/markup-compatibility/2006" xmlns:p14="http://schemas.microsoft.com/office/powerpoint/2010/main">
+          <mc:Choice Requires="p14">
             <p:contentPart p14:bwMode="auto" r:id="rId13">
               <p14:nvContentPartPr>
                 <p14:cNvPr id="11" name="Ink 10">
@@ -12343,7 +13638,7 @@
               </p14:xfrm>
             </p:contentPart>
           </mc:Choice>
-          <mc:Fallback>
+          <mc:Fallback xmlns="">
             <p:pic>
               <p:nvPicPr>
                 <p:cNvPr id="11" name="Ink 10">
@@ -12374,8 +13669,8 @@
             </p:pic>
           </mc:Fallback>
         </mc:AlternateContent>
-        <mc:AlternateContent xmlns:mc="http://schemas.openxmlformats.org/markup-compatibility/2006">
-          <mc:Choice xmlns:p14="http://schemas.microsoft.com/office/powerpoint/2010/main" Requires="p14">
+        <mc:AlternateContent xmlns:mc="http://schemas.openxmlformats.org/markup-compatibility/2006" xmlns:p14="http://schemas.microsoft.com/office/powerpoint/2010/main">
+          <mc:Choice Requires="p14">
             <p:contentPart p14:bwMode="auto" r:id="rId15">
               <p14:nvContentPartPr>
                 <p14:cNvPr id="12" name="Ink 11">
@@ -12394,7 +13689,7 @@
               </p14:xfrm>
             </p:contentPart>
           </mc:Choice>
-          <mc:Fallback>
+          <mc:Fallback xmlns="">
             <p:pic>
               <p:nvPicPr>
                 <p:cNvPr id="12" name="Ink 11">
@@ -12446,8 +13741,8 @@
             <a:chExt cx="646200" cy="469800"/>
           </a:xfrm>
         </p:grpSpPr>
-        <mc:AlternateContent xmlns:mc="http://schemas.openxmlformats.org/markup-compatibility/2006">
-          <mc:Choice xmlns:p14="http://schemas.microsoft.com/office/powerpoint/2010/main" Requires="p14">
+        <mc:AlternateContent xmlns:mc="http://schemas.openxmlformats.org/markup-compatibility/2006" xmlns:p14="http://schemas.microsoft.com/office/powerpoint/2010/main">
+          <mc:Choice Requires="p14">
             <p:contentPart p14:bwMode="auto" r:id="rId17">
               <p14:nvContentPartPr>
                 <p14:cNvPr id="14" name="Ink 13">
@@ -12466,7 +13761,7 @@
               </p14:xfrm>
             </p:contentPart>
           </mc:Choice>
-          <mc:Fallback>
+          <mc:Fallback xmlns="">
             <p:pic>
               <p:nvPicPr>
                 <p:cNvPr id="14" name="Ink 13">
@@ -12497,8 +13792,8 @@
             </p:pic>
           </mc:Fallback>
         </mc:AlternateContent>
-        <mc:AlternateContent xmlns:mc="http://schemas.openxmlformats.org/markup-compatibility/2006">
-          <mc:Choice xmlns:p14="http://schemas.microsoft.com/office/powerpoint/2010/main" Requires="p14">
+        <mc:AlternateContent xmlns:mc="http://schemas.openxmlformats.org/markup-compatibility/2006" xmlns:p14="http://schemas.microsoft.com/office/powerpoint/2010/main">
+          <mc:Choice Requires="p14">
             <p:contentPart p14:bwMode="auto" r:id="rId19">
               <p14:nvContentPartPr>
                 <p14:cNvPr id="15" name="Ink 14">
@@ -12517,7 +13812,7 @@
               </p14:xfrm>
             </p:contentPart>
           </mc:Choice>
-          <mc:Fallback>
+          <mc:Fallback xmlns="">
             <p:pic>
               <p:nvPicPr>
                 <p:cNvPr id="15" name="Ink 14">
@@ -12548,8 +13843,8 @@
             </p:pic>
           </mc:Fallback>
         </mc:AlternateContent>
-        <mc:AlternateContent xmlns:mc="http://schemas.openxmlformats.org/markup-compatibility/2006">
-          <mc:Choice xmlns:p14="http://schemas.microsoft.com/office/powerpoint/2010/main" Requires="p14">
+        <mc:AlternateContent xmlns:mc="http://schemas.openxmlformats.org/markup-compatibility/2006" xmlns:p14="http://schemas.microsoft.com/office/powerpoint/2010/main">
+          <mc:Choice Requires="p14">
             <p:contentPart p14:bwMode="auto" r:id="rId21">
               <p14:nvContentPartPr>
                 <p14:cNvPr id="16" name="Ink 15">
@@ -12568,7 +13863,7 @@
               </p14:xfrm>
             </p:contentPart>
           </mc:Choice>
-          <mc:Fallback>
+          <mc:Fallback xmlns="">
             <p:pic>
               <p:nvPicPr>
                 <p:cNvPr id="16" name="Ink 15">
@@ -12599,8 +13894,8 @@
             </p:pic>
           </mc:Fallback>
         </mc:AlternateContent>
-        <mc:AlternateContent xmlns:mc="http://schemas.openxmlformats.org/markup-compatibility/2006">
-          <mc:Choice xmlns:p14="http://schemas.microsoft.com/office/powerpoint/2010/main" Requires="p14">
+        <mc:AlternateContent xmlns:mc="http://schemas.openxmlformats.org/markup-compatibility/2006" xmlns:p14="http://schemas.microsoft.com/office/powerpoint/2010/main">
+          <mc:Choice Requires="p14">
             <p:contentPart p14:bwMode="auto" r:id="rId23">
               <p14:nvContentPartPr>
                 <p14:cNvPr id="17" name="Ink 16">
@@ -12619,7 +13914,7 @@
               </p14:xfrm>
             </p:contentPart>
           </mc:Choice>
-          <mc:Fallback>
+          <mc:Fallback xmlns="">
             <p:pic>
               <p:nvPicPr>
                 <p:cNvPr id="17" name="Ink 16">
@@ -12650,8 +13945,8 @@
             </p:pic>
           </mc:Fallback>
         </mc:AlternateContent>
-        <mc:AlternateContent xmlns:mc="http://schemas.openxmlformats.org/markup-compatibility/2006">
-          <mc:Choice xmlns:p14="http://schemas.microsoft.com/office/powerpoint/2010/main" Requires="p14">
+        <mc:AlternateContent xmlns:mc="http://schemas.openxmlformats.org/markup-compatibility/2006" xmlns:p14="http://schemas.microsoft.com/office/powerpoint/2010/main">
+          <mc:Choice Requires="p14">
             <p:contentPart p14:bwMode="auto" r:id="rId25">
               <p14:nvContentPartPr>
                 <p14:cNvPr id="18" name="Ink 17">
@@ -12670,7 +13965,7 @@
               </p14:xfrm>
             </p:contentPart>
           </mc:Choice>
-          <mc:Fallback>
+          <mc:Fallback xmlns="">
             <p:pic>
               <p:nvPicPr>
                 <p:cNvPr id="18" name="Ink 17">
@@ -12701,8 +13996,8 @@
             </p:pic>
           </mc:Fallback>
         </mc:AlternateContent>
-        <mc:AlternateContent xmlns:mc="http://schemas.openxmlformats.org/markup-compatibility/2006">
-          <mc:Choice xmlns:p14="http://schemas.microsoft.com/office/powerpoint/2010/main" Requires="p14">
+        <mc:AlternateContent xmlns:mc="http://schemas.openxmlformats.org/markup-compatibility/2006" xmlns:p14="http://schemas.microsoft.com/office/powerpoint/2010/main">
+          <mc:Choice Requires="p14">
             <p:contentPart p14:bwMode="auto" r:id="rId27">
               <p14:nvContentPartPr>
                 <p14:cNvPr id="19" name="Ink 18">
@@ -12721,7 +14016,7 @@
               </p14:xfrm>
             </p:contentPart>
           </mc:Choice>
-          <mc:Fallback>
+          <mc:Fallback xmlns="">
             <p:pic>
               <p:nvPicPr>
                 <p:cNvPr id="19" name="Ink 18">
@@ -12773,8 +14068,8 @@
             <a:chExt cx="3303720" cy="657000"/>
           </a:xfrm>
         </p:grpSpPr>
-        <mc:AlternateContent xmlns:mc="http://schemas.openxmlformats.org/markup-compatibility/2006">
-          <mc:Choice xmlns:p14="http://schemas.microsoft.com/office/powerpoint/2010/main" Requires="p14">
+        <mc:AlternateContent xmlns:mc="http://schemas.openxmlformats.org/markup-compatibility/2006" xmlns:p14="http://schemas.microsoft.com/office/powerpoint/2010/main">
+          <mc:Choice Requires="p14">
             <p:contentPart p14:bwMode="auto" r:id="rId29">
               <p14:nvContentPartPr>
                 <p14:cNvPr id="21" name="Ink 20">
@@ -12793,7 +14088,7 @@
               </p14:xfrm>
             </p:contentPart>
           </mc:Choice>
-          <mc:Fallback>
+          <mc:Fallback xmlns="">
             <p:pic>
               <p:nvPicPr>
                 <p:cNvPr id="21" name="Ink 20">
@@ -12824,8 +14119,8 @@
             </p:pic>
           </mc:Fallback>
         </mc:AlternateContent>
-        <mc:AlternateContent xmlns:mc="http://schemas.openxmlformats.org/markup-compatibility/2006">
-          <mc:Choice xmlns:p14="http://schemas.microsoft.com/office/powerpoint/2010/main" Requires="p14">
+        <mc:AlternateContent xmlns:mc="http://schemas.openxmlformats.org/markup-compatibility/2006" xmlns:p14="http://schemas.microsoft.com/office/powerpoint/2010/main">
+          <mc:Choice Requires="p14">
             <p:contentPart p14:bwMode="auto" r:id="rId31">
               <p14:nvContentPartPr>
                 <p14:cNvPr id="22" name="Ink 21">
@@ -12844,7 +14139,7 @@
               </p14:xfrm>
             </p:contentPart>
           </mc:Choice>
-          <mc:Fallback>
+          <mc:Fallback xmlns="">
             <p:pic>
               <p:nvPicPr>
                 <p:cNvPr id="22" name="Ink 21">
@@ -12875,8 +14170,8 @@
             </p:pic>
           </mc:Fallback>
         </mc:AlternateContent>
-        <mc:AlternateContent xmlns:mc="http://schemas.openxmlformats.org/markup-compatibility/2006">
-          <mc:Choice xmlns:p14="http://schemas.microsoft.com/office/powerpoint/2010/main" Requires="p14">
+        <mc:AlternateContent xmlns:mc="http://schemas.openxmlformats.org/markup-compatibility/2006" xmlns:p14="http://schemas.microsoft.com/office/powerpoint/2010/main">
+          <mc:Choice Requires="p14">
             <p:contentPart p14:bwMode="auto" r:id="rId33">
               <p14:nvContentPartPr>
                 <p14:cNvPr id="23" name="Ink 22">
@@ -12895,7 +14190,7 @@
               </p14:xfrm>
             </p:contentPart>
           </mc:Choice>
-          <mc:Fallback>
+          <mc:Fallback xmlns="">
             <p:pic>
               <p:nvPicPr>
                 <p:cNvPr id="23" name="Ink 22">
@@ -12926,8 +14221,8 @@
             </p:pic>
           </mc:Fallback>
         </mc:AlternateContent>
-        <mc:AlternateContent xmlns:mc="http://schemas.openxmlformats.org/markup-compatibility/2006">
-          <mc:Choice xmlns:p14="http://schemas.microsoft.com/office/powerpoint/2010/main" Requires="p14">
+        <mc:AlternateContent xmlns:mc="http://schemas.openxmlformats.org/markup-compatibility/2006" xmlns:p14="http://schemas.microsoft.com/office/powerpoint/2010/main">
+          <mc:Choice Requires="p14">
             <p:contentPart p14:bwMode="auto" r:id="rId35">
               <p14:nvContentPartPr>
                 <p14:cNvPr id="24" name="Ink 23">
@@ -12946,7 +14241,7 @@
               </p14:xfrm>
             </p:contentPart>
           </mc:Choice>
-          <mc:Fallback>
+          <mc:Fallback xmlns="">
             <p:pic>
               <p:nvPicPr>
                 <p:cNvPr id="24" name="Ink 23">
@@ -12977,8 +14272,8 @@
             </p:pic>
           </mc:Fallback>
         </mc:AlternateContent>
-        <mc:AlternateContent xmlns:mc="http://schemas.openxmlformats.org/markup-compatibility/2006">
-          <mc:Choice xmlns:p14="http://schemas.microsoft.com/office/powerpoint/2010/main" Requires="p14">
+        <mc:AlternateContent xmlns:mc="http://schemas.openxmlformats.org/markup-compatibility/2006" xmlns:p14="http://schemas.microsoft.com/office/powerpoint/2010/main">
+          <mc:Choice Requires="p14">
             <p:contentPart p14:bwMode="auto" r:id="rId37">
               <p14:nvContentPartPr>
                 <p14:cNvPr id="25" name="Ink 24">
@@ -12997,7 +14292,7 @@
               </p14:xfrm>
             </p:contentPart>
           </mc:Choice>
-          <mc:Fallback>
+          <mc:Fallback xmlns="">
             <p:pic>
               <p:nvPicPr>
                 <p:cNvPr id="25" name="Ink 24">
@@ -13028,8 +14323,8 @@
             </p:pic>
           </mc:Fallback>
         </mc:AlternateContent>
-        <mc:AlternateContent xmlns:mc="http://schemas.openxmlformats.org/markup-compatibility/2006">
-          <mc:Choice xmlns:p14="http://schemas.microsoft.com/office/powerpoint/2010/main" Requires="p14">
+        <mc:AlternateContent xmlns:mc="http://schemas.openxmlformats.org/markup-compatibility/2006" xmlns:p14="http://schemas.microsoft.com/office/powerpoint/2010/main">
+          <mc:Choice Requires="p14">
             <p:contentPart p14:bwMode="auto" r:id="rId39">
               <p14:nvContentPartPr>
                 <p14:cNvPr id="26" name="Ink 25">
@@ -13048,7 +14343,7 @@
               </p14:xfrm>
             </p:contentPart>
           </mc:Choice>
-          <mc:Fallback>
+          <mc:Fallback xmlns="">
             <p:pic>
               <p:nvPicPr>
                 <p:cNvPr id="26" name="Ink 25">
@@ -13079,8 +14374,8 @@
             </p:pic>
           </mc:Fallback>
         </mc:AlternateContent>
-        <mc:AlternateContent xmlns:mc="http://schemas.openxmlformats.org/markup-compatibility/2006">
-          <mc:Choice xmlns:p14="http://schemas.microsoft.com/office/powerpoint/2010/main" Requires="p14">
+        <mc:AlternateContent xmlns:mc="http://schemas.openxmlformats.org/markup-compatibility/2006" xmlns:p14="http://schemas.microsoft.com/office/powerpoint/2010/main">
+          <mc:Choice Requires="p14">
             <p:contentPart p14:bwMode="auto" r:id="rId41">
               <p14:nvContentPartPr>
                 <p14:cNvPr id="27" name="Ink 26">
@@ -13099,7 +14394,7 @@
               </p14:xfrm>
             </p:contentPart>
           </mc:Choice>
-          <mc:Fallback>
+          <mc:Fallback xmlns="">
             <p:pic>
               <p:nvPicPr>
                 <p:cNvPr id="27" name="Ink 26">
@@ -13130,8 +14425,8 @@
             </p:pic>
           </mc:Fallback>
         </mc:AlternateContent>
-        <mc:AlternateContent xmlns:mc="http://schemas.openxmlformats.org/markup-compatibility/2006">
-          <mc:Choice xmlns:p14="http://schemas.microsoft.com/office/powerpoint/2010/main" Requires="p14">
+        <mc:AlternateContent xmlns:mc="http://schemas.openxmlformats.org/markup-compatibility/2006" xmlns:p14="http://schemas.microsoft.com/office/powerpoint/2010/main">
+          <mc:Choice Requires="p14">
             <p:contentPart p14:bwMode="auto" r:id="rId43">
               <p14:nvContentPartPr>
                 <p14:cNvPr id="28" name="Ink 27">
@@ -13150,7 +14445,7 @@
               </p14:xfrm>
             </p:contentPart>
           </mc:Choice>
-          <mc:Fallback>
+          <mc:Fallback xmlns="">
             <p:pic>
               <p:nvPicPr>
                 <p:cNvPr id="28" name="Ink 27">
@@ -13181,8 +14476,8 @@
             </p:pic>
           </mc:Fallback>
         </mc:AlternateContent>
-        <mc:AlternateContent xmlns:mc="http://schemas.openxmlformats.org/markup-compatibility/2006">
-          <mc:Choice xmlns:p14="http://schemas.microsoft.com/office/powerpoint/2010/main" Requires="p14">
+        <mc:AlternateContent xmlns:mc="http://schemas.openxmlformats.org/markup-compatibility/2006" xmlns:p14="http://schemas.microsoft.com/office/powerpoint/2010/main">
+          <mc:Choice Requires="p14">
             <p:contentPart p14:bwMode="auto" r:id="rId45">
               <p14:nvContentPartPr>
                 <p14:cNvPr id="29" name="Ink 28">
@@ -13201,7 +14496,7 @@
               </p14:xfrm>
             </p:contentPart>
           </mc:Choice>
-          <mc:Fallback>
+          <mc:Fallback xmlns="">
             <p:pic>
               <p:nvPicPr>
                 <p:cNvPr id="29" name="Ink 28">
@@ -13232,8 +14527,8 @@
             </p:pic>
           </mc:Fallback>
         </mc:AlternateContent>
-        <mc:AlternateContent xmlns:mc="http://schemas.openxmlformats.org/markup-compatibility/2006">
-          <mc:Choice xmlns:p14="http://schemas.microsoft.com/office/powerpoint/2010/main" Requires="p14">
+        <mc:AlternateContent xmlns:mc="http://schemas.openxmlformats.org/markup-compatibility/2006" xmlns:p14="http://schemas.microsoft.com/office/powerpoint/2010/main">
+          <mc:Choice Requires="p14">
             <p:contentPart p14:bwMode="auto" r:id="rId47">
               <p14:nvContentPartPr>
                 <p14:cNvPr id="31" name="Ink 30">
@@ -13252,7 +14547,7 @@
               </p14:xfrm>
             </p:contentPart>
           </mc:Choice>
-          <mc:Fallback>
+          <mc:Fallback xmlns="">
             <p:pic>
               <p:nvPicPr>
                 <p:cNvPr id="31" name="Ink 30">
@@ -13283,8 +14578,8 @@
             </p:pic>
           </mc:Fallback>
         </mc:AlternateContent>
-        <mc:AlternateContent xmlns:mc="http://schemas.openxmlformats.org/markup-compatibility/2006">
-          <mc:Choice xmlns:p14="http://schemas.microsoft.com/office/powerpoint/2010/main" Requires="p14">
+        <mc:AlternateContent xmlns:mc="http://schemas.openxmlformats.org/markup-compatibility/2006" xmlns:p14="http://schemas.microsoft.com/office/powerpoint/2010/main">
+          <mc:Choice Requires="p14">
             <p:contentPart p14:bwMode="auto" r:id="rId49">
               <p14:nvContentPartPr>
                 <p14:cNvPr id="32" name="Ink 31">
@@ -13303,7 +14598,7 @@
               </p14:xfrm>
             </p:contentPart>
           </mc:Choice>
-          <mc:Fallback>
+          <mc:Fallback xmlns="">
             <p:pic>
               <p:nvPicPr>
                 <p:cNvPr id="32" name="Ink 31">
@@ -13334,8 +14629,8 @@
             </p:pic>
           </mc:Fallback>
         </mc:AlternateContent>
-        <mc:AlternateContent xmlns:mc="http://schemas.openxmlformats.org/markup-compatibility/2006">
-          <mc:Choice xmlns:p14="http://schemas.microsoft.com/office/powerpoint/2010/main" Requires="p14">
+        <mc:AlternateContent xmlns:mc="http://schemas.openxmlformats.org/markup-compatibility/2006" xmlns:p14="http://schemas.microsoft.com/office/powerpoint/2010/main">
+          <mc:Choice Requires="p14">
             <p:contentPart p14:bwMode="auto" r:id="rId51">
               <p14:nvContentPartPr>
                 <p14:cNvPr id="33" name="Ink 32">
@@ -13354,7 +14649,7 @@
               </p14:xfrm>
             </p:contentPart>
           </mc:Choice>
-          <mc:Fallback>
+          <mc:Fallback xmlns="">
             <p:pic>
               <p:nvPicPr>
                 <p:cNvPr id="33" name="Ink 32">
@@ -13385,8 +14680,8 @@
             </p:pic>
           </mc:Fallback>
         </mc:AlternateContent>
-        <mc:AlternateContent xmlns:mc="http://schemas.openxmlformats.org/markup-compatibility/2006">
-          <mc:Choice xmlns:p14="http://schemas.microsoft.com/office/powerpoint/2010/main" Requires="p14">
+        <mc:AlternateContent xmlns:mc="http://schemas.openxmlformats.org/markup-compatibility/2006" xmlns:p14="http://schemas.microsoft.com/office/powerpoint/2010/main">
+          <mc:Choice Requires="p14">
             <p:contentPart p14:bwMode="auto" r:id="rId53">
               <p14:nvContentPartPr>
                 <p14:cNvPr id="34" name="Ink 33">
@@ -13405,7 +14700,7 @@
               </p14:xfrm>
             </p:contentPart>
           </mc:Choice>
-          <mc:Fallback>
+          <mc:Fallback xmlns="">
             <p:pic>
               <p:nvPicPr>
                 <p:cNvPr id="34" name="Ink 33">
@@ -13436,8 +14731,8 @@
             </p:pic>
           </mc:Fallback>
         </mc:AlternateContent>
-        <mc:AlternateContent xmlns:mc="http://schemas.openxmlformats.org/markup-compatibility/2006">
-          <mc:Choice xmlns:p14="http://schemas.microsoft.com/office/powerpoint/2010/main" Requires="p14">
+        <mc:AlternateContent xmlns:mc="http://schemas.openxmlformats.org/markup-compatibility/2006" xmlns:p14="http://schemas.microsoft.com/office/powerpoint/2010/main">
+          <mc:Choice Requires="p14">
             <p:contentPart p14:bwMode="auto" r:id="rId55">
               <p14:nvContentPartPr>
                 <p14:cNvPr id="36" name="Ink 35">
@@ -13456,7 +14751,7 @@
               </p14:xfrm>
             </p:contentPart>
           </mc:Choice>
-          <mc:Fallback>
+          <mc:Fallback xmlns="">
             <p:pic>
               <p:nvPicPr>
                 <p:cNvPr id="36" name="Ink 35">
@@ -13487,8 +14782,8 @@
             </p:pic>
           </mc:Fallback>
         </mc:AlternateContent>
-        <mc:AlternateContent xmlns:mc="http://schemas.openxmlformats.org/markup-compatibility/2006">
-          <mc:Choice xmlns:p14="http://schemas.microsoft.com/office/powerpoint/2010/main" Requires="p14">
+        <mc:AlternateContent xmlns:mc="http://schemas.openxmlformats.org/markup-compatibility/2006" xmlns:p14="http://schemas.microsoft.com/office/powerpoint/2010/main">
+          <mc:Choice Requires="p14">
             <p:contentPart p14:bwMode="auto" r:id="rId57">
               <p14:nvContentPartPr>
                 <p14:cNvPr id="37" name="Ink 36">
@@ -13507,7 +14802,7 @@
               </p14:xfrm>
             </p:contentPart>
           </mc:Choice>
-          <mc:Fallback>
+          <mc:Fallback xmlns="">
             <p:pic>
               <p:nvPicPr>
                 <p:cNvPr id="37" name="Ink 36">
@@ -13538,8 +14833,8 @@
             </p:pic>
           </mc:Fallback>
         </mc:AlternateContent>
-        <mc:AlternateContent xmlns:mc="http://schemas.openxmlformats.org/markup-compatibility/2006">
-          <mc:Choice xmlns:p14="http://schemas.microsoft.com/office/powerpoint/2010/main" Requires="p14">
+        <mc:AlternateContent xmlns:mc="http://schemas.openxmlformats.org/markup-compatibility/2006" xmlns:p14="http://schemas.microsoft.com/office/powerpoint/2010/main">
+          <mc:Choice Requires="p14">
             <p:contentPart p14:bwMode="auto" r:id="rId59">
               <p14:nvContentPartPr>
                 <p14:cNvPr id="38" name="Ink 37">
@@ -13558,7 +14853,7 @@
               </p14:xfrm>
             </p:contentPart>
           </mc:Choice>
-          <mc:Fallback>
+          <mc:Fallback xmlns="">
             <p:pic>
               <p:nvPicPr>
                 <p:cNvPr id="38" name="Ink 37">
@@ -13589,8 +14884,8 @@
             </p:pic>
           </mc:Fallback>
         </mc:AlternateContent>
-        <mc:AlternateContent xmlns:mc="http://schemas.openxmlformats.org/markup-compatibility/2006">
-          <mc:Choice xmlns:p14="http://schemas.microsoft.com/office/powerpoint/2010/main" Requires="p14">
+        <mc:AlternateContent xmlns:mc="http://schemas.openxmlformats.org/markup-compatibility/2006" xmlns:p14="http://schemas.microsoft.com/office/powerpoint/2010/main">
+          <mc:Choice Requires="p14">
             <p:contentPart p14:bwMode="auto" r:id="rId61">
               <p14:nvContentPartPr>
                 <p14:cNvPr id="39" name="Ink 38">
@@ -13609,7 +14904,7 @@
               </p14:xfrm>
             </p:contentPart>
           </mc:Choice>
-          <mc:Fallback>
+          <mc:Fallback xmlns="">
             <p:pic>
               <p:nvPicPr>
                 <p:cNvPr id="39" name="Ink 38">
@@ -13640,8 +14935,8 @@
             </p:pic>
           </mc:Fallback>
         </mc:AlternateContent>
-        <mc:AlternateContent xmlns:mc="http://schemas.openxmlformats.org/markup-compatibility/2006">
-          <mc:Choice xmlns:p14="http://schemas.microsoft.com/office/powerpoint/2010/main" Requires="p14">
+        <mc:AlternateContent xmlns:mc="http://schemas.openxmlformats.org/markup-compatibility/2006" xmlns:p14="http://schemas.microsoft.com/office/powerpoint/2010/main">
+          <mc:Choice Requires="p14">
             <p:contentPart p14:bwMode="auto" r:id="rId63">
               <p14:nvContentPartPr>
                 <p14:cNvPr id="40" name="Ink 39">
@@ -13660,7 +14955,7 @@
               </p14:xfrm>
             </p:contentPart>
           </mc:Choice>
-          <mc:Fallback>
+          <mc:Fallback xmlns="">
             <p:pic>
               <p:nvPicPr>
                 <p:cNvPr id="40" name="Ink 39">
@@ -13691,8 +14986,8 @@
             </p:pic>
           </mc:Fallback>
         </mc:AlternateContent>
-        <mc:AlternateContent xmlns:mc="http://schemas.openxmlformats.org/markup-compatibility/2006">
-          <mc:Choice xmlns:p14="http://schemas.microsoft.com/office/powerpoint/2010/main" Requires="p14">
+        <mc:AlternateContent xmlns:mc="http://schemas.openxmlformats.org/markup-compatibility/2006" xmlns:p14="http://schemas.microsoft.com/office/powerpoint/2010/main">
+          <mc:Choice Requires="p14">
             <p:contentPart p14:bwMode="auto" r:id="rId65">
               <p14:nvContentPartPr>
                 <p14:cNvPr id="42" name="Ink 41">
@@ -13711,7 +15006,7 @@
               </p14:xfrm>
             </p:contentPart>
           </mc:Choice>
-          <mc:Fallback>
+          <mc:Fallback xmlns="">
             <p:pic>
               <p:nvPicPr>
                 <p:cNvPr id="42" name="Ink 41">
@@ -13742,8 +15037,8 @@
             </p:pic>
           </mc:Fallback>
         </mc:AlternateContent>
-        <mc:AlternateContent xmlns:mc="http://schemas.openxmlformats.org/markup-compatibility/2006">
-          <mc:Choice xmlns:p14="http://schemas.microsoft.com/office/powerpoint/2010/main" Requires="p14">
+        <mc:AlternateContent xmlns:mc="http://schemas.openxmlformats.org/markup-compatibility/2006" xmlns:p14="http://schemas.microsoft.com/office/powerpoint/2010/main">
+          <mc:Choice Requires="p14">
             <p:contentPart p14:bwMode="auto" r:id="rId67">
               <p14:nvContentPartPr>
                 <p14:cNvPr id="43" name="Ink 42">
@@ -13762,7 +15057,7 @@
               </p14:xfrm>
             </p:contentPart>
           </mc:Choice>
-          <mc:Fallback>
+          <mc:Fallback xmlns="">
             <p:pic>
               <p:nvPicPr>
                 <p:cNvPr id="43" name="Ink 42">
@@ -13793,8 +15088,8 @@
             </p:pic>
           </mc:Fallback>
         </mc:AlternateContent>
-        <mc:AlternateContent xmlns:mc="http://schemas.openxmlformats.org/markup-compatibility/2006">
-          <mc:Choice xmlns:p14="http://schemas.microsoft.com/office/powerpoint/2010/main" Requires="p14">
+        <mc:AlternateContent xmlns:mc="http://schemas.openxmlformats.org/markup-compatibility/2006" xmlns:p14="http://schemas.microsoft.com/office/powerpoint/2010/main">
+          <mc:Choice Requires="p14">
             <p:contentPart p14:bwMode="auto" r:id="rId69">
               <p14:nvContentPartPr>
                 <p14:cNvPr id="44" name="Ink 43">
@@ -13813,7 +15108,7 @@
               </p14:xfrm>
             </p:contentPart>
           </mc:Choice>
-          <mc:Fallback>
+          <mc:Fallback xmlns="">
             <p:pic>
               <p:nvPicPr>
                 <p:cNvPr id="44" name="Ink 43">
@@ -13844,8 +15139,8 @@
             </p:pic>
           </mc:Fallback>
         </mc:AlternateContent>
-        <mc:AlternateContent xmlns:mc="http://schemas.openxmlformats.org/markup-compatibility/2006">
-          <mc:Choice xmlns:p14="http://schemas.microsoft.com/office/powerpoint/2010/main" Requires="p14">
+        <mc:AlternateContent xmlns:mc="http://schemas.openxmlformats.org/markup-compatibility/2006" xmlns:p14="http://schemas.microsoft.com/office/powerpoint/2010/main">
+          <mc:Choice Requires="p14">
             <p:contentPart p14:bwMode="auto" r:id="rId71">
               <p14:nvContentPartPr>
                 <p14:cNvPr id="45" name="Ink 44">
@@ -13864,7 +15159,7 @@
               </p14:xfrm>
             </p:contentPart>
           </mc:Choice>
-          <mc:Fallback>
+          <mc:Fallback xmlns="">
             <p:pic>
               <p:nvPicPr>
                 <p:cNvPr id="45" name="Ink 44">
@@ -13895,8 +15190,8 @@
             </p:pic>
           </mc:Fallback>
         </mc:AlternateContent>
-        <mc:AlternateContent xmlns:mc="http://schemas.openxmlformats.org/markup-compatibility/2006">
-          <mc:Choice xmlns:p14="http://schemas.microsoft.com/office/powerpoint/2010/main" Requires="p14">
+        <mc:AlternateContent xmlns:mc="http://schemas.openxmlformats.org/markup-compatibility/2006" xmlns:p14="http://schemas.microsoft.com/office/powerpoint/2010/main">
+          <mc:Choice Requires="p14">
             <p:contentPart p14:bwMode="auto" r:id="rId73">
               <p14:nvContentPartPr>
                 <p14:cNvPr id="46" name="Ink 45">
@@ -13915,7 +15210,7 @@
               </p14:xfrm>
             </p:contentPart>
           </mc:Choice>
-          <mc:Fallback>
+          <mc:Fallback xmlns="">
             <p:pic>
               <p:nvPicPr>
                 <p:cNvPr id="46" name="Ink 45">
@@ -13946,8 +15241,8 @@
             </p:pic>
           </mc:Fallback>
         </mc:AlternateContent>
-        <mc:AlternateContent xmlns:mc="http://schemas.openxmlformats.org/markup-compatibility/2006">
-          <mc:Choice xmlns:p14="http://schemas.microsoft.com/office/powerpoint/2010/main" Requires="p14">
+        <mc:AlternateContent xmlns:mc="http://schemas.openxmlformats.org/markup-compatibility/2006" xmlns:p14="http://schemas.microsoft.com/office/powerpoint/2010/main">
+          <mc:Choice Requires="p14">
             <p:contentPart p14:bwMode="auto" r:id="rId75">
               <p14:nvContentPartPr>
                 <p14:cNvPr id="47" name="Ink 46">
@@ -13966,7 +15261,7 @@
               </p14:xfrm>
             </p:contentPart>
           </mc:Choice>
-          <mc:Fallback>
+          <mc:Fallback xmlns="">
             <p:pic>
               <p:nvPicPr>
                 <p:cNvPr id="47" name="Ink 46">
@@ -13997,8 +15292,8 @@
             </p:pic>
           </mc:Fallback>
         </mc:AlternateContent>
-        <mc:AlternateContent xmlns:mc="http://schemas.openxmlformats.org/markup-compatibility/2006">
-          <mc:Choice xmlns:p14="http://schemas.microsoft.com/office/powerpoint/2010/main" Requires="p14">
+        <mc:AlternateContent xmlns:mc="http://schemas.openxmlformats.org/markup-compatibility/2006" xmlns:p14="http://schemas.microsoft.com/office/powerpoint/2010/main">
+          <mc:Choice Requires="p14">
             <p:contentPart p14:bwMode="auto" r:id="rId77">
               <p14:nvContentPartPr>
                 <p14:cNvPr id="48" name="Ink 47">
@@ -14017,7 +15312,7 @@
               </p14:xfrm>
             </p:contentPart>
           </mc:Choice>
-          <mc:Fallback>
+          <mc:Fallback xmlns="">
             <p:pic>
               <p:nvPicPr>
                 <p:cNvPr id="48" name="Ink 47">
@@ -14049,8 +15344,8 @@
           </mc:Fallback>
         </mc:AlternateContent>
       </p:grpSp>
-      <mc:AlternateContent xmlns:mc="http://schemas.openxmlformats.org/markup-compatibility/2006">
-        <mc:Choice xmlns:p14="http://schemas.microsoft.com/office/powerpoint/2010/main" Requires="p14">
+      <mc:AlternateContent xmlns:mc="http://schemas.openxmlformats.org/markup-compatibility/2006" xmlns:p14="http://schemas.microsoft.com/office/powerpoint/2010/main">
+        <mc:Choice Requires="p14">
           <p:contentPart p14:bwMode="auto" r:id="rId79">
             <p14:nvContentPartPr>
               <p14:cNvPr id="50" name="Ink 49">
@@ -14069,7 +15364,7 @@
             </p14:xfrm>
           </p:contentPart>
         </mc:Choice>
-        <mc:Fallback>
+        <mc:Fallback xmlns="">
           <p:pic>
             <p:nvPicPr>
               <p:cNvPr id="50" name="Ink 49">
@@ -14120,8 +15415,8 @@
             <a:chExt cx="1618200" cy="469800"/>
           </a:xfrm>
         </p:grpSpPr>
-        <mc:AlternateContent xmlns:mc="http://schemas.openxmlformats.org/markup-compatibility/2006">
-          <mc:Choice xmlns:p14="http://schemas.microsoft.com/office/powerpoint/2010/main" Requires="p14">
+        <mc:AlternateContent xmlns:mc="http://schemas.openxmlformats.org/markup-compatibility/2006" xmlns:p14="http://schemas.microsoft.com/office/powerpoint/2010/main">
+          <mc:Choice Requires="p14">
             <p:contentPart p14:bwMode="auto" r:id="rId81">
               <p14:nvContentPartPr>
                 <p14:cNvPr id="51" name="Ink 50">
@@ -14140,7 +15435,7 @@
               </p14:xfrm>
             </p:contentPart>
           </mc:Choice>
-          <mc:Fallback>
+          <mc:Fallback xmlns="">
             <p:pic>
               <p:nvPicPr>
                 <p:cNvPr id="51" name="Ink 50">
@@ -14171,8 +15466,8 @@
             </p:pic>
           </mc:Fallback>
         </mc:AlternateContent>
-        <mc:AlternateContent xmlns:mc="http://schemas.openxmlformats.org/markup-compatibility/2006">
-          <mc:Choice xmlns:p14="http://schemas.microsoft.com/office/powerpoint/2010/main" Requires="p14">
+        <mc:AlternateContent xmlns:mc="http://schemas.openxmlformats.org/markup-compatibility/2006" xmlns:p14="http://schemas.microsoft.com/office/powerpoint/2010/main">
+          <mc:Choice Requires="p14">
             <p:contentPart p14:bwMode="auto" r:id="rId83">
               <p14:nvContentPartPr>
                 <p14:cNvPr id="52" name="Ink 51">
@@ -14191,7 +15486,7 @@
               </p14:xfrm>
             </p:contentPart>
           </mc:Choice>
-          <mc:Fallback>
+          <mc:Fallback xmlns="">
             <p:pic>
               <p:nvPicPr>
                 <p:cNvPr id="52" name="Ink 51">
@@ -14222,8 +15517,8 @@
             </p:pic>
           </mc:Fallback>
         </mc:AlternateContent>
-        <mc:AlternateContent xmlns:mc="http://schemas.openxmlformats.org/markup-compatibility/2006">
-          <mc:Choice xmlns:p14="http://schemas.microsoft.com/office/powerpoint/2010/main" Requires="p14">
+        <mc:AlternateContent xmlns:mc="http://schemas.openxmlformats.org/markup-compatibility/2006" xmlns:p14="http://schemas.microsoft.com/office/powerpoint/2010/main">
+          <mc:Choice Requires="p14">
             <p:contentPart p14:bwMode="auto" r:id="rId85">
               <p14:nvContentPartPr>
                 <p14:cNvPr id="53" name="Ink 52">
@@ -14242,7 +15537,7 @@
               </p14:xfrm>
             </p:contentPart>
           </mc:Choice>
-          <mc:Fallback>
+          <mc:Fallback xmlns="">
             <p:pic>
               <p:nvPicPr>
                 <p:cNvPr id="53" name="Ink 52">
@@ -14273,8 +15568,8 @@
             </p:pic>
           </mc:Fallback>
         </mc:AlternateContent>
-        <mc:AlternateContent xmlns:mc="http://schemas.openxmlformats.org/markup-compatibility/2006">
-          <mc:Choice xmlns:p14="http://schemas.microsoft.com/office/powerpoint/2010/main" Requires="p14">
+        <mc:AlternateContent xmlns:mc="http://schemas.openxmlformats.org/markup-compatibility/2006" xmlns:p14="http://schemas.microsoft.com/office/powerpoint/2010/main">
+          <mc:Choice Requires="p14">
             <p:contentPart p14:bwMode="auto" r:id="rId87">
               <p14:nvContentPartPr>
                 <p14:cNvPr id="54" name="Ink 53">
@@ -14293,7 +15588,7 @@
               </p14:xfrm>
             </p:contentPart>
           </mc:Choice>
-          <mc:Fallback>
+          <mc:Fallback xmlns="">
             <p:pic>
               <p:nvPicPr>
                 <p:cNvPr id="54" name="Ink 53">
@@ -14324,8 +15619,8 @@
             </p:pic>
           </mc:Fallback>
         </mc:AlternateContent>
-        <mc:AlternateContent xmlns:mc="http://schemas.openxmlformats.org/markup-compatibility/2006">
-          <mc:Choice xmlns:p14="http://schemas.microsoft.com/office/powerpoint/2010/main" Requires="p14">
+        <mc:AlternateContent xmlns:mc="http://schemas.openxmlformats.org/markup-compatibility/2006" xmlns:p14="http://schemas.microsoft.com/office/powerpoint/2010/main">
+          <mc:Choice Requires="p14">
             <p:contentPart p14:bwMode="auto" r:id="rId89">
               <p14:nvContentPartPr>
                 <p14:cNvPr id="55" name="Ink 54">
@@ -14344,7 +15639,7 @@
               </p14:xfrm>
             </p:contentPart>
           </mc:Choice>
-          <mc:Fallback>
+          <mc:Fallback xmlns="">
             <p:pic>
               <p:nvPicPr>
                 <p:cNvPr id="55" name="Ink 54">
@@ -14375,8 +15670,8 @@
             </p:pic>
           </mc:Fallback>
         </mc:AlternateContent>
-        <mc:AlternateContent xmlns:mc="http://schemas.openxmlformats.org/markup-compatibility/2006">
-          <mc:Choice xmlns:p14="http://schemas.microsoft.com/office/powerpoint/2010/main" Requires="p14">
+        <mc:AlternateContent xmlns:mc="http://schemas.openxmlformats.org/markup-compatibility/2006" xmlns:p14="http://schemas.microsoft.com/office/powerpoint/2010/main">
+          <mc:Choice Requires="p14">
             <p:contentPart p14:bwMode="auto" r:id="rId91">
               <p14:nvContentPartPr>
                 <p14:cNvPr id="56" name="Ink 55">
@@ -14395,7 +15690,7 @@
               </p14:xfrm>
             </p:contentPart>
           </mc:Choice>
-          <mc:Fallback>
+          <mc:Fallback xmlns="">
             <p:pic>
               <p:nvPicPr>
                 <p:cNvPr id="56" name="Ink 55">
@@ -14426,8 +15721,8 @@
             </p:pic>
           </mc:Fallback>
         </mc:AlternateContent>
-        <mc:AlternateContent xmlns:mc="http://schemas.openxmlformats.org/markup-compatibility/2006">
-          <mc:Choice xmlns:p14="http://schemas.microsoft.com/office/powerpoint/2010/main" Requires="p14">
+        <mc:AlternateContent xmlns:mc="http://schemas.openxmlformats.org/markup-compatibility/2006" xmlns:p14="http://schemas.microsoft.com/office/powerpoint/2010/main">
+          <mc:Choice Requires="p14">
             <p:contentPart p14:bwMode="auto" r:id="rId93">
               <p14:nvContentPartPr>
                 <p14:cNvPr id="57" name="Ink 56">
@@ -14446,7 +15741,7 @@
               </p14:xfrm>
             </p:contentPart>
           </mc:Choice>
-          <mc:Fallback>
+          <mc:Fallback xmlns="">
             <p:pic>
               <p:nvPicPr>
                 <p:cNvPr id="57" name="Ink 56">
@@ -14477,8 +15772,8 @@
             </p:pic>
           </mc:Fallback>
         </mc:AlternateContent>
-        <mc:AlternateContent xmlns:mc="http://schemas.openxmlformats.org/markup-compatibility/2006">
-          <mc:Choice xmlns:p14="http://schemas.microsoft.com/office/powerpoint/2010/main" Requires="p14">
+        <mc:AlternateContent xmlns:mc="http://schemas.openxmlformats.org/markup-compatibility/2006" xmlns:p14="http://schemas.microsoft.com/office/powerpoint/2010/main">
+          <mc:Choice Requires="p14">
             <p:contentPart p14:bwMode="auto" r:id="rId95">
               <p14:nvContentPartPr>
                 <p14:cNvPr id="58" name="Ink 57">
@@ -14497,7 +15792,7 @@
               </p14:xfrm>
             </p:contentPart>
           </mc:Choice>
-          <mc:Fallback>
+          <mc:Fallback xmlns="">
             <p:pic>
               <p:nvPicPr>
                 <p:cNvPr id="58" name="Ink 57">
@@ -14528,8 +15823,8 @@
             </p:pic>
           </mc:Fallback>
         </mc:AlternateContent>
-        <mc:AlternateContent xmlns:mc="http://schemas.openxmlformats.org/markup-compatibility/2006">
-          <mc:Choice xmlns:p14="http://schemas.microsoft.com/office/powerpoint/2010/main" Requires="p14">
+        <mc:AlternateContent xmlns:mc="http://schemas.openxmlformats.org/markup-compatibility/2006" xmlns:p14="http://schemas.microsoft.com/office/powerpoint/2010/main">
+          <mc:Choice Requires="p14">
             <p:contentPart p14:bwMode="auto" r:id="rId97">
               <p14:nvContentPartPr>
                 <p14:cNvPr id="60" name="Ink 59">
@@ -14548,7 +15843,7 @@
               </p14:xfrm>
             </p:contentPart>
           </mc:Choice>
-          <mc:Fallback>
+          <mc:Fallback xmlns="">
             <p:pic>
               <p:nvPicPr>
                 <p:cNvPr id="60" name="Ink 59">
@@ -14579,8 +15874,8 @@
             </p:pic>
           </mc:Fallback>
         </mc:AlternateContent>
-        <mc:AlternateContent xmlns:mc="http://schemas.openxmlformats.org/markup-compatibility/2006">
-          <mc:Choice xmlns:p14="http://schemas.microsoft.com/office/powerpoint/2010/main" Requires="p14">
+        <mc:AlternateContent xmlns:mc="http://schemas.openxmlformats.org/markup-compatibility/2006" xmlns:p14="http://schemas.microsoft.com/office/powerpoint/2010/main">
+          <mc:Choice Requires="p14">
             <p:contentPart p14:bwMode="auto" r:id="rId99">
               <p14:nvContentPartPr>
                 <p14:cNvPr id="61" name="Ink 60">
@@ -14599,7 +15894,7 @@
               </p14:xfrm>
             </p:contentPart>
           </mc:Choice>
-          <mc:Fallback>
+          <mc:Fallback xmlns="">
             <p:pic>
               <p:nvPicPr>
                 <p:cNvPr id="61" name="Ink 60">
@@ -14630,8 +15925,8 @@
             </p:pic>
           </mc:Fallback>
         </mc:AlternateContent>
-        <mc:AlternateContent xmlns:mc="http://schemas.openxmlformats.org/markup-compatibility/2006">
-          <mc:Choice xmlns:p14="http://schemas.microsoft.com/office/powerpoint/2010/main" Requires="p14">
+        <mc:AlternateContent xmlns:mc="http://schemas.openxmlformats.org/markup-compatibility/2006" xmlns:p14="http://schemas.microsoft.com/office/powerpoint/2010/main">
+          <mc:Choice Requires="p14">
             <p:contentPart p14:bwMode="auto" r:id="rId101">
               <p14:nvContentPartPr>
                 <p14:cNvPr id="62" name="Ink 61">
@@ -14650,7 +15945,7 @@
               </p14:xfrm>
             </p:contentPart>
           </mc:Choice>
-          <mc:Fallback>
+          <mc:Fallback xmlns="">
             <p:pic>
               <p:nvPicPr>
                 <p:cNvPr id="62" name="Ink 61">
@@ -14681,8 +15976,8 @@
             </p:pic>
           </mc:Fallback>
         </mc:AlternateContent>
-        <mc:AlternateContent xmlns:mc="http://schemas.openxmlformats.org/markup-compatibility/2006">
-          <mc:Choice xmlns:p14="http://schemas.microsoft.com/office/powerpoint/2010/main" Requires="p14">
+        <mc:AlternateContent xmlns:mc="http://schemas.openxmlformats.org/markup-compatibility/2006" xmlns:p14="http://schemas.microsoft.com/office/powerpoint/2010/main">
+          <mc:Choice Requires="p14">
             <p:contentPart p14:bwMode="auto" r:id="rId103">
               <p14:nvContentPartPr>
                 <p14:cNvPr id="63" name="Ink 62">
@@ -14701,7 +15996,7 @@
               </p14:xfrm>
             </p:contentPart>
           </mc:Choice>
-          <mc:Fallback>
+          <mc:Fallback xmlns="">
             <p:pic>
               <p:nvPicPr>
                 <p:cNvPr id="63" name="Ink 62">
@@ -14732,8 +16027,8 @@
             </p:pic>
           </mc:Fallback>
         </mc:AlternateContent>
-        <mc:AlternateContent xmlns:mc="http://schemas.openxmlformats.org/markup-compatibility/2006">
-          <mc:Choice xmlns:p14="http://schemas.microsoft.com/office/powerpoint/2010/main" Requires="p14">
+        <mc:AlternateContent xmlns:mc="http://schemas.openxmlformats.org/markup-compatibility/2006" xmlns:p14="http://schemas.microsoft.com/office/powerpoint/2010/main">
+          <mc:Choice Requires="p14">
             <p:contentPart p14:bwMode="auto" r:id="rId105">
               <p14:nvContentPartPr>
                 <p14:cNvPr id="64" name="Ink 63">
@@ -14752,7 +16047,7 @@
               </p14:xfrm>
             </p:contentPart>
           </mc:Choice>
-          <mc:Fallback>
+          <mc:Fallback xmlns="">
             <p:pic>
               <p:nvPicPr>
                 <p:cNvPr id="64" name="Ink 63">
@@ -14783,8 +16078,8 @@
             </p:pic>
           </mc:Fallback>
         </mc:AlternateContent>
-        <mc:AlternateContent xmlns:mc="http://schemas.openxmlformats.org/markup-compatibility/2006">
-          <mc:Choice xmlns:p14="http://schemas.microsoft.com/office/powerpoint/2010/main" Requires="p14">
+        <mc:AlternateContent xmlns:mc="http://schemas.openxmlformats.org/markup-compatibility/2006" xmlns:p14="http://schemas.microsoft.com/office/powerpoint/2010/main">
+          <mc:Choice Requires="p14">
             <p:contentPart p14:bwMode="auto" r:id="rId107">
               <p14:nvContentPartPr>
                 <p14:cNvPr id="65" name="Ink 64">
@@ -14803,7 +16098,7 @@
               </p14:xfrm>
             </p:contentPart>
           </mc:Choice>
-          <mc:Fallback>
+          <mc:Fallback xmlns="">
             <p:pic>
               <p:nvPicPr>
                 <p:cNvPr id="65" name="Ink 64">
@@ -14855,8 +16150,8 @@
             <a:chExt cx="689760" cy="515880"/>
           </a:xfrm>
         </p:grpSpPr>
-        <mc:AlternateContent xmlns:mc="http://schemas.openxmlformats.org/markup-compatibility/2006">
-          <mc:Choice xmlns:p14="http://schemas.microsoft.com/office/powerpoint/2010/main" Requires="p14">
+        <mc:AlternateContent xmlns:mc="http://schemas.openxmlformats.org/markup-compatibility/2006" xmlns:p14="http://schemas.microsoft.com/office/powerpoint/2010/main">
+          <mc:Choice Requires="p14">
             <p:contentPart p14:bwMode="auto" r:id="rId109">
               <p14:nvContentPartPr>
                 <p14:cNvPr id="67" name="Ink 66">
@@ -14875,7 +16170,7 @@
               </p14:xfrm>
             </p:contentPart>
           </mc:Choice>
-          <mc:Fallback>
+          <mc:Fallback xmlns="">
             <p:pic>
               <p:nvPicPr>
                 <p:cNvPr id="67" name="Ink 66">
@@ -14906,8 +16201,8 @@
             </p:pic>
           </mc:Fallback>
         </mc:AlternateContent>
-        <mc:AlternateContent xmlns:mc="http://schemas.openxmlformats.org/markup-compatibility/2006">
-          <mc:Choice xmlns:p14="http://schemas.microsoft.com/office/powerpoint/2010/main" Requires="p14">
+        <mc:AlternateContent xmlns:mc="http://schemas.openxmlformats.org/markup-compatibility/2006" xmlns:p14="http://schemas.microsoft.com/office/powerpoint/2010/main">
+          <mc:Choice Requires="p14">
             <p:contentPart p14:bwMode="auto" r:id="rId111">
               <p14:nvContentPartPr>
                 <p14:cNvPr id="68" name="Ink 67">
@@ -14926,7 +16221,7 @@
               </p14:xfrm>
             </p:contentPart>
           </mc:Choice>
-          <mc:Fallback>
+          <mc:Fallback xmlns="">
             <p:pic>
               <p:nvPicPr>
                 <p:cNvPr id="68" name="Ink 67">
@@ -14957,8 +16252,8 @@
             </p:pic>
           </mc:Fallback>
         </mc:AlternateContent>
-        <mc:AlternateContent xmlns:mc="http://schemas.openxmlformats.org/markup-compatibility/2006">
-          <mc:Choice xmlns:p14="http://schemas.microsoft.com/office/powerpoint/2010/main" Requires="p14">
+        <mc:AlternateContent xmlns:mc="http://schemas.openxmlformats.org/markup-compatibility/2006" xmlns:p14="http://schemas.microsoft.com/office/powerpoint/2010/main">
+          <mc:Choice Requires="p14">
             <p:contentPart p14:bwMode="auto" r:id="rId113">
               <p14:nvContentPartPr>
                 <p14:cNvPr id="69" name="Ink 68">
@@ -14977,7 +16272,7 @@
               </p14:xfrm>
             </p:contentPart>
           </mc:Choice>
-          <mc:Fallback>
+          <mc:Fallback xmlns="">
             <p:pic>
               <p:nvPicPr>
                 <p:cNvPr id="69" name="Ink 68">
@@ -15008,8 +16303,8 @@
             </p:pic>
           </mc:Fallback>
         </mc:AlternateContent>
-        <mc:AlternateContent xmlns:mc="http://schemas.openxmlformats.org/markup-compatibility/2006">
-          <mc:Choice xmlns:p14="http://schemas.microsoft.com/office/powerpoint/2010/main" Requires="p14">
+        <mc:AlternateContent xmlns:mc="http://schemas.openxmlformats.org/markup-compatibility/2006" xmlns:p14="http://schemas.microsoft.com/office/powerpoint/2010/main">
+          <mc:Choice Requires="p14">
             <p:contentPart p14:bwMode="auto" r:id="rId115">
               <p14:nvContentPartPr>
                 <p14:cNvPr id="70" name="Ink 69">
@@ -15028,7 +16323,7 @@
               </p14:xfrm>
             </p:contentPart>
           </mc:Choice>
-          <mc:Fallback>
+          <mc:Fallback xmlns="">
             <p:pic>
               <p:nvPicPr>
                 <p:cNvPr id="70" name="Ink 69">
@@ -15059,8 +16354,8 @@
             </p:pic>
           </mc:Fallback>
         </mc:AlternateContent>
-        <mc:AlternateContent xmlns:mc="http://schemas.openxmlformats.org/markup-compatibility/2006">
-          <mc:Choice xmlns:p14="http://schemas.microsoft.com/office/powerpoint/2010/main" Requires="p14">
+        <mc:AlternateContent xmlns:mc="http://schemas.openxmlformats.org/markup-compatibility/2006" xmlns:p14="http://schemas.microsoft.com/office/powerpoint/2010/main">
+          <mc:Choice Requires="p14">
             <p:contentPart p14:bwMode="auto" r:id="rId117">
               <p14:nvContentPartPr>
                 <p14:cNvPr id="71" name="Ink 70">
@@ -15079,7 +16374,7 @@
               </p14:xfrm>
             </p:contentPart>
           </mc:Choice>
-          <mc:Fallback>
+          <mc:Fallback xmlns="">
             <p:pic>
               <p:nvPicPr>
                 <p:cNvPr id="71" name="Ink 70">
@@ -15110,8 +16405,8 @@
             </p:pic>
           </mc:Fallback>
         </mc:AlternateContent>
-        <mc:AlternateContent xmlns:mc="http://schemas.openxmlformats.org/markup-compatibility/2006">
-          <mc:Choice xmlns:p14="http://schemas.microsoft.com/office/powerpoint/2010/main" Requires="p14">
+        <mc:AlternateContent xmlns:mc="http://schemas.openxmlformats.org/markup-compatibility/2006" xmlns:p14="http://schemas.microsoft.com/office/powerpoint/2010/main">
+          <mc:Choice Requires="p14">
             <p:contentPart p14:bwMode="auto" r:id="rId119">
               <p14:nvContentPartPr>
                 <p14:cNvPr id="72" name="Ink 71">
@@ -15130,7 +16425,7 @@
               </p14:xfrm>
             </p:contentPart>
           </mc:Choice>
-          <mc:Fallback>
+          <mc:Fallback xmlns="">
             <p:pic>
               <p:nvPicPr>
                 <p:cNvPr id="72" name="Ink 71">
@@ -15162,8 +16457,8 @@
           </mc:Fallback>
         </mc:AlternateContent>
       </p:grpSp>
-      <mc:AlternateContent xmlns:mc="http://schemas.openxmlformats.org/markup-compatibility/2006">
-        <mc:Choice xmlns:p14="http://schemas.microsoft.com/office/powerpoint/2010/main" Requires="p14">
+      <mc:AlternateContent xmlns:mc="http://schemas.openxmlformats.org/markup-compatibility/2006" xmlns:p14="http://schemas.microsoft.com/office/powerpoint/2010/main">
+        <mc:Choice Requires="p14">
           <p:contentPart p14:bwMode="auto" r:id="rId121">
             <p14:nvContentPartPr>
               <p14:cNvPr id="102" name="Ink 101">
@@ -15182,7 +16477,7 @@
             </p14:xfrm>
           </p:contentPart>
         </mc:Choice>
-        <mc:Fallback>
+        <mc:Fallback xmlns="">
           <p:pic>
             <p:nvPicPr>
               <p:cNvPr id="102" name="Ink 101">
@@ -15233,8 +16528,8 @@
             <a:chExt cx="1968840" cy="1107720"/>
           </a:xfrm>
         </p:grpSpPr>
-        <mc:AlternateContent xmlns:mc="http://schemas.openxmlformats.org/markup-compatibility/2006">
-          <mc:Choice xmlns:p14="http://schemas.microsoft.com/office/powerpoint/2010/main" Requires="p14">
+        <mc:AlternateContent xmlns:mc="http://schemas.openxmlformats.org/markup-compatibility/2006" xmlns:p14="http://schemas.microsoft.com/office/powerpoint/2010/main">
+          <mc:Choice Requires="p14">
             <p:contentPart p14:bwMode="auto" r:id="rId123">
               <p14:nvContentPartPr>
                 <p14:cNvPr id="74" name="Ink 73">
@@ -15253,7 +16548,7 @@
               </p14:xfrm>
             </p:contentPart>
           </mc:Choice>
-          <mc:Fallback>
+          <mc:Fallback xmlns="">
             <p:pic>
               <p:nvPicPr>
                 <p:cNvPr id="74" name="Ink 73">
@@ -15284,8 +16579,8 @@
             </p:pic>
           </mc:Fallback>
         </mc:AlternateContent>
-        <mc:AlternateContent xmlns:mc="http://schemas.openxmlformats.org/markup-compatibility/2006">
-          <mc:Choice xmlns:p14="http://schemas.microsoft.com/office/powerpoint/2010/main" Requires="p14">
+        <mc:AlternateContent xmlns:mc="http://schemas.openxmlformats.org/markup-compatibility/2006" xmlns:p14="http://schemas.microsoft.com/office/powerpoint/2010/main">
+          <mc:Choice Requires="p14">
             <p:contentPart p14:bwMode="auto" r:id="rId125">
               <p14:nvContentPartPr>
                 <p14:cNvPr id="75" name="Ink 74">
@@ -15304,7 +16599,7 @@
               </p14:xfrm>
             </p:contentPart>
           </mc:Choice>
-          <mc:Fallback>
+          <mc:Fallback xmlns="">
             <p:pic>
               <p:nvPicPr>
                 <p:cNvPr id="75" name="Ink 74">
@@ -15335,8 +16630,8 @@
             </p:pic>
           </mc:Fallback>
         </mc:AlternateContent>
-        <mc:AlternateContent xmlns:mc="http://schemas.openxmlformats.org/markup-compatibility/2006">
-          <mc:Choice xmlns:p14="http://schemas.microsoft.com/office/powerpoint/2010/main" Requires="p14">
+        <mc:AlternateContent xmlns:mc="http://schemas.openxmlformats.org/markup-compatibility/2006" xmlns:p14="http://schemas.microsoft.com/office/powerpoint/2010/main">
+          <mc:Choice Requires="p14">
             <p:contentPart p14:bwMode="auto" r:id="rId127">
               <p14:nvContentPartPr>
                 <p14:cNvPr id="77" name="Ink 76">
@@ -15355,7 +16650,7 @@
               </p14:xfrm>
             </p:contentPart>
           </mc:Choice>
-          <mc:Fallback>
+          <mc:Fallback xmlns="">
             <p:pic>
               <p:nvPicPr>
                 <p:cNvPr id="77" name="Ink 76">
@@ -15386,8 +16681,8 @@
             </p:pic>
           </mc:Fallback>
         </mc:AlternateContent>
-        <mc:AlternateContent xmlns:mc="http://schemas.openxmlformats.org/markup-compatibility/2006">
-          <mc:Choice xmlns:p14="http://schemas.microsoft.com/office/powerpoint/2010/main" Requires="p14">
+        <mc:AlternateContent xmlns:mc="http://schemas.openxmlformats.org/markup-compatibility/2006" xmlns:p14="http://schemas.microsoft.com/office/powerpoint/2010/main">
+          <mc:Choice Requires="p14">
             <p:contentPart p14:bwMode="auto" r:id="rId129">
               <p14:nvContentPartPr>
                 <p14:cNvPr id="78" name="Ink 77">
@@ -15406,7 +16701,7 @@
               </p14:xfrm>
             </p:contentPart>
           </mc:Choice>
-          <mc:Fallback>
+          <mc:Fallback xmlns="">
             <p:pic>
               <p:nvPicPr>
                 <p:cNvPr id="78" name="Ink 77">
@@ -15437,8 +16732,8 @@
             </p:pic>
           </mc:Fallback>
         </mc:AlternateContent>
-        <mc:AlternateContent xmlns:mc="http://schemas.openxmlformats.org/markup-compatibility/2006">
-          <mc:Choice xmlns:p14="http://schemas.microsoft.com/office/powerpoint/2010/main" Requires="p14">
+        <mc:AlternateContent xmlns:mc="http://schemas.openxmlformats.org/markup-compatibility/2006" xmlns:p14="http://schemas.microsoft.com/office/powerpoint/2010/main">
+          <mc:Choice Requires="p14">
             <p:contentPart p14:bwMode="auto" r:id="rId131">
               <p14:nvContentPartPr>
                 <p14:cNvPr id="79" name="Ink 78">
@@ -15457,7 +16752,7 @@
               </p14:xfrm>
             </p:contentPart>
           </mc:Choice>
-          <mc:Fallback>
+          <mc:Fallback xmlns="">
             <p:pic>
               <p:nvPicPr>
                 <p:cNvPr id="79" name="Ink 78">
@@ -15488,8 +16783,8 @@
             </p:pic>
           </mc:Fallback>
         </mc:AlternateContent>
-        <mc:AlternateContent xmlns:mc="http://schemas.openxmlformats.org/markup-compatibility/2006">
-          <mc:Choice xmlns:p14="http://schemas.microsoft.com/office/powerpoint/2010/main" Requires="p14">
+        <mc:AlternateContent xmlns:mc="http://schemas.openxmlformats.org/markup-compatibility/2006" xmlns:p14="http://schemas.microsoft.com/office/powerpoint/2010/main">
+          <mc:Choice Requires="p14">
             <p:contentPart p14:bwMode="auto" r:id="rId133">
               <p14:nvContentPartPr>
                 <p14:cNvPr id="80" name="Ink 79">
@@ -15508,7 +16803,7 @@
               </p14:xfrm>
             </p:contentPart>
           </mc:Choice>
-          <mc:Fallback>
+          <mc:Fallback xmlns="">
             <p:pic>
               <p:nvPicPr>
                 <p:cNvPr id="80" name="Ink 79">
@@ -15539,8 +16834,8 @@
             </p:pic>
           </mc:Fallback>
         </mc:AlternateContent>
-        <mc:AlternateContent xmlns:mc="http://schemas.openxmlformats.org/markup-compatibility/2006">
-          <mc:Choice xmlns:p14="http://schemas.microsoft.com/office/powerpoint/2010/main" Requires="p14">
+        <mc:AlternateContent xmlns:mc="http://schemas.openxmlformats.org/markup-compatibility/2006" xmlns:p14="http://schemas.microsoft.com/office/powerpoint/2010/main">
+          <mc:Choice Requires="p14">
             <p:contentPart p14:bwMode="auto" r:id="rId135">
               <p14:nvContentPartPr>
                 <p14:cNvPr id="81" name="Ink 80">
@@ -15559,7 +16854,7 @@
               </p14:xfrm>
             </p:contentPart>
           </mc:Choice>
-          <mc:Fallback>
+          <mc:Fallback xmlns="">
             <p:pic>
               <p:nvPicPr>
                 <p:cNvPr id="81" name="Ink 80">
@@ -15590,8 +16885,8 @@
             </p:pic>
           </mc:Fallback>
         </mc:AlternateContent>
-        <mc:AlternateContent xmlns:mc="http://schemas.openxmlformats.org/markup-compatibility/2006">
-          <mc:Choice xmlns:p14="http://schemas.microsoft.com/office/powerpoint/2010/main" Requires="p14">
+        <mc:AlternateContent xmlns:mc="http://schemas.openxmlformats.org/markup-compatibility/2006" xmlns:p14="http://schemas.microsoft.com/office/powerpoint/2010/main">
+          <mc:Choice Requires="p14">
             <p:contentPart p14:bwMode="auto" r:id="rId137">
               <p14:nvContentPartPr>
                 <p14:cNvPr id="82" name="Ink 81">
@@ -15610,7 +16905,7 @@
               </p14:xfrm>
             </p:contentPart>
           </mc:Choice>
-          <mc:Fallback>
+          <mc:Fallback xmlns="">
             <p:pic>
               <p:nvPicPr>
                 <p:cNvPr id="82" name="Ink 81">
@@ -15641,8 +16936,8 @@
             </p:pic>
           </mc:Fallback>
         </mc:AlternateContent>
-        <mc:AlternateContent xmlns:mc="http://schemas.openxmlformats.org/markup-compatibility/2006">
-          <mc:Choice xmlns:p14="http://schemas.microsoft.com/office/powerpoint/2010/main" Requires="p14">
+        <mc:AlternateContent xmlns:mc="http://schemas.openxmlformats.org/markup-compatibility/2006" xmlns:p14="http://schemas.microsoft.com/office/powerpoint/2010/main">
+          <mc:Choice Requires="p14">
             <p:contentPart p14:bwMode="auto" r:id="rId139">
               <p14:nvContentPartPr>
                 <p14:cNvPr id="83" name="Ink 82">
@@ -15661,7 +16956,7 @@
               </p14:xfrm>
             </p:contentPart>
           </mc:Choice>
-          <mc:Fallback>
+          <mc:Fallback xmlns="">
             <p:pic>
               <p:nvPicPr>
                 <p:cNvPr id="83" name="Ink 82">
@@ -15692,8 +16987,8 @@
             </p:pic>
           </mc:Fallback>
         </mc:AlternateContent>
-        <mc:AlternateContent xmlns:mc="http://schemas.openxmlformats.org/markup-compatibility/2006">
-          <mc:Choice xmlns:p14="http://schemas.microsoft.com/office/powerpoint/2010/main" Requires="p14">
+        <mc:AlternateContent xmlns:mc="http://schemas.openxmlformats.org/markup-compatibility/2006" xmlns:p14="http://schemas.microsoft.com/office/powerpoint/2010/main">
+          <mc:Choice Requires="p14">
             <p:contentPart p14:bwMode="auto" r:id="rId141">
               <p14:nvContentPartPr>
                 <p14:cNvPr id="84" name="Ink 83">
@@ -15712,7 +17007,7 @@
               </p14:xfrm>
             </p:contentPart>
           </mc:Choice>
-          <mc:Fallback>
+          <mc:Fallback xmlns="">
             <p:pic>
               <p:nvPicPr>
                 <p:cNvPr id="84" name="Ink 83">
@@ -15743,8 +17038,8 @@
             </p:pic>
           </mc:Fallback>
         </mc:AlternateContent>
-        <mc:AlternateContent xmlns:mc="http://schemas.openxmlformats.org/markup-compatibility/2006">
-          <mc:Choice xmlns:p14="http://schemas.microsoft.com/office/powerpoint/2010/main" Requires="p14">
+        <mc:AlternateContent xmlns:mc="http://schemas.openxmlformats.org/markup-compatibility/2006" xmlns:p14="http://schemas.microsoft.com/office/powerpoint/2010/main">
+          <mc:Choice Requires="p14">
             <p:contentPart p14:bwMode="auto" r:id="rId143">
               <p14:nvContentPartPr>
                 <p14:cNvPr id="85" name="Ink 84">
@@ -15763,7 +17058,7 @@
               </p14:xfrm>
             </p:contentPart>
           </mc:Choice>
-          <mc:Fallback>
+          <mc:Fallback xmlns="">
             <p:pic>
               <p:nvPicPr>
                 <p:cNvPr id="85" name="Ink 84">
@@ -15794,8 +17089,8 @@
             </p:pic>
           </mc:Fallback>
         </mc:AlternateContent>
-        <mc:AlternateContent xmlns:mc="http://schemas.openxmlformats.org/markup-compatibility/2006">
-          <mc:Choice xmlns:p14="http://schemas.microsoft.com/office/powerpoint/2010/main" Requires="p14">
+        <mc:AlternateContent xmlns:mc="http://schemas.openxmlformats.org/markup-compatibility/2006" xmlns:p14="http://schemas.microsoft.com/office/powerpoint/2010/main">
+          <mc:Choice Requires="p14">
             <p:contentPart p14:bwMode="auto" r:id="rId145">
               <p14:nvContentPartPr>
                 <p14:cNvPr id="86" name="Ink 85">
@@ -15814,7 +17109,7 @@
               </p14:xfrm>
             </p:contentPart>
           </mc:Choice>
-          <mc:Fallback>
+          <mc:Fallback xmlns="">
             <p:pic>
               <p:nvPicPr>
                 <p:cNvPr id="86" name="Ink 85">
@@ -15845,8 +17140,8 @@
             </p:pic>
           </mc:Fallback>
         </mc:AlternateContent>
-        <mc:AlternateContent xmlns:mc="http://schemas.openxmlformats.org/markup-compatibility/2006">
-          <mc:Choice xmlns:p14="http://schemas.microsoft.com/office/powerpoint/2010/main" Requires="p14">
+        <mc:AlternateContent xmlns:mc="http://schemas.openxmlformats.org/markup-compatibility/2006" xmlns:p14="http://schemas.microsoft.com/office/powerpoint/2010/main">
+          <mc:Choice Requires="p14">
             <p:contentPart p14:bwMode="auto" r:id="rId147">
               <p14:nvContentPartPr>
                 <p14:cNvPr id="87" name="Ink 86">
@@ -15865,7 +17160,7 @@
               </p14:xfrm>
             </p:contentPart>
           </mc:Choice>
-          <mc:Fallback>
+          <mc:Fallback xmlns="">
             <p:pic>
               <p:nvPicPr>
                 <p:cNvPr id="87" name="Ink 86">
@@ -15896,8 +17191,8 @@
             </p:pic>
           </mc:Fallback>
         </mc:AlternateContent>
-        <mc:AlternateContent xmlns:mc="http://schemas.openxmlformats.org/markup-compatibility/2006">
-          <mc:Choice xmlns:p14="http://schemas.microsoft.com/office/powerpoint/2010/main" Requires="p14">
+        <mc:AlternateContent xmlns:mc="http://schemas.openxmlformats.org/markup-compatibility/2006" xmlns:p14="http://schemas.microsoft.com/office/powerpoint/2010/main">
+          <mc:Choice Requires="p14">
             <p:contentPart p14:bwMode="auto" r:id="rId149">
               <p14:nvContentPartPr>
                 <p14:cNvPr id="88" name="Ink 87">
@@ -15916,7 +17211,7 @@
               </p14:xfrm>
             </p:contentPart>
           </mc:Choice>
-          <mc:Fallback>
+          <mc:Fallback xmlns="">
             <p:pic>
               <p:nvPicPr>
                 <p:cNvPr id="88" name="Ink 87">
@@ -15947,8 +17242,8 @@
             </p:pic>
           </mc:Fallback>
         </mc:AlternateContent>
-        <mc:AlternateContent xmlns:mc="http://schemas.openxmlformats.org/markup-compatibility/2006">
-          <mc:Choice xmlns:p14="http://schemas.microsoft.com/office/powerpoint/2010/main" Requires="p14">
+        <mc:AlternateContent xmlns:mc="http://schemas.openxmlformats.org/markup-compatibility/2006" xmlns:p14="http://schemas.microsoft.com/office/powerpoint/2010/main">
+          <mc:Choice Requires="p14">
             <p:contentPart p14:bwMode="auto" r:id="rId151">
               <p14:nvContentPartPr>
                 <p14:cNvPr id="89" name="Ink 88">
@@ -15967,7 +17262,7 @@
               </p14:xfrm>
             </p:contentPart>
           </mc:Choice>
-          <mc:Fallback>
+          <mc:Fallback xmlns="">
             <p:pic>
               <p:nvPicPr>
                 <p:cNvPr id="89" name="Ink 88">
@@ -15998,8 +17293,8 @@
             </p:pic>
           </mc:Fallback>
         </mc:AlternateContent>
-        <mc:AlternateContent xmlns:mc="http://schemas.openxmlformats.org/markup-compatibility/2006">
-          <mc:Choice xmlns:p14="http://schemas.microsoft.com/office/powerpoint/2010/main" Requires="p14">
+        <mc:AlternateContent xmlns:mc="http://schemas.openxmlformats.org/markup-compatibility/2006" xmlns:p14="http://schemas.microsoft.com/office/powerpoint/2010/main">
+          <mc:Choice Requires="p14">
             <p:contentPart p14:bwMode="auto" r:id="rId153">
               <p14:nvContentPartPr>
                 <p14:cNvPr id="90" name="Ink 89">
@@ -16018,7 +17313,7 @@
               </p14:xfrm>
             </p:contentPart>
           </mc:Choice>
-          <mc:Fallback>
+          <mc:Fallback xmlns="">
             <p:pic>
               <p:nvPicPr>
                 <p:cNvPr id="90" name="Ink 89">
@@ -16049,8 +17344,8 @@
             </p:pic>
           </mc:Fallback>
         </mc:AlternateContent>
-        <mc:AlternateContent xmlns:mc="http://schemas.openxmlformats.org/markup-compatibility/2006">
-          <mc:Choice xmlns:p14="http://schemas.microsoft.com/office/powerpoint/2010/main" Requires="p14">
+        <mc:AlternateContent xmlns:mc="http://schemas.openxmlformats.org/markup-compatibility/2006" xmlns:p14="http://schemas.microsoft.com/office/powerpoint/2010/main">
+          <mc:Choice Requires="p14">
             <p:contentPart p14:bwMode="auto" r:id="rId155">
               <p14:nvContentPartPr>
                 <p14:cNvPr id="91" name="Ink 90">
@@ -16069,7 +17364,7 @@
               </p14:xfrm>
             </p:contentPart>
           </mc:Choice>
-          <mc:Fallback>
+          <mc:Fallback xmlns="">
             <p:pic>
               <p:nvPicPr>
                 <p:cNvPr id="91" name="Ink 90">
@@ -16100,8 +17395,8 @@
             </p:pic>
           </mc:Fallback>
         </mc:AlternateContent>
-        <mc:AlternateContent xmlns:mc="http://schemas.openxmlformats.org/markup-compatibility/2006">
-          <mc:Choice xmlns:p14="http://schemas.microsoft.com/office/powerpoint/2010/main" Requires="p14">
+        <mc:AlternateContent xmlns:mc="http://schemas.openxmlformats.org/markup-compatibility/2006" xmlns:p14="http://schemas.microsoft.com/office/powerpoint/2010/main">
+          <mc:Choice Requires="p14">
             <p:contentPart p14:bwMode="auto" r:id="rId157">
               <p14:nvContentPartPr>
                 <p14:cNvPr id="92" name="Ink 91">
@@ -16120,7 +17415,7 @@
               </p14:xfrm>
             </p:contentPart>
           </mc:Choice>
-          <mc:Fallback>
+          <mc:Fallback xmlns="">
             <p:pic>
               <p:nvPicPr>
                 <p:cNvPr id="92" name="Ink 91">
@@ -16151,8 +17446,8 @@
             </p:pic>
           </mc:Fallback>
         </mc:AlternateContent>
-        <mc:AlternateContent xmlns:mc="http://schemas.openxmlformats.org/markup-compatibility/2006">
-          <mc:Choice xmlns:p14="http://schemas.microsoft.com/office/powerpoint/2010/main" Requires="p14">
+        <mc:AlternateContent xmlns:mc="http://schemas.openxmlformats.org/markup-compatibility/2006" xmlns:p14="http://schemas.microsoft.com/office/powerpoint/2010/main">
+          <mc:Choice Requires="p14">
             <p:contentPart p14:bwMode="auto" r:id="rId159">
               <p14:nvContentPartPr>
                 <p14:cNvPr id="95" name="Ink 94">
@@ -16171,7 +17466,7 @@
               </p14:xfrm>
             </p:contentPart>
           </mc:Choice>
-          <mc:Fallback>
+          <mc:Fallback xmlns="">
             <p:pic>
               <p:nvPicPr>
                 <p:cNvPr id="95" name="Ink 94">
@@ -16202,8 +17497,8 @@
             </p:pic>
           </mc:Fallback>
         </mc:AlternateContent>
-        <mc:AlternateContent xmlns:mc="http://schemas.openxmlformats.org/markup-compatibility/2006">
-          <mc:Choice xmlns:p14="http://schemas.microsoft.com/office/powerpoint/2010/main" Requires="p14">
+        <mc:AlternateContent xmlns:mc="http://schemas.openxmlformats.org/markup-compatibility/2006" xmlns:p14="http://schemas.microsoft.com/office/powerpoint/2010/main">
+          <mc:Choice Requires="p14">
             <p:contentPart p14:bwMode="auto" r:id="rId161">
               <p14:nvContentPartPr>
                 <p14:cNvPr id="96" name="Ink 95">
@@ -16222,7 +17517,7 @@
               </p14:xfrm>
             </p:contentPart>
           </mc:Choice>
-          <mc:Fallback>
+          <mc:Fallback xmlns="">
             <p:pic>
               <p:nvPicPr>
                 <p:cNvPr id="96" name="Ink 95">
@@ -16253,8 +17548,8 @@
             </p:pic>
           </mc:Fallback>
         </mc:AlternateContent>
-        <mc:AlternateContent xmlns:mc="http://schemas.openxmlformats.org/markup-compatibility/2006">
-          <mc:Choice xmlns:p14="http://schemas.microsoft.com/office/powerpoint/2010/main" Requires="p14">
+        <mc:AlternateContent xmlns:mc="http://schemas.openxmlformats.org/markup-compatibility/2006" xmlns:p14="http://schemas.microsoft.com/office/powerpoint/2010/main">
+          <mc:Choice Requires="p14">
             <p:contentPart p14:bwMode="auto" r:id="rId163">
               <p14:nvContentPartPr>
                 <p14:cNvPr id="97" name="Ink 96">
@@ -16273,7 +17568,7 @@
               </p14:xfrm>
             </p:contentPart>
           </mc:Choice>
-          <mc:Fallback>
+          <mc:Fallback xmlns="">
             <p:pic>
               <p:nvPicPr>
                 <p:cNvPr id="97" name="Ink 96">
@@ -16304,8 +17599,8 @@
             </p:pic>
           </mc:Fallback>
         </mc:AlternateContent>
-        <mc:AlternateContent xmlns:mc="http://schemas.openxmlformats.org/markup-compatibility/2006">
-          <mc:Choice xmlns:p14="http://schemas.microsoft.com/office/powerpoint/2010/main" Requires="p14">
+        <mc:AlternateContent xmlns:mc="http://schemas.openxmlformats.org/markup-compatibility/2006" xmlns:p14="http://schemas.microsoft.com/office/powerpoint/2010/main">
+          <mc:Choice Requires="p14">
             <p:contentPart p14:bwMode="auto" r:id="rId165">
               <p14:nvContentPartPr>
                 <p14:cNvPr id="98" name="Ink 97">
@@ -16324,7 +17619,7 @@
               </p14:xfrm>
             </p:contentPart>
           </mc:Choice>
-          <mc:Fallback>
+          <mc:Fallback xmlns="">
             <p:pic>
               <p:nvPicPr>
                 <p:cNvPr id="98" name="Ink 97">
@@ -16355,8 +17650,8 @@
             </p:pic>
           </mc:Fallback>
         </mc:AlternateContent>
-        <mc:AlternateContent xmlns:mc="http://schemas.openxmlformats.org/markup-compatibility/2006">
-          <mc:Choice xmlns:p14="http://schemas.microsoft.com/office/powerpoint/2010/main" Requires="p14">
+        <mc:AlternateContent xmlns:mc="http://schemas.openxmlformats.org/markup-compatibility/2006" xmlns:p14="http://schemas.microsoft.com/office/powerpoint/2010/main">
+          <mc:Choice Requires="p14">
             <p:contentPart p14:bwMode="auto" r:id="rId167">
               <p14:nvContentPartPr>
                 <p14:cNvPr id="100" name="Ink 99">
@@ -16375,7 +17670,7 @@
               </p14:xfrm>
             </p:contentPart>
           </mc:Choice>
-          <mc:Fallback>
+          <mc:Fallback xmlns="">
             <p:pic>
               <p:nvPicPr>
                 <p:cNvPr id="100" name="Ink 99">
@@ -16406,8 +17701,8 @@
             </p:pic>
           </mc:Fallback>
         </mc:AlternateContent>
-        <mc:AlternateContent xmlns:mc="http://schemas.openxmlformats.org/markup-compatibility/2006">
-          <mc:Choice xmlns:p14="http://schemas.microsoft.com/office/powerpoint/2010/main" Requires="p14">
+        <mc:AlternateContent xmlns:mc="http://schemas.openxmlformats.org/markup-compatibility/2006" xmlns:p14="http://schemas.microsoft.com/office/powerpoint/2010/main">
+          <mc:Choice Requires="p14">
             <p:contentPart p14:bwMode="auto" r:id="rId169">
               <p14:nvContentPartPr>
                 <p14:cNvPr id="111" name="Ink 110">
@@ -16426,7 +17721,7 @@
               </p14:xfrm>
             </p:contentPart>
           </mc:Choice>
-          <mc:Fallback>
+          <mc:Fallback xmlns="">
             <p:pic>
               <p:nvPicPr>
                 <p:cNvPr id="111" name="Ink 110">
@@ -16457,8 +17752,8 @@
             </p:pic>
           </mc:Fallback>
         </mc:AlternateContent>
-        <mc:AlternateContent xmlns:mc="http://schemas.openxmlformats.org/markup-compatibility/2006">
-          <mc:Choice xmlns:p14="http://schemas.microsoft.com/office/powerpoint/2010/main" Requires="p14">
+        <mc:AlternateContent xmlns:mc="http://schemas.openxmlformats.org/markup-compatibility/2006" xmlns:p14="http://schemas.microsoft.com/office/powerpoint/2010/main">
+          <mc:Choice Requires="p14">
             <p:contentPart p14:bwMode="auto" r:id="rId171">
               <p14:nvContentPartPr>
                 <p14:cNvPr id="112" name="Ink 111">
@@ -16477,7 +17772,7 @@
               </p14:xfrm>
             </p:contentPart>
           </mc:Choice>
-          <mc:Fallback>
+          <mc:Fallback xmlns="">
             <p:pic>
               <p:nvPicPr>
                 <p:cNvPr id="112" name="Ink 111">
@@ -16508,8 +17803,8 @@
             </p:pic>
           </mc:Fallback>
         </mc:AlternateContent>
-        <mc:AlternateContent xmlns:mc="http://schemas.openxmlformats.org/markup-compatibility/2006">
-          <mc:Choice xmlns:p14="http://schemas.microsoft.com/office/powerpoint/2010/main" Requires="p14">
+        <mc:AlternateContent xmlns:mc="http://schemas.openxmlformats.org/markup-compatibility/2006" xmlns:p14="http://schemas.microsoft.com/office/powerpoint/2010/main">
+          <mc:Choice Requires="p14">
             <p:contentPart p14:bwMode="auto" r:id="rId173">
               <p14:nvContentPartPr>
                 <p14:cNvPr id="113" name="Ink 112">
@@ -16528,7 +17823,7 @@
               </p14:xfrm>
             </p:contentPart>
           </mc:Choice>
-          <mc:Fallback>
+          <mc:Fallback xmlns="">
             <p:pic>
               <p:nvPicPr>
                 <p:cNvPr id="113" name="Ink 112">
@@ -16590,8 +17885,8 @@
         </p:blipFill>
         <p:spPr bwMode="auto">
           <a:xfrm>
-            <a:off x="5555138" y="418230"/>
-            <a:ext cx="3048000" cy="4572000"/>
+            <a:off x="5170860" y="418229"/>
+            <a:ext cx="3432278" cy="5148417"/>
           </a:xfrm>
           <a:prstGeom prst="rect">
             <a:avLst/>
@@ -17926,8 +19221,8 @@
           </a:prstGeom>
         </p:spPr>
       </p:pic>
-      <mc:AlternateContent xmlns:mc="http://schemas.openxmlformats.org/markup-compatibility/2006">
-        <mc:Choice xmlns:p14="http://schemas.microsoft.com/office/powerpoint/2010/main" Requires="p14">
+      <mc:AlternateContent xmlns:mc="http://schemas.openxmlformats.org/markup-compatibility/2006" xmlns:p14="http://schemas.microsoft.com/office/powerpoint/2010/main">
+        <mc:Choice Requires="p14">
           <p:contentPart p14:bwMode="auto" r:id="rId3">
             <p14:nvContentPartPr>
               <p14:cNvPr id="14" name="Ink 13">
@@ -17946,7 +19241,7 @@
             </p14:xfrm>
           </p:contentPart>
         </mc:Choice>
-        <mc:Fallback>
+        <mc:Fallback xmlns="">
           <p:pic>
             <p:nvPicPr>
               <p:cNvPr id="14" name="Ink 13">
@@ -17977,8 +19272,8 @@
           </p:pic>
         </mc:Fallback>
       </mc:AlternateContent>
-      <mc:AlternateContent xmlns:mc="http://schemas.openxmlformats.org/markup-compatibility/2006">
-        <mc:Choice xmlns:p14="http://schemas.microsoft.com/office/powerpoint/2010/main" Requires="p14">
+      <mc:AlternateContent xmlns:mc="http://schemas.openxmlformats.org/markup-compatibility/2006" xmlns:p14="http://schemas.microsoft.com/office/powerpoint/2010/main">
+        <mc:Choice Requires="p14">
           <p:contentPart p14:bwMode="auto" r:id="rId5">
             <p14:nvContentPartPr>
               <p14:cNvPr id="15" name="Ink 14">
@@ -17997,7 +19292,7 @@
             </p14:xfrm>
           </p:contentPart>
         </mc:Choice>
-        <mc:Fallback>
+        <mc:Fallback xmlns="">
           <p:pic>
             <p:nvPicPr>
               <p:cNvPr id="15" name="Ink 14">
@@ -18378,8 +19673,8 @@
           </a:prstGeom>
         </p:spPr>
       </p:pic>
-      <mc:AlternateContent xmlns:mc="http://schemas.openxmlformats.org/markup-compatibility/2006">
-        <mc:Choice xmlns:p14="http://schemas.microsoft.com/office/powerpoint/2010/main" Requires="p14">
+      <mc:AlternateContent xmlns:mc="http://schemas.openxmlformats.org/markup-compatibility/2006" xmlns:p14="http://schemas.microsoft.com/office/powerpoint/2010/main">
+        <mc:Choice Requires="p14">
           <p:contentPart p14:bwMode="auto" r:id="rId3">
             <p14:nvContentPartPr>
               <p14:cNvPr id="4" name="Ink 3">
@@ -18398,7 +19693,7 @@
             </p14:xfrm>
           </p:contentPart>
         </mc:Choice>
-        <mc:Fallback>
+        <mc:Fallback xmlns="">
           <p:pic>
             <p:nvPicPr>
               <p:cNvPr id="4" name="Ink 3">
@@ -18494,15 +19789,6 @@
               <a:srgbClr val="FFFFFF"/>
             </a:contourClr>
           </a:sp3d>
-          <a:extLst>
-            <a:ext uri="{909E8E84-426E-40DD-AFC4-6F175D3DCCD1}">
-              <a14:hiddenFill xmlns:a14="http://schemas.microsoft.com/office/drawing/2010/main">
-                <a:solidFill>
-                  <a:srgbClr val="FFFFFF"/>
-                </a:solidFill>
-              </a14:hiddenFill>
-            </a:ext>
-          </a:extLst>
         </p:spPr>
       </p:pic>
       <p:sp>
@@ -18788,7 +20074,7 @@
                   </a:schemeClr>
                 </a:solidFill>
               </a:rPr>
-              <a:t>F*ck</a:t>
+              <a:t>Hell nah</a:t>
             </a:r>
           </a:p>
           <a:p>
@@ -19161,8 +20447,8 @@
           </a:prstGeom>
         </p:spPr>
       </p:pic>
-      <mc:AlternateContent xmlns:mc="http://schemas.openxmlformats.org/markup-compatibility/2006">
-        <mc:Choice xmlns:p14="http://schemas.microsoft.com/office/powerpoint/2010/main" Requires="p14">
+      <mc:AlternateContent xmlns:mc="http://schemas.openxmlformats.org/markup-compatibility/2006" xmlns:p14="http://schemas.microsoft.com/office/powerpoint/2010/main">
+        <mc:Choice Requires="p14">
           <p:contentPart p14:bwMode="auto" r:id="rId5">
             <p14:nvContentPartPr>
               <p14:cNvPr id="4" name="Ink 3">
@@ -19181,7 +20467,7 @@
             </p14:xfrm>
           </p:contentPart>
         </mc:Choice>
-        <mc:Fallback>
+        <mc:Fallback xmlns="">
           <p:pic>
             <p:nvPicPr>
               <p:cNvPr id="4" name="Ink 3">
@@ -19212,8 +20498,8 @@
           </p:pic>
         </mc:Fallback>
       </mc:AlternateContent>
-      <mc:AlternateContent xmlns:mc="http://schemas.openxmlformats.org/markup-compatibility/2006">
-        <mc:Choice xmlns:p14="http://schemas.microsoft.com/office/powerpoint/2010/main" Requires="p14">
+      <mc:AlternateContent xmlns:mc="http://schemas.openxmlformats.org/markup-compatibility/2006" xmlns:p14="http://schemas.microsoft.com/office/powerpoint/2010/main">
+        <mc:Choice Requires="p14">
           <p:contentPart p14:bwMode="auto" r:id="rId7">
             <p14:nvContentPartPr>
               <p14:cNvPr id="5" name="Ink 4">
@@ -19232,7 +20518,7 @@
             </p14:xfrm>
           </p:contentPart>
         </mc:Choice>
-        <mc:Fallback>
+        <mc:Fallback xmlns="">
           <p:pic>
             <p:nvPicPr>
               <p:cNvPr id="5" name="Ink 4">
